--- a/Buzzer.pptx
+++ b/Buzzer.pptx
@@ -10,9 +10,10 @@
     <p:sldId id="257" r:id="rId4"/>
     <p:sldId id="258" r:id="rId5"/>
     <p:sldId id="259" r:id="rId6"/>
-    <p:sldId id="263" r:id="rId7"/>
-    <p:sldId id="260" r:id="rId8"/>
-    <p:sldId id="262" r:id="rId9"/>
+    <p:sldId id="264" r:id="rId7"/>
+    <p:sldId id="263" r:id="rId8"/>
+    <p:sldId id="260" r:id="rId9"/>
+    <p:sldId id="262" r:id="rId10"/>
   </p:sldIdLst>
   <p:sldSz cx="12192000" cy="6858000"/>
   <p:notesSz cx="6858000" cy="9144000"/>
@@ -111,6 +112,11 @@
       </a:defRPr>
     </a:lvl9pPr>
   </p:defaultTextStyle>
+  <p:extLst>
+    <p:ext uri="{EFAFB233-063F-42B5-8137-9DF3F51BA10A}">
+      <p15:sldGuideLst xmlns:p15="http://schemas.microsoft.com/office/powerpoint/2012/main"/>
+    </p:ext>
+  </p:extLst>
 </p:presentation>
 </file>
 
@@ -860,7 +866,7 @@
             <a:fld id="{B61BEF0D-F0BB-DE4B-95CE-6DB70DBA9567}" type="datetimeFigureOut">
               <a:rPr lang="en-US" dirty="0"/>
               <a:pPr/>
-              <a:t>5/16/2019</a:t>
+              <a:t>5/20/2019</a:t>
             </a:fld>
             <a:endParaRPr lang="en-US" dirty="0"/>
           </a:p>
@@ -1108,7 +1114,7 @@
             <a:fld id="{B61BEF0D-F0BB-DE4B-95CE-6DB70DBA9567}" type="datetimeFigureOut">
               <a:rPr lang="en-US" dirty="0"/>
               <a:pPr/>
-              <a:t>5/16/2019</a:t>
+              <a:t>5/20/2019</a:t>
             </a:fld>
             <a:endParaRPr lang="en-US" dirty="0"/>
           </a:p>
@@ -1419,7 +1425,7 @@
             <a:fld id="{B61BEF0D-F0BB-DE4B-95CE-6DB70DBA9567}" type="datetimeFigureOut">
               <a:rPr lang="en-US" dirty="0"/>
               <a:pPr/>
-              <a:t>5/16/2019</a:t>
+              <a:t>5/20/2019</a:t>
             </a:fld>
             <a:endParaRPr lang="en-US" dirty="0"/>
           </a:p>
@@ -1749,7 +1755,7 @@
             <a:fld id="{B61BEF0D-F0BB-DE4B-95CE-6DB70DBA9567}" type="datetimeFigureOut">
               <a:rPr lang="en-US" dirty="0"/>
               <a:pPr/>
-              <a:t>5/16/2019</a:t>
+              <a:t>5/20/2019</a:t>
             </a:fld>
             <a:endParaRPr lang="en-US" dirty="0"/>
           </a:p>
@@ -2060,7 +2066,7 @@
             <a:fld id="{B61BEF0D-F0BB-DE4B-95CE-6DB70DBA9567}" type="datetimeFigureOut">
               <a:rPr lang="en-US" dirty="0"/>
               <a:pPr/>
-              <a:t>5/16/2019</a:t>
+              <a:t>5/20/2019</a:t>
             </a:fld>
             <a:endParaRPr lang="en-US" dirty="0"/>
           </a:p>
@@ -2450,7 +2456,7 @@
             <a:fld id="{B61BEF0D-F0BB-DE4B-95CE-6DB70DBA9567}" type="datetimeFigureOut">
               <a:rPr lang="en-US" dirty="0"/>
               <a:pPr/>
-              <a:t>5/16/2019</a:t>
+              <a:t>5/20/2019</a:t>
             </a:fld>
             <a:endParaRPr lang="en-US" dirty="0"/>
           </a:p>
@@ -2616,7 +2622,7 @@
           <a:p>
             <a:fld id="{55C6B4A9-1611-4792-9094-5F34BCA07E0B}" type="datetimeFigureOut">
               <a:rPr lang="en-US" dirty="0"/>
-              <a:t>5/16/2019</a:t>
+              <a:t>5/20/2019</a:t>
             </a:fld>
             <a:endParaRPr lang="en-US" dirty="0"/>
           </a:p>
@@ -2792,7 +2798,7 @@
             <a:fld id="{B61BEF0D-F0BB-DE4B-95CE-6DB70DBA9567}" type="datetimeFigureOut">
               <a:rPr lang="en-US" dirty="0"/>
               <a:pPr/>
-              <a:t>5/16/2019</a:t>
+              <a:t>5/20/2019</a:t>
             </a:fld>
             <a:endParaRPr lang="en-US" dirty="0"/>
           </a:p>
@@ -2958,7 +2964,7 @@
           <a:p>
             <a:fld id="{42A54C80-263E-416B-A8E0-580EDEADCBDC}" type="datetimeFigureOut">
               <a:rPr lang="en-US" dirty="0"/>
-              <a:t>5/16/2019</a:t>
+              <a:t>5/20/2019</a:t>
             </a:fld>
             <a:endParaRPr lang="en-US" dirty="0"/>
           </a:p>
@@ -3201,7 +3207,7 @@
             <a:fld id="{B61BEF0D-F0BB-DE4B-95CE-6DB70DBA9567}" type="datetimeFigureOut">
               <a:rPr lang="en-US" dirty="0"/>
               <a:pPr/>
-              <a:t>5/16/2019</a:t>
+              <a:t>5/20/2019</a:t>
             </a:fld>
             <a:endParaRPr lang="en-US" dirty="0"/>
           </a:p>
@@ -3429,7 +3435,7 @@
           <a:p>
             <a:fld id="{42A54C80-263E-416B-A8E0-580EDEADCBDC}" type="datetimeFigureOut">
               <a:rPr lang="en-US" dirty="0"/>
-              <a:t>5/16/2019</a:t>
+              <a:t>5/20/2019</a:t>
             </a:fld>
             <a:endParaRPr lang="en-US" dirty="0"/>
           </a:p>
@@ -3799,7 +3805,7 @@
             <a:fld id="{B61BEF0D-F0BB-DE4B-95CE-6DB70DBA9567}" type="datetimeFigureOut">
               <a:rPr lang="en-US" dirty="0"/>
               <a:pPr/>
-              <a:t>5/16/2019</a:t>
+              <a:t>5/20/2019</a:t>
             </a:fld>
             <a:endParaRPr lang="en-US" dirty="0"/>
           </a:p>
@@ -3919,7 +3925,7 @@
             <a:fld id="{B61BEF0D-F0BB-DE4B-95CE-6DB70DBA9567}" type="datetimeFigureOut">
               <a:rPr lang="en-US" dirty="0"/>
               <a:pPr/>
-              <a:t>5/16/2019</a:t>
+              <a:t>5/20/2019</a:t>
             </a:fld>
             <a:endParaRPr lang="en-US" dirty="0"/>
           </a:p>
@@ -4011,7 +4017,7 @@
             <a:fld id="{B61BEF0D-F0BB-DE4B-95CE-6DB70DBA9567}" type="datetimeFigureOut">
               <a:rPr lang="en-US" dirty="0"/>
               <a:pPr/>
-              <a:t>5/16/2019</a:t>
+              <a:t>5/20/2019</a:t>
             </a:fld>
             <a:endParaRPr lang="en-US" dirty="0"/>
           </a:p>
@@ -4262,7 +4268,7 @@
           <a:p>
             <a:fld id="{42A54C80-263E-416B-A8E0-580EDEADCBDC}" type="datetimeFigureOut">
               <a:rPr lang="en-US" dirty="0"/>
-              <a:t>5/16/2019</a:t>
+              <a:t>5/20/2019</a:t>
             </a:fld>
             <a:endParaRPr lang="en-US" dirty="0"/>
           </a:p>
@@ -4564,7 +4570,7 @@
             <a:fld id="{B61BEF0D-F0BB-DE4B-95CE-6DB70DBA9567}" type="datetimeFigureOut">
               <a:rPr lang="en-US" dirty="0"/>
               <a:pPr/>
-              <a:t>5/16/2019</a:t>
+              <a:t>5/20/2019</a:t>
             </a:fld>
             <a:endParaRPr lang="en-US" dirty="0"/>
           </a:p>
@@ -5262,7 +5268,7 @@
             <a:fld id="{B61BEF0D-F0BB-DE4B-95CE-6DB70DBA9567}" type="datetimeFigureOut">
               <a:rPr lang="en-US" dirty="0"/>
               <a:pPr/>
-              <a:t>5/16/2019</a:t>
+              <a:t>5/20/2019</a:t>
             </a:fld>
             <a:endParaRPr lang="en-US" dirty="0"/>
           </a:p>
@@ -6238,6 +6244,14 @@
           <a:bodyPr/>
           <a:lstStyle/>
           <a:p>
+            <a:r>
+              <a:rPr lang="de-DE" dirty="0"/>
+              <a:t>Da </a:t>
+            </a:r>
+            <a:r>
+              <a:rPr lang="de-DE"/>
+              <a:t>den Programablaufplan rein!</a:t>
+            </a:r>
             <a:endParaRPr lang="de-DE" dirty="0"/>
           </a:p>
         </p:txBody>
@@ -6277,7 +6291,7 @@
           <p:cNvPr id="2" name="Titel 1">
             <a:extLst>
               <a:ext uri="{FF2B5EF4-FFF2-40B4-BE49-F238E27FC236}">
-                <a16:creationId xmlns:a16="http://schemas.microsoft.com/office/drawing/2014/main" id="{69462FC5-0605-4F47-A7D6-BE0FC786991C}"/>
+                <a16:creationId xmlns:a16="http://schemas.microsoft.com/office/drawing/2014/main" id="{EBE08393-8DFF-46D0-800D-B5ACD64AF93D}"/>
               </a:ext>
             </a:extLst>
           </p:cNvPr>
@@ -6294,50 +6308,49 @@
           <a:lstStyle/>
           <a:p>
             <a:r>
-              <a:rPr lang="de-DE" dirty="0"/>
-              <a:t>Erweiterungen</a:t>
-            </a:r>
-          </a:p>
-        </p:txBody>
-      </p:sp>
-      <p:sp>
-        <p:nvSpPr>
-          <p:cNvPr id="3" name="Inhaltsplatzhalter 2">
+              <a:rPr lang="de-DE" dirty="0" err="1"/>
+              <a:t>Timer</a:t>
+            </a:r>
+            <a:endParaRPr lang="de-DE" dirty="0"/>
+          </a:p>
+        </p:txBody>
+      </p:sp>
+      <p:pic>
+        <p:nvPicPr>
+          <p:cNvPr id="8" name="Inhaltsplatzhalter 7">
             <a:extLst>
               <a:ext uri="{FF2B5EF4-FFF2-40B4-BE49-F238E27FC236}">
-                <a16:creationId xmlns:a16="http://schemas.microsoft.com/office/drawing/2014/main" id="{8FF5617A-959B-4DAF-AC32-C0A804554E40}"/>
+                <a16:creationId xmlns:a16="http://schemas.microsoft.com/office/drawing/2014/main" id="{38D56769-BEB2-4F74-A468-C61E3E055BCF}"/>
               </a:ext>
             </a:extLst>
           </p:cNvPr>
-          <p:cNvSpPr>
-            <a:spLocks noGrp="1"/>
-          </p:cNvSpPr>
+          <p:cNvPicPr>
+            <a:picLocks noGrp="1" noChangeAspect="1"/>
+          </p:cNvPicPr>
           <p:nvPr>
             <p:ph idx="1"/>
           </p:nvPr>
-        </p:nvSpPr>
-        <p:spPr/>
-        <p:txBody>
-          <a:bodyPr/>
-          <a:lstStyle/>
-          <a:p>
-            <a:r>
-              <a:rPr lang="de-DE" dirty="0"/>
-              <a:t>Zufallsgenerator</a:t>
-            </a:r>
-          </a:p>
-          <a:p>
-            <a:r>
-              <a:rPr lang="de-DE" dirty="0"/>
-              <a:t>Buzzer für andere Funktionen nutzen (auslösen des Lichts auf Signal)</a:t>
-            </a:r>
-          </a:p>
-        </p:txBody>
-      </p:sp>
+        </p:nvPicPr>
+        <p:blipFill>
+          <a:blip r:embed="rId2"/>
+          <a:stretch>
+            <a:fillRect/>
+          </a:stretch>
+        </p:blipFill>
+        <p:spPr>
+          <a:xfrm>
+            <a:off x="677334" y="2830750"/>
+            <a:ext cx="8984642" cy="2249284"/>
+          </a:xfrm>
+          <a:prstGeom prst="rect">
+            <a:avLst/>
+          </a:prstGeom>
+        </p:spPr>
+      </p:pic>
     </p:spTree>
     <p:extLst>
       <p:ext uri="{BB962C8B-B14F-4D97-AF65-F5344CB8AC3E}">
-        <p14:creationId xmlns:p14="http://schemas.microsoft.com/office/powerpoint/2010/main" val="1120401153"/>
+        <p14:creationId xmlns:p14="http://schemas.microsoft.com/office/powerpoint/2010/main" val="2323375115"/>
       </p:ext>
     </p:extLst>
   </p:cSld>
@@ -6369,6 +6382,98 @@
           <p:cNvPr id="2" name="Titel 1">
             <a:extLst>
               <a:ext uri="{FF2B5EF4-FFF2-40B4-BE49-F238E27FC236}">
+                <a16:creationId xmlns:a16="http://schemas.microsoft.com/office/drawing/2014/main" id="{69462FC5-0605-4F47-A7D6-BE0FC786991C}"/>
+              </a:ext>
+            </a:extLst>
+          </p:cNvPr>
+          <p:cNvSpPr>
+            <a:spLocks noGrp="1"/>
+          </p:cNvSpPr>
+          <p:nvPr>
+            <p:ph type="title"/>
+          </p:nvPr>
+        </p:nvSpPr>
+        <p:spPr/>
+        <p:txBody>
+          <a:bodyPr/>
+          <a:lstStyle/>
+          <a:p>
+            <a:r>
+              <a:rPr lang="de-DE" dirty="0"/>
+              <a:t>Erweiterungen</a:t>
+            </a:r>
+          </a:p>
+        </p:txBody>
+      </p:sp>
+      <p:sp>
+        <p:nvSpPr>
+          <p:cNvPr id="3" name="Inhaltsplatzhalter 2">
+            <a:extLst>
+              <a:ext uri="{FF2B5EF4-FFF2-40B4-BE49-F238E27FC236}">
+                <a16:creationId xmlns:a16="http://schemas.microsoft.com/office/drawing/2014/main" id="{8FF5617A-959B-4DAF-AC32-C0A804554E40}"/>
+              </a:ext>
+            </a:extLst>
+          </p:cNvPr>
+          <p:cNvSpPr>
+            <a:spLocks noGrp="1"/>
+          </p:cNvSpPr>
+          <p:nvPr>
+            <p:ph idx="1"/>
+          </p:nvPr>
+        </p:nvSpPr>
+        <p:spPr/>
+        <p:txBody>
+          <a:bodyPr/>
+          <a:lstStyle/>
+          <a:p>
+            <a:r>
+              <a:rPr lang="de-DE" dirty="0"/>
+              <a:t>Zufallsgenerator</a:t>
+            </a:r>
+          </a:p>
+          <a:p>
+            <a:r>
+              <a:rPr lang="de-DE" dirty="0"/>
+              <a:t>Buzzer für andere Funktionen nutzen (auslösen des Lichts auf Signal)</a:t>
+            </a:r>
+          </a:p>
+        </p:txBody>
+      </p:sp>
+    </p:spTree>
+    <p:extLst>
+      <p:ext uri="{BB962C8B-B14F-4D97-AF65-F5344CB8AC3E}">
+        <p14:creationId xmlns:p14="http://schemas.microsoft.com/office/powerpoint/2010/main" val="1120401153"/>
+      </p:ext>
+    </p:extLst>
+  </p:cSld>
+  <p:clrMapOvr>
+    <a:masterClrMapping/>
+  </p:clrMapOvr>
+</p:sld>
+</file>
+
+<file path=ppt/slides/slide8.xml><?xml version="1.0" encoding="utf-8"?>
+<p:sld xmlns:a="http://schemas.openxmlformats.org/drawingml/2006/main" xmlns:r="http://schemas.openxmlformats.org/officeDocument/2006/relationships" xmlns:p="http://schemas.openxmlformats.org/presentationml/2006/main">
+  <p:cSld>
+    <p:spTree>
+      <p:nvGrpSpPr>
+        <p:cNvPr id="1" name=""/>
+        <p:cNvGrpSpPr/>
+        <p:nvPr/>
+      </p:nvGrpSpPr>
+      <p:grpSpPr>
+        <a:xfrm>
+          <a:off x="0" y="0"/>
+          <a:ext cx="0" cy="0"/>
+          <a:chOff x="0" y="0"/>
+          <a:chExt cx="0" cy="0"/>
+        </a:xfrm>
+      </p:grpSpPr>
+      <p:sp>
+        <p:nvSpPr>
+          <p:cNvPr id="2" name="Titel 1">
+            <a:extLst>
+              <a:ext uri="{FF2B5EF4-FFF2-40B4-BE49-F238E27FC236}">
                 <a16:creationId xmlns:a16="http://schemas.microsoft.com/office/drawing/2014/main" id="{61DAFEA5-F63C-40E5-AA3F-5E2BD5D0A05E}"/>
               </a:ext>
             </a:extLst>
@@ -6430,7 +6535,7 @@
 </p:sld>
 </file>
 
-<file path=ppt/slides/slide8.xml><?xml version="1.0" encoding="utf-8"?>
+<file path=ppt/slides/slide9.xml><?xml version="1.0" encoding="utf-8"?>
 <p:sld xmlns:a="http://schemas.openxmlformats.org/drawingml/2006/main" xmlns:r="http://schemas.openxmlformats.org/officeDocument/2006/relationships" xmlns:p="http://schemas.openxmlformats.org/presentationml/2006/main">
   <p:cSld>
     <p:spTree>

--- a/Buzzer.pptx
+++ b/Buzzer.pptx
@@ -8,12 +8,13 @@
     <p:sldId id="256" r:id="rId2"/>
     <p:sldId id="261" r:id="rId3"/>
     <p:sldId id="257" r:id="rId4"/>
-    <p:sldId id="258" r:id="rId5"/>
-    <p:sldId id="259" r:id="rId6"/>
-    <p:sldId id="264" r:id="rId7"/>
-    <p:sldId id="263" r:id="rId8"/>
-    <p:sldId id="260" r:id="rId9"/>
-    <p:sldId id="262" r:id="rId10"/>
+    <p:sldId id="265" r:id="rId5"/>
+    <p:sldId id="258" r:id="rId6"/>
+    <p:sldId id="259" r:id="rId7"/>
+    <p:sldId id="264" r:id="rId8"/>
+    <p:sldId id="263" r:id="rId9"/>
+    <p:sldId id="260" r:id="rId10"/>
+    <p:sldId id="266" r:id="rId11"/>
   </p:sldIdLst>
   <p:sldSz cx="12192000" cy="6858000"/>
   <p:notesSz cx="6858000" cy="9144000"/>
@@ -118,6 +119,6147 @@
     </p:ext>
   </p:extLst>
 </p:presentation>
+</file>
+
+<file path=ppt/diagrams/colors1.xml><?xml version="1.0" encoding="utf-8"?>
+<dgm:colorsDef xmlns:dgm="http://schemas.openxmlformats.org/drawingml/2006/diagram" xmlns:a="http://schemas.openxmlformats.org/drawingml/2006/main" uniqueId="urn:microsoft.com/office/officeart/2018/5/colors/Iconchunking_coloredtext_colorful2">
+  <dgm:title val=""/>
+  <dgm:desc val=""/>
+  <dgm:catLst>
+    <dgm:cat type="colorful" pri="10200"/>
+  </dgm:catLst>
+  <dgm:styleLbl name="node0">
+    <dgm:fillClrLst meth="repeat">
+      <a:schemeClr val="accent1"/>
+    </dgm:fillClrLst>
+    <dgm:linClrLst meth="repeat">
+      <a:schemeClr val="lt1"/>
+    </dgm:linClrLst>
+    <dgm:effectClrLst/>
+    <dgm:txLinClrLst/>
+    <dgm:txFillClrLst/>
+    <dgm:txEffectClrLst/>
+  </dgm:styleLbl>
+  <dgm:styleLbl name="node1">
+    <dgm:fillClrLst meth="repeat">
+      <a:schemeClr val="bg1"/>
+    </dgm:fillClrLst>
+    <dgm:linClrLst meth="repeat">
+      <a:schemeClr val="lt1">
+        <a:alpha val="0"/>
+      </a:schemeClr>
+    </dgm:linClrLst>
+    <dgm:effectClrLst/>
+    <dgm:txLinClrLst/>
+    <dgm:txFillClrLst meth="repeat">
+      <a:schemeClr val="dk1"/>
+    </dgm:txFillClrLst>
+    <dgm:txEffectClrLst/>
+  </dgm:styleLbl>
+  <dgm:styleLbl name="alignNode1">
+    <dgm:fillClrLst>
+      <a:schemeClr val="accent2"/>
+      <a:schemeClr val="accent3"/>
+    </dgm:fillClrLst>
+    <dgm:linClrLst>
+      <a:schemeClr val="accent2"/>
+      <a:schemeClr val="accent3"/>
+    </dgm:linClrLst>
+    <dgm:effectClrLst/>
+    <dgm:txLinClrLst/>
+    <dgm:txFillClrLst/>
+    <dgm:txEffectClrLst/>
+  </dgm:styleLbl>
+  <dgm:styleLbl name="lnNode1">
+    <dgm:fillClrLst>
+      <a:schemeClr val="accent2"/>
+      <a:schemeClr val="accent3"/>
+    </dgm:fillClrLst>
+    <dgm:linClrLst meth="repeat">
+      <a:schemeClr val="lt1"/>
+    </dgm:linClrLst>
+    <dgm:effectClrLst/>
+    <dgm:txLinClrLst/>
+    <dgm:txFillClrLst/>
+    <dgm:txEffectClrLst/>
+  </dgm:styleLbl>
+  <dgm:styleLbl name="vennNode1">
+    <dgm:fillClrLst>
+      <a:schemeClr val="accent2">
+        <a:alpha val="50000"/>
+      </a:schemeClr>
+      <a:schemeClr val="accent3">
+        <a:alpha val="50000"/>
+      </a:schemeClr>
+    </dgm:fillClrLst>
+    <dgm:linClrLst meth="repeat">
+      <a:schemeClr val="lt1"/>
+    </dgm:linClrLst>
+    <dgm:effectClrLst/>
+    <dgm:txLinClrLst/>
+    <dgm:txFillClrLst/>
+    <dgm:txEffectClrLst/>
+  </dgm:styleLbl>
+  <dgm:styleLbl name="node2">
+    <dgm:fillClrLst>
+      <a:schemeClr val="accent3"/>
+    </dgm:fillClrLst>
+    <dgm:linClrLst meth="repeat">
+      <a:schemeClr val="lt1"/>
+    </dgm:linClrLst>
+    <dgm:effectClrLst/>
+    <dgm:txLinClrLst/>
+    <dgm:txFillClrLst/>
+    <dgm:txEffectClrLst/>
+  </dgm:styleLbl>
+  <dgm:styleLbl name="node3">
+    <dgm:fillClrLst>
+      <a:schemeClr val="accent4"/>
+    </dgm:fillClrLst>
+    <dgm:linClrLst meth="repeat">
+      <a:schemeClr val="lt1"/>
+    </dgm:linClrLst>
+    <dgm:effectClrLst/>
+    <dgm:txLinClrLst/>
+    <dgm:txFillClrLst/>
+    <dgm:txEffectClrLst/>
+  </dgm:styleLbl>
+  <dgm:styleLbl name="node4">
+    <dgm:fillClrLst>
+      <a:schemeClr val="accent5"/>
+    </dgm:fillClrLst>
+    <dgm:linClrLst meth="repeat">
+      <a:schemeClr val="lt1"/>
+    </dgm:linClrLst>
+    <dgm:effectClrLst/>
+    <dgm:txLinClrLst/>
+    <dgm:txFillClrLst/>
+    <dgm:txEffectClrLst/>
+  </dgm:styleLbl>
+  <dgm:styleLbl name="fgImgPlace1">
+    <dgm:fillClrLst>
+      <a:schemeClr val="accent2">
+        <a:tint val="50000"/>
+      </a:schemeClr>
+      <a:schemeClr val="accent3">
+        <a:tint val="50000"/>
+      </a:schemeClr>
+    </dgm:fillClrLst>
+    <dgm:linClrLst meth="repeat">
+      <a:schemeClr val="lt1"/>
+    </dgm:linClrLst>
+    <dgm:effectClrLst/>
+    <dgm:txLinClrLst/>
+    <dgm:txFillClrLst meth="repeat">
+      <a:schemeClr val="lt1"/>
+    </dgm:txFillClrLst>
+    <dgm:txEffectClrLst/>
+  </dgm:styleLbl>
+  <dgm:styleLbl name="alignImgPlace1">
+    <dgm:fillClrLst>
+      <a:schemeClr val="accent2">
+        <a:tint val="50000"/>
+      </a:schemeClr>
+      <a:schemeClr val="accent3">
+        <a:tint val="20000"/>
+      </a:schemeClr>
+    </dgm:fillClrLst>
+    <dgm:linClrLst meth="repeat">
+      <a:schemeClr val="lt1"/>
+    </dgm:linClrLst>
+    <dgm:effectClrLst/>
+    <dgm:txLinClrLst/>
+    <dgm:txFillClrLst meth="repeat">
+      <a:schemeClr val="lt1"/>
+    </dgm:txFillClrLst>
+    <dgm:txEffectClrLst/>
+  </dgm:styleLbl>
+  <dgm:styleLbl name="bgImgPlace1">
+    <dgm:fillClrLst>
+      <a:schemeClr val="accent2">
+        <a:tint val="50000"/>
+      </a:schemeClr>
+      <a:schemeClr val="accent3">
+        <a:tint val="20000"/>
+      </a:schemeClr>
+    </dgm:fillClrLst>
+    <dgm:linClrLst meth="repeat">
+      <a:schemeClr val="lt1"/>
+    </dgm:linClrLst>
+    <dgm:effectClrLst/>
+    <dgm:txLinClrLst/>
+    <dgm:txFillClrLst meth="repeat">
+      <a:schemeClr val="lt1"/>
+    </dgm:txFillClrLst>
+    <dgm:txEffectClrLst/>
+  </dgm:styleLbl>
+  <dgm:styleLbl name="sibTrans2D1">
+    <dgm:fillClrLst>
+      <a:schemeClr val="accent2"/>
+      <a:schemeClr val="accent3"/>
+    </dgm:fillClrLst>
+    <dgm:linClrLst meth="repeat">
+      <a:schemeClr val="lt1"/>
+    </dgm:linClrLst>
+    <dgm:effectClrLst/>
+    <dgm:txLinClrLst/>
+    <dgm:txFillClrLst/>
+    <dgm:txEffectClrLst/>
+  </dgm:styleLbl>
+  <dgm:styleLbl name="fgSibTrans2D1">
+    <dgm:fillClrLst>
+      <a:schemeClr val="accent2"/>
+      <a:schemeClr val="accent3"/>
+    </dgm:fillClrLst>
+    <dgm:linClrLst meth="repeat">
+      <a:schemeClr val="lt1"/>
+    </dgm:linClrLst>
+    <dgm:effectClrLst/>
+    <dgm:txLinClrLst/>
+    <dgm:txFillClrLst meth="repeat">
+      <a:schemeClr val="lt1"/>
+    </dgm:txFillClrLst>
+    <dgm:txEffectClrLst/>
+  </dgm:styleLbl>
+  <dgm:styleLbl name="bgSibTrans2D1">
+    <dgm:fillClrLst>
+      <a:schemeClr val="accent2"/>
+      <a:schemeClr val="accent3"/>
+    </dgm:fillClrLst>
+    <dgm:linClrLst meth="repeat">
+      <a:schemeClr val="lt1"/>
+    </dgm:linClrLst>
+    <dgm:effectClrLst/>
+    <dgm:txLinClrLst/>
+    <dgm:txFillClrLst meth="repeat">
+      <a:schemeClr val="lt1"/>
+    </dgm:txFillClrLst>
+    <dgm:txEffectClrLst/>
+  </dgm:styleLbl>
+  <dgm:styleLbl name="sibTrans1D1">
+    <dgm:fillClrLst/>
+    <dgm:linClrLst>
+      <a:schemeClr val="accent2"/>
+      <a:schemeClr val="accent3"/>
+    </dgm:linClrLst>
+    <dgm:effectClrLst/>
+    <dgm:txLinClrLst/>
+    <dgm:txFillClrLst meth="repeat">
+      <a:schemeClr val="tx1"/>
+    </dgm:txFillClrLst>
+    <dgm:txEffectClrLst/>
+  </dgm:styleLbl>
+  <dgm:styleLbl name="callout">
+    <dgm:fillClrLst meth="repeat">
+      <a:schemeClr val="accent2"/>
+    </dgm:fillClrLst>
+    <dgm:linClrLst meth="repeat">
+      <a:schemeClr val="accent2">
+        <a:tint val="50000"/>
+      </a:schemeClr>
+    </dgm:linClrLst>
+    <dgm:effectClrLst/>
+    <dgm:txLinClrLst/>
+    <dgm:txFillClrLst meth="repeat">
+      <a:schemeClr val="tx1"/>
+    </dgm:txFillClrLst>
+    <dgm:txEffectClrLst/>
+  </dgm:styleLbl>
+  <dgm:styleLbl name="asst0">
+    <dgm:fillClrLst meth="repeat">
+      <a:schemeClr val="accent2"/>
+    </dgm:fillClrLst>
+    <dgm:linClrLst meth="repeat">
+      <a:schemeClr val="lt1">
+        <a:shade val="80000"/>
+      </a:schemeClr>
+    </dgm:linClrLst>
+    <dgm:effectClrLst/>
+    <dgm:txLinClrLst/>
+    <dgm:txFillClrLst/>
+    <dgm:txEffectClrLst/>
+  </dgm:styleLbl>
+  <dgm:styleLbl name="asst1">
+    <dgm:fillClrLst meth="repeat">
+      <a:schemeClr val="accent3"/>
+    </dgm:fillClrLst>
+    <dgm:linClrLst meth="repeat">
+      <a:schemeClr val="lt1">
+        <a:shade val="80000"/>
+      </a:schemeClr>
+    </dgm:linClrLst>
+    <dgm:effectClrLst/>
+    <dgm:txLinClrLst/>
+    <dgm:txFillClrLst/>
+    <dgm:txEffectClrLst/>
+  </dgm:styleLbl>
+  <dgm:styleLbl name="asst2">
+    <dgm:fillClrLst>
+      <a:schemeClr val="accent4"/>
+    </dgm:fillClrLst>
+    <dgm:linClrLst meth="repeat">
+      <a:schemeClr val="lt1"/>
+    </dgm:linClrLst>
+    <dgm:effectClrLst/>
+    <dgm:txLinClrLst/>
+    <dgm:txFillClrLst/>
+    <dgm:txEffectClrLst/>
+  </dgm:styleLbl>
+  <dgm:styleLbl name="asst3">
+    <dgm:fillClrLst>
+      <a:schemeClr val="accent5"/>
+    </dgm:fillClrLst>
+    <dgm:linClrLst meth="repeat">
+      <a:schemeClr val="lt1"/>
+    </dgm:linClrLst>
+    <dgm:effectClrLst/>
+    <dgm:txLinClrLst/>
+    <dgm:txFillClrLst/>
+    <dgm:txEffectClrLst/>
+  </dgm:styleLbl>
+  <dgm:styleLbl name="asst4">
+    <dgm:fillClrLst>
+      <a:schemeClr val="accent6"/>
+    </dgm:fillClrLst>
+    <dgm:linClrLst meth="repeat">
+      <a:schemeClr val="lt1"/>
+    </dgm:linClrLst>
+    <dgm:effectClrLst/>
+    <dgm:txLinClrLst/>
+    <dgm:txFillClrLst/>
+    <dgm:txEffectClrLst/>
+  </dgm:styleLbl>
+  <dgm:styleLbl name="parChTrans2D1">
+    <dgm:fillClrLst meth="repeat">
+      <a:schemeClr val="accent2"/>
+    </dgm:fillClrLst>
+    <dgm:linClrLst meth="repeat">
+      <a:schemeClr val="lt1"/>
+    </dgm:linClrLst>
+    <dgm:effectClrLst/>
+    <dgm:txLinClrLst/>
+    <dgm:txFillClrLst meth="repeat">
+      <a:schemeClr val="lt1"/>
+    </dgm:txFillClrLst>
+    <dgm:txEffectClrLst/>
+  </dgm:styleLbl>
+  <dgm:styleLbl name="parChTrans2D2">
+    <dgm:fillClrLst meth="repeat">
+      <a:schemeClr val="accent3"/>
+    </dgm:fillClrLst>
+    <dgm:linClrLst meth="repeat">
+      <a:schemeClr val="lt1"/>
+    </dgm:linClrLst>
+    <dgm:effectClrLst/>
+    <dgm:txLinClrLst/>
+    <dgm:txFillClrLst/>
+    <dgm:txEffectClrLst/>
+  </dgm:styleLbl>
+  <dgm:styleLbl name="parChTrans2D3">
+    <dgm:fillClrLst meth="repeat">
+      <a:schemeClr val="accent4"/>
+    </dgm:fillClrLst>
+    <dgm:linClrLst meth="repeat">
+      <a:schemeClr val="lt1"/>
+    </dgm:linClrLst>
+    <dgm:effectClrLst/>
+    <dgm:txLinClrLst/>
+    <dgm:txFillClrLst/>
+    <dgm:txEffectClrLst/>
+  </dgm:styleLbl>
+  <dgm:styleLbl name="parChTrans2D4">
+    <dgm:fillClrLst meth="repeat">
+      <a:schemeClr val="accent5"/>
+    </dgm:fillClrLst>
+    <dgm:linClrLst meth="repeat">
+      <a:schemeClr val="lt1"/>
+    </dgm:linClrLst>
+    <dgm:effectClrLst/>
+    <dgm:txLinClrLst/>
+    <dgm:txFillClrLst meth="repeat">
+      <a:schemeClr val="lt1"/>
+    </dgm:txFillClrLst>
+    <dgm:txEffectClrLst/>
+  </dgm:styleLbl>
+  <dgm:styleLbl name="parChTrans1D1">
+    <dgm:fillClrLst meth="repeat">
+      <a:schemeClr val="accent2"/>
+    </dgm:fillClrLst>
+    <dgm:linClrLst meth="repeat">
+      <a:schemeClr val="accent2"/>
+    </dgm:linClrLst>
+    <dgm:effectClrLst/>
+    <dgm:txLinClrLst/>
+    <dgm:txFillClrLst meth="repeat">
+      <a:schemeClr val="tx1"/>
+    </dgm:txFillClrLst>
+    <dgm:txEffectClrLst/>
+  </dgm:styleLbl>
+  <dgm:styleLbl name="parChTrans1D2">
+    <dgm:fillClrLst meth="repeat">
+      <a:schemeClr val="accent2">
+        <a:tint val="90000"/>
+      </a:schemeClr>
+    </dgm:fillClrLst>
+    <dgm:linClrLst meth="repeat">
+      <a:schemeClr val="accent3"/>
+    </dgm:linClrLst>
+    <dgm:effectClrLst/>
+    <dgm:txLinClrLst/>
+    <dgm:txFillClrLst meth="repeat">
+      <a:schemeClr val="tx1"/>
+    </dgm:txFillClrLst>
+    <dgm:txEffectClrLst/>
+  </dgm:styleLbl>
+  <dgm:styleLbl name="parChTrans1D3">
+    <dgm:fillClrLst meth="repeat">
+      <a:schemeClr val="accent2">
+        <a:tint val="70000"/>
+      </a:schemeClr>
+    </dgm:fillClrLst>
+    <dgm:linClrLst meth="repeat">
+      <a:schemeClr val="accent4"/>
+    </dgm:linClrLst>
+    <dgm:effectClrLst/>
+    <dgm:txLinClrLst/>
+    <dgm:txFillClrLst meth="repeat">
+      <a:schemeClr val="tx1"/>
+    </dgm:txFillClrLst>
+    <dgm:txEffectClrLst/>
+  </dgm:styleLbl>
+  <dgm:styleLbl name="parChTrans1D4">
+    <dgm:fillClrLst meth="repeat">
+      <a:schemeClr val="accent2">
+        <a:tint val="50000"/>
+      </a:schemeClr>
+    </dgm:fillClrLst>
+    <dgm:linClrLst meth="repeat">
+      <a:schemeClr val="accent5"/>
+    </dgm:linClrLst>
+    <dgm:effectClrLst/>
+    <dgm:txLinClrLst/>
+    <dgm:txFillClrLst meth="repeat">
+      <a:schemeClr val="tx1"/>
+    </dgm:txFillClrLst>
+    <dgm:txEffectClrLst/>
+  </dgm:styleLbl>
+  <dgm:styleLbl name="fgAcc1">
+    <dgm:fillClrLst meth="repeat">
+      <a:schemeClr val="lt1">
+        <a:alpha val="90000"/>
+      </a:schemeClr>
+    </dgm:fillClrLst>
+    <dgm:linClrLst>
+      <a:schemeClr val="accent2"/>
+      <a:schemeClr val="accent3"/>
+    </dgm:linClrLst>
+    <dgm:effectClrLst/>
+    <dgm:txLinClrLst/>
+    <dgm:txFillClrLst meth="repeat">
+      <a:schemeClr val="dk1"/>
+    </dgm:txFillClrLst>
+    <dgm:txEffectClrLst/>
+  </dgm:styleLbl>
+  <dgm:styleLbl name="conFgAcc1">
+    <dgm:fillClrLst meth="repeat">
+      <a:schemeClr val="lt1">
+        <a:alpha val="90000"/>
+      </a:schemeClr>
+    </dgm:fillClrLst>
+    <dgm:linClrLst>
+      <a:schemeClr val="accent2"/>
+      <a:schemeClr val="accent3"/>
+    </dgm:linClrLst>
+    <dgm:effectClrLst/>
+    <dgm:txLinClrLst/>
+    <dgm:txFillClrLst meth="repeat">
+      <a:schemeClr val="dk1"/>
+    </dgm:txFillClrLst>
+    <dgm:txEffectClrLst/>
+  </dgm:styleLbl>
+  <dgm:styleLbl name="alignAcc1">
+    <dgm:fillClrLst meth="repeat">
+      <a:schemeClr val="lt1">
+        <a:alpha val="90000"/>
+      </a:schemeClr>
+    </dgm:fillClrLst>
+    <dgm:linClrLst>
+      <a:schemeClr val="accent2"/>
+      <a:schemeClr val="accent3"/>
+    </dgm:linClrLst>
+    <dgm:effectClrLst/>
+    <dgm:txLinClrLst/>
+    <dgm:txFillClrLst meth="repeat">
+      <a:schemeClr val="dk1"/>
+    </dgm:txFillClrLst>
+    <dgm:txEffectClrLst/>
+  </dgm:styleLbl>
+  <dgm:styleLbl name="trAlignAcc1">
+    <dgm:fillClrLst meth="repeat">
+      <a:schemeClr val="lt1">
+        <a:alpha val="0"/>
+      </a:schemeClr>
+    </dgm:fillClrLst>
+    <dgm:linClrLst>
+      <a:schemeClr val="accent2"/>
+      <a:schemeClr val="accent3"/>
+    </dgm:linClrLst>
+    <dgm:effectClrLst/>
+    <dgm:txLinClrLst/>
+    <dgm:txFillClrLst meth="repeat">
+      <a:schemeClr val="dk1"/>
+    </dgm:txFillClrLst>
+    <dgm:txEffectClrLst/>
+  </dgm:styleLbl>
+  <dgm:styleLbl name="bgAcc1">
+    <dgm:fillClrLst meth="repeat">
+      <a:schemeClr val="lt1">
+        <a:alpha val="90000"/>
+      </a:schemeClr>
+    </dgm:fillClrLst>
+    <dgm:linClrLst>
+      <a:schemeClr val="accent2"/>
+      <a:schemeClr val="accent3"/>
+    </dgm:linClrLst>
+    <dgm:effectClrLst/>
+    <dgm:txLinClrLst/>
+    <dgm:txFillClrLst meth="repeat">
+      <a:schemeClr val="dk1"/>
+    </dgm:txFillClrLst>
+    <dgm:txEffectClrLst/>
+  </dgm:styleLbl>
+  <dgm:styleLbl name="solidFgAcc1">
+    <dgm:fillClrLst meth="repeat">
+      <a:schemeClr val="lt1"/>
+    </dgm:fillClrLst>
+    <dgm:linClrLst>
+      <a:schemeClr val="accent2"/>
+      <a:schemeClr val="accent3"/>
+    </dgm:linClrLst>
+    <dgm:effectClrLst/>
+    <dgm:txLinClrLst/>
+    <dgm:txFillClrLst meth="repeat">
+      <a:schemeClr val="dk1"/>
+    </dgm:txFillClrLst>
+    <dgm:txEffectClrLst/>
+  </dgm:styleLbl>
+  <dgm:styleLbl name="solidAlignAcc1">
+    <dgm:fillClrLst meth="repeat">
+      <a:schemeClr val="lt1"/>
+    </dgm:fillClrLst>
+    <dgm:linClrLst>
+      <a:schemeClr val="accent2"/>
+      <a:schemeClr val="accent3"/>
+    </dgm:linClrLst>
+    <dgm:effectClrLst/>
+    <dgm:txLinClrLst/>
+    <dgm:txFillClrLst meth="repeat">
+      <a:schemeClr val="dk1"/>
+    </dgm:txFillClrLst>
+    <dgm:txEffectClrLst/>
+  </dgm:styleLbl>
+  <dgm:styleLbl name="solidBgAcc1">
+    <dgm:fillClrLst meth="repeat">
+      <a:schemeClr val="lt1"/>
+    </dgm:fillClrLst>
+    <dgm:linClrLst>
+      <a:schemeClr val="accent2"/>
+      <a:schemeClr val="accent3"/>
+    </dgm:linClrLst>
+    <dgm:effectClrLst/>
+    <dgm:txLinClrLst/>
+    <dgm:txFillClrLst meth="repeat">
+      <a:schemeClr val="dk1"/>
+    </dgm:txFillClrLst>
+    <dgm:txEffectClrLst/>
+  </dgm:styleLbl>
+  <dgm:styleLbl name="fgAccFollowNode1">
+    <dgm:fillClrLst>
+      <a:schemeClr val="accent2">
+        <a:tint val="40000"/>
+        <a:alpha val="90000"/>
+      </a:schemeClr>
+      <a:schemeClr val="accent3">
+        <a:tint val="40000"/>
+        <a:alpha val="90000"/>
+      </a:schemeClr>
+    </dgm:fillClrLst>
+    <dgm:linClrLst>
+      <a:schemeClr val="accent2">
+        <a:tint val="40000"/>
+        <a:alpha val="90000"/>
+      </a:schemeClr>
+      <a:schemeClr val="accent3">
+        <a:tint val="40000"/>
+        <a:alpha val="90000"/>
+      </a:schemeClr>
+    </dgm:linClrLst>
+    <dgm:effectClrLst/>
+    <dgm:txLinClrLst/>
+    <dgm:txFillClrLst meth="repeat">
+      <a:schemeClr val="dk1"/>
+    </dgm:txFillClrLst>
+    <dgm:txEffectClrLst/>
+  </dgm:styleLbl>
+  <dgm:styleLbl name="alignAccFollowNode1">
+    <dgm:fillClrLst>
+      <a:schemeClr val="accent2">
+        <a:tint val="40000"/>
+        <a:alpha val="90000"/>
+      </a:schemeClr>
+      <a:schemeClr val="accent3">
+        <a:tint val="40000"/>
+        <a:alpha val="90000"/>
+      </a:schemeClr>
+    </dgm:fillClrLst>
+    <dgm:linClrLst>
+      <a:schemeClr val="accent2">
+        <a:tint val="40000"/>
+        <a:alpha val="90000"/>
+      </a:schemeClr>
+      <a:schemeClr val="accent3">
+        <a:tint val="40000"/>
+        <a:alpha val="90000"/>
+      </a:schemeClr>
+    </dgm:linClrLst>
+    <dgm:effectClrLst/>
+    <dgm:txLinClrLst/>
+    <dgm:txFillClrLst meth="repeat">
+      <a:schemeClr val="dk1"/>
+    </dgm:txFillClrLst>
+    <dgm:txEffectClrLst/>
+  </dgm:styleLbl>
+  <dgm:styleLbl name="bgAccFollowNode1">
+    <dgm:fillClrLst>
+      <a:schemeClr val="accent2">
+        <a:tint val="40000"/>
+        <a:alpha val="90000"/>
+      </a:schemeClr>
+      <a:schemeClr val="accent3">
+        <a:tint val="40000"/>
+        <a:alpha val="90000"/>
+      </a:schemeClr>
+    </dgm:fillClrLst>
+    <dgm:linClrLst>
+      <a:schemeClr val="accent2">
+        <a:tint val="40000"/>
+        <a:alpha val="90000"/>
+      </a:schemeClr>
+      <a:schemeClr val="accent3">
+        <a:tint val="40000"/>
+        <a:alpha val="90000"/>
+      </a:schemeClr>
+    </dgm:linClrLst>
+    <dgm:effectClrLst/>
+    <dgm:txLinClrLst/>
+    <dgm:txFillClrLst meth="repeat">
+      <a:schemeClr val="dk1"/>
+    </dgm:txFillClrLst>
+    <dgm:txEffectClrLst/>
+  </dgm:styleLbl>
+  <dgm:styleLbl name="fgAcc0">
+    <dgm:fillClrLst meth="repeat">
+      <a:schemeClr val="lt1">
+        <a:alpha val="90000"/>
+      </a:schemeClr>
+    </dgm:fillClrLst>
+    <dgm:linClrLst>
+      <a:schemeClr val="accent1"/>
+    </dgm:linClrLst>
+    <dgm:effectClrLst/>
+    <dgm:txLinClrLst/>
+    <dgm:txFillClrLst meth="repeat">
+      <a:schemeClr val="dk1"/>
+    </dgm:txFillClrLst>
+    <dgm:txEffectClrLst/>
+  </dgm:styleLbl>
+  <dgm:styleLbl name="fgAcc2">
+    <dgm:fillClrLst meth="repeat">
+      <a:schemeClr val="lt1">
+        <a:alpha val="90000"/>
+      </a:schemeClr>
+    </dgm:fillClrLst>
+    <dgm:linClrLst>
+      <a:schemeClr val="accent3"/>
+    </dgm:linClrLst>
+    <dgm:effectClrLst/>
+    <dgm:txLinClrLst/>
+    <dgm:txFillClrLst meth="repeat">
+      <a:schemeClr val="dk1"/>
+    </dgm:txFillClrLst>
+    <dgm:txEffectClrLst/>
+  </dgm:styleLbl>
+  <dgm:styleLbl name="fgAcc3">
+    <dgm:fillClrLst meth="repeat">
+      <a:schemeClr val="lt1">
+        <a:alpha val="90000"/>
+      </a:schemeClr>
+    </dgm:fillClrLst>
+    <dgm:linClrLst>
+      <a:schemeClr val="accent4"/>
+    </dgm:linClrLst>
+    <dgm:effectClrLst/>
+    <dgm:txLinClrLst/>
+    <dgm:txFillClrLst meth="repeat">
+      <a:schemeClr val="dk1"/>
+    </dgm:txFillClrLst>
+    <dgm:txEffectClrLst/>
+  </dgm:styleLbl>
+  <dgm:styleLbl name="fgAcc4">
+    <dgm:fillClrLst meth="repeat">
+      <a:schemeClr val="lt1">
+        <a:alpha val="90000"/>
+      </a:schemeClr>
+    </dgm:fillClrLst>
+    <dgm:linClrLst>
+      <a:schemeClr val="accent5"/>
+    </dgm:linClrLst>
+    <dgm:effectClrLst/>
+    <dgm:txLinClrLst/>
+    <dgm:txFillClrLst meth="repeat">
+      <a:schemeClr val="dk1"/>
+    </dgm:txFillClrLst>
+    <dgm:txEffectClrLst/>
+  </dgm:styleLbl>
+  <dgm:styleLbl name="bgShp">
+    <dgm:fillClrLst>
+      <a:schemeClr val="accent2"/>
+      <a:schemeClr val="accent3"/>
+    </dgm:fillClrLst>
+    <dgm:linClrLst meth="repeat">
+      <a:schemeClr val="lt1">
+        <a:alpha val="0"/>
+      </a:schemeClr>
+    </dgm:linClrLst>
+    <dgm:effectClrLst/>
+    <dgm:txLinClrLst/>
+    <dgm:txFillClrLst/>
+    <dgm:txEffectClrLst/>
+  </dgm:styleLbl>
+  <dgm:styleLbl name="dkBgShp">
+    <dgm:fillClrLst meth="repeat">
+      <a:schemeClr val="accent2">
+        <a:shade val="90000"/>
+      </a:schemeClr>
+    </dgm:fillClrLst>
+    <dgm:linClrLst meth="repeat">
+      <a:schemeClr val="dk1"/>
+    </dgm:linClrLst>
+    <dgm:effectClrLst/>
+    <dgm:txLinClrLst/>
+    <dgm:txFillClrLst meth="repeat">
+      <a:schemeClr val="lt1"/>
+    </dgm:txFillClrLst>
+    <dgm:txEffectClrLst/>
+  </dgm:styleLbl>
+  <dgm:styleLbl name="trBgShp">
+    <dgm:fillClrLst meth="repeat">
+      <a:schemeClr val="accent2">
+        <a:tint val="50000"/>
+        <a:alpha val="40000"/>
+      </a:schemeClr>
+    </dgm:fillClrLst>
+    <dgm:linClrLst meth="repeat">
+      <a:schemeClr val="accent2"/>
+    </dgm:linClrLst>
+    <dgm:effectClrLst/>
+    <dgm:txLinClrLst/>
+    <dgm:txFillClrLst meth="repeat">
+      <a:schemeClr val="lt1"/>
+    </dgm:txFillClrLst>
+    <dgm:txEffectClrLst/>
+  </dgm:styleLbl>
+  <dgm:styleLbl name="fgShp">
+    <dgm:fillClrLst meth="repeat">
+      <a:schemeClr val="accent2">
+        <a:tint val="40000"/>
+      </a:schemeClr>
+    </dgm:fillClrLst>
+    <dgm:linClrLst meth="repeat">
+      <a:schemeClr val="lt1"/>
+    </dgm:linClrLst>
+    <dgm:effectClrLst/>
+    <dgm:txLinClrLst/>
+    <dgm:txFillClrLst meth="repeat">
+      <a:schemeClr val="dk1"/>
+    </dgm:txFillClrLst>
+    <dgm:txEffectClrLst/>
+  </dgm:styleLbl>
+  <dgm:styleLbl name="revTx">
+    <dgm:fillClrLst meth="repeat">
+      <a:schemeClr val="accent2">
+        <a:alpha val="0"/>
+      </a:schemeClr>
+    </dgm:fillClrLst>
+    <dgm:linClrLst meth="repeat">
+      <a:schemeClr val="accent2">
+        <a:alpha val="0"/>
+      </a:schemeClr>
+    </dgm:linClrLst>
+    <dgm:effectClrLst/>
+    <dgm:txLinClrLst/>
+    <dgm:txFillClrLst>
+      <a:schemeClr val="accent2"/>
+      <a:schemeClr val="accent3"/>
+    </dgm:txFillClrLst>
+    <dgm:txEffectClrLst/>
+  </dgm:styleLbl>
+</dgm:colorsDef>
+</file>
+
+<file path=ppt/diagrams/colors2.xml><?xml version="1.0" encoding="utf-8"?>
+<dgm:colorsDef xmlns:dgm="http://schemas.openxmlformats.org/drawingml/2006/diagram" xmlns:a="http://schemas.openxmlformats.org/drawingml/2006/main" uniqueId="urn:microsoft.com/office/officeart/2018/5/colors/Iconchunking_coloredtext_colorful2">
+  <dgm:title val=""/>
+  <dgm:desc val=""/>
+  <dgm:catLst>
+    <dgm:cat type="colorful" pri="10200"/>
+  </dgm:catLst>
+  <dgm:styleLbl name="node0">
+    <dgm:fillClrLst meth="repeat">
+      <a:schemeClr val="accent1"/>
+    </dgm:fillClrLst>
+    <dgm:linClrLst meth="repeat">
+      <a:schemeClr val="lt1"/>
+    </dgm:linClrLst>
+    <dgm:effectClrLst/>
+    <dgm:txLinClrLst/>
+    <dgm:txFillClrLst/>
+    <dgm:txEffectClrLst/>
+  </dgm:styleLbl>
+  <dgm:styleLbl name="node1">
+    <dgm:fillClrLst meth="repeat">
+      <a:schemeClr val="bg1"/>
+    </dgm:fillClrLst>
+    <dgm:linClrLst meth="repeat">
+      <a:schemeClr val="lt1">
+        <a:alpha val="0"/>
+      </a:schemeClr>
+    </dgm:linClrLst>
+    <dgm:effectClrLst/>
+    <dgm:txLinClrLst/>
+    <dgm:txFillClrLst meth="repeat">
+      <a:schemeClr val="dk1"/>
+    </dgm:txFillClrLst>
+    <dgm:txEffectClrLst/>
+  </dgm:styleLbl>
+  <dgm:styleLbl name="alignNode1">
+    <dgm:fillClrLst>
+      <a:schemeClr val="accent2"/>
+      <a:schemeClr val="accent3"/>
+    </dgm:fillClrLst>
+    <dgm:linClrLst>
+      <a:schemeClr val="accent2"/>
+      <a:schemeClr val="accent3"/>
+    </dgm:linClrLst>
+    <dgm:effectClrLst/>
+    <dgm:txLinClrLst/>
+    <dgm:txFillClrLst/>
+    <dgm:txEffectClrLst/>
+  </dgm:styleLbl>
+  <dgm:styleLbl name="lnNode1">
+    <dgm:fillClrLst>
+      <a:schemeClr val="accent2"/>
+      <a:schemeClr val="accent3"/>
+    </dgm:fillClrLst>
+    <dgm:linClrLst meth="repeat">
+      <a:schemeClr val="lt1"/>
+    </dgm:linClrLst>
+    <dgm:effectClrLst/>
+    <dgm:txLinClrLst/>
+    <dgm:txFillClrLst/>
+    <dgm:txEffectClrLst/>
+  </dgm:styleLbl>
+  <dgm:styleLbl name="vennNode1">
+    <dgm:fillClrLst>
+      <a:schemeClr val="accent2">
+        <a:alpha val="50000"/>
+      </a:schemeClr>
+      <a:schemeClr val="accent3">
+        <a:alpha val="50000"/>
+      </a:schemeClr>
+    </dgm:fillClrLst>
+    <dgm:linClrLst meth="repeat">
+      <a:schemeClr val="lt1"/>
+    </dgm:linClrLst>
+    <dgm:effectClrLst/>
+    <dgm:txLinClrLst/>
+    <dgm:txFillClrLst/>
+    <dgm:txEffectClrLst/>
+  </dgm:styleLbl>
+  <dgm:styleLbl name="node2">
+    <dgm:fillClrLst>
+      <a:schemeClr val="accent3"/>
+    </dgm:fillClrLst>
+    <dgm:linClrLst meth="repeat">
+      <a:schemeClr val="lt1"/>
+    </dgm:linClrLst>
+    <dgm:effectClrLst/>
+    <dgm:txLinClrLst/>
+    <dgm:txFillClrLst/>
+    <dgm:txEffectClrLst/>
+  </dgm:styleLbl>
+  <dgm:styleLbl name="node3">
+    <dgm:fillClrLst>
+      <a:schemeClr val="accent4"/>
+    </dgm:fillClrLst>
+    <dgm:linClrLst meth="repeat">
+      <a:schemeClr val="lt1"/>
+    </dgm:linClrLst>
+    <dgm:effectClrLst/>
+    <dgm:txLinClrLst/>
+    <dgm:txFillClrLst/>
+    <dgm:txEffectClrLst/>
+  </dgm:styleLbl>
+  <dgm:styleLbl name="node4">
+    <dgm:fillClrLst>
+      <a:schemeClr val="accent5"/>
+    </dgm:fillClrLst>
+    <dgm:linClrLst meth="repeat">
+      <a:schemeClr val="lt1"/>
+    </dgm:linClrLst>
+    <dgm:effectClrLst/>
+    <dgm:txLinClrLst/>
+    <dgm:txFillClrLst/>
+    <dgm:txEffectClrLst/>
+  </dgm:styleLbl>
+  <dgm:styleLbl name="fgImgPlace1">
+    <dgm:fillClrLst>
+      <a:schemeClr val="accent2">
+        <a:tint val="50000"/>
+      </a:schemeClr>
+      <a:schemeClr val="accent3">
+        <a:tint val="50000"/>
+      </a:schemeClr>
+    </dgm:fillClrLst>
+    <dgm:linClrLst meth="repeat">
+      <a:schemeClr val="lt1"/>
+    </dgm:linClrLst>
+    <dgm:effectClrLst/>
+    <dgm:txLinClrLst/>
+    <dgm:txFillClrLst meth="repeat">
+      <a:schemeClr val="lt1"/>
+    </dgm:txFillClrLst>
+    <dgm:txEffectClrLst/>
+  </dgm:styleLbl>
+  <dgm:styleLbl name="alignImgPlace1">
+    <dgm:fillClrLst>
+      <a:schemeClr val="accent2">
+        <a:tint val="50000"/>
+      </a:schemeClr>
+      <a:schemeClr val="accent3">
+        <a:tint val="20000"/>
+      </a:schemeClr>
+    </dgm:fillClrLst>
+    <dgm:linClrLst meth="repeat">
+      <a:schemeClr val="lt1"/>
+    </dgm:linClrLst>
+    <dgm:effectClrLst/>
+    <dgm:txLinClrLst/>
+    <dgm:txFillClrLst meth="repeat">
+      <a:schemeClr val="lt1"/>
+    </dgm:txFillClrLst>
+    <dgm:txEffectClrLst/>
+  </dgm:styleLbl>
+  <dgm:styleLbl name="bgImgPlace1">
+    <dgm:fillClrLst>
+      <a:schemeClr val="accent2">
+        <a:tint val="50000"/>
+      </a:schemeClr>
+      <a:schemeClr val="accent3">
+        <a:tint val="20000"/>
+      </a:schemeClr>
+    </dgm:fillClrLst>
+    <dgm:linClrLst meth="repeat">
+      <a:schemeClr val="lt1"/>
+    </dgm:linClrLst>
+    <dgm:effectClrLst/>
+    <dgm:txLinClrLst/>
+    <dgm:txFillClrLst meth="repeat">
+      <a:schemeClr val="lt1"/>
+    </dgm:txFillClrLst>
+    <dgm:txEffectClrLst/>
+  </dgm:styleLbl>
+  <dgm:styleLbl name="sibTrans2D1">
+    <dgm:fillClrLst>
+      <a:schemeClr val="accent2"/>
+      <a:schemeClr val="accent3"/>
+    </dgm:fillClrLst>
+    <dgm:linClrLst meth="repeat">
+      <a:schemeClr val="lt1"/>
+    </dgm:linClrLst>
+    <dgm:effectClrLst/>
+    <dgm:txLinClrLst/>
+    <dgm:txFillClrLst/>
+    <dgm:txEffectClrLst/>
+  </dgm:styleLbl>
+  <dgm:styleLbl name="fgSibTrans2D1">
+    <dgm:fillClrLst>
+      <a:schemeClr val="accent2"/>
+      <a:schemeClr val="accent3"/>
+    </dgm:fillClrLst>
+    <dgm:linClrLst meth="repeat">
+      <a:schemeClr val="lt1"/>
+    </dgm:linClrLst>
+    <dgm:effectClrLst/>
+    <dgm:txLinClrLst/>
+    <dgm:txFillClrLst meth="repeat">
+      <a:schemeClr val="lt1"/>
+    </dgm:txFillClrLst>
+    <dgm:txEffectClrLst/>
+  </dgm:styleLbl>
+  <dgm:styleLbl name="bgSibTrans2D1">
+    <dgm:fillClrLst>
+      <a:schemeClr val="accent2"/>
+      <a:schemeClr val="accent3"/>
+    </dgm:fillClrLst>
+    <dgm:linClrLst meth="repeat">
+      <a:schemeClr val="lt1"/>
+    </dgm:linClrLst>
+    <dgm:effectClrLst/>
+    <dgm:txLinClrLst/>
+    <dgm:txFillClrLst meth="repeat">
+      <a:schemeClr val="lt1"/>
+    </dgm:txFillClrLst>
+    <dgm:txEffectClrLst/>
+  </dgm:styleLbl>
+  <dgm:styleLbl name="sibTrans1D1">
+    <dgm:fillClrLst/>
+    <dgm:linClrLst>
+      <a:schemeClr val="accent2"/>
+      <a:schemeClr val="accent3"/>
+    </dgm:linClrLst>
+    <dgm:effectClrLst/>
+    <dgm:txLinClrLst/>
+    <dgm:txFillClrLst meth="repeat">
+      <a:schemeClr val="tx1"/>
+    </dgm:txFillClrLst>
+    <dgm:txEffectClrLst/>
+  </dgm:styleLbl>
+  <dgm:styleLbl name="callout">
+    <dgm:fillClrLst meth="repeat">
+      <a:schemeClr val="accent2"/>
+    </dgm:fillClrLst>
+    <dgm:linClrLst meth="repeat">
+      <a:schemeClr val="accent2">
+        <a:tint val="50000"/>
+      </a:schemeClr>
+    </dgm:linClrLst>
+    <dgm:effectClrLst/>
+    <dgm:txLinClrLst/>
+    <dgm:txFillClrLst meth="repeat">
+      <a:schemeClr val="tx1"/>
+    </dgm:txFillClrLst>
+    <dgm:txEffectClrLst/>
+  </dgm:styleLbl>
+  <dgm:styleLbl name="asst0">
+    <dgm:fillClrLst meth="repeat">
+      <a:schemeClr val="accent2"/>
+    </dgm:fillClrLst>
+    <dgm:linClrLst meth="repeat">
+      <a:schemeClr val="lt1">
+        <a:shade val="80000"/>
+      </a:schemeClr>
+    </dgm:linClrLst>
+    <dgm:effectClrLst/>
+    <dgm:txLinClrLst/>
+    <dgm:txFillClrLst/>
+    <dgm:txEffectClrLst/>
+  </dgm:styleLbl>
+  <dgm:styleLbl name="asst1">
+    <dgm:fillClrLst meth="repeat">
+      <a:schemeClr val="accent3"/>
+    </dgm:fillClrLst>
+    <dgm:linClrLst meth="repeat">
+      <a:schemeClr val="lt1">
+        <a:shade val="80000"/>
+      </a:schemeClr>
+    </dgm:linClrLst>
+    <dgm:effectClrLst/>
+    <dgm:txLinClrLst/>
+    <dgm:txFillClrLst/>
+    <dgm:txEffectClrLst/>
+  </dgm:styleLbl>
+  <dgm:styleLbl name="asst2">
+    <dgm:fillClrLst>
+      <a:schemeClr val="accent4"/>
+    </dgm:fillClrLst>
+    <dgm:linClrLst meth="repeat">
+      <a:schemeClr val="lt1"/>
+    </dgm:linClrLst>
+    <dgm:effectClrLst/>
+    <dgm:txLinClrLst/>
+    <dgm:txFillClrLst/>
+    <dgm:txEffectClrLst/>
+  </dgm:styleLbl>
+  <dgm:styleLbl name="asst3">
+    <dgm:fillClrLst>
+      <a:schemeClr val="accent5"/>
+    </dgm:fillClrLst>
+    <dgm:linClrLst meth="repeat">
+      <a:schemeClr val="lt1"/>
+    </dgm:linClrLst>
+    <dgm:effectClrLst/>
+    <dgm:txLinClrLst/>
+    <dgm:txFillClrLst/>
+    <dgm:txEffectClrLst/>
+  </dgm:styleLbl>
+  <dgm:styleLbl name="asst4">
+    <dgm:fillClrLst>
+      <a:schemeClr val="accent6"/>
+    </dgm:fillClrLst>
+    <dgm:linClrLst meth="repeat">
+      <a:schemeClr val="lt1"/>
+    </dgm:linClrLst>
+    <dgm:effectClrLst/>
+    <dgm:txLinClrLst/>
+    <dgm:txFillClrLst/>
+    <dgm:txEffectClrLst/>
+  </dgm:styleLbl>
+  <dgm:styleLbl name="parChTrans2D1">
+    <dgm:fillClrLst meth="repeat">
+      <a:schemeClr val="accent2"/>
+    </dgm:fillClrLst>
+    <dgm:linClrLst meth="repeat">
+      <a:schemeClr val="lt1"/>
+    </dgm:linClrLst>
+    <dgm:effectClrLst/>
+    <dgm:txLinClrLst/>
+    <dgm:txFillClrLst meth="repeat">
+      <a:schemeClr val="lt1"/>
+    </dgm:txFillClrLst>
+    <dgm:txEffectClrLst/>
+  </dgm:styleLbl>
+  <dgm:styleLbl name="parChTrans2D2">
+    <dgm:fillClrLst meth="repeat">
+      <a:schemeClr val="accent3"/>
+    </dgm:fillClrLst>
+    <dgm:linClrLst meth="repeat">
+      <a:schemeClr val="lt1"/>
+    </dgm:linClrLst>
+    <dgm:effectClrLst/>
+    <dgm:txLinClrLst/>
+    <dgm:txFillClrLst/>
+    <dgm:txEffectClrLst/>
+  </dgm:styleLbl>
+  <dgm:styleLbl name="parChTrans2D3">
+    <dgm:fillClrLst meth="repeat">
+      <a:schemeClr val="accent4"/>
+    </dgm:fillClrLst>
+    <dgm:linClrLst meth="repeat">
+      <a:schemeClr val="lt1"/>
+    </dgm:linClrLst>
+    <dgm:effectClrLst/>
+    <dgm:txLinClrLst/>
+    <dgm:txFillClrLst/>
+    <dgm:txEffectClrLst/>
+  </dgm:styleLbl>
+  <dgm:styleLbl name="parChTrans2D4">
+    <dgm:fillClrLst meth="repeat">
+      <a:schemeClr val="accent5"/>
+    </dgm:fillClrLst>
+    <dgm:linClrLst meth="repeat">
+      <a:schemeClr val="lt1"/>
+    </dgm:linClrLst>
+    <dgm:effectClrLst/>
+    <dgm:txLinClrLst/>
+    <dgm:txFillClrLst meth="repeat">
+      <a:schemeClr val="lt1"/>
+    </dgm:txFillClrLst>
+    <dgm:txEffectClrLst/>
+  </dgm:styleLbl>
+  <dgm:styleLbl name="parChTrans1D1">
+    <dgm:fillClrLst meth="repeat">
+      <a:schemeClr val="accent2"/>
+    </dgm:fillClrLst>
+    <dgm:linClrLst meth="repeat">
+      <a:schemeClr val="accent2"/>
+    </dgm:linClrLst>
+    <dgm:effectClrLst/>
+    <dgm:txLinClrLst/>
+    <dgm:txFillClrLst meth="repeat">
+      <a:schemeClr val="tx1"/>
+    </dgm:txFillClrLst>
+    <dgm:txEffectClrLst/>
+  </dgm:styleLbl>
+  <dgm:styleLbl name="parChTrans1D2">
+    <dgm:fillClrLst meth="repeat">
+      <a:schemeClr val="accent2">
+        <a:tint val="90000"/>
+      </a:schemeClr>
+    </dgm:fillClrLst>
+    <dgm:linClrLst meth="repeat">
+      <a:schemeClr val="accent3"/>
+    </dgm:linClrLst>
+    <dgm:effectClrLst/>
+    <dgm:txLinClrLst/>
+    <dgm:txFillClrLst meth="repeat">
+      <a:schemeClr val="tx1"/>
+    </dgm:txFillClrLst>
+    <dgm:txEffectClrLst/>
+  </dgm:styleLbl>
+  <dgm:styleLbl name="parChTrans1D3">
+    <dgm:fillClrLst meth="repeat">
+      <a:schemeClr val="accent2">
+        <a:tint val="70000"/>
+      </a:schemeClr>
+    </dgm:fillClrLst>
+    <dgm:linClrLst meth="repeat">
+      <a:schemeClr val="accent4"/>
+    </dgm:linClrLst>
+    <dgm:effectClrLst/>
+    <dgm:txLinClrLst/>
+    <dgm:txFillClrLst meth="repeat">
+      <a:schemeClr val="tx1"/>
+    </dgm:txFillClrLst>
+    <dgm:txEffectClrLst/>
+  </dgm:styleLbl>
+  <dgm:styleLbl name="parChTrans1D4">
+    <dgm:fillClrLst meth="repeat">
+      <a:schemeClr val="accent2">
+        <a:tint val="50000"/>
+      </a:schemeClr>
+    </dgm:fillClrLst>
+    <dgm:linClrLst meth="repeat">
+      <a:schemeClr val="accent5"/>
+    </dgm:linClrLst>
+    <dgm:effectClrLst/>
+    <dgm:txLinClrLst/>
+    <dgm:txFillClrLst meth="repeat">
+      <a:schemeClr val="tx1"/>
+    </dgm:txFillClrLst>
+    <dgm:txEffectClrLst/>
+  </dgm:styleLbl>
+  <dgm:styleLbl name="fgAcc1">
+    <dgm:fillClrLst meth="repeat">
+      <a:schemeClr val="lt1">
+        <a:alpha val="90000"/>
+      </a:schemeClr>
+    </dgm:fillClrLst>
+    <dgm:linClrLst>
+      <a:schemeClr val="accent2"/>
+      <a:schemeClr val="accent3"/>
+    </dgm:linClrLst>
+    <dgm:effectClrLst/>
+    <dgm:txLinClrLst/>
+    <dgm:txFillClrLst meth="repeat">
+      <a:schemeClr val="dk1"/>
+    </dgm:txFillClrLst>
+    <dgm:txEffectClrLst/>
+  </dgm:styleLbl>
+  <dgm:styleLbl name="conFgAcc1">
+    <dgm:fillClrLst meth="repeat">
+      <a:schemeClr val="lt1">
+        <a:alpha val="90000"/>
+      </a:schemeClr>
+    </dgm:fillClrLst>
+    <dgm:linClrLst>
+      <a:schemeClr val="accent2"/>
+      <a:schemeClr val="accent3"/>
+    </dgm:linClrLst>
+    <dgm:effectClrLst/>
+    <dgm:txLinClrLst/>
+    <dgm:txFillClrLst meth="repeat">
+      <a:schemeClr val="dk1"/>
+    </dgm:txFillClrLst>
+    <dgm:txEffectClrLst/>
+  </dgm:styleLbl>
+  <dgm:styleLbl name="alignAcc1">
+    <dgm:fillClrLst meth="repeat">
+      <a:schemeClr val="lt1">
+        <a:alpha val="90000"/>
+      </a:schemeClr>
+    </dgm:fillClrLst>
+    <dgm:linClrLst>
+      <a:schemeClr val="accent2"/>
+      <a:schemeClr val="accent3"/>
+    </dgm:linClrLst>
+    <dgm:effectClrLst/>
+    <dgm:txLinClrLst/>
+    <dgm:txFillClrLst meth="repeat">
+      <a:schemeClr val="dk1"/>
+    </dgm:txFillClrLst>
+    <dgm:txEffectClrLst/>
+  </dgm:styleLbl>
+  <dgm:styleLbl name="trAlignAcc1">
+    <dgm:fillClrLst meth="repeat">
+      <a:schemeClr val="lt1">
+        <a:alpha val="0"/>
+      </a:schemeClr>
+    </dgm:fillClrLst>
+    <dgm:linClrLst>
+      <a:schemeClr val="accent2"/>
+      <a:schemeClr val="accent3"/>
+    </dgm:linClrLst>
+    <dgm:effectClrLst/>
+    <dgm:txLinClrLst/>
+    <dgm:txFillClrLst meth="repeat">
+      <a:schemeClr val="dk1"/>
+    </dgm:txFillClrLst>
+    <dgm:txEffectClrLst/>
+  </dgm:styleLbl>
+  <dgm:styleLbl name="bgAcc1">
+    <dgm:fillClrLst meth="repeat">
+      <a:schemeClr val="lt1">
+        <a:alpha val="90000"/>
+      </a:schemeClr>
+    </dgm:fillClrLst>
+    <dgm:linClrLst>
+      <a:schemeClr val="accent2"/>
+      <a:schemeClr val="accent3"/>
+    </dgm:linClrLst>
+    <dgm:effectClrLst/>
+    <dgm:txLinClrLst/>
+    <dgm:txFillClrLst meth="repeat">
+      <a:schemeClr val="dk1"/>
+    </dgm:txFillClrLst>
+    <dgm:txEffectClrLst/>
+  </dgm:styleLbl>
+  <dgm:styleLbl name="solidFgAcc1">
+    <dgm:fillClrLst meth="repeat">
+      <a:schemeClr val="lt1"/>
+    </dgm:fillClrLst>
+    <dgm:linClrLst>
+      <a:schemeClr val="accent2"/>
+      <a:schemeClr val="accent3"/>
+    </dgm:linClrLst>
+    <dgm:effectClrLst/>
+    <dgm:txLinClrLst/>
+    <dgm:txFillClrLst meth="repeat">
+      <a:schemeClr val="dk1"/>
+    </dgm:txFillClrLst>
+    <dgm:txEffectClrLst/>
+  </dgm:styleLbl>
+  <dgm:styleLbl name="solidAlignAcc1">
+    <dgm:fillClrLst meth="repeat">
+      <a:schemeClr val="lt1"/>
+    </dgm:fillClrLst>
+    <dgm:linClrLst>
+      <a:schemeClr val="accent2"/>
+      <a:schemeClr val="accent3"/>
+    </dgm:linClrLst>
+    <dgm:effectClrLst/>
+    <dgm:txLinClrLst/>
+    <dgm:txFillClrLst meth="repeat">
+      <a:schemeClr val="dk1"/>
+    </dgm:txFillClrLst>
+    <dgm:txEffectClrLst/>
+  </dgm:styleLbl>
+  <dgm:styleLbl name="solidBgAcc1">
+    <dgm:fillClrLst meth="repeat">
+      <a:schemeClr val="lt1"/>
+    </dgm:fillClrLst>
+    <dgm:linClrLst>
+      <a:schemeClr val="accent2"/>
+      <a:schemeClr val="accent3"/>
+    </dgm:linClrLst>
+    <dgm:effectClrLst/>
+    <dgm:txLinClrLst/>
+    <dgm:txFillClrLst meth="repeat">
+      <a:schemeClr val="dk1"/>
+    </dgm:txFillClrLst>
+    <dgm:txEffectClrLst/>
+  </dgm:styleLbl>
+  <dgm:styleLbl name="fgAccFollowNode1">
+    <dgm:fillClrLst>
+      <a:schemeClr val="accent2">
+        <a:tint val="40000"/>
+        <a:alpha val="90000"/>
+      </a:schemeClr>
+      <a:schemeClr val="accent3">
+        <a:tint val="40000"/>
+        <a:alpha val="90000"/>
+      </a:schemeClr>
+    </dgm:fillClrLst>
+    <dgm:linClrLst>
+      <a:schemeClr val="accent2">
+        <a:tint val="40000"/>
+        <a:alpha val="90000"/>
+      </a:schemeClr>
+      <a:schemeClr val="accent3">
+        <a:tint val="40000"/>
+        <a:alpha val="90000"/>
+      </a:schemeClr>
+    </dgm:linClrLst>
+    <dgm:effectClrLst/>
+    <dgm:txLinClrLst/>
+    <dgm:txFillClrLst meth="repeat">
+      <a:schemeClr val="dk1"/>
+    </dgm:txFillClrLst>
+    <dgm:txEffectClrLst/>
+  </dgm:styleLbl>
+  <dgm:styleLbl name="alignAccFollowNode1">
+    <dgm:fillClrLst>
+      <a:schemeClr val="accent2">
+        <a:tint val="40000"/>
+        <a:alpha val="90000"/>
+      </a:schemeClr>
+      <a:schemeClr val="accent3">
+        <a:tint val="40000"/>
+        <a:alpha val="90000"/>
+      </a:schemeClr>
+    </dgm:fillClrLst>
+    <dgm:linClrLst>
+      <a:schemeClr val="accent2">
+        <a:tint val="40000"/>
+        <a:alpha val="90000"/>
+      </a:schemeClr>
+      <a:schemeClr val="accent3">
+        <a:tint val="40000"/>
+        <a:alpha val="90000"/>
+      </a:schemeClr>
+    </dgm:linClrLst>
+    <dgm:effectClrLst/>
+    <dgm:txLinClrLst/>
+    <dgm:txFillClrLst meth="repeat">
+      <a:schemeClr val="dk1"/>
+    </dgm:txFillClrLst>
+    <dgm:txEffectClrLst/>
+  </dgm:styleLbl>
+  <dgm:styleLbl name="bgAccFollowNode1">
+    <dgm:fillClrLst>
+      <a:schemeClr val="accent2">
+        <a:tint val="40000"/>
+        <a:alpha val="90000"/>
+      </a:schemeClr>
+      <a:schemeClr val="accent3">
+        <a:tint val="40000"/>
+        <a:alpha val="90000"/>
+      </a:schemeClr>
+    </dgm:fillClrLst>
+    <dgm:linClrLst>
+      <a:schemeClr val="accent2">
+        <a:tint val="40000"/>
+        <a:alpha val="90000"/>
+      </a:schemeClr>
+      <a:schemeClr val="accent3">
+        <a:tint val="40000"/>
+        <a:alpha val="90000"/>
+      </a:schemeClr>
+    </dgm:linClrLst>
+    <dgm:effectClrLst/>
+    <dgm:txLinClrLst/>
+    <dgm:txFillClrLst meth="repeat">
+      <a:schemeClr val="dk1"/>
+    </dgm:txFillClrLst>
+    <dgm:txEffectClrLst/>
+  </dgm:styleLbl>
+  <dgm:styleLbl name="fgAcc0">
+    <dgm:fillClrLst meth="repeat">
+      <a:schemeClr val="lt1">
+        <a:alpha val="90000"/>
+      </a:schemeClr>
+    </dgm:fillClrLst>
+    <dgm:linClrLst>
+      <a:schemeClr val="accent1"/>
+    </dgm:linClrLst>
+    <dgm:effectClrLst/>
+    <dgm:txLinClrLst/>
+    <dgm:txFillClrLst meth="repeat">
+      <a:schemeClr val="dk1"/>
+    </dgm:txFillClrLst>
+    <dgm:txEffectClrLst/>
+  </dgm:styleLbl>
+  <dgm:styleLbl name="fgAcc2">
+    <dgm:fillClrLst meth="repeat">
+      <a:schemeClr val="lt1">
+        <a:alpha val="90000"/>
+      </a:schemeClr>
+    </dgm:fillClrLst>
+    <dgm:linClrLst>
+      <a:schemeClr val="accent3"/>
+    </dgm:linClrLst>
+    <dgm:effectClrLst/>
+    <dgm:txLinClrLst/>
+    <dgm:txFillClrLst meth="repeat">
+      <a:schemeClr val="dk1"/>
+    </dgm:txFillClrLst>
+    <dgm:txEffectClrLst/>
+  </dgm:styleLbl>
+  <dgm:styleLbl name="fgAcc3">
+    <dgm:fillClrLst meth="repeat">
+      <a:schemeClr val="lt1">
+        <a:alpha val="90000"/>
+      </a:schemeClr>
+    </dgm:fillClrLst>
+    <dgm:linClrLst>
+      <a:schemeClr val="accent4"/>
+    </dgm:linClrLst>
+    <dgm:effectClrLst/>
+    <dgm:txLinClrLst/>
+    <dgm:txFillClrLst meth="repeat">
+      <a:schemeClr val="dk1"/>
+    </dgm:txFillClrLst>
+    <dgm:txEffectClrLst/>
+  </dgm:styleLbl>
+  <dgm:styleLbl name="fgAcc4">
+    <dgm:fillClrLst meth="repeat">
+      <a:schemeClr val="lt1">
+        <a:alpha val="90000"/>
+      </a:schemeClr>
+    </dgm:fillClrLst>
+    <dgm:linClrLst>
+      <a:schemeClr val="accent5"/>
+    </dgm:linClrLst>
+    <dgm:effectClrLst/>
+    <dgm:txLinClrLst/>
+    <dgm:txFillClrLst meth="repeat">
+      <a:schemeClr val="dk1"/>
+    </dgm:txFillClrLst>
+    <dgm:txEffectClrLst/>
+  </dgm:styleLbl>
+  <dgm:styleLbl name="bgShp">
+    <dgm:fillClrLst>
+      <a:schemeClr val="accent2"/>
+      <a:schemeClr val="accent3"/>
+    </dgm:fillClrLst>
+    <dgm:linClrLst meth="repeat">
+      <a:schemeClr val="lt1">
+        <a:alpha val="0"/>
+      </a:schemeClr>
+    </dgm:linClrLst>
+    <dgm:effectClrLst/>
+    <dgm:txLinClrLst/>
+    <dgm:txFillClrLst/>
+    <dgm:txEffectClrLst/>
+  </dgm:styleLbl>
+  <dgm:styleLbl name="dkBgShp">
+    <dgm:fillClrLst meth="repeat">
+      <a:schemeClr val="accent2">
+        <a:shade val="90000"/>
+      </a:schemeClr>
+    </dgm:fillClrLst>
+    <dgm:linClrLst meth="repeat">
+      <a:schemeClr val="dk1"/>
+    </dgm:linClrLst>
+    <dgm:effectClrLst/>
+    <dgm:txLinClrLst/>
+    <dgm:txFillClrLst meth="repeat">
+      <a:schemeClr val="lt1"/>
+    </dgm:txFillClrLst>
+    <dgm:txEffectClrLst/>
+  </dgm:styleLbl>
+  <dgm:styleLbl name="trBgShp">
+    <dgm:fillClrLst meth="repeat">
+      <a:schemeClr val="accent2">
+        <a:tint val="50000"/>
+        <a:alpha val="40000"/>
+      </a:schemeClr>
+    </dgm:fillClrLst>
+    <dgm:linClrLst meth="repeat">
+      <a:schemeClr val="accent2"/>
+    </dgm:linClrLst>
+    <dgm:effectClrLst/>
+    <dgm:txLinClrLst/>
+    <dgm:txFillClrLst meth="repeat">
+      <a:schemeClr val="lt1"/>
+    </dgm:txFillClrLst>
+    <dgm:txEffectClrLst/>
+  </dgm:styleLbl>
+  <dgm:styleLbl name="fgShp">
+    <dgm:fillClrLst meth="repeat">
+      <a:schemeClr val="accent2">
+        <a:tint val="40000"/>
+      </a:schemeClr>
+    </dgm:fillClrLst>
+    <dgm:linClrLst meth="repeat">
+      <a:schemeClr val="lt1"/>
+    </dgm:linClrLst>
+    <dgm:effectClrLst/>
+    <dgm:txLinClrLst/>
+    <dgm:txFillClrLst meth="repeat">
+      <a:schemeClr val="dk1"/>
+    </dgm:txFillClrLst>
+    <dgm:txEffectClrLst/>
+  </dgm:styleLbl>
+  <dgm:styleLbl name="revTx">
+    <dgm:fillClrLst meth="repeat">
+      <a:schemeClr val="accent2">
+        <a:alpha val="0"/>
+      </a:schemeClr>
+    </dgm:fillClrLst>
+    <dgm:linClrLst meth="repeat">
+      <a:schemeClr val="accent2">
+        <a:alpha val="0"/>
+      </a:schemeClr>
+    </dgm:linClrLst>
+    <dgm:effectClrLst/>
+    <dgm:txLinClrLst/>
+    <dgm:txFillClrLst>
+      <a:schemeClr val="accent2"/>
+      <a:schemeClr val="accent3"/>
+    </dgm:txFillClrLst>
+    <dgm:txEffectClrLst/>
+  </dgm:styleLbl>
+</dgm:colorsDef>
+</file>
+
+<file path=ppt/diagrams/data1.xml><?xml version="1.0" encoding="utf-8"?>
+<dgm:dataModel xmlns:dgm="http://schemas.openxmlformats.org/drawingml/2006/diagram" xmlns:a="http://schemas.openxmlformats.org/drawingml/2006/main">
+  <dgm:ptLst>
+    <dgm:pt modelId="{6F4EC006-EAD4-4D3D-AFC2-94C423010C8B}" type="doc">
+      <dgm:prSet loTypeId="urn:microsoft.com/office/officeart/2018/5/layout/IconCircleLabelList" loCatId="icon" qsTypeId="urn:microsoft.com/office/officeart/2005/8/quickstyle/simple1" qsCatId="simple" csTypeId="urn:microsoft.com/office/officeart/2018/5/colors/Iconchunking_coloredtext_colorful2" csCatId="colorful" phldr="1"/>
+      <dgm:spPr/>
+      <dgm:t>
+        <a:bodyPr/>
+        <a:lstStyle/>
+        <a:p>
+          <a:endParaRPr lang="en-US"/>
+        </a:p>
+      </dgm:t>
+    </dgm:pt>
+    <dgm:pt modelId="{93ADA935-A7C4-4826-915A-C1B4369D46C3}">
+      <dgm:prSet/>
+      <dgm:spPr/>
+      <dgm:t>
+        <a:bodyPr/>
+        <a:lstStyle/>
+        <a:p>
+          <a:pPr>
+            <a:defRPr cap="all"/>
+          </a:pPr>
+          <a:r>
+            <a:rPr lang="de-DE"/>
+            <a:t>8051 Mikrocomputer</a:t>
+          </a:r>
+          <a:endParaRPr lang="en-US"/>
+        </a:p>
+      </dgm:t>
+    </dgm:pt>
+    <dgm:pt modelId="{12023C86-8AFF-4A7A-8EBA-02585166F384}" type="parTrans" cxnId="{54AA64F3-4097-4773-8ABF-046C2F3207C6}">
+      <dgm:prSet/>
+      <dgm:spPr/>
+      <dgm:t>
+        <a:bodyPr/>
+        <a:lstStyle/>
+        <a:p>
+          <a:endParaRPr lang="en-US"/>
+        </a:p>
+      </dgm:t>
+    </dgm:pt>
+    <dgm:pt modelId="{13A2C0E0-B16E-4A8A-A6A7-7D62331E7B4C}" type="sibTrans" cxnId="{54AA64F3-4097-4773-8ABF-046C2F3207C6}">
+      <dgm:prSet/>
+      <dgm:spPr/>
+      <dgm:t>
+        <a:bodyPr/>
+        <a:lstStyle/>
+        <a:p>
+          <a:endParaRPr lang="en-US"/>
+        </a:p>
+      </dgm:t>
+    </dgm:pt>
+    <dgm:pt modelId="{0C633E3D-63CA-496C-BF85-09A1CFB0215D}">
+      <dgm:prSet/>
+      <dgm:spPr/>
+      <dgm:t>
+        <a:bodyPr/>
+        <a:lstStyle/>
+        <a:p>
+          <a:pPr>
+            <a:defRPr cap="all"/>
+          </a:pPr>
+          <a:r>
+            <a:rPr lang="de-DE" dirty="0"/>
+            <a:t>Buzzer</a:t>
+          </a:r>
+          <a:endParaRPr lang="en-US" dirty="0"/>
+        </a:p>
+      </dgm:t>
+    </dgm:pt>
+    <dgm:pt modelId="{AC84F73E-F03D-4874-8EE6-61DEA5470813}" type="parTrans" cxnId="{5C549EB9-EE9F-49AC-A7EF-96957633613D}">
+      <dgm:prSet/>
+      <dgm:spPr/>
+      <dgm:t>
+        <a:bodyPr/>
+        <a:lstStyle/>
+        <a:p>
+          <a:endParaRPr lang="en-US"/>
+        </a:p>
+      </dgm:t>
+    </dgm:pt>
+    <dgm:pt modelId="{B5A9ADA8-67C0-4B5C-A016-5CFA54F68446}" type="sibTrans" cxnId="{5C549EB9-EE9F-49AC-A7EF-96957633613D}">
+      <dgm:prSet/>
+      <dgm:spPr/>
+      <dgm:t>
+        <a:bodyPr/>
+        <a:lstStyle/>
+        <a:p>
+          <a:endParaRPr lang="en-US"/>
+        </a:p>
+      </dgm:t>
+    </dgm:pt>
+    <dgm:pt modelId="{42B7CE36-F1A6-4C1F-9A41-03765453FB97}">
+      <dgm:prSet/>
+      <dgm:spPr/>
+      <dgm:t>
+        <a:bodyPr/>
+        <a:lstStyle/>
+        <a:p>
+          <a:pPr>
+            <a:defRPr cap="all"/>
+          </a:pPr>
+          <a:r>
+            <a:rPr lang="de-DE"/>
+            <a:t>LEDs</a:t>
+          </a:r>
+          <a:endParaRPr lang="en-US"/>
+        </a:p>
+      </dgm:t>
+    </dgm:pt>
+    <dgm:pt modelId="{8810E219-9722-445F-A721-BFF8AA26195A}" type="parTrans" cxnId="{98537C35-1D06-4236-A86C-38CBFE1C682E}">
+      <dgm:prSet/>
+      <dgm:spPr/>
+      <dgm:t>
+        <a:bodyPr/>
+        <a:lstStyle/>
+        <a:p>
+          <a:endParaRPr lang="en-US"/>
+        </a:p>
+      </dgm:t>
+    </dgm:pt>
+    <dgm:pt modelId="{CB8E7880-884D-4267-B787-3AA7815A67D6}" type="sibTrans" cxnId="{98537C35-1D06-4236-A86C-38CBFE1C682E}">
+      <dgm:prSet/>
+      <dgm:spPr/>
+      <dgm:t>
+        <a:bodyPr/>
+        <a:lstStyle/>
+        <a:p>
+          <a:endParaRPr lang="en-US"/>
+        </a:p>
+      </dgm:t>
+    </dgm:pt>
+    <dgm:pt modelId="{DF6BB8B5-9893-4383-BC25-0FF84382BF77}" type="pres">
+      <dgm:prSet presAssocID="{6F4EC006-EAD4-4D3D-AFC2-94C423010C8B}" presName="root" presStyleCnt="0">
+        <dgm:presLayoutVars>
+          <dgm:dir/>
+          <dgm:resizeHandles val="exact"/>
+        </dgm:presLayoutVars>
+      </dgm:prSet>
+      <dgm:spPr/>
+    </dgm:pt>
+    <dgm:pt modelId="{92D1A52F-EE34-4026-B00D-7AC7D95599D1}" type="pres">
+      <dgm:prSet presAssocID="{93ADA935-A7C4-4826-915A-C1B4369D46C3}" presName="compNode" presStyleCnt="0"/>
+      <dgm:spPr/>
+    </dgm:pt>
+    <dgm:pt modelId="{DEEC488B-0F17-4460-9FE0-ED933C521223}" type="pres">
+      <dgm:prSet presAssocID="{93ADA935-A7C4-4826-915A-C1B4369D46C3}" presName="iconBgRect" presStyleLbl="bgShp" presStyleIdx="0" presStyleCnt="3"/>
+      <dgm:spPr/>
+    </dgm:pt>
+    <dgm:pt modelId="{436C9C7D-3E7D-4010-BB09-A9BF6BBD112B}" type="pres">
+      <dgm:prSet presAssocID="{93ADA935-A7C4-4826-915A-C1B4369D46C3}" presName="iconRect" presStyleLbl="node1" presStyleIdx="0" presStyleCnt="3"/>
+      <dgm:spPr>
+        <a:blipFill>
+          <a:blip xmlns:r="http://schemas.openxmlformats.org/officeDocument/2006/relationships" r:embed="rId1">
+            <a:extLst>
+              <a:ext uri="{96DAC541-7B7A-43D3-8B79-37D633B846F1}">
+                <asvg:svgBlip xmlns:asvg="http://schemas.microsoft.com/office/drawing/2016/SVG/main" r:embed="rId2"/>
+              </a:ext>
+            </a:extLst>
+          </a:blip>
+          <a:srcRect/>
+          <a:stretch>
+            <a:fillRect/>
+          </a:stretch>
+        </a:blipFill>
+        <a:ln>
+          <a:noFill/>
+        </a:ln>
+      </dgm:spPr>
+      <dgm:extLst>
+        <a:ext uri="{E40237B7-FDA0-4F09-8148-C483321AD2D9}">
+          <dgm14:cNvPr xmlns:dgm14="http://schemas.microsoft.com/office/drawing/2010/diagram" id="0" name="" descr="Prozessor"/>
+        </a:ext>
+      </dgm:extLst>
+    </dgm:pt>
+    <dgm:pt modelId="{AC566987-C0EC-435E-BE39-D96DBC14D6C0}" type="pres">
+      <dgm:prSet presAssocID="{93ADA935-A7C4-4826-915A-C1B4369D46C3}" presName="spaceRect" presStyleCnt="0"/>
+      <dgm:spPr/>
+    </dgm:pt>
+    <dgm:pt modelId="{7A52A6E9-4944-47D2-BBDF-9AEBE3960C48}" type="pres">
+      <dgm:prSet presAssocID="{93ADA935-A7C4-4826-915A-C1B4369D46C3}" presName="textRect" presStyleLbl="revTx" presStyleIdx="0" presStyleCnt="3">
+        <dgm:presLayoutVars>
+          <dgm:chMax val="1"/>
+          <dgm:chPref val="1"/>
+        </dgm:presLayoutVars>
+      </dgm:prSet>
+      <dgm:spPr/>
+    </dgm:pt>
+    <dgm:pt modelId="{B45080C2-FB07-4C92-BABB-895DEC92D467}" type="pres">
+      <dgm:prSet presAssocID="{13A2C0E0-B16E-4A8A-A6A7-7D62331E7B4C}" presName="sibTrans" presStyleCnt="0"/>
+      <dgm:spPr/>
+    </dgm:pt>
+    <dgm:pt modelId="{A628D47B-5FCE-4C13-BC6C-E0B6B480C824}" type="pres">
+      <dgm:prSet presAssocID="{0C633E3D-63CA-496C-BF85-09A1CFB0215D}" presName="compNode" presStyleCnt="0"/>
+      <dgm:spPr/>
+    </dgm:pt>
+    <dgm:pt modelId="{7019A18E-3B8E-4F8B-8F9C-5BABDB9B21C9}" type="pres">
+      <dgm:prSet presAssocID="{0C633E3D-63CA-496C-BF85-09A1CFB0215D}" presName="iconBgRect" presStyleLbl="bgShp" presStyleIdx="1" presStyleCnt="3"/>
+      <dgm:spPr/>
+    </dgm:pt>
+    <dgm:pt modelId="{DEF80AD9-CB36-452F-9CB8-48E2AF7202CD}" type="pres">
+      <dgm:prSet presAssocID="{0C633E3D-63CA-496C-BF85-09A1CFB0215D}" presName="iconRect" presStyleLbl="node1" presStyleIdx="1" presStyleCnt="3"/>
+      <dgm:spPr>
+        <a:blipFill>
+          <a:blip xmlns:r="http://schemas.openxmlformats.org/officeDocument/2006/relationships" r:embed="rId3">
+            <a:extLst>
+              <a:ext uri="{28A0092B-C50C-407E-A947-70E740481C1C}">
+                <a14:useLocalDpi xmlns:a14="http://schemas.microsoft.com/office/drawing/2010/main" val="0"/>
+              </a:ext>
+              <a:ext uri="{96DAC541-7B7A-43D3-8B79-37D633B846F1}">
+                <asvg:svgBlip xmlns:asvg="http://schemas.microsoft.com/office/drawing/2016/SVG/main" r:embed="rId4"/>
+              </a:ext>
+            </a:extLst>
+          </a:blip>
+          <a:stretch>
+            <a:fillRect/>
+          </a:stretch>
+        </a:blipFill>
+        <a:ln>
+          <a:noFill/>
+        </a:ln>
+      </dgm:spPr>
+      <dgm:extLst>
+        <a:ext uri="{E40237B7-FDA0-4F09-8148-C483321AD2D9}">
+          <dgm14:cNvPr xmlns:dgm14="http://schemas.microsoft.com/office/drawing/2010/diagram" id="0" name="" descr="Bell"/>
+        </a:ext>
+      </dgm:extLst>
+    </dgm:pt>
+    <dgm:pt modelId="{D27B14B7-AF99-4BB4-A2B8-7DB076E1D2D9}" type="pres">
+      <dgm:prSet presAssocID="{0C633E3D-63CA-496C-BF85-09A1CFB0215D}" presName="spaceRect" presStyleCnt="0"/>
+      <dgm:spPr/>
+    </dgm:pt>
+    <dgm:pt modelId="{A8ABD0C2-8FAD-4497-A367-AE7701017431}" type="pres">
+      <dgm:prSet presAssocID="{0C633E3D-63CA-496C-BF85-09A1CFB0215D}" presName="textRect" presStyleLbl="revTx" presStyleIdx="1" presStyleCnt="3">
+        <dgm:presLayoutVars>
+          <dgm:chMax val="1"/>
+          <dgm:chPref val="1"/>
+        </dgm:presLayoutVars>
+      </dgm:prSet>
+      <dgm:spPr/>
+    </dgm:pt>
+    <dgm:pt modelId="{68DA2CB3-BF7B-4BF9-9CEA-B8E6FDFA6A06}" type="pres">
+      <dgm:prSet presAssocID="{B5A9ADA8-67C0-4B5C-A016-5CFA54F68446}" presName="sibTrans" presStyleCnt="0"/>
+      <dgm:spPr/>
+    </dgm:pt>
+    <dgm:pt modelId="{CFA78C51-279A-4EEF-ADBC-67191A26FB29}" type="pres">
+      <dgm:prSet presAssocID="{42B7CE36-F1A6-4C1F-9A41-03765453FB97}" presName="compNode" presStyleCnt="0"/>
+      <dgm:spPr/>
+    </dgm:pt>
+    <dgm:pt modelId="{287135F1-F784-454F-BD27-439C3A7AAE2F}" type="pres">
+      <dgm:prSet presAssocID="{42B7CE36-F1A6-4C1F-9A41-03765453FB97}" presName="iconBgRect" presStyleLbl="bgShp" presStyleIdx="2" presStyleCnt="3"/>
+      <dgm:spPr/>
+    </dgm:pt>
+    <dgm:pt modelId="{231AA37D-2BD9-4EC0-92D0-C9ABA001A834}" type="pres">
+      <dgm:prSet presAssocID="{42B7CE36-F1A6-4C1F-9A41-03765453FB97}" presName="iconRect" presStyleLbl="node1" presStyleIdx="2" presStyleCnt="3"/>
+      <dgm:spPr>
+        <a:blipFill>
+          <a:blip xmlns:r="http://schemas.openxmlformats.org/officeDocument/2006/relationships" r:embed="rId5">
+            <a:extLst>
+              <a:ext uri="{28A0092B-C50C-407E-A947-70E740481C1C}">
+                <a14:useLocalDpi xmlns:a14="http://schemas.microsoft.com/office/drawing/2010/main" val="0"/>
+              </a:ext>
+              <a:ext uri="{96DAC541-7B7A-43D3-8B79-37D633B846F1}">
+                <asvg:svgBlip xmlns:asvg="http://schemas.microsoft.com/office/drawing/2016/SVG/main" r:embed="rId6"/>
+              </a:ext>
+            </a:extLst>
+          </a:blip>
+          <a:stretch>
+            <a:fillRect/>
+          </a:stretch>
+        </a:blipFill>
+        <a:ln>
+          <a:noFill/>
+        </a:ln>
+      </dgm:spPr>
+      <dgm:extLst>
+        <a:ext uri="{E40237B7-FDA0-4F09-8148-C483321AD2D9}">
+          <dgm14:cNvPr xmlns:dgm14="http://schemas.microsoft.com/office/drawing/2010/diagram" id="0" name="" descr="Lightbulb"/>
+        </a:ext>
+      </dgm:extLst>
+    </dgm:pt>
+    <dgm:pt modelId="{3BA7737F-7469-4BC5-ACDF-A9550D779844}" type="pres">
+      <dgm:prSet presAssocID="{42B7CE36-F1A6-4C1F-9A41-03765453FB97}" presName="spaceRect" presStyleCnt="0"/>
+      <dgm:spPr/>
+    </dgm:pt>
+    <dgm:pt modelId="{76ED39AF-BA36-4782-B81E-BDA5F379AE8B}" type="pres">
+      <dgm:prSet presAssocID="{42B7CE36-F1A6-4C1F-9A41-03765453FB97}" presName="textRect" presStyleLbl="revTx" presStyleIdx="2" presStyleCnt="3">
+        <dgm:presLayoutVars>
+          <dgm:chMax val="1"/>
+          <dgm:chPref val="1"/>
+        </dgm:presLayoutVars>
+      </dgm:prSet>
+      <dgm:spPr/>
+    </dgm:pt>
+  </dgm:ptLst>
+  <dgm:cxnLst>
+    <dgm:cxn modelId="{98537C35-1D06-4236-A86C-38CBFE1C682E}" srcId="{6F4EC006-EAD4-4D3D-AFC2-94C423010C8B}" destId="{42B7CE36-F1A6-4C1F-9A41-03765453FB97}" srcOrd="2" destOrd="0" parTransId="{8810E219-9722-445F-A721-BFF8AA26195A}" sibTransId="{CB8E7880-884D-4267-B787-3AA7815A67D6}"/>
+    <dgm:cxn modelId="{E6D84D43-0893-422D-8FBF-C9D6F013AFC1}" type="presOf" srcId="{93ADA935-A7C4-4826-915A-C1B4369D46C3}" destId="{7A52A6E9-4944-47D2-BBDF-9AEBE3960C48}" srcOrd="0" destOrd="0" presId="urn:microsoft.com/office/officeart/2018/5/layout/IconCircleLabelList"/>
+    <dgm:cxn modelId="{A6A0C797-E478-49F8-A1DA-0602B3D75164}" type="presOf" srcId="{0C633E3D-63CA-496C-BF85-09A1CFB0215D}" destId="{A8ABD0C2-8FAD-4497-A367-AE7701017431}" srcOrd="0" destOrd="0" presId="urn:microsoft.com/office/officeart/2018/5/layout/IconCircleLabelList"/>
+    <dgm:cxn modelId="{9C4C229D-2D3B-4FF5-8BB0-D78F33CC61B6}" type="presOf" srcId="{42B7CE36-F1A6-4C1F-9A41-03765453FB97}" destId="{76ED39AF-BA36-4782-B81E-BDA5F379AE8B}" srcOrd="0" destOrd="0" presId="urn:microsoft.com/office/officeart/2018/5/layout/IconCircleLabelList"/>
+    <dgm:cxn modelId="{5C549EB9-EE9F-49AC-A7EF-96957633613D}" srcId="{6F4EC006-EAD4-4D3D-AFC2-94C423010C8B}" destId="{0C633E3D-63CA-496C-BF85-09A1CFB0215D}" srcOrd="1" destOrd="0" parTransId="{AC84F73E-F03D-4874-8EE6-61DEA5470813}" sibTransId="{B5A9ADA8-67C0-4B5C-A016-5CFA54F68446}"/>
+    <dgm:cxn modelId="{FBD38EE4-F684-4FF7-A750-374445B1C4E6}" type="presOf" srcId="{6F4EC006-EAD4-4D3D-AFC2-94C423010C8B}" destId="{DF6BB8B5-9893-4383-BC25-0FF84382BF77}" srcOrd="0" destOrd="0" presId="urn:microsoft.com/office/officeart/2018/5/layout/IconCircleLabelList"/>
+    <dgm:cxn modelId="{54AA64F3-4097-4773-8ABF-046C2F3207C6}" srcId="{6F4EC006-EAD4-4D3D-AFC2-94C423010C8B}" destId="{93ADA935-A7C4-4826-915A-C1B4369D46C3}" srcOrd="0" destOrd="0" parTransId="{12023C86-8AFF-4A7A-8EBA-02585166F384}" sibTransId="{13A2C0E0-B16E-4A8A-A6A7-7D62331E7B4C}"/>
+    <dgm:cxn modelId="{4542DA63-0F2A-480D-A25C-2597F8741835}" type="presParOf" srcId="{DF6BB8B5-9893-4383-BC25-0FF84382BF77}" destId="{92D1A52F-EE34-4026-B00D-7AC7D95599D1}" srcOrd="0" destOrd="0" presId="urn:microsoft.com/office/officeart/2018/5/layout/IconCircleLabelList"/>
+    <dgm:cxn modelId="{0CA47334-A691-42CD-9AD5-643642A50774}" type="presParOf" srcId="{92D1A52F-EE34-4026-B00D-7AC7D95599D1}" destId="{DEEC488B-0F17-4460-9FE0-ED933C521223}" srcOrd="0" destOrd="0" presId="urn:microsoft.com/office/officeart/2018/5/layout/IconCircleLabelList"/>
+    <dgm:cxn modelId="{0E09B54F-2C7B-4F2E-B62E-DB102EC68C66}" type="presParOf" srcId="{92D1A52F-EE34-4026-B00D-7AC7D95599D1}" destId="{436C9C7D-3E7D-4010-BB09-A9BF6BBD112B}" srcOrd="1" destOrd="0" presId="urn:microsoft.com/office/officeart/2018/5/layout/IconCircleLabelList"/>
+    <dgm:cxn modelId="{26DD5A55-F413-4654-8C51-018A63B9C279}" type="presParOf" srcId="{92D1A52F-EE34-4026-B00D-7AC7D95599D1}" destId="{AC566987-C0EC-435E-BE39-D96DBC14D6C0}" srcOrd="2" destOrd="0" presId="urn:microsoft.com/office/officeart/2018/5/layout/IconCircleLabelList"/>
+    <dgm:cxn modelId="{54E0D131-71EA-44D1-875F-0BA9742A6A9E}" type="presParOf" srcId="{92D1A52F-EE34-4026-B00D-7AC7D95599D1}" destId="{7A52A6E9-4944-47D2-BBDF-9AEBE3960C48}" srcOrd="3" destOrd="0" presId="urn:microsoft.com/office/officeart/2018/5/layout/IconCircleLabelList"/>
+    <dgm:cxn modelId="{042177E6-C297-4A9A-9AFA-96C3106B32CF}" type="presParOf" srcId="{DF6BB8B5-9893-4383-BC25-0FF84382BF77}" destId="{B45080C2-FB07-4C92-BABB-895DEC92D467}" srcOrd="1" destOrd="0" presId="urn:microsoft.com/office/officeart/2018/5/layout/IconCircleLabelList"/>
+    <dgm:cxn modelId="{403B9B82-287B-412A-8228-2C203D7112F5}" type="presParOf" srcId="{DF6BB8B5-9893-4383-BC25-0FF84382BF77}" destId="{A628D47B-5FCE-4C13-BC6C-E0B6B480C824}" srcOrd="2" destOrd="0" presId="urn:microsoft.com/office/officeart/2018/5/layout/IconCircleLabelList"/>
+    <dgm:cxn modelId="{8BA10A30-44E4-4793-B2BC-151BC50759A0}" type="presParOf" srcId="{A628D47B-5FCE-4C13-BC6C-E0B6B480C824}" destId="{7019A18E-3B8E-4F8B-8F9C-5BABDB9B21C9}" srcOrd="0" destOrd="0" presId="urn:microsoft.com/office/officeart/2018/5/layout/IconCircleLabelList"/>
+    <dgm:cxn modelId="{E8B66705-0063-4CE3-B932-27A56A276154}" type="presParOf" srcId="{A628D47B-5FCE-4C13-BC6C-E0B6B480C824}" destId="{DEF80AD9-CB36-452F-9CB8-48E2AF7202CD}" srcOrd="1" destOrd="0" presId="urn:microsoft.com/office/officeart/2018/5/layout/IconCircleLabelList"/>
+    <dgm:cxn modelId="{41FACE2F-C9FB-4937-8F8A-F00E9EFCAE31}" type="presParOf" srcId="{A628D47B-5FCE-4C13-BC6C-E0B6B480C824}" destId="{D27B14B7-AF99-4BB4-A2B8-7DB076E1D2D9}" srcOrd="2" destOrd="0" presId="urn:microsoft.com/office/officeart/2018/5/layout/IconCircleLabelList"/>
+    <dgm:cxn modelId="{AD695E12-74CB-48C6-BDF3-B33EAF57A7C8}" type="presParOf" srcId="{A628D47B-5FCE-4C13-BC6C-E0B6B480C824}" destId="{A8ABD0C2-8FAD-4497-A367-AE7701017431}" srcOrd="3" destOrd="0" presId="urn:microsoft.com/office/officeart/2018/5/layout/IconCircleLabelList"/>
+    <dgm:cxn modelId="{6A31CD38-7D9A-40CB-AFEE-694221A1361D}" type="presParOf" srcId="{DF6BB8B5-9893-4383-BC25-0FF84382BF77}" destId="{68DA2CB3-BF7B-4BF9-9CEA-B8E6FDFA6A06}" srcOrd="3" destOrd="0" presId="urn:microsoft.com/office/officeart/2018/5/layout/IconCircleLabelList"/>
+    <dgm:cxn modelId="{F233F2B3-6735-444F-98CC-2926C4394BE8}" type="presParOf" srcId="{DF6BB8B5-9893-4383-BC25-0FF84382BF77}" destId="{CFA78C51-279A-4EEF-ADBC-67191A26FB29}" srcOrd="4" destOrd="0" presId="urn:microsoft.com/office/officeart/2018/5/layout/IconCircleLabelList"/>
+    <dgm:cxn modelId="{3B81C056-27B1-42D0-8301-C4396B786B29}" type="presParOf" srcId="{CFA78C51-279A-4EEF-ADBC-67191A26FB29}" destId="{287135F1-F784-454F-BD27-439C3A7AAE2F}" srcOrd="0" destOrd="0" presId="urn:microsoft.com/office/officeart/2018/5/layout/IconCircleLabelList"/>
+    <dgm:cxn modelId="{2BFC7339-54F3-4842-A257-A68DB72C1070}" type="presParOf" srcId="{CFA78C51-279A-4EEF-ADBC-67191A26FB29}" destId="{231AA37D-2BD9-4EC0-92D0-C9ABA001A834}" srcOrd="1" destOrd="0" presId="urn:microsoft.com/office/officeart/2018/5/layout/IconCircleLabelList"/>
+    <dgm:cxn modelId="{34496B01-6D68-4378-A0F4-E8D83C17B640}" type="presParOf" srcId="{CFA78C51-279A-4EEF-ADBC-67191A26FB29}" destId="{3BA7737F-7469-4BC5-ACDF-A9550D779844}" srcOrd="2" destOrd="0" presId="urn:microsoft.com/office/officeart/2018/5/layout/IconCircleLabelList"/>
+    <dgm:cxn modelId="{50A4F2F6-3338-4717-9476-F7BACFDF210A}" type="presParOf" srcId="{CFA78C51-279A-4EEF-ADBC-67191A26FB29}" destId="{76ED39AF-BA36-4782-B81E-BDA5F379AE8B}" srcOrd="3" destOrd="0" presId="urn:microsoft.com/office/officeart/2018/5/layout/IconCircleLabelList"/>
+  </dgm:cxnLst>
+  <dgm:bg/>
+  <dgm:whole/>
+  <dgm:extLst>
+    <a:ext uri="http://schemas.microsoft.com/office/drawing/2008/diagram">
+      <dsp:dataModelExt xmlns:dsp="http://schemas.microsoft.com/office/drawing/2008/diagram" relId="rId6" minVer="http://schemas.openxmlformats.org/drawingml/2006/diagram"/>
+    </a:ext>
+  </dgm:extLst>
+</dgm:dataModel>
+</file>
+
+<file path=ppt/diagrams/data2.xml><?xml version="1.0" encoding="utf-8"?>
+<dgm:dataModel xmlns:dgm="http://schemas.openxmlformats.org/drawingml/2006/diagram" xmlns:a="http://schemas.openxmlformats.org/drawingml/2006/main">
+  <dgm:ptLst>
+    <dgm:pt modelId="{97DB10FA-4185-4F65-B29A-CD399DFF6318}" type="doc">
+      <dgm:prSet loTypeId="urn:microsoft.com/office/officeart/2018/2/layout/IconCircleList" loCatId="icon" qsTypeId="urn:microsoft.com/office/officeart/2005/8/quickstyle/simple1" qsCatId="simple" csTypeId="urn:microsoft.com/office/officeart/2018/5/colors/Iconchunking_coloredtext_colorful2" csCatId="colorful" phldr="1"/>
+      <dgm:spPr/>
+      <dgm:t>
+        <a:bodyPr/>
+        <a:lstStyle/>
+        <a:p>
+          <a:endParaRPr lang="en-US"/>
+        </a:p>
+      </dgm:t>
+    </dgm:pt>
+    <dgm:pt modelId="{919862BB-E903-4792-8FB0-068A4A53A4FC}">
+      <dgm:prSet/>
+      <dgm:spPr/>
+      <dgm:t>
+        <a:bodyPr/>
+        <a:lstStyle/>
+        <a:p>
+          <a:r>
+            <a:rPr lang="de-DE"/>
+            <a:t>Startsignal</a:t>
+          </a:r>
+          <a:endParaRPr lang="en-US"/>
+        </a:p>
+      </dgm:t>
+    </dgm:pt>
+    <dgm:pt modelId="{9DA21280-51EF-434C-87DC-9C7A0C28C384}" type="parTrans" cxnId="{594C7AC4-89AA-4425-8CA3-00A8F35BFFCA}">
+      <dgm:prSet/>
+      <dgm:spPr/>
+      <dgm:t>
+        <a:bodyPr/>
+        <a:lstStyle/>
+        <a:p>
+          <a:endParaRPr lang="en-US"/>
+        </a:p>
+      </dgm:t>
+    </dgm:pt>
+    <dgm:pt modelId="{F1941C14-0402-4F70-A1EF-E90CBE59F61E}" type="sibTrans" cxnId="{594C7AC4-89AA-4425-8CA3-00A8F35BFFCA}">
+      <dgm:prSet/>
+      <dgm:spPr/>
+      <dgm:t>
+        <a:bodyPr/>
+        <a:lstStyle/>
+        <a:p>
+          <a:endParaRPr lang="en-US"/>
+        </a:p>
+      </dgm:t>
+    </dgm:pt>
+    <dgm:pt modelId="{8F02B7DA-2173-44D8-BE08-AF9FF8772DCB}">
+      <dgm:prSet/>
+      <dgm:spPr/>
+      <dgm:t>
+        <a:bodyPr/>
+        <a:lstStyle/>
+        <a:p>
+          <a:r>
+            <a:rPr lang="de-DE"/>
+            <a:t>Timer wird gestartet</a:t>
+          </a:r>
+          <a:endParaRPr lang="en-US"/>
+        </a:p>
+      </dgm:t>
+    </dgm:pt>
+    <dgm:pt modelId="{68B9A825-255C-4B82-9C6E-CC02CDFA843A}" type="parTrans" cxnId="{150E20C8-3896-4FD8-998C-DC869EFE86AF}">
+      <dgm:prSet/>
+      <dgm:spPr/>
+      <dgm:t>
+        <a:bodyPr/>
+        <a:lstStyle/>
+        <a:p>
+          <a:endParaRPr lang="en-US"/>
+        </a:p>
+      </dgm:t>
+    </dgm:pt>
+    <dgm:pt modelId="{712BA1F9-E5F1-46F2-986B-505318270E08}" type="sibTrans" cxnId="{150E20C8-3896-4FD8-998C-DC869EFE86AF}">
+      <dgm:prSet/>
+      <dgm:spPr/>
+      <dgm:t>
+        <a:bodyPr/>
+        <a:lstStyle/>
+        <a:p>
+          <a:endParaRPr lang="en-US"/>
+        </a:p>
+      </dgm:t>
+    </dgm:pt>
+    <dgm:pt modelId="{FC6437D1-31A8-4EDF-B6D1-15FE90166761}">
+      <dgm:prSet/>
+      <dgm:spPr/>
+      <dgm:t>
+        <a:bodyPr/>
+        <a:lstStyle/>
+        <a:p>
+          <a:r>
+            <a:rPr lang="de-DE"/>
+            <a:t>Abfangen von zu frühem Drücken</a:t>
+          </a:r>
+          <a:endParaRPr lang="en-US"/>
+        </a:p>
+      </dgm:t>
+    </dgm:pt>
+    <dgm:pt modelId="{F9EEDAB4-FA09-4804-9620-1A8B86C091DD}" type="parTrans" cxnId="{88436A5E-9E29-48E0-93BD-2B4A2D96D459}">
+      <dgm:prSet/>
+      <dgm:spPr/>
+      <dgm:t>
+        <a:bodyPr/>
+        <a:lstStyle/>
+        <a:p>
+          <a:endParaRPr lang="en-US"/>
+        </a:p>
+      </dgm:t>
+    </dgm:pt>
+    <dgm:pt modelId="{05E03623-43C8-4491-88D6-6A93037E18BB}" type="sibTrans" cxnId="{88436A5E-9E29-48E0-93BD-2B4A2D96D459}">
+      <dgm:prSet/>
+      <dgm:spPr/>
+      <dgm:t>
+        <a:bodyPr/>
+        <a:lstStyle/>
+        <a:p>
+          <a:endParaRPr lang="en-US"/>
+        </a:p>
+      </dgm:t>
+    </dgm:pt>
+    <dgm:pt modelId="{55C0CC8C-6FDE-4F27-BC4C-C58A91F8D6FE}">
+      <dgm:prSet/>
+      <dgm:spPr/>
+      <dgm:t>
+        <a:bodyPr/>
+        <a:lstStyle/>
+        <a:p>
+          <a:r>
+            <a:rPr lang="de-DE"/>
+            <a:t>Lämpchen leuchtet auf und fordert Aktion der Spieler</a:t>
+          </a:r>
+          <a:endParaRPr lang="en-US"/>
+        </a:p>
+      </dgm:t>
+    </dgm:pt>
+    <dgm:pt modelId="{596C6CF0-E42D-405C-8049-268EE7F135F8}" type="parTrans" cxnId="{473B9E0F-C079-43A8-B707-B4D0DD86CBA6}">
+      <dgm:prSet/>
+      <dgm:spPr/>
+      <dgm:t>
+        <a:bodyPr/>
+        <a:lstStyle/>
+        <a:p>
+          <a:endParaRPr lang="en-US"/>
+        </a:p>
+      </dgm:t>
+    </dgm:pt>
+    <dgm:pt modelId="{9E33C187-009E-4DD3-93B6-3869D1DE5974}" type="sibTrans" cxnId="{473B9E0F-C079-43A8-B707-B4D0DD86CBA6}">
+      <dgm:prSet/>
+      <dgm:spPr/>
+      <dgm:t>
+        <a:bodyPr/>
+        <a:lstStyle/>
+        <a:p>
+          <a:endParaRPr lang="en-US"/>
+        </a:p>
+      </dgm:t>
+    </dgm:pt>
+    <dgm:pt modelId="{8B785467-D782-489E-8899-0371C454CE79}">
+      <dgm:prSet/>
+      <dgm:spPr/>
+      <dgm:t>
+        <a:bodyPr/>
+        <a:lstStyle/>
+        <a:p>
+          <a:r>
+            <a:rPr lang="de-DE"/>
+            <a:t>Sieger wird angezeigt</a:t>
+          </a:r>
+          <a:endParaRPr lang="en-US"/>
+        </a:p>
+      </dgm:t>
+    </dgm:pt>
+    <dgm:pt modelId="{A49EC7D7-0190-4E6D-8263-C6912B43E796}" type="parTrans" cxnId="{848E7258-9663-41DB-8F4E-C7CD4886E7D0}">
+      <dgm:prSet/>
+      <dgm:spPr/>
+      <dgm:t>
+        <a:bodyPr/>
+        <a:lstStyle/>
+        <a:p>
+          <a:endParaRPr lang="en-US"/>
+        </a:p>
+      </dgm:t>
+    </dgm:pt>
+    <dgm:pt modelId="{CC80332E-4F81-4B6D-8512-589F5B9ACC76}" type="sibTrans" cxnId="{848E7258-9663-41DB-8F4E-C7CD4886E7D0}">
+      <dgm:prSet/>
+      <dgm:spPr/>
+      <dgm:t>
+        <a:bodyPr/>
+        <a:lstStyle/>
+        <a:p>
+          <a:endParaRPr lang="en-US"/>
+        </a:p>
+      </dgm:t>
+    </dgm:pt>
+    <dgm:pt modelId="{0A3427BF-37E9-460A-9ABC-EAA71FF418E9}" type="pres">
+      <dgm:prSet presAssocID="{97DB10FA-4185-4F65-B29A-CD399DFF6318}" presName="root" presStyleCnt="0">
+        <dgm:presLayoutVars>
+          <dgm:dir/>
+          <dgm:resizeHandles val="exact"/>
+        </dgm:presLayoutVars>
+      </dgm:prSet>
+      <dgm:spPr/>
+    </dgm:pt>
+    <dgm:pt modelId="{53A46FCF-963B-466C-8E64-0442C5851E13}" type="pres">
+      <dgm:prSet presAssocID="{97DB10FA-4185-4F65-B29A-CD399DFF6318}" presName="container" presStyleCnt="0">
+        <dgm:presLayoutVars>
+          <dgm:dir/>
+          <dgm:resizeHandles val="exact"/>
+        </dgm:presLayoutVars>
+      </dgm:prSet>
+      <dgm:spPr/>
+    </dgm:pt>
+    <dgm:pt modelId="{2CA0F14A-8938-41AD-BCEB-47A92ACCA976}" type="pres">
+      <dgm:prSet presAssocID="{919862BB-E903-4792-8FB0-068A4A53A4FC}" presName="compNode" presStyleCnt="0"/>
+      <dgm:spPr/>
+    </dgm:pt>
+    <dgm:pt modelId="{A6595FC2-4999-4F72-9B63-493481F91245}" type="pres">
+      <dgm:prSet presAssocID="{919862BB-E903-4792-8FB0-068A4A53A4FC}" presName="iconBgRect" presStyleLbl="bgShp" presStyleIdx="0" presStyleCnt="5"/>
+      <dgm:spPr/>
+    </dgm:pt>
+    <dgm:pt modelId="{F7CDAF2E-1419-4DD4-980B-1A691C084488}" type="pres">
+      <dgm:prSet presAssocID="{919862BB-E903-4792-8FB0-068A4A53A4FC}" presName="iconRect" presStyleLbl="node1" presStyleIdx="0" presStyleCnt="5"/>
+      <dgm:spPr>
+        <a:blipFill>
+          <a:blip xmlns:r="http://schemas.openxmlformats.org/officeDocument/2006/relationships" r:embed="rId1">
+            <a:extLst>
+              <a:ext uri="{96DAC541-7B7A-43D3-8B79-37D633B846F1}">
+                <asvg:svgBlip xmlns:asvg="http://schemas.microsoft.com/office/drawing/2016/SVG/main" r:embed="rId2"/>
+              </a:ext>
+            </a:extLst>
+          </a:blip>
+          <a:srcRect/>
+          <a:stretch>
+            <a:fillRect/>
+          </a:stretch>
+        </a:blipFill>
+        <a:ln>
+          <a:noFill/>
+        </a:ln>
+      </dgm:spPr>
+      <dgm:extLst>
+        <a:ext uri="{E40237B7-FDA0-4F09-8148-C483321AD2D9}">
+          <dgm14:cNvPr xmlns:dgm14="http://schemas.microsoft.com/office/drawing/2010/diagram" id="0" name="" descr="Wiedergeben"/>
+        </a:ext>
+      </dgm:extLst>
+    </dgm:pt>
+    <dgm:pt modelId="{143AB8B0-07CF-4C27-9AF3-9138CE6786BA}" type="pres">
+      <dgm:prSet presAssocID="{919862BB-E903-4792-8FB0-068A4A53A4FC}" presName="spaceRect" presStyleCnt="0"/>
+      <dgm:spPr/>
+    </dgm:pt>
+    <dgm:pt modelId="{D3D06699-96EE-4C3C-B449-E53F44C8F702}" type="pres">
+      <dgm:prSet presAssocID="{919862BB-E903-4792-8FB0-068A4A53A4FC}" presName="textRect" presStyleLbl="revTx" presStyleIdx="0" presStyleCnt="5">
+        <dgm:presLayoutVars>
+          <dgm:chMax val="1"/>
+          <dgm:chPref val="1"/>
+        </dgm:presLayoutVars>
+      </dgm:prSet>
+      <dgm:spPr/>
+    </dgm:pt>
+    <dgm:pt modelId="{031924CB-6483-4763-A93D-00D9287CD2A4}" type="pres">
+      <dgm:prSet presAssocID="{F1941C14-0402-4F70-A1EF-E90CBE59F61E}" presName="sibTrans" presStyleLbl="sibTrans2D1" presStyleIdx="0" presStyleCnt="0"/>
+      <dgm:spPr/>
+    </dgm:pt>
+    <dgm:pt modelId="{DE8948AE-8361-4CF0-AC43-2A10932138C6}" type="pres">
+      <dgm:prSet presAssocID="{8F02B7DA-2173-44D8-BE08-AF9FF8772DCB}" presName="compNode" presStyleCnt="0"/>
+      <dgm:spPr/>
+    </dgm:pt>
+    <dgm:pt modelId="{7E2D2973-EC4E-451B-820F-838FC096EBC1}" type="pres">
+      <dgm:prSet presAssocID="{8F02B7DA-2173-44D8-BE08-AF9FF8772DCB}" presName="iconBgRect" presStyleLbl="bgShp" presStyleIdx="1" presStyleCnt="5"/>
+      <dgm:spPr/>
+    </dgm:pt>
+    <dgm:pt modelId="{EA7A571F-E8A1-4C57-9145-5FC9ECC08836}" type="pres">
+      <dgm:prSet presAssocID="{8F02B7DA-2173-44D8-BE08-AF9FF8772DCB}" presName="iconRect" presStyleLbl="node1" presStyleIdx="1" presStyleCnt="5"/>
+      <dgm:spPr>
+        <a:blipFill>
+          <a:blip xmlns:r="http://schemas.openxmlformats.org/officeDocument/2006/relationships" r:embed="rId3">
+            <a:extLst>
+              <a:ext uri="{96DAC541-7B7A-43D3-8B79-37D633B846F1}">
+                <asvg:svgBlip xmlns:asvg="http://schemas.microsoft.com/office/drawing/2016/SVG/main" r:embed="rId4"/>
+              </a:ext>
+            </a:extLst>
+          </a:blip>
+          <a:srcRect/>
+          <a:stretch>
+            <a:fillRect/>
+          </a:stretch>
+        </a:blipFill>
+        <a:ln>
+          <a:noFill/>
+        </a:ln>
+      </dgm:spPr>
+      <dgm:extLst>
+        <a:ext uri="{E40237B7-FDA0-4F09-8148-C483321AD2D9}">
+          <dgm14:cNvPr xmlns:dgm14="http://schemas.microsoft.com/office/drawing/2010/diagram" id="0" name="" descr="Uhr"/>
+        </a:ext>
+      </dgm:extLst>
+    </dgm:pt>
+    <dgm:pt modelId="{E38A00B1-1A00-4D4D-B1C6-1B7A085BABA3}" type="pres">
+      <dgm:prSet presAssocID="{8F02B7DA-2173-44D8-BE08-AF9FF8772DCB}" presName="spaceRect" presStyleCnt="0"/>
+      <dgm:spPr/>
+    </dgm:pt>
+    <dgm:pt modelId="{DCB0FC82-FA31-4CFB-B4E3-6A8640E16916}" type="pres">
+      <dgm:prSet presAssocID="{8F02B7DA-2173-44D8-BE08-AF9FF8772DCB}" presName="textRect" presStyleLbl="revTx" presStyleIdx="1" presStyleCnt="5">
+        <dgm:presLayoutVars>
+          <dgm:chMax val="1"/>
+          <dgm:chPref val="1"/>
+        </dgm:presLayoutVars>
+      </dgm:prSet>
+      <dgm:spPr/>
+    </dgm:pt>
+    <dgm:pt modelId="{D737ADEA-99FB-4FEF-B219-BB524F131F0F}" type="pres">
+      <dgm:prSet presAssocID="{712BA1F9-E5F1-46F2-986B-505318270E08}" presName="sibTrans" presStyleLbl="sibTrans2D1" presStyleIdx="0" presStyleCnt="0"/>
+      <dgm:spPr/>
+    </dgm:pt>
+    <dgm:pt modelId="{F0846ABB-D8F1-47B9-8AB3-5EC37F324F6F}" type="pres">
+      <dgm:prSet presAssocID="{FC6437D1-31A8-4EDF-B6D1-15FE90166761}" presName="compNode" presStyleCnt="0"/>
+      <dgm:spPr/>
+    </dgm:pt>
+    <dgm:pt modelId="{AADA8BD3-776B-4AC0-BC02-EE2727F5575E}" type="pres">
+      <dgm:prSet presAssocID="{FC6437D1-31A8-4EDF-B6D1-15FE90166761}" presName="iconBgRect" presStyleLbl="bgShp" presStyleIdx="2" presStyleCnt="5"/>
+      <dgm:spPr/>
+    </dgm:pt>
+    <dgm:pt modelId="{B684C439-2AD2-42B8-BFE5-739D4171B105}" type="pres">
+      <dgm:prSet presAssocID="{FC6437D1-31A8-4EDF-B6D1-15FE90166761}" presName="iconRect" presStyleLbl="node1" presStyleIdx="2" presStyleCnt="5"/>
+      <dgm:spPr>
+        <a:blipFill>
+          <a:blip xmlns:r="http://schemas.openxmlformats.org/officeDocument/2006/relationships" r:embed="rId5">
+            <a:extLst>
+              <a:ext uri="{28A0092B-C50C-407E-A947-70E740481C1C}">
+                <a14:useLocalDpi xmlns:a14="http://schemas.microsoft.com/office/drawing/2010/main" val="0"/>
+              </a:ext>
+              <a:ext uri="{96DAC541-7B7A-43D3-8B79-37D633B846F1}">
+                <asvg:svgBlip xmlns:asvg="http://schemas.microsoft.com/office/drawing/2016/SVG/main" r:embed="rId6"/>
+              </a:ext>
+            </a:extLst>
+          </a:blip>
+          <a:stretch>
+            <a:fillRect/>
+          </a:stretch>
+        </a:blipFill>
+        <a:ln>
+          <a:noFill/>
+        </a:ln>
+      </dgm:spPr>
+      <dgm:extLst>
+        <a:ext uri="{E40237B7-FDA0-4F09-8148-C483321AD2D9}">
+          <dgm14:cNvPr xmlns:dgm14="http://schemas.microsoft.com/office/drawing/2010/diagram" id="0" name="" descr="Speed Bump"/>
+        </a:ext>
+      </dgm:extLst>
+    </dgm:pt>
+    <dgm:pt modelId="{F98696A5-19A5-4B1E-83E4-32A0CF4DCB72}" type="pres">
+      <dgm:prSet presAssocID="{FC6437D1-31A8-4EDF-B6D1-15FE90166761}" presName="spaceRect" presStyleCnt="0"/>
+      <dgm:spPr/>
+    </dgm:pt>
+    <dgm:pt modelId="{26C39D43-B912-44AB-8062-3D96C07B5026}" type="pres">
+      <dgm:prSet presAssocID="{FC6437D1-31A8-4EDF-B6D1-15FE90166761}" presName="textRect" presStyleLbl="revTx" presStyleIdx="2" presStyleCnt="5">
+        <dgm:presLayoutVars>
+          <dgm:chMax val="1"/>
+          <dgm:chPref val="1"/>
+        </dgm:presLayoutVars>
+      </dgm:prSet>
+      <dgm:spPr/>
+    </dgm:pt>
+    <dgm:pt modelId="{CFFFBC09-378E-4F29-8767-A964476FB3A5}" type="pres">
+      <dgm:prSet presAssocID="{05E03623-43C8-4491-88D6-6A93037E18BB}" presName="sibTrans" presStyleLbl="sibTrans2D1" presStyleIdx="0" presStyleCnt="0"/>
+      <dgm:spPr/>
+    </dgm:pt>
+    <dgm:pt modelId="{4D6A169D-CAD8-45A2-BEAB-87376530274F}" type="pres">
+      <dgm:prSet presAssocID="{55C0CC8C-6FDE-4F27-BC4C-C58A91F8D6FE}" presName="compNode" presStyleCnt="0"/>
+      <dgm:spPr/>
+    </dgm:pt>
+    <dgm:pt modelId="{07BEF4D7-D67D-4F51-9F3A-66D3A9D821E3}" type="pres">
+      <dgm:prSet presAssocID="{55C0CC8C-6FDE-4F27-BC4C-C58A91F8D6FE}" presName="iconBgRect" presStyleLbl="bgShp" presStyleIdx="3" presStyleCnt="5"/>
+      <dgm:spPr/>
+    </dgm:pt>
+    <dgm:pt modelId="{818D5E36-A926-42EA-A293-B0CA442D014E}" type="pres">
+      <dgm:prSet presAssocID="{55C0CC8C-6FDE-4F27-BC4C-C58A91F8D6FE}" presName="iconRect" presStyleLbl="node1" presStyleIdx="3" presStyleCnt="5"/>
+      <dgm:spPr>
+        <a:blipFill>
+          <a:blip xmlns:r="http://schemas.openxmlformats.org/officeDocument/2006/relationships" r:embed="rId7">
+            <a:extLst>
+              <a:ext uri="{96DAC541-7B7A-43D3-8B79-37D633B846F1}">
+                <asvg:svgBlip xmlns:asvg="http://schemas.microsoft.com/office/drawing/2016/SVG/main" r:embed="rId8"/>
+              </a:ext>
+            </a:extLst>
+          </a:blip>
+          <a:srcRect/>
+          <a:stretch>
+            <a:fillRect/>
+          </a:stretch>
+        </a:blipFill>
+        <a:ln>
+          <a:noFill/>
+        </a:ln>
+      </dgm:spPr>
+      <dgm:extLst>
+        <a:ext uri="{E40237B7-FDA0-4F09-8148-C483321AD2D9}">
+          <dgm14:cNvPr xmlns:dgm14="http://schemas.microsoft.com/office/drawing/2010/diagram" id="0" name="" descr="Skating"/>
+        </a:ext>
+      </dgm:extLst>
+    </dgm:pt>
+    <dgm:pt modelId="{DFC1E978-928D-4F8E-9B53-0F2005EB6069}" type="pres">
+      <dgm:prSet presAssocID="{55C0CC8C-6FDE-4F27-BC4C-C58A91F8D6FE}" presName="spaceRect" presStyleCnt="0"/>
+      <dgm:spPr/>
+    </dgm:pt>
+    <dgm:pt modelId="{0B17CF2A-66CC-421C-BB24-7277EFBCA052}" type="pres">
+      <dgm:prSet presAssocID="{55C0CC8C-6FDE-4F27-BC4C-C58A91F8D6FE}" presName="textRect" presStyleLbl="revTx" presStyleIdx="3" presStyleCnt="5">
+        <dgm:presLayoutVars>
+          <dgm:chMax val="1"/>
+          <dgm:chPref val="1"/>
+        </dgm:presLayoutVars>
+      </dgm:prSet>
+      <dgm:spPr/>
+    </dgm:pt>
+    <dgm:pt modelId="{EE348CE0-99FA-4D79-9946-F8C66E0173FB}" type="pres">
+      <dgm:prSet presAssocID="{9E33C187-009E-4DD3-93B6-3869D1DE5974}" presName="sibTrans" presStyleLbl="sibTrans2D1" presStyleIdx="0" presStyleCnt="0"/>
+      <dgm:spPr/>
+    </dgm:pt>
+    <dgm:pt modelId="{69958311-6975-4976-AA27-82D9E746E70B}" type="pres">
+      <dgm:prSet presAssocID="{8B785467-D782-489E-8899-0371C454CE79}" presName="compNode" presStyleCnt="0"/>
+      <dgm:spPr/>
+    </dgm:pt>
+    <dgm:pt modelId="{72AFDCCF-023D-485C-86D3-57C133B654A3}" type="pres">
+      <dgm:prSet presAssocID="{8B785467-D782-489E-8899-0371C454CE79}" presName="iconBgRect" presStyleLbl="bgShp" presStyleIdx="4" presStyleCnt="5"/>
+      <dgm:spPr/>
+    </dgm:pt>
+    <dgm:pt modelId="{930998B8-270F-4F1D-B2F7-C98421E29330}" type="pres">
+      <dgm:prSet presAssocID="{8B785467-D782-489E-8899-0371C454CE79}" presName="iconRect" presStyleLbl="node1" presStyleIdx="4" presStyleCnt="5"/>
+      <dgm:spPr>
+        <a:blipFill>
+          <a:blip xmlns:r="http://schemas.openxmlformats.org/officeDocument/2006/relationships" r:embed="rId9">
+            <a:extLst>
+              <a:ext uri="{28A0092B-C50C-407E-A947-70E740481C1C}">
+                <a14:useLocalDpi xmlns:a14="http://schemas.microsoft.com/office/drawing/2010/main" val="0"/>
+              </a:ext>
+              <a:ext uri="{96DAC541-7B7A-43D3-8B79-37D633B846F1}">
+                <asvg:svgBlip xmlns:asvg="http://schemas.microsoft.com/office/drawing/2016/SVG/main" r:embed="rId10"/>
+              </a:ext>
+            </a:extLst>
+          </a:blip>
+          <a:stretch>
+            <a:fillRect/>
+          </a:stretch>
+        </a:blipFill>
+        <a:ln>
+          <a:noFill/>
+        </a:ln>
+      </dgm:spPr>
+      <dgm:extLst>
+        <a:ext uri="{E40237B7-FDA0-4F09-8148-C483321AD2D9}">
+          <dgm14:cNvPr xmlns:dgm14="http://schemas.microsoft.com/office/drawing/2010/diagram" id="0" name="" descr="Trophy"/>
+        </a:ext>
+      </dgm:extLst>
+    </dgm:pt>
+    <dgm:pt modelId="{37B3C9AF-CEC7-4361-AFBA-A9048EAF014F}" type="pres">
+      <dgm:prSet presAssocID="{8B785467-D782-489E-8899-0371C454CE79}" presName="spaceRect" presStyleCnt="0"/>
+      <dgm:spPr/>
+    </dgm:pt>
+    <dgm:pt modelId="{1F4EE14A-EA38-4919-B41D-5116CE027A8B}" type="pres">
+      <dgm:prSet presAssocID="{8B785467-D782-489E-8899-0371C454CE79}" presName="textRect" presStyleLbl="revTx" presStyleIdx="4" presStyleCnt="5">
+        <dgm:presLayoutVars>
+          <dgm:chMax val="1"/>
+          <dgm:chPref val="1"/>
+        </dgm:presLayoutVars>
+      </dgm:prSet>
+      <dgm:spPr/>
+    </dgm:pt>
+  </dgm:ptLst>
+  <dgm:cxnLst>
+    <dgm:cxn modelId="{473B9E0F-C079-43A8-B707-B4D0DD86CBA6}" srcId="{97DB10FA-4185-4F65-B29A-CD399DFF6318}" destId="{55C0CC8C-6FDE-4F27-BC4C-C58A91F8D6FE}" srcOrd="3" destOrd="0" parTransId="{596C6CF0-E42D-405C-8049-268EE7F135F8}" sibTransId="{9E33C187-009E-4DD3-93B6-3869D1DE5974}"/>
+    <dgm:cxn modelId="{12A28518-1498-48C5-8B61-90EA24BFC866}" type="presOf" srcId="{97DB10FA-4185-4F65-B29A-CD399DFF6318}" destId="{0A3427BF-37E9-460A-9ABC-EAA71FF418E9}" srcOrd="0" destOrd="0" presId="urn:microsoft.com/office/officeart/2018/2/layout/IconCircleList"/>
+    <dgm:cxn modelId="{2228D533-FCD1-43F6-82A6-CC08CAF07967}" type="presOf" srcId="{FC6437D1-31A8-4EDF-B6D1-15FE90166761}" destId="{26C39D43-B912-44AB-8062-3D96C07B5026}" srcOrd="0" destOrd="0" presId="urn:microsoft.com/office/officeart/2018/2/layout/IconCircleList"/>
+    <dgm:cxn modelId="{FB42873B-B4F4-4535-9BDD-A7DC84351E72}" type="presOf" srcId="{05E03623-43C8-4491-88D6-6A93037E18BB}" destId="{CFFFBC09-378E-4F29-8767-A964476FB3A5}" srcOrd="0" destOrd="0" presId="urn:microsoft.com/office/officeart/2018/2/layout/IconCircleList"/>
+    <dgm:cxn modelId="{1691583D-6C3A-4B32-B2EF-876C557B233C}" type="presOf" srcId="{F1941C14-0402-4F70-A1EF-E90CBE59F61E}" destId="{031924CB-6483-4763-A93D-00D9287CD2A4}" srcOrd="0" destOrd="0" presId="urn:microsoft.com/office/officeart/2018/2/layout/IconCircleList"/>
+    <dgm:cxn modelId="{88436A5E-9E29-48E0-93BD-2B4A2D96D459}" srcId="{97DB10FA-4185-4F65-B29A-CD399DFF6318}" destId="{FC6437D1-31A8-4EDF-B6D1-15FE90166761}" srcOrd="2" destOrd="0" parTransId="{F9EEDAB4-FA09-4804-9620-1A8B86C091DD}" sibTransId="{05E03623-43C8-4491-88D6-6A93037E18BB}"/>
+    <dgm:cxn modelId="{96646B56-9F43-4328-A6B3-80FC9B15873E}" type="presOf" srcId="{712BA1F9-E5F1-46F2-986B-505318270E08}" destId="{D737ADEA-99FB-4FEF-B219-BB524F131F0F}" srcOrd="0" destOrd="0" presId="urn:microsoft.com/office/officeart/2018/2/layout/IconCircleList"/>
+    <dgm:cxn modelId="{848E7258-9663-41DB-8F4E-C7CD4886E7D0}" srcId="{97DB10FA-4185-4F65-B29A-CD399DFF6318}" destId="{8B785467-D782-489E-8899-0371C454CE79}" srcOrd="4" destOrd="0" parTransId="{A49EC7D7-0190-4E6D-8263-C6912B43E796}" sibTransId="{CC80332E-4F81-4B6D-8512-589F5B9ACC76}"/>
+    <dgm:cxn modelId="{D786897A-F816-45C2-8B42-5B61122A6062}" type="presOf" srcId="{55C0CC8C-6FDE-4F27-BC4C-C58A91F8D6FE}" destId="{0B17CF2A-66CC-421C-BB24-7277EFBCA052}" srcOrd="0" destOrd="0" presId="urn:microsoft.com/office/officeart/2018/2/layout/IconCircleList"/>
+    <dgm:cxn modelId="{A4D3EC84-E3AB-4A4B-BED9-79BD000770FE}" type="presOf" srcId="{919862BB-E903-4792-8FB0-068A4A53A4FC}" destId="{D3D06699-96EE-4C3C-B449-E53F44C8F702}" srcOrd="0" destOrd="0" presId="urn:microsoft.com/office/officeart/2018/2/layout/IconCircleList"/>
+    <dgm:cxn modelId="{89F323AF-FA01-4F16-BD12-3EAD8AAB4730}" type="presOf" srcId="{8B785467-D782-489E-8899-0371C454CE79}" destId="{1F4EE14A-EA38-4919-B41D-5116CE027A8B}" srcOrd="0" destOrd="0" presId="urn:microsoft.com/office/officeart/2018/2/layout/IconCircleList"/>
+    <dgm:cxn modelId="{5076EEC0-BC76-4348-901F-FA4CDD6F007E}" type="presOf" srcId="{9E33C187-009E-4DD3-93B6-3869D1DE5974}" destId="{EE348CE0-99FA-4D79-9946-F8C66E0173FB}" srcOrd="0" destOrd="0" presId="urn:microsoft.com/office/officeart/2018/2/layout/IconCircleList"/>
+    <dgm:cxn modelId="{594C7AC4-89AA-4425-8CA3-00A8F35BFFCA}" srcId="{97DB10FA-4185-4F65-B29A-CD399DFF6318}" destId="{919862BB-E903-4792-8FB0-068A4A53A4FC}" srcOrd="0" destOrd="0" parTransId="{9DA21280-51EF-434C-87DC-9C7A0C28C384}" sibTransId="{F1941C14-0402-4F70-A1EF-E90CBE59F61E}"/>
+    <dgm:cxn modelId="{150E20C8-3896-4FD8-998C-DC869EFE86AF}" srcId="{97DB10FA-4185-4F65-B29A-CD399DFF6318}" destId="{8F02B7DA-2173-44D8-BE08-AF9FF8772DCB}" srcOrd="1" destOrd="0" parTransId="{68B9A825-255C-4B82-9C6E-CC02CDFA843A}" sibTransId="{712BA1F9-E5F1-46F2-986B-505318270E08}"/>
+    <dgm:cxn modelId="{A357C6CA-EC61-46D5-BE95-25FA18F5D13E}" type="presOf" srcId="{8F02B7DA-2173-44D8-BE08-AF9FF8772DCB}" destId="{DCB0FC82-FA31-4CFB-B4E3-6A8640E16916}" srcOrd="0" destOrd="0" presId="urn:microsoft.com/office/officeart/2018/2/layout/IconCircleList"/>
+    <dgm:cxn modelId="{2B71859F-CF0C-4F8C-9712-563D52AA1023}" type="presParOf" srcId="{0A3427BF-37E9-460A-9ABC-EAA71FF418E9}" destId="{53A46FCF-963B-466C-8E64-0442C5851E13}" srcOrd="0" destOrd="0" presId="urn:microsoft.com/office/officeart/2018/2/layout/IconCircleList"/>
+    <dgm:cxn modelId="{A11A22D0-E759-4BBC-83D4-D22AD9F39D17}" type="presParOf" srcId="{53A46FCF-963B-466C-8E64-0442C5851E13}" destId="{2CA0F14A-8938-41AD-BCEB-47A92ACCA976}" srcOrd="0" destOrd="0" presId="urn:microsoft.com/office/officeart/2018/2/layout/IconCircleList"/>
+    <dgm:cxn modelId="{920241EE-CDED-4DFB-ACAA-CA04BCE62991}" type="presParOf" srcId="{2CA0F14A-8938-41AD-BCEB-47A92ACCA976}" destId="{A6595FC2-4999-4F72-9B63-493481F91245}" srcOrd="0" destOrd="0" presId="urn:microsoft.com/office/officeart/2018/2/layout/IconCircleList"/>
+    <dgm:cxn modelId="{E0AA1C92-F868-4CBE-8001-EAACFA9F90E6}" type="presParOf" srcId="{2CA0F14A-8938-41AD-BCEB-47A92ACCA976}" destId="{F7CDAF2E-1419-4DD4-980B-1A691C084488}" srcOrd="1" destOrd="0" presId="urn:microsoft.com/office/officeart/2018/2/layout/IconCircleList"/>
+    <dgm:cxn modelId="{B4B42FAD-017D-4477-AA59-9D382BA478F4}" type="presParOf" srcId="{2CA0F14A-8938-41AD-BCEB-47A92ACCA976}" destId="{143AB8B0-07CF-4C27-9AF3-9138CE6786BA}" srcOrd="2" destOrd="0" presId="urn:microsoft.com/office/officeart/2018/2/layout/IconCircleList"/>
+    <dgm:cxn modelId="{53B872D5-06AC-4196-9B41-02092DBB35FF}" type="presParOf" srcId="{2CA0F14A-8938-41AD-BCEB-47A92ACCA976}" destId="{D3D06699-96EE-4C3C-B449-E53F44C8F702}" srcOrd="3" destOrd="0" presId="urn:microsoft.com/office/officeart/2018/2/layout/IconCircleList"/>
+    <dgm:cxn modelId="{7E8D7337-C738-490E-A929-3E0434EBC31D}" type="presParOf" srcId="{53A46FCF-963B-466C-8E64-0442C5851E13}" destId="{031924CB-6483-4763-A93D-00D9287CD2A4}" srcOrd="1" destOrd="0" presId="urn:microsoft.com/office/officeart/2018/2/layout/IconCircleList"/>
+    <dgm:cxn modelId="{65C91F5F-740C-44D3-AA81-1DB3B6C54230}" type="presParOf" srcId="{53A46FCF-963B-466C-8E64-0442C5851E13}" destId="{DE8948AE-8361-4CF0-AC43-2A10932138C6}" srcOrd="2" destOrd="0" presId="urn:microsoft.com/office/officeart/2018/2/layout/IconCircleList"/>
+    <dgm:cxn modelId="{4C06F8A2-346D-4604-AB0F-E43BF59C138B}" type="presParOf" srcId="{DE8948AE-8361-4CF0-AC43-2A10932138C6}" destId="{7E2D2973-EC4E-451B-820F-838FC096EBC1}" srcOrd="0" destOrd="0" presId="urn:microsoft.com/office/officeart/2018/2/layout/IconCircleList"/>
+    <dgm:cxn modelId="{2DB65CF3-B4D7-469C-B4F4-92A88117BD30}" type="presParOf" srcId="{DE8948AE-8361-4CF0-AC43-2A10932138C6}" destId="{EA7A571F-E8A1-4C57-9145-5FC9ECC08836}" srcOrd="1" destOrd="0" presId="urn:microsoft.com/office/officeart/2018/2/layout/IconCircleList"/>
+    <dgm:cxn modelId="{03B641ED-4A05-4190-A8AA-8623929D516C}" type="presParOf" srcId="{DE8948AE-8361-4CF0-AC43-2A10932138C6}" destId="{E38A00B1-1A00-4D4D-B1C6-1B7A085BABA3}" srcOrd="2" destOrd="0" presId="urn:microsoft.com/office/officeart/2018/2/layout/IconCircleList"/>
+    <dgm:cxn modelId="{643BFA9E-CC7E-4FC2-A714-E4666EBE2D4A}" type="presParOf" srcId="{DE8948AE-8361-4CF0-AC43-2A10932138C6}" destId="{DCB0FC82-FA31-4CFB-B4E3-6A8640E16916}" srcOrd="3" destOrd="0" presId="urn:microsoft.com/office/officeart/2018/2/layout/IconCircleList"/>
+    <dgm:cxn modelId="{04414C9A-1679-4154-9FD7-C9AD5DAC8369}" type="presParOf" srcId="{53A46FCF-963B-466C-8E64-0442C5851E13}" destId="{D737ADEA-99FB-4FEF-B219-BB524F131F0F}" srcOrd="3" destOrd="0" presId="urn:microsoft.com/office/officeart/2018/2/layout/IconCircleList"/>
+    <dgm:cxn modelId="{BDA81B86-95EA-4260-961D-FDB66F7E1101}" type="presParOf" srcId="{53A46FCF-963B-466C-8E64-0442C5851E13}" destId="{F0846ABB-D8F1-47B9-8AB3-5EC37F324F6F}" srcOrd="4" destOrd="0" presId="urn:microsoft.com/office/officeart/2018/2/layout/IconCircleList"/>
+    <dgm:cxn modelId="{EBA76787-DF69-4EF8-8358-88379402C06F}" type="presParOf" srcId="{F0846ABB-D8F1-47B9-8AB3-5EC37F324F6F}" destId="{AADA8BD3-776B-4AC0-BC02-EE2727F5575E}" srcOrd="0" destOrd="0" presId="urn:microsoft.com/office/officeart/2018/2/layout/IconCircleList"/>
+    <dgm:cxn modelId="{75196D5A-6051-4E61-BE83-670FC155D450}" type="presParOf" srcId="{F0846ABB-D8F1-47B9-8AB3-5EC37F324F6F}" destId="{B684C439-2AD2-42B8-BFE5-739D4171B105}" srcOrd="1" destOrd="0" presId="urn:microsoft.com/office/officeart/2018/2/layout/IconCircleList"/>
+    <dgm:cxn modelId="{FBF9C667-A7CA-4065-B61E-5E276AFCB8C1}" type="presParOf" srcId="{F0846ABB-D8F1-47B9-8AB3-5EC37F324F6F}" destId="{F98696A5-19A5-4B1E-83E4-32A0CF4DCB72}" srcOrd="2" destOrd="0" presId="urn:microsoft.com/office/officeart/2018/2/layout/IconCircleList"/>
+    <dgm:cxn modelId="{11966B24-2D2E-4024-8E7A-139E7F40DA7B}" type="presParOf" srcId="{F0846ABB-D8F1-47B9-8AB3-5EC37F324F6F}" destId="{26C39D43-B912-44AB-8062-3D96C07B5026}" srcOrd="3" destOrd="0" presId="urn:microsoft.com/office/officeart/2018/2/layout/IconCircleList"/>
+    <dgm:cxn modelId="{3592E55C-737C-4DBE-A076-51A8AE39F318}" type="presParOf" srcId="{53A46FCF-963B-466C-8E64-0442C5851E13}" destId="{CFFFBC09-378E-4F29-8767-A964476FB3A5}" srcOrd="5" destOrd="0" presId="urn:microsoft.com/office/officeart/2018/2/layout/IconCircleList"/>
+    <dgm:cxn modelId="{2DC0E7C2-53F3-46F4-B526-5490C9633DCC}" type="presParOf" srcId="{53A46FCF-963B-466C-8E64-0442C5851E13}" destId="{4D6A169D-CAD8-45A2-BEAB-87376530274F}" srcOrd="6" destOrd="0" presId="urn:microsoft.com/office/officeart/2018/2/layout/IconCircleList"/>
+    <dgm:cxn modelId="{57A38B64-9077-4144-AA8B-B9E4FFC42A2D}" type="presParOf" srcId="{4D6A169D-CAD8-45A2-BEAB-87376530274F}" destId="{07BEF4D7-D67D-4F51-9F3A-66D3A9D821E3}" srcOrd="0" destOrd="0" presId="urn:microsoft.com/office/officeart/2018/2/layout/IconCircleList"/>
+    <dgm:cxn modelId="{884C7ECF-FECA-40C2-85BC-E5DD227A6785}" type="presParOf" srcId="{4D6A169D-CAD8-45A2-BEAB-87376530274F}" destId="{818D5E36-A926-42EA-A293-B0CA442D014E}" srcOrd="1" destOrd="0" presId="urn:microsoft.com/office/officeart/2018/2/layout/IconCircleList"/>
+    <dgm:cxn modelId="{24AA5220-4BF3-40B0-84D6-D2714866C685}" type="presParOf" srcId="{4D6A169D-CAD8-45A2-BEAB-87376530274F}" destId="{DFC1E978-928D-4F8E-9B53-0F2005EB6069}" srcOrd="2" destOrd="0" presId="urn:microsoft.com/office/officeart/2018/2/layout/IconCircleList"/>
+    <dgm:cxn modelId="{2555F5B0-72C8-4588-82AF-AE0DA485EEB9}" type="presParOf" srcId="{4D6A169D-CAD8-45A2-BEAB-87376530274F}" destId="{0B17CF2A-66CC-421C-BB24-7277EFBCA052}" srcOrd="3" destOrd="0" presId="urn:microsoft.com/office/officeart/2018/2/layout/IconCircleList"/>
+    <dgm:cxn modelId="{2D24C898-C694-43AB-807D-FAF2985D612D}" type="presParOf" srcId="{53A46FCF-963B-466C-8E64-0442C5851E13}" destId="{EE348CE0-99FA-4D79-9946-F8C66E0173FB}" srcOrd="7" destOrd="0" presId="urn:microsoft.com/office/officeart/2018/2/layout/IconCircleList"/>
+    <dgm:cxn modelId="{1C5D3ED4-2A90-4711-862F-7D5F699ABFD8}" type="presParOf" srcId="{53A46FCF-963B-466C-8E64-0442C5851E13}" destId="{69958311-6975-4976-AA27-82D9E746E70B}" srcOrd="8" destOrd="0" presId="urn:microsoft.com/office/officeart/2018/2/layout/IconCircleList"/>
+    <dgm:cxn modelId="{04E9D137-3FE3-4DAE-A693-D6AE3BC3C133}" type="presParOf" srcId="{69958311-6975-4976-AA27-82D9E746E70B}" destId="{72AFDCCF-023D-485C-86D3-57C133B654A3}" srcOrd="0" destOrd="0" presId="urn:microsoft.com/office/officeart/2018/2/layout/IconCircleList"/>
+    <dgm:cxn modelId="{AEEDDD99-E205-430E-BB3C-7100E53303C8}" type="presParOf" srcId="{69958311-6975-4976-AA27-82D9E746E70B}" destId="{930998B8-270F-4F1D-B2F7-C98421E29330}" srcOrd="1" destOrd="0" presId="urn:microsoft.com/office/officeart/2018/2/layout/IconCircleList"/>
+    <dgm:cxn modelId="{4AE79F2C-E539-44A9-BB1A-279FAA5FF8C7}" type="presParOf" srcId="{69958311-6975-4976-AA27-82D9E746E70B}" destId="{37B3C9AF-CEC7-4361-AFBA-A9048EAF014F}" srcOrd="2" destOrd="0" presId="urn:microsoft.com/office/officeart/2018/2/layout/IconCircleList"/>
+    <dgm:cxn modelId="{7B789E48-B302-4BA2-B557-9888D218A044}" type="presParOf" srcId="{69958311-6975-4976-AA27-82D9E746E70B}" destId="{1F4EE14A-EA38-4919-B41D-5116CE027A8B}" srcOrd="3" destOrd="0" presId="urn:microsoft.com/office/officeart/2018/2/layout/IconCircleList"/>
+  </dgm:cxnLst>
+  <dgm:bg/>
+  <dgm:whole/>
+  <dgm:extLst>
+    <a:ext uri="http://schemas.microsoft.com/office/drawing/2008/diagram">
+      <dsp:dataModelExt xmlns:dsp="http://schemas.microsoft.com/office/drawing/2008/diagram" relId="rId6" minVer="http://schemas.openxmlformats.org/drawingml/2006/diagram"/>
+    </a:ext>
+  </dgm:extLst>
+</dgm:dataModel>
+</file>
+
+<file path=ppt/diagrams/drawing1.xml><?xml version="1.0" encoding="utf-8"?>
+<dsp:drawing xmlns:dgm="http://schemas.openxmlformats.org/drawingml/2006/diagram" xmlns:dsp="http://schemas.microsoft.com/office/drawing/2008/diagram" xmlns:a="http://schemas.openxmlformats.org/drawingml/2006/main">
+  <dsp:spTree>
+    <dsp:nvGrpSpPr>
+      <dsp:cNvPr id="0" name=""/>
+      <dsp:cNvGrpSpPr/>
+    </dsp:nvGrpSpPr>
+    <dsp:grpSpPr/>
+    <dsp:sp modelId="{DEEC488B-0F17-4460-9FE0-ED933C521223}">
+      <dsp:nvSpPr>
+        <dsp:cNvPr id="0" name=""/>
+        <dsp:cNvSpPr/>
+      </dsp:nvSpPr>
+      <dsp:spPr>
+        <a:xfrm>
+          <a:off x="551905" y="568218"/>
+          <a:ext cx="1544062" cy="1544062"/>
+        </a:xfrm>
+        <a:prstGeom prst="ellipse">
+          <a:avLst/>
+        </a:prstGeom>
+        <a:solidFill>
+          <a:schemeClr val="accent2">
+            <a:hueOff val="0"/>
+            <a:satOff val="0"/>
+            <a:lumOff val="0"/>
+            <a:alphaOff val="0"/>
+          </a:schemeClr>
+        </a:solidFill>
+        <a:ln>
+          <a:noFill/>
+        </a:ln>
+        <a:effectLst/>
+      </dsp:spPr>
+      <dsp:style>
+        <a:lnRef idx="0">
+          <a:scrgbClr r="0" g="0" b="0"/>
+        </a:lnRef>
+        <a:fillRef idx="1">
+          <a:scrgbClr r="0" g="0" b="0"/>
+        </a:fillRef>
+        <a:effectRef idx="0">
+          <a:scrgbClr r="0" g="0" b="0"/>
+        </a:effectRef>
+        <a:fontRef idx="minor"/>
+      </dsp:style>
+    </dsp:sp>
+    <dsp:sp modelId="{436C9C7D-3E7D-4010-BB09-A9BF6BBD112B}">
+      <dsp:nvSpPr>
+        <dsp:cNvPr id="0" name=""/>
+        <dsp:cNvSpPr/>
+      </dsp:nvSpPr>
+      <dsp:spPr>
+        <a:xfrm>
+          <a:off x="880968" y="897281"/>
+          <a:ext cx="885937" cy="885937"/>
+        </a:xfrm>
+        <a:prstGeom prst="rect">
+          <a:avLst/>
+        </a:prstGeom>
+        <a:blipFill>
+          <a:blip xmlns:r="http://schemas.openxmlformats.org/officeDocument/2006/relationships" r:embed="rId1">
+            <a:extLst>
+              <a:ext uri="{96DAC541-7B7A-43D3-8B79-37D633B846F1}">
+                <asvg:svgBlip xmlns:asvg="http://schemas.microsoft.com/office/drawing/2016/SVG/main" r:embed="rId2"/>
+              </a:ext>
+            </a:extLst>
+          </a:blip>
+          <a:srcRect/>
+          <a:stretch>
+            <a:fillRect/>
+          </a:stretch>
+        </a:blipFill>
+        <a:ln w="19050" cap="rnd" cmpd="sng" algn="ctr">
+          <a:noFill/>
+          <a:prstDash val="solid"/>
+        </a:ln>
+        <a:effectLst/>
+      </dsp:spPr>
+      <dsp:style>
+        <a:lnRef idx="2">
+          <a:scrgbClr r="0" g="0" b="0"/>
+        </a:lnRef>
+        <a:fillRef idx="1">
+          <a:scrgbClr r="0" g="0" b="0"/>
+        </a:fillRef>
+        <a:effectRef idx="0">
+          <a:scrgbClr r="0" g="0" b="0"/>
+        </a:effectRef>
+        <a:fontRef idx="minor">
+          <a:schemeClr val="lt1"/>
+        </a:fontRef>
+      </dsp:style>
+    </dsp:sp>
+    <dsp:sp modelId="{7A52A6E9-4944-47D2-BBDF-9AEBE3960C48}">
+      <dsp:nvSpPr>
+        <dsp:cNvPr id="0" name=""/>
+        <dsp:cNvSpPr/>
+      </dsp:nvSpPr>
+      <dsp:spPr>
+        <a:xfrm>
+          <a:off x="58312" y="2593218"/>
+          <a:ext cx="2531250" cy="720000"/>
+        </a:xfrm>
+        <a:prstGeom prst="rect">
+          <a:avLst/>
+        </a:prstGeom>
+        <a:noFill/>
+        <a:ln>
+          <a:noFill/>
+        </a:ln>
+        <a:effectLst/>
+      </dsp:spPr>
+      <dsp:style>
+        <a:lnRef idx="0">
+          <a:scrgbClr r="0" g="0" b="0"/>
+        </a:lnRef>
+        <a:fillRef idx="0">
+          <a:scrgbClr r="0" g="0" b="0"/>
+        </a:fillRef>
+        <a:effectRef idx="0">
+          <a:scrgbClr r="0" g="0" b="0"/>
+        </a:effectRef>
+        <a:fontRef idx="minor"/>
+      </dsp:style>
+      <dsp:txBody>
+        <a:bodyPr spcFirstLastPara="0" vert="horz" wrap="square" lIns="0" tIns="0" rIns="0" bIns="0" numCol="1" spcCol="1270" anchor="t" anchorCtr="0">
+          <a:noAutofit/>
+        </a:bodyPr>
+        <a:lstStyle/>
+        <a:p>
+          <a:pPr marL="0" lvl="0" indent="0" algn="ctr" defTabSz="1111250">
+            <a:lnSpc>
+              <a:spcPct val="90000"/>
+            </a:lnSpc>
+            <a:spcBef>
+              <a:spcPct val="0"/>
+            </a:spcBef>
+            <a:spcAft>
+              <a:spcPct val="35000"/>
+            </a:spcAft>
+            <a:buNone/>
+            <a:defRPr cap="all"/>
+          </a:pPr>
+          <a:r>
+            <a:rPr lang="de-DE" sz="2500" kern="1200"/>
+            <a:t>8051 Mikrocomputer</a:t>
+          </a:r>
+          <a:endParaRPr lang="en-US" sz="2500" kern="1200"/>
+        </a:p>
+      </dsp:txBody>
+      <dsp:txXfrm>
+        <a:off x="58312" y="2593218"/>
+        <a:ext cx="2531250" cy="720000"/>
+      </dsp:txXfrm>
+    </dsp:sp>
+    <dsp:sp modelId="{7019A18E-3B8E-4F8B-8F9C-5BABDB9B21C9}">
+      <dsp:nvSpPr>
+        <dsp:cNvPr id="0" name=""/>
+        <dsp:cNvSpPr/>
+      </dsp:nvSpPr>
+      <dsp:spPr>
+        <a:xfrm>
+          <a:off x="3526124" y="568218"/>
+          <a:ext cx="1544062" cy="1544062"/>
+        </a:xfrm>
+        <a:prstGeom prst="ellipse">
+          <a:avLst/>
+        </a:prstGeom>
+        <a:solidFill>
+          <a:schemeClr val="accent2">
+            <a:hueOff val="-1356225"/>
+            <a:satOff val="-828"/>
+            <a:lumOff val="3235"/>
+            <a:alphaOff val="0"/>
+          </a:schemeClr>
+        </a:solidFill>
+        <a:ln>
+          <a:noFill/>
+        </a:ln>
+        <a:effectLst/>
+      </dsp:spPr>
+      <dsp:style>
+        <a:lnRef idx="0">
+          <a:scrgbClr r="0" g="0" b="0"/>
+        </a:lnRef>
+        <a:fillRef idx="1">
+          <a:scrgbClr r="0" g="0" b="0"/>
+        </a:fillRef>
+        <a:effectRef idx="0">
+          <a:scrgbClr r="0" g="0" b="0"/>
+        </a:effectRef>
+        <a:fontRef idx="minor"/>
+      </dsp:style>
+    </dsp:sp>
+    <dsp:sp modelId="{DEF80AD9-CB36-452F-9CB8-48E2AF7202CD}">
+      <dsp:nvSpPr>
+        <dsp:cNvPr id="0" name=""/>
+        <dsp:cNvSpPr/>
+      </dsp:nvSpPr>
+      <dsp:spPr>
+        <a:xfrm>
+          <a:off x="3855187" y="897281"/>
+          <a:ext cx="885937" cy="885937"/>
+        </a:xfrm>
+        <a:prstGeom prst="rect">
+          <a:avLst/>
+        </a:prstGeom>
+        <a:blipFill>
+          <a:blip xmlns:r="http://schemas.openxmlformats.org/officeDocument/2006/relationships" r:embed="rId3">
+            <a:extLst>
+              <a:ext uri="{28A0092B-C50C-407E-A947-70E740481C1C}">
+                <a14:useLocalDpi xmlns:a14="http://schemas.microsoft.com/office/drawing/2010/main" val="0"/>
+              </a:ext>
+              <a:ext uri="{96DAC541-7B7A-43D3-8B79-37D633B846F1}">
+                <asvg:svgBlip xmlns:asvg="http://schemas.microsoft.com/office/drawing/2016/SVG/main" r:embed="rId4"/>
+              </a:ext>
+            </a:extLst>
+          </a:blip>
+          <a:stretch>
+            <a:fillRect/>
+          </a:stretch>
+        </a:blipFill>
+        <a:ln w="19050" cap="rnd" cmpd="sng" algn="ctr">
+          <a:noFill/>
+          <a:prstDash val="solid"/>
+        </a:ln>
+        <a:effectLst/>
+      </dsp:spPr>
+      <dsp:style>
+        <a:lnRef idx="2">
+          <a:scrgbClr r="0" g="0" b="0"/>
+        </a:lnRef>
+        <a:fillRef idx="1">
+          <a:scrgbClr r="0" g="0" b="0"/>
+        </a:fillRef>
+        <a:effectRef idx="0">
+          <a:scrgbClr r="0" g="0" b="0"/>
+        </a:effectRef>
+        <a:fontRef idx="minor">
+          <a:schemeClr val="lt1"/>
+        </a:fontRef>
+      </dsp:style>
+    </dsp:sp>
+    <dsp:sp modelId="{A8ABD0C2-8FAD-4497-A367-AE7701017431}">
+      <dsp:nvSpPr>
+        <dsp:cNvPr id="0" name=""/>
+        <dsp:cNvSpPr/>
+      </dsp:nvSpPr>
+      <dsp:spPr>
+        <a:xfrm>
+          <a:off x="3032531" y="2593218"/>
+          <a:ext cx="2531250" cy="720000"/>
+        </a:xfrm>
+        <a:prstGeom prst="rect">
+          <a:avLst/>
+        </a:prstGeom>
+        <a:noFill/>
+        <a:ln>
+          <a:noFill/>
+        </a:ln>
+        <a:effectLst/>
+      </dsp:spPr>
+      <dsp:style>
+        <a:lnRef idx="0">
+          <a:scrgbClr r="0" g="0" b="0"/>
+        </a:lnRef>
+        <a:fillRef idx="0">
+          <a:scrgbClr r="0" g="0" b="0"/>
+        </a:fillRef>
+        <a:effectRef idx="0">
+          <a:scrgbClr r="0" g="0" b="0"/>
+        </a:effectRef>
+        <a:fontRef idx="minor"/>
+      </dsp:style>
+      <dsp:txBody>
+        <a:bodyPr spcFirstLastPara="0" vert="horz" wrap="square" lIns="0" tIns="0" rIns="0" bIns="0" numCol="1" spcCol="1270" anchor="t" anchorCtr="0">
+          <a:noAutofit/>
+        </a:bodyPr>
+        <a:lstStyle/>
+        <a:p>
+          <a:pPr marL="0" lvl="0" indent="0" algn="ctr" defTabSz="1111250">
+            <a:lnSpc>
+              <a:spcPct val="90000"/>
+            </a:lnSpc>
+            <a:spcBef>
+              <a:spcPct val="0"/>
+            </a:spcBef>
+            <a:spcAft>
+              <a:spcPct val="35000"/>
+            </a:spcAft>
+            <a:buNone/>
+            <a:defRPr cap="all"/>
+          </a:pPr>
+          <a:r>
+            <a:rPr lang="de-DE" sz="2500" kern="1200" dirty="0"/>
+            <a:t>Buzzer</a:t>
+          </a:r>
+          <a:endParaRPr lang="en-US" sz="2500" kern="1200" dirty="0"/>
+        </a:p>
+      </dsp:txBody>
+      <dsp:txXfrm>
+        <a:off x="3032531" y="2593218"/>
+        <a:ext cx="2531250" cy="720000"/>
+      </dsp:txXfrm>
+    </dsp:sp>
+    <dsp:sp modelId="{287135F1-F784-454F-BD27-439C3A7AAE2F}">
+      <dsp:nvSpPr>
+        <dsp:cNvPr id="0" name=""/>
+        <dsp:cNvSpPr/>
+      </dsp:nvSpPr>
+      <dsp:spPr>
+        <a:xfrm>
+          <a:off x="6500343" y="568218"/>
+          <a:ext cx="1544062" cy="1544062"/>
+        </a:xfrm>
+        <a:prstGeom prst="ellipse">
+          <a:avLst/>
+        </a:prstGeom>
+        <a:solidFill>
+          <a:schemeClr val="accent2">
+            <a:hueOff val="-2712450"/>
+            <a:satOff val="-1656"/>
+            <a:lumOff val="6471"/>
+            <a:alphaOff val="0"/>
+          </a:schemeClr>
+        </a:solidFill>
+        <a:ln>
+          <a:noFill/>
+        </a:ln>
+        <a:effectLst/>
+      </dsp:spPr>
+      <dsp:style>
+        <a:lnRef idx="0">
+          <a:scrgbClr r="0" g="0" b="0"/>
+        </a:lnRef>
+        <a:fillRef idx="1">
+          <a:scrgbClr r="0" g="0" b="0"/>
+        </a:fillRef>
+        <a:effectRef idx="0">
+          <a:scrgbClr r="0" g="0" b="0"/>
+        </a:effectRef>
+        <a:fontRef idx="minor"/>
+      </dsp:style>
+    </dsp:sp>
+    <dsp:sp modelId="{231AA37D-2BD9-4EC0-92D0-C9ABA001A834}">
+      <dsp:nvSpPr>
+        <dsp:cNvPr id="0" name=""/>
+        <dsp:cNvSpPr/>
+      </dsp:nvSpPr>
+      <dsp:spPr>
+        <a:xfrm>
+          <a:off x="6829406" y="897281"/>
+          <a:ext cx="885937" cy="885937"/>
+        </a:xfrm>
+        <a:prstGeom prst="rect">
+          <a:avLst/>
+        </a:prstGeom>
+        <a:blipFill>
+          <a:blip xmlns:r="http://schemas.openxmlformats.org/officeDocument/2006/relationships" r:embed="rId5">
+            <a:extLst>
+              <a:ext uri="{28A0092B-C50C-407E-A947-70E740481C1C}">
+                <a14:useLocalDpi xmlns:a14="http://schemas.microsoft.com/office/drawing/2010/main" val="0"/>
+              </a:ext>
+              <a:ext uri="{96DAC541-7B7A-43D3-8B79-37D633B846F1}">
+                <asvg:svgBlip xmlns:asvg="http://schemas.microsoft.com/office/drawing/2016/SVG/main" r:embed="rId6"/>
+              </a:ext>
+            </a:extLst>
+          </a:blip>
+          <a:stretch>
+            <a:fillRect/>
+          </a:stretch>
+        </a:blipFill>
+        <a:ln w="19050" cap="rnd" cmpd="sng" algn="ctr">
+          <a:noFill/>
+          <a:prstDash val="solid"/>
+        </a:ln>
+        <a:effectLst/>
+      </dsp:spPr>
+      <dsp:style>
+        <a:lnRef idx="2">
+          <a:scrgbClr r="0" g="0" b="0"/>
+        </a:lnRef>
+        <a:fillRef idx="1">
+          <a:scrgbClr r="0" g="0" b="0"/>
+        </a:fillRef>
+        <a:effectRef idx="0">
+          <a:scrgbClr r="0" g="0" b="0"/>
+        </a:effectRef>
+        <a:fontRef idx="minor">
+          <a:schemeClr val="lt1"/>
+        </a:fontRef>
+      </dsp:style>
+    </dsp:sp>
+    <dsp:sp modelId="{76ED39AF-BA36-4782-B81E-BDA5F379AE8B}">
+      <dsp:nvSpPr>
+        <dsp:cNvPr id="0" name=""/>
+        <dsp:cNvSpPr/>
+      </dsp:nvSpPr>
+      <dsp:spPr>
+        <a:xfrm>
+          <a:off x="6006749" y="2593218"/>
+          <a:ext cx="2531250" cy="720000"/>
+        </a:xfrm>
+        <a:prstGeom prst="rect">
+          <a:avLst/>
+        </a:prstGeom>
+        <a:noFill/>
+        <a:ln>
+          <a:noFill/>
+        </a:ln>
+        <a:effectLst/>
+      </dsp:spPr>
+      <dsp:style>
+        <a:lnRef idx="0">
+          <a:scrgbClr r="0" g="0" b="0"/>
+        </a:lnRef>
+        <a:fillRef idx="0">
+          <a:scrgbClr r="0" g="0" b="0"/>
+        </a:fillRef>
+        <a:effectRef idx="0">
+          <a:scrgbClr r="0" g="0" b="0"/>
+        </a:effectRef>
+        <a:fontRef idx="minor"/>
+      </dsp:style>
+      <dsp:txBody>
+        <a:bodyPr spcFirstLastPara="0" vert="horz" wrap="square" lIns="0" tIns="0" rIns="0" bIns="0" numCol="1" spcCol="1270" anchor="t" anchorCtr="0">
+          <a:noAutofit/>
+        </a:bodyPr>
+        <a:lstStyle/>
+        <a:p>
+          <a:pPr marL="0" lvl="0" indent="0" algn="ctr" defTabSz="1111250">
+            <a:lnSpc>
+              <a:spcPct val="90000"/>
+            </a:lnSpc>
+            <a:spcBef>
+              <a:spcPct val="0"/>
+            </a:spcBef>
+            <a:spcAft>
+              <a:spcPct val="35000"/>
+            </a:spcAft>
+            <a:buNone/>
+            <a:defRPr cap="all"/>
+          </a:pPr>
+          <a:r>
+            <a:rPr lang="de-DE" sz="2500" kern="1200"/>
+            <a:t>LEDs</a:t>
+          </a:r>
+          <a:endParaRPr lang="en-US" sz="2500" kern="1200"/>
+        </a:p>
+      </dsp:txBody>
+      <dsp:txXfrm>
+        <a:off x="6006749" y="2593218"/>
+        <a:ext cx="2531250" cy="720000"/>
+      </dsp:txXfrm>
+    </dsp:sp>
+  </dsp:spTree>
+</dsp:drawing>
+</file>
+
+<file path=ppt/diagrams/drawing2.xml><?xml version="1.0" encoding="utf-8"?>
+<dsp:drawing xmlns:dgm="http://schemas.openxmlformats.org/drawingml/2006/diagram" xmlns:dsp="http://schemas.microsoft.com/office/drawing/2008/diagram" xmlns:a="http://schemas.openxmlformats.org/drawingml/2006/main">
+  <dsp:spTree>
+    <dsp:nvGrpSpPr>
+      <dsp:cNvPr id="0" name=""/>
+      <dsp:cNvGrpSpPr/>
+    </dsp:nvGrpSpPr>
+    <dsp:grpSpPr/>
+    <dsp:sp modelId="{A6595FC2-4999-4F72-9B63-493481F91245}">
+      <dsp:nvSpPr>
+        <dsp:cNvPr id="0" name=""/>
+        <dsp:cNvSpPr/>
+      </dsp:nvSpPr>
+      <dsp:spPr>
+        <a:xfrm>
+          <a:off x="1163156" y="35767"/>
+          <a:ext cx="830070" cy="830070"/>
+        </a:xfrm>
+        <a:prstGeom prst="ellipse">
+          <a:avLst/>
+        </a:prstGeom>
+        <a:solidFill>
+          <a:schemeClr val="accent2">
+            <a:hueOff val="0"/>
+            <a:satOff val="0"/>
+            <a:lumOff val="0"/>
+            <a:alphaOff val="0"/>
+          </a:schemeClr>
+        </a:solidFill>
+        <a:ln>
+          <a:noFill/>
+        </a:ln>
+        <a:effectLst/>
+      </dsp:spPr>
+      <dsp:style>
+        <a:lnRef idx="0">
+          <a:scrgbClr r="0" g="0" b="0"/>
+        </a:lnRef>
+        <a:fillRef idx="1">
+          <a:scrgbClr r="0" g="0" b="0"/>
+        </a:fillRef>
+        <a:effectRef idx="0">
+          <a:scrgbClr r="0" g="0" b="0"/>
+        </a:effectRef>
+        <a:fontRef idx="minor"/>
+      </dsp:style>
+    </dsp:sp>
+    <dsp:sp modelId="{F7CDAF2E-1419-4DD4-980B-1A691C084488}">
+      <dsp:nvSpPr>
+        <dsp:cNvPr id="0" name=""/>
+        <dsp:cNvSpPr/>
+      </dsp:nvSpPr>
+      <dsp:spPr>
+        <a:xfrm>
+          <a:off x="1337470" y="210082"/>
+          <a:ext cx="481441" cy="481441"/>
+        </a:xfrm>
+        <a:prstGeom prst="rect">
+          <a:avLst/>
+        </a:prstGeom>
+        <a:blipFill>
+          <a:blip xmlns:r="http://schemas.openxmlformats.org/officeDocument/2006/relationships" r:embed="rId1">
+            <a:extLst>
+              <a:ext uri="{96DAC541-7B7A-43D3-8B79-37D633B846F1}">
+                <asvg:svgBlip xmlns:asvg="http://schemas.microsoft.com/office/drawing/2016/SVG/main" r:embed="rId2"/>
+              </a:ext>
+            </a:extLst>
+          </a:blip>
+          <a:srcRect/>
+          <a:stretch>
+            <a:fillRect/>
+          </a:stretch>
+        </a:blipFill>
+        <a:ln w="19050" cap="rnd" cmpd="sng" algn="ctr">
+          <a:noFill/>
+          <a:prstDash val="solid"/>
+        </a:ln>
+        <a:effectLst/>
+      </dsp:spPr>
+      <dsp:style>
+        <a:lnRef idx="2">
+          <a:scrgbClr r="0" g="0" b="0"/>
+        </a:lnRef>
+        <a:fillRef idx="1">
+          <a:scrgbClr r="0" g="0" b="0"/>
+        </a:fillRef>
+        <a:effectRef idx="0">
+          <a:scrgbClr r="0" g="0" b="0"/>
+        </a:effectRef>
+        <a:fontRef idx="minor">
+          <a:schemeClr val="lt1"/>
+        </a:fontRef>
+      </dsp:style>
+    </dsp:sp>
+    <dsp:sp modelId="{D3D06699-96EE-4C3C-B449-E53F44C8F702}">
+      <dsp:nvSpPr>
+        <dsp:cNvPr id="0" name=""/>
+        <dsp:cNvSpPr/>
+      </dsp:nvSpPr>
+      <dsp:spPr>
+        <a:xfrm>
+          <a:off x="2171099" y="35767"/>
+          <a:ext cx="1956595" cy="830070"/>
+        </a:xfrm>
+        <a:prstGeom prst="rect">
+          <a:avLst/>
+        </a:prstGeom>
+        <a:noFill/>
+        <a:ln>
+          <a:noFill/>
+        </a:ln>
+        <a:effectLst/>
+      </dsp:spPr>
+      <dsp:style>
+        <a:lnRef idx="0">
+          <a:scrgbClr r="0" g="0" b="0"/>
+        </a:lnRef>
+        <a:fillRef idx="0">
+          <a:scrgbClr r="0" g="0" b="0"/>
+        </a:fillRef>
+        <a:effectRef idx="0">
+          <a:scrgbClr r="0" g="0" b="0"/>
+        </a:effectRef>
+        <a:fontRef idx="minor"/>
+      </dsp:style>
+      <dsp:txBody>
+        <a:bodyPr spcFirstLastPara="0" vert="horz" wrap="square" lIns="0" tIns="0" rIns="0" bIns="0" numCol="1" spcCol="1270" anchor="ctr" anchorCtr="0">
+          <a:noAutofit/>
+        </a:bodyPr>
+        <a:lstStyle/>
+        <a:p>
+          <a:pPr marL="0" lvl="0" indent="0" algn="l" defTabSz="755650">
+            <a:lnSpc>
+              <a:spcPct val="90000"/>
+            </a:lnSpc>
+            <a:spcBef>
+              <a:spcPct val="0"/>
+            </a:spcBef>
+            <a:spcAft>
+              <a:spcPct val="35000"/>
+            </a:spcAft>
+            <a:buNone/>
+          </a:pPr>
+          <a:r>
+            <a:rPr lang="de-DE" sz="1700" kern="1200"/>
+            <a:t>Startsignal</a:t>
+          </a:r>
+          <a:endParaRPr lang="en-US" sz="1700" kern="1200"/>
+        </a:p>
+      </dsp:txBody>
+      <dsp:txXfrm>
+        <a:off x="2171099" y="35767"/>
+        <a:ext cx="1956595" cy="830070"/>
+      </dsp:txXfrm>
+    </dsp:sp>
+    <dsp:sp modelId="{7E2D2973-EC4E-451B-820F-838FC096EBC1}">
+      <dsp:nvSpPr>
+        <dsp:cNvPr id="0" name=""/>
+        <dsp:cNvSpPr/>
+      </dsp:nvSpPr>
+      <dsp:spPr>
+        <a:xfrm>
+          <a:off x="4468616" y="35767"/>
+          <a:ext cx="830070" cy="830070"/>
+        </a:xfrm>
+        <a:prstGeom prst="ellipse">
+          <a:avLst/>
+        </a:prstGeom>
+        <a:solidFill>
+          <a:schemeClr val="accent2">
+            <a:hueOff val="-678113"/>
+            <a:satOff val="-414"/>
+            <a:lumOff val="1618"/>
+            <a:alphaOff val="0"/>
+          </a:schemeClr>
+        </a:solidFill>
+        <a:ln>
+          <a:noFill/>
+        </a:ln>
+        <a:effectLst/>
+      </dsp:spPr>
+      <dsp:style>
+        <a:lnRef idx="0">
+          <a:scrgbClr r="0" g="0" b="0"/>
+        </a:lnRef>
+        <a:fillRef idx="1">
+          <a:scrgbClr r="0" g="0" b="0"/>
+        </a:fillRef>
+        <a:effectRef idx="0">
+          <a:scrgbClr r="0" g="0" b="0"/>
+        </a:effectRef>
+        <a:fontRef idx="minor"/>
+      </dsp:style>
+    </dsp:sp>
+    <dsp:sp modelId="{EA7A571F-E8A1-4C57-9145-5FC9ECC08836}">
+      <dsp:nvSpPr>
+        <dsp:cNvPr id="0" name=""/>
+        <dsp:cNvSpPr/>
+      </dsp:nvSpPr>
+      <dsp:spPr>
+        <a:xfrm>
+          <a:off x="4642931" y="210082"/>
+          <a:ext cx="481441" cy="481441"/>
+        </a:xfrm>
+        <a:prstGeom prst="rect">
+          <a:avLst/>
+        </a:prstGeom>
+        <a:blipFill>
+          <a:blip xmlns:r="http://schemas.openxmlformats.org/officeDocument/2006/relationships" r:embed="rId3">
+            <a:extLst>
+              <a:ext uri="{96DAC541-7B7A-43D3-8B79-37D633B846F1}">
+                <asvg:svgBlip xmlns:asvg="http://schemas.microsoft.com/office/drawing/2016/SVG/main" r:embed="rId4"/>
+              </a:ext>
+            </a:extLst>
+          </a:blip>
+          <a:srcRect/>
+          <a:stretch>
+            <a:fillRect/>
+          </a:stretch>
+        </a:blipFill>
+        <a:ln w="19050" cap="rnd" cmpd="sng" algn="ctr">
+          <a:noFill/>
+          <a:prstDash val="solid"/>
+        </a:ln>
+        <a:effectLst/>
+      </dsp:spPr>
+      <dsp:style>
+        <a:lnRef idx="2">
+          <a:scrgbClr r="0" g="0" b="0"/>
+        </a:lnRef>
+        <a:fillRef idx="1">
+          <a:scrgbClr r="0" g="0" b="0"/>
+        </a:fillRef>
+        <a:effectRef idx="0">
+          <a:scrgbClr r="0" g="0" b="0"/>
+        </a:effectRef>
+        <a:fontRef idx="minor">
+          <a:schemeClr val="lt1"/>
+        </a:fontRef>
+      </dsp:style>
+    </dsp:sp>
+    <dsp:sp modelId="{DCB0FC82-FA31-4CFB-B4E3-6A8640E16916}">
+      <dsp:nvSpPr>
+        <dsp:cNvPr id="0" name=""/>
+        <dsp:cNvSpPr/>
+      </dsp:nvSpPr>
+      <dsp:spPr>
+        <a:xfrm>
+          <a:off x="5476560" y="35767"/>
+          <a:ext cx="1956595" cy="830070"/>
+        </a:xfrm>
+        <a:prstGeom prst="rect">
+          <a:avLst/>
+        </a:prstGeom>
+        <a:noFill/>
+        <a:ln>
+          <a:noFill/>
+        </a:ln>
+        <a:effectLst/>
+      </dsp:spPr>
+      <dsp:style>
+        <a:lnRef idx="0">
+          <a:scrgbClr r="0" g="0" b="0"/>
+        </a:lnRef>
+        <a:fillRef idx="0">
+          <a:scrgbClr r="0" g="0" b="0"/>
+        </a:fillRef>
+        <a:effectRef idx="0">
+          <a:scrgbClr r="0" g="0" b="0"/>
+        </a:effectRef>
+        <a:fontRef idx="minor"/>
+      </dsp:style>
+      <dsp:txBody>
+        <a:bodyPr spcFirstLastPara="0" vert="horz" wrap="square" lIns="0" tIns="0" rIns="0" bIns="0" numCol="1" spcCol="1270" anchor="ctr" anchorCtr="0">
+          <a:noAutofit/>
+        </a:bodyPr>
+        <a:lstStyle/>
+        <a:p>
+          <a:pPr marL="0" lvl="0" indent="0" algn="l" defTabSz="755650">
+            <a:lnSpc>
+              <a:spcPct val="90000"/>
+            </a:lnSpc>
+            <a:spcBef>
+              <a:spcPct val="0"/>
+            </a:spcBef>
+            <a:spcAft>
+              <a:spcPct val="35000"/>
+            </a:spcAft>
+            <a:buNone/>
+          </a:pPr>
+          <a:r>
+            <a:rPr lang="de-DE" sz="1700" kern="1200"/>
+            <a:t>Timer wird gestartet</a:t>
+          </a:r>
+          <a:endParaRPr lang="en-US" sz="1700" kern="1200"/>
+        </a:p>
+      </dsp:txBody>
+      <dsp:txXfrm>
+        <a:off x="5476560" y="35767"/>
+        <a:ext cx="1956595" cy="830070"/>
+      </dsp:txXfrm>
+    </dsp:sp>
+    <dsp:sp modelId="{AADA8BD3-776B-4AC0-BC02-EE2727F5575E}">
+      <dsp:nvSpPr>
+        <dsp:cNvPr id="0" name=""/>
+        <dsp:cNvSpPr/>
+      </dsp:nvSpPr>
+      <dsp:spPr>
+        <a:xfrm>
+          <a:off x="1163156" y="1525683"/>
+          <a:ext cx="830070" cy="830070"/>
+        </a:xfrm>
+        <a:prstGeom prst="ellipse">
+          <a:avLst/>
+        </a:prstGeom>
+        <a:solidFill>
+          <a:schemeClr val="accent2">
+            <a:hueOff val="-1356225"/>
+            <a:satOff val="-828"/>
+            <a:lumOff val="3235"/>
+            <a:alphaOff val="0"/>
+          </a:schemeClr>
+        </a:solidFill>
+        <a:ln>
+          <a:noFill/>
+        </a:ln>
+        <a:effectLst/>
+      </dsp:spPr>
+      <dsp:style>
+        <a:lnRef idx="0">
+          <a:scrgbClr r="0" g="0" b="0"/>
+        </a:lnRef>
+        <a:fillRef idx="1">
+          <a:scrgbClr r="0" g="0" b="0"/>
+        </a:fillRef>
+        <a:effectRef idx="0">
+          <a:scrgbClr r="0" g="0" b="0"/>
+        </a:effectRef>
+        <a:fontRef idx="minor"/>
+      </dsp:style>
+    </dsp:sp>
+    <dsp:sp modelId="{B684C439-2AD2-42B8-BFE5-739D4171B105}">
+      <dsp:nvSpPr>
+        <dsp:cNvPr id="0" name=""/>
+        <dsp:cNvSpPr/>
+      </dsp:nvSpPr>
+      <dsp:spPr>
+        <a:xfrm>
+          <a:off x="1337470" y="1699997"/>
+          <a:ext cx="481441" cy="481441"/>
+        </a:xfrm>
+        <a:prstGeom prst="rect">
+          <a:avLst/>
+        </a:prstGeom>
+        <a:blipFill>
+          <a:blip xmlns:r="http://schemas.openxmlformats.org/officeDocument/2006/relationships" r:embed="rId5">
+            <a:extLst>
+              <a:ext uri="{28A0092B-C50C-407E-A947-70E740481C1C}">
+                <a14:useLocalDpi xmlns:a14="http://schemas.microsoft.com/office/drawing/2010/main" val="0"/>
+              </a:ext>
+              <a:ext uri="{96DAC541-7B7A-43D3-8B79-37D633B846F1}">
+                <asvg:svgBlip xmlns:asvg="http://schemas.microsoft.com/office/drawing/2016/SVG/main" r:embed="rId6"/>
+              </a:ext>
+            </a:extLst>
+          </a:blip>
+          <a:stretch>
+            <a:fillRect/>
+          </a:stretch>
+        </a:blipFill>
+        <a:ln w="19050" cap="rnd" cmpd="sng" algn="ctr">
+          <a:noFill/>
+          <a:prstDash val="solid"/>
+        </a:ln>
+        <a:effectLst/>
+      </dsp:spPr>
+      <dsp:style>
+        <a:lnRef idx="2">
+          <a:scrgbClr r="0" g="0" b="0"/>
+        </a:lnRef>
+        <a:fillRef idx="1">
+          <a:scrgbClr r="0" g="0" b="0"/>
+        </a:fillRef>
+        <a:effectRef idx="0">
+          <a:scrgbClr r="0" g="0" b="0"/>
+        </a:effectRef>
+        <a:fontRef idx="minor">
+          <a:schemeClr val="lt1"/>
+        </a:fontRef>
+      </dsp:style>
+    </dsp:sp>
+    <dsp:sp modelId="{26C39D43-B912-44AB-8062-3D96C07B5026}">
+      <dsp:nvSpPr>
+        <dsp:cNvPr id="0" name=""/>
+        <dsp:cNvSpPr/>
+      </dsp:nvSpPr>
+      <dsp:spPr>
+        <a:xfrm>
+          <a:off x="2171099" y="1525683"/>
+          <a:ext cx="1956595" cy="830070"/>
+        </a:xfrm>
+        <a:prstGeom prst="rect">
+          <a:avLst/>
+        </a:prstGeom>
+        <a:noFill/>
+        <a:ln>
+          <a:noFill/>
+        </a:ln>
+        <a:effectLst/>
+      </dsp:spPr>
+      <dsp:style>
+        <a:lnRef idx="0">
+          <a:scrgbClr r="0" g="0" b="0"/>
+        </a:lnRef>
+        <a:fillRef idx="0">
+          <a:scrgbClr r="0" g="0" b="0"/>
+        </a:fillRef>
+        <a:effectRef idx="0">
+          <a:scrgbClr r="0" g="0" b="0"/>
+        </a:effectRef>
+        <a:fontRef idx="minor"/>
+      </dsp:style>
+      <dsp:txBody>
+        <a:bodyPr spcFirstLastPara="0" vert="horz" wrap="square" lIns="0" tIns="0" rIns="0" bIns="0" numCol="1" spcCol="1270" anchor="ctr" anchorCtr="0">
+          <a:noAutofit/>
+        </a:bodyPr>
+        <a:lstStyle/>
+        <a:p>
+          <a:pPr marL="0" lvl="0" indent="0" algn="l" defTabSz="755650">
+            <a:lnSpc>
+              <a:spcPct val="90000"/>
+            </a:lnSpc>
+            <a:spcBef>
+              <a:spcPct val="0"/>
+            </a:spcBef>
+            <a:spcAft>
+              <a:spcPct val="35000"/>
+            </a:spcAft>
+            <a:buNone/>
+          </a:pPr>
+          <a:r>
+            <a:rPr lang="de-DE" sz="1700" kern="1200"/>
+            <a:t>Abfangen von zu frühem Drücken</a:t>
+          </a:r>
+          <a:endParaRPr lang="en-US" sz="1700" kern="1200"/>
+        </a:p>
+      </dsp:txBody>
+      <dsp:txXfrm>
+        <a:off x="2171099" y="1525683"/>
+        <a:ext cx="1956595" cy="830070"/>
+      </dsp:txXfrm>
+    </dsp:sp>
+    <dsp:sp modelId="{07BEF4D7-D67D-4F51-9F3A-66D3A9D821E3}">
+      <dsp:nvSpPr>
+        <dsp:cNvPr id="0" name=""/>
+        <dsp:cNvSpPr/>
+      </dsp:nvSpPr>
+      <dsp:spPr>
+        <a:xfrm>
+          <a:off x="4468616" y="1525683"/>
+          <a:ext cx="830070" cy="830070"/>
+        </a:xfrm>
+        <a:prstGeom prst="ellipse">
+          <a:avLst/>
+        </a:prstGeom>
+        <a:solidFill>
+          <a:schemeClr val="accent2">
+            <a:hueOff val="-2034338"/>
+            <a:satOff val="-1242"/>
+            <a:lumOff val="4853"/>
+            <a:alphaOff val="0"/>
+          </a:schemeClr>
+        </a:solidFill>
+        <a:ln>
+          <a:noFill/>
+        </a:ln>
+        <a:effectLst/>
+      </dsp:spPr>
+      <dsp:style>
+        <a:lnRef idx="0">
+          <a:scrgbClr r="0" g="0" b="0"/>
+        </a:lnRef>
+        <a:fillRef idx="1">
+          <a:scrgbClr r="0" g="0" b="0"/>
+        </a:fillRef>
+        <a:effectRef idx="0">
+          <a:scrgbClr r="0" g="0" b="0"/>
+        </a:effectRef>
+        <a:fontRef idx="minor"/>
+      </dsp:style>
+    </dsp:sp>
+    <dsp:sp modelId="{818D5E36-A926-42EA-A293-B0CA442D014E}">
+      <dsp:nvSpPr>
+        <dsp:cNvPr id="0" name=""/>
+        <dsp:cNvSpPr/>
+      </dsp:nvSpPr>
+      <dsp:spPr>
+        <a:xfrm>
+          <a:off x="4642931" y="1699997"/>
+          <a:ext cx="481441" cy="481441"/>
+        </a:xfrm>
+        <a:prstGeom prst="rect">
+          <a:avLst/>
+        </a:prstGeom>
+        <a:blipFill>
+          <a:blip xmlns:r="http://schemas.openxmlformats.org/officeDocument/2006/relationships" r:embed="rId7">
+            <a:extLst>
+              <a:ext uri="{96DAC541-7B7A-43D3-8B79-37D633B846F1}">
+                <asvg:svgBlip xmlns:asvg="http://schemas.microsoft.com/office/drawing/2016/SVG/main" r:embed="rId8"/>
+              </a:ext>
+            </a:extLst>
+          </a:blip>
+          <a:srcRect/>
+          <a:stretch>
+            <a:fillRect/>
+          </a:stretch>
+        </a:blipFill>
+        <a:ln w="19050" cap="rnd" cmpd="sng" algn="ctr">
+          <a:noFill/>
+          <a:prstDash val="solid"/>
+        </a:ln>
+        <a:effectLst/>
+      </dsp:spPr>
+      <dsp:style>
+        <a:lnRef idx="2">
+          <a:scrgbClr r="0" g="0" b="0"/>
+        </a:lnRef>
+        <a:fillRef idx="1">
+          <a:scrgbClr r="0" g="0" b="0"/>
+        </a:fillRef>
+        <a:effectRef idx="0">
+          <a:scrgbClr r="0" g="0" b="0"/>
+        </a:effectRef>
+        <a:fontRef idx="minor">
+          <a:schemeClr val="lt1"/>
+        </a:fontRef>
+      </dsp:style>
+    </dsp:sp>
+    <dsp:sp modelId="{0B17CF2A-66CC-421C-BB24-7277EFBCA052}">
+      <dsp:nvSpPr>
+        <dsp:cNvPr id="0" name=""/>
+        <dsp:cNvSpPr/>
+      </dsp:nvSpPr>
+      <dsp:spPr>
+        <a:xfrm>
+          <a:off x="5476560" y="1525683"/>
+          <a:ext cx="1956595" cy="830070"/>
+        </a:xfrm>
+        <a:prstGeom prst="rect">
+          <a:avLst/>
+        </a:prstGeom>
+        <a:noFill/>
+        <a:ln>
+          <a:noFill/>
+        </a:ln>
+        <a:effectLst/>
+      </dsp:spPr>
+      <dsp:style>
+        <a:lnRef idx="0">
+          <a:scrgbClr r="0" g="0" b="0"/>
+        </a:lnRef>
+        <a:fillRef idx="0">
+          <a:scrgbClr r="0" g="0" b="0"/>
+        </a:fillRef>
+        <a:effectRef idx="0">
+          <a:scrgbClr r="0" g="0" b="0"/>
+        </a:effectRef>
+        <a:fontRef idx="minor"/>
+      </dsp:style>
+      <dsp:txBody>
+        <a:bodyPr spcFirstLastPara="0" vert="horz" wrap="square" lIns="0" tIns="0" rIns="0" bIns="0" numCol="1" spcCol="1270" anchor="ctr" anchorCtr="0">
+          <a:noAutofit/>
+        </a:bodyPr>
+        <a:lstStyle/>
+        <a:p>
+          <a:pPr marL="0" lvl="0" indent="0" algn="l" defTabSz="755650">
+            <a:lnSpc>
+              <a:spcPct val="90000"/>
+            </a:lnSpc>
+            <a:spcBef>
+              <a:spcPct val="0"/>
+            </a:spcBef>
+            <a:spcAft>
+              <a:spcPct val="35000"/>
+            </a:spcAft>
+            <a:buNone/>
+          </a:pPr>
+          <a:r>
+            <a:rPr lang="de-DE" sz="1700" kern="1200"/>
+            <a:t>Lämpchen leuchtet auf und fordert Aktion der Spieler</a:t>
+          </a:r>
+          <a:endParaRPr lang="en-US" sz="1700" kern="1200"/>
+        </a:p>
+      </dsp:txBody>
+      <dsp:txXfrm>
+        <a:off x="5476560" y="1525683"/>
+        <a:ext cx="1956595" cy="830070"/>
+      </dsp:txXfrm>
+    </dsp:sp>
+    <dsp:sp modelId="{72AFDCCF-023D-485C-86D3-57C133B654A3}">
+      <dsp:nvSpPr>
+        <dsp:cNvPr id="0" name=""/>
+        <dsp:cNvSpPr/>
+      </dsp:nvSpPr>
+      <dsp:spPr>
+        <a:xfrm>
+          <a:off x="1163156" y="3015598"/>
+          <a:ext cx="830070" cy="830070"/>
+        </a:xfrm>
+        <a:prstGeom prst="ellipse">
+          <a:avLst/>
+        </a:prstGeom>
+        <a:solidFill>
+          <a:schemeClr val="accent2">
+            <a:hueOff val="-2712450"/>
+            <a:satOff val="-1656"/>
+            <a:lumOff val="6471"/>
+            <a:alphaOff val="0"/>
+          </a:schemeClr>
+        </a:solidFill>
+        <a:ln>
+          <a:noFill/>
+        </a:ln>
+        <a:effectLst/>
+      </dsp:spPr>
+      <dsp:style>
+        <a:lnRef idx="0">
+          <a:scrgbClr r="0" g="0" b="0"/>
+        </a:lnRef>
+        <a:fillRef idx="1">
+          <a:scrgbClr r="0" g="0" b="0"/>
+        </a:fillRef>
+        <a:effectRef idx="0">
+          <a:scrgbClr r="0" g="0" b="0"/>
+        </a:effectRef>
+        <a:fontRef idx="minor"/>
+      </dsp:style>
+    </dsp:sp>
+    <dsp:sp modelId="{930998B8-270F-4F1D-B2F7-C98421E29330}">
+      <dsp:nvSpPr>
+        <dsp:cNvPr id="0" name=""/>
+        <dsp:cNvSpPr/>
+      </dsp:nvSpPr>
+      <dsp:spPr>
+        <a:xfrm>
+          <a:off x="1337470" y="3189913"/>
+          <a:ext cx="481441" cy="481441"/>
+        </a:xfrm>
+        <a:prstGeom prst="rect">
+          <a:avLst/>
+        </a:prstGeom>
+        <a:blipFill>
+          <a:blip xmlns:r="http://schemas.openxmlformats.org/officeDocument/2006/relationships" r:embed="rId9">
+            <a:extLst>
+              <a:ext uri="{28A0092B-C50C-407E-A947-70E740481C1C}">
+                <a14:useLocalDpi xmlns:a14="http://schemas.microsoft.com/office/drawing/2010/main" val="0"/>
+              </a:ext>
+              <a:ext uri="{96DAC541-7B7A-43D3-8B79-37D633B846F1}">
+                <asvg:svgBlip xmlns:asvg="http://schemas.microsoft.com/office/drawing/2016/SVG/main" r:embed="rId10"/>
+              </a:ext>
+            </a:extLst>
+          </a:blip>
+          <a:stretch>
+            <a:fillRect/>
+          </a:stretch>
+        </a:blipFill>
+        <a:ln w="19050" cap="rnd" cmpd="sng" algn="ctr">
+          <a:noFill/>
+          <a:prstDash val="solid"/>
+        </a:ln>
+        <a:effectLst/>
+      </dsp:spPr>
+      <dsp:style>
+        <a:lnRef idx="2">
+          <a:scrgbClr r="0" g="0" b="0"/>
+        </a:lnRef>
+        <a:fillRef idx="1">
+          <a:scrgbClr r="0" g="0" b="0"/>
+        </a:fillRef>
+        <a:effectRef idx="0">
+          <a:scrgbClr r="0" g="0" b="0"/>
+        </a:effectRef>
+        <a:fontRef idx="minor">
+          <a:schemeClr val="lt1"/>
+        </a:fontRef>
+      </dsp:style>
+    </dsp:sp>
+    <dsp:sp modelId="{1F4EE14A-EA38-4919-B41D-5116CE027A8B}">
+      <dsp:nvSpPr>
+        <dsp:cNvPr id="0" name=""/>
+        <dsp:cNvSpPr/>
+      </dsp:nvSpPr>
+      <dsp:spPr>
+        <a:xfrm>
+          <a:off x="2171099" y="3015598"/>
+          <a:ext cx="1956595" cy="830070"/>
+        </a:xfrm>
+        <a:prstGeom prst="rect">
+          <a:avLst/>
+        </a:prstGeom>
+        <a:noFill/>
+        <a:ln>
+          <a:noFill/>
+        </a:ln>
+        <a:effectLst/>
+      </dsp:spPr>
+      <dsp:style>
+        <a:lnRef idx="0">
+          <a:scrgbClr r="0" g="0" b="0"/>
+        </a:lnRef>
+        <a:fillRef idx="0">
+          <a:scrgbClr r="0" g="0" b="0"/>
+        </a:fillRef>
+        <a:effectRef idx="0">
+          <a:scrgbClr r="0" g="0" b="0"/>
+        </a:effectRef>
+        <a:fontRef idx="minor"/>
+      </dsp:style>
+      <dsp:txBody>
+        <a:bodyPr spcFirstLastPara="0" vert="horz" wrap="square" lIns="0" tIns="0" rIns="0" bIns="0" numCol="1" spcCol="1270" anchor="ctr" anchorCtr="0">
+          <a:noAutofit/>
+        </a:bodyPr>
+        <a:lstStyle/>
+        <a:p>
+          <a:pPr marL="0" lvl="0" indent="0" algn="l" defTabSz="755650">
+            <a:lnSpc>
+              <a:spcPct val="90000"/>
+            </a:lnSpc>
+            <a:spcBef>
+              <a:spcPct val="0"/>
+            </a:spcBef>
+            <a:spcAft>
+              <a:spcPct val="35000"/>
+            </a:spcAft>
+            <a:buNone/>
+          </a:pPr>
+          <a:r>
+            <a:rPr lang="de-DE" sz="1700" kern="1200"/>
+            <a:t>Sieger wird angezeigt</a:t>
+          </a:r>
+          <a:endParaRPr lang="en-US" sz="1700" kern="1200"/>
+        </a:p>
+      </dsp:txBody>
+      <dsp:txXfrm>
+        <a:off x="2171099" y="3015598"/>
+        <a:ext cx="1956595" cy="830070"/>
+      </dsp:txXfrm>
+    </dsp:sp>
+  </dsp:spTree>
+</dsp:drawing>
+</file>
+
+<file path=ppt/diagrams/layout1.xml><?xml version="1.0" encoding="utf-8"?>
+<dgm:layoutDef xmlns:dgm="http://schemas.openxmlformats.org/drawingml/2006/diagram" xmlns:a="http://schemas.openxmlformats.org/drawingml/2006/main" uniqueId="urn:microsoft.com/office/officeart/2018/5/layout/IconCircleLabelList">
+  <dgm:title val="Icon Circle Label List"/>
+  <dgm:desc val="Use to show non-sequential or grouped chunks of information accompanied by a related visuals. Works best with icons or small pictures with short text captions."/>
+  <dgm:catLst>
+    <dgm:cat type="icon" pri="500"/>
+  </dgm:catLst>
+  <dgm:sampData useDef="1">
+    <dgm:dataModel>
+      <dgm:ptLst/>
+      <dgm:bg/>
+      <dgm:whole/>
+    </dgm:dataModel>
+  </dgm:sampData>
+  <dgm:styleData useDef="1">
+    <dgm:dataModel>
+      <dgm:ptLst/>
+      <dgm:bg/>
+      <dgm:whole/>
+    </dgm:dataModel>
+  </dgm:styleData>
+  <dgm:clrData useDef="1">
+    <dgm:dataModel>
+      <dgm:ptLst/>
+      <dgm:bg/>
+      <dgm:whole/>
+    </dgm:dataModel>
+  </dgm:clrData>
+  <dgm:layoutNode name="root">
+    <dgm:varLst>
+      <dgm:dir/>
+      <dgm:resizeHandles val="exact"/>
+    </dgm:varLst>
+    <dgm:choose name="Name0">
+      <dgm:if name="Name1" axis="self" func="var" arg="dir" op="equ" val="norm">
+        <dgm:alg type="snake">
+          <dgm:param type="grDir" val="tL"/>
+          <dgm:param type="flowDir" val="row"/>
+          <dgm:param type="contDir" val="sameDir"/>
+          <dgm:param type="off" val="ctr"/>
+          <dgm:param type="vertAlign" val="mid"/>
+          <dgm:param type="horzAlign" val="ctr"/>
+        </dgm:alg>
+      </dgm:if>
+      <dgm:else name="Name2">
+        <dgm:alg type="snake">
+          <dgm:param type="grDir" val="tR"/>
+          <dgm:param type="flowDir" val="row"/>
+          <dgm:param type="contDir" val="sameDir"/>
+          <dgm:param type="off" val="ctr"/>
+          <dgm:param type="vertAlign" val="mid"/>
+          <dgm:param type="horzAlign" val="ctr"/>
+        </dgm:alg>
+      </dgm:else>
+    </dgm:choose>
+    <dgm:shape xmlns:r="http://schemas.openxmlformats.org/officeDocument/2006/relationships" r:blip="">
+      <dgm:adjLst/>
+    </dgm:shape>
+    <dgm:presOf/>
+    <dgm:choose name="Name3">
+      <dgm:if name="Name4" axis="ch" ptType="node" func="cnt" op="lte" val="2">
+        <dgm:constrLst>
+          <dgm:constr type="h" for="ch" forName="compNode" refType="h" fact="0.4"/>
+          <dgm:constr type="w" for="ch" forName="compNode" val="100"/>
+          <dgm:constr type="w" for="ch" forName="sibTrans" refType="w" refFor="ch" refForName="compNode" fact="0.175"/>
+          <dgm:constr type="sp" refType="w" refFor="ch" refForName="compNode" op="equ" fact="0.25"/>
+          <dgm:constr type="primFontSz" for="des" ptType="node" op="equ" val="44"/>
+          <dgm:constr type="h" for="des" forName="compNode" op="equ"/>
+          <dgm:constr type="h" for="des" forName="textRect" op="equ"/>
+        </dgm:constrLst>
+      </dgm:if>
+      <dgm:if name="Name5" axis="ch" ptType="node" func="cnt" op="lte" val="3">
+        <dgm:constrLst>
+          <dgm:constr type="h" for="ch" forName="compNode" refType="h" fact="0.4"/>
+          <dgm:constr type="w" for="ch" forName="compNode" val="100"/>
+          <dgm:constr type="w" for="ch" forName="sibTrans" refType="w" refFor="ch" refForName="compNode" fact="0.175"/>
+          <dgm:constr type="sp" refType="w" refFor="ch" refForName="compNode" op="equ" fact="0.25"/>
+          <dgm:constr type="primFontSz" for="des" ptType="node" op="equ" val="40"/>
+          <dgm:constr type="h" for="des" forName="compNode" op="equ"/>
+          <dgm:constr type="h" for="des" forName="textRect" op="equ"/>
+        </dgm:constrLst>
+      </dgm:if>
+      <dgm:if name="Name6" axis="ch" ptType="node" func="cnt" op="lte" val="4">
+        <dgm:constrLst>
+          <dgm:constr type="h" for="ch" forName="compNode" refType="h" fact="0.4"/>
+          <dgm:constr type="w" for="ch" forName="compNode" refType="w"/>
+          <dgm:constr type="w" for="ch" forName="sibTrans" refType="w" refFor="ch" refForName="compNode" fact="0.175"/>
+          <dgm:constr type="sp" refType="w" refFor="ch" refForName="compNode" op="equ" fact="0.25"/>
+          <dgm:constr type="primFontSz" for="des" ptType="node" op="equ" val="32"/>
+          <dgm:constr type="h" for="des" forName="compNode" op="equ"/>
+          <dgm:constr type="h" for="des" forName="textRect" op="equ"/>
+        </dgm:constrLst>
+      </dgm:if>
+      <dgm:else name="Name7">
+        <dgm:constrLst>
+          <dgm:constr type="h" for="ch" forName="compNode" refType="h" fact="0.4"/>
+          <dgm:constr type="w" for="ch" forName="compNode" refType="w"/>
+          <dgm:constr type="w" for="ch" forName="sibTrans" refType="w" refFor="ch" refForName="compNode" fact="0.175"/>
+          <dgm:constr type="sp" refType="w" refFor="ch" refForName="compNode" op="equ" fact="0.25"/>
+          <dgm:constr type="primFontSz" for="des" ptType="node" op="equ" val="24"/>
+          <dgm:constr type="h" for="des" forName="compNode" op="equ"/>
+          <dgm:constr type="h" for="des" forName="textRect" op="equ"/>
+        </dgm:constrLst>
+      </dgm:else>
+    </dgm:choose>
+    <dgm:ruleLst>
+      <dgm:rule type="w" for="ch" forName="compNode" val="50" fact="NaN" max="NaN"/>
+    </dgm:ruleLst>
+    <dgm:forEach name="Name8" axis="ch" ptType="node">
+      <dgm:layoutNode name="compNode">
+        <dgm:alg type="composite"/>
+        <dgm:shape xmlns:r="http://schemas.openxmlformats.org/officeDocument/2006/relationships" r:blip="">
+          <dgm:adjLst/>
+        </dgm:shape>
+        <dgm:presOf axis="self"/>
+        <dgm:constrLst>
+          <dgm:constr type="w" for="ch" forName="iconBgRect" refType="w" fact="0.61"/>
+          <dgm:constr type="h" for="ch" forName="iconBgRect" refType="w" refFor="ch" refForName="iconBgRect"/>
+          <dgm:constr type="t" for="ch" forName="iconBgRect"/>
+          <dgm:constr type="ctrX" for="ch" forName="iconBgRect" refType="w" fact="0.5"/>
+          <dgm:constr type="w" for="ch" forName="iconRect" refType="w" fact="0.35"/>
+          <dgm:constr type="h" for="ch" forName="iconRect" refType="w" refFor="ch" refForName="iconRect"/>
+          <dgm:constr type="ctrX" for="ch" forName="iconRect" refType="ctrX" refFor="ch" refForName="iconBgRect"/>
+          <dgm:constr type="ctrY" for="ch" forName="iconRect" refType="ctrY" refFor="ch" refForName="iconBgRect"/>
+          <dgm:constr type="h" for="ch" forName="spaceRect" refType="w" fact="0.19"/>
+          <dgm:constr type="w" for="ch" forName="spaceRect" refType="w"/>
+          <dgm:constr type="l" for="ch" forName="spaceRect"/>
+          <dgm:constr type="t" for="ch" forName="spaceRect" refType="b" refFor="ch" refForName="iconBgRect"/>
+          <dgm:constr type="h" for="ch" forName="textRect" val="20"/>
+          <dgm:constr type="w" for="ch" forName="textRect" refType="w"/>
+          <dgm:constr type="l" for="ch" forName="textRect"/>
+          <dgm:constr type="t" for="ch" forName="textRect" refType="b" refFor="ch" refForName="spaceRect"/>
+        </dgm:constrLst>
+        <dgm:ruleLst>
+          <dgm:rule type="h" val="INF" fact="NaN" max="NaN"/>
+        </dgm:ruleLst>
+        <dgm:layoutNode name="iconBgRect" styleLbl="bgShp">
+          <dgm:alg type="sp"/>
+          <dgm:shape xmlns:r="http://schemas.openxmlformats.org/officeDocument/2006/relationships" type="ellipse" r:blip="">
+            <dgm:adjLst/>
+          </dgm:shape>
+          <dgm:presOf/>
+          <dgm:constrLst/>
+          <dgm:ruleLst/>
+        </dgm:layoutNode>
+        <dgm:layoutNode name="iconRect" styleLbl="node1">
+          <dgm:alg type="sp"/>
+          <dgm:shape xmlns:r="http://schemas.openxmlformats.org/officeDocument/2006/relationships" type="rect" r:blip="" blipPhldr="1">
+            <dgm:adjLst/>
+          </dgm:shape>
+          <dgm:presOf/>
+          <dgm:constrLst/>
+          <dgm:ruleLst/>
+        </dgm:layoutNode>
+        <dgm:layoutNode name="spaceRect">
+          <dgm:alg type="sp"/>
+          <dgm:shape xmlns:r="http://schemas.openxmlformats.org/officeDocument/2006/relationships" r:blip="">
+            <dgm:adjLst/>
+          </dgm:shape>
+          <dgm:presOf/>
+          <dgm:constrLst/>
+          <dgm:ruleLst/>
+        </dgm:layoutNode>
+        <dgm:layoutNode name="textRect" styleLbl="revTx">
+          <dgm:varLst>
+            <dgm:chMax val="1"/>
+            <dgm:chPref val="1"/>
+          </dgm:varLst>
+          <dgm:alg type="tx">
+            <dgm:param type="txAnchorVert" val="t"/>
+          </dgm:alg>
+          <dgm:shape xmlns:r="http://schemas.openxmlformats.org/officeDocument/2006/relationships" type="rect" r:blip="">
+            <dgm:adjLst/>
+          </dgm:shape>
+          <dgm:presOf axis="self" ptType="node"/>
+          <dgm:constrLst>
+            <dgm:constr type="lMarg"/>
+            <dgm:constr type="rMarg"/>
+            <dgm:constr type="tMarg"/>
+            <dgm:constr type="bMarg"/>
+          </dgm:constrLst>
+          <dgm:ruleLst>
+            <dgm:rule type="primFontSz" val="11" fact="NaN" max="NaN"/>
+            <dgm:rule type="h" val="INF" fact="NaN" max="NaN"/>
+          </dgm:ruleLst>
+        </dgm:layoutNode>
+      </dgm:layoutNode>
+      <dgm:forEach name="Name9" axis="followSib" ptType="sibTrans" cnt="1">
+        <dgm:layoutNode name="sibTrans">
+          <dgm:alg type="sp"/>
+          <dgm:shape xmlns:r="http://schemas.openxmlformats.org/officeDocument/2006/relationships" r:blip="">
+            <dgm:adjLst/>
+          </dgm:shape>
+          <dgm:presOf axis="self"/>
+          <dgm:constrLst/>
+          <dgm:ruleLst/>
+        </dgm:layoutNode>
+      </dgm:forEach>
+    </dgm:forEach>
+  </dgm:layoutNode>
+  <dgm:extLst>
+    <a:ext uri="{68A01E43-0DF5-4B5B-8FA6-DAF915123BFB}">
+      <dgm1612:lstStyle xmlns:dgm1612="http://schemas.microsoft.com/office/drawing/2016/12/diagram">
+        <a:lvl1pPr>
+          <a:lnSpc>
+            <a:spcPct val="100000"/>
+          </a:lnSpc>
+          <a:defRPr cap="all"/>
+        </a:lvl1pPr>
+      </dgm1612:lstStyle>
+    </a:ext>
+  </dgm:extLst>
+</dgm:layoutDef>
+</file>
+
+<file path=ppt/diagrams/layout2.xml><?xml version="1.0" encoding="utf-8"?>
+<dgm:layoutDef xmlns:dgm="http://schemas.openxmlformats.org/drawingml/2006/diagram" xmlns:a="http://schemas.openxmlformats.org/drawingml/2006/main" uniqueId="urn:microsoft.com/office/officeart/2018/2/layout/IconCircleList">
+  <dgm:title val="Icon Circle List"/>
+  <dgm:desc val="Use to show non-sequential or grouped chunks of information accompanied by related visuals. Circular shapes can hold an icon or small picture and corresponding text box shows Level 1 text. Works best for icons or small pictures with medium-length descriptions."/>
+  <dgm:catLst>
+    <dgm:cat type="icon" pri="500"/>
+  </dgm:catLst>
+  <dgm:sampData useDef="1">
+    <dgm:dataModel>
+      <dgm:ptLst/>
+      <dgm:bg/>
+      <dgm:whole/>
+    </dgm:dataModel>
+  </dgm:sampData>
+  <dgm:styleData useDef="1">
+    <dgm:dataModel>
+      <dgm:ptLst/>
+      <dgm:bg/>
+      <dgm:whole/>
+    </dgm:dataModel>
+  </dgm:styleData>
+  <dgm:clrData useDef="1">
+    <dgm:dataModel>
+      <dgm:ptLst/>
+      <dgm:bg/>
+      <dgm:whole/>
+    </dgm:dataModel>
+  </dgm:clrData>
+  <dgm:layoutNode name="root">
+    <dgm:varLst>
+      <dgm:dir/>
+      <dgm:resizeHandles val="exact"/>
+    </dgm:varLst>
+    <dgm:alg type="sp"/>
+    <dgm:shape xmlns:r="http://schemas.openxmlformats.org/officeDocument/2006/relationships" r:blip="">
+      <dgm:adjLst/>
+    </dgm:shape>
+    <dgm:presOf/>
+    <dgm:choose name="Name0">
+      <dgm:if name="Name1" axis="ch" ptType="node" func="cnt" op="lte" val="3">
+        <dgm:constrLst>
+          <dgm:constr type="w" for="ch" forName="container" refType="w"/>
+          <dgm:constr type="h" for="ch" forName="container" refType="h" fact="0.4"/>
+        </dgm:constrLst>
+      </dgm:if>
+      <dgm:else name="Name2">
+        <dgm:constrLst>
+          <dgm:constr type="w" for="ch" forName="container" refType="w"/>
+          <dgm:constr type="h" for="ch" forName="container" refType="h"/>
+        </dgm:constrLst>
+      </dgm:else>
+    </dgm:choose>
+    <dgm:ruleLst>
+      <dgm:rule type="h" for="ch" forName="container" val="INF" fact="NaN" max="NaN"/>
+    </dgm:ruleLst>
+    <dgm:layoutNode name="container">
+      <dgm:varLst>
+        <dgm:dir/>
+        <dgm:resizeHandles val="exact"/>
+      </dgm:varLst>
+      <dgm:choose name="Name3">
+        <dgm:if name="Name4" axis="self" func="var" arg="dir" op="equ" val="norm">
+          <dgm:alg type="snake">
+            <dgm:param type="grDir" val="tL"/>
+            <dgm:param type="flowDir" val="row"/>
+            <dgm:param type="contDir" val="sameDir"/>
+          </dgm:alg>
+        </dgm:if>
+        <dgm:else name="Name5">
+          <dgm:alg type="snake">
+            <dgm:param type="grDir" val="tR"/>
+            <dgm:param type="flowDir" val="row"/>
+            <dgm:param type="contDir" val="sameDir"/>
+          </dgm:alg>
+        </dgm:else>
+      </dgm:choose>
+      <dgm:shape xmlns:r="http://schemas.openxmlformats.org/officeDocument/2006/relationships" r:blip="">
+        <dgm:adjLst/>
+      </dgm:shape>
+      <dgm:presOf/>
+      <dgm:constrLst>
+        <dgm:constr type="w" for="ch" forName="compNode" refType="w"/>
+        <dgm:constr type="h" for="ch" forName="compNode" refType="w" fact="0.28"/>
+        <dgm:constr type="w" for="ch" forName="sibTrans" refType="w" refFor="ch" refForName="compNode" fact="0.115"/>
+        <dgm:constr type="sp" refType="h" op="equ" fact="0.17"/>
+        <dgm:constr type="primFontSz" for="des" ptType="node" op="equ" val="24"/>
+        <dgm:constr type="h" for="des" forName="compNode" op="equ"/>
+        <dgm:constr type="h" for="des" forName="iconBgRect" op="equ"/>
+      </dgm:constrLst>
+      <dgm:ruleLst>
+        <dgm:rule type="w" for="ch" forName="compNode" val="60" fact="NaN" max="NaN"/>
+      </dgm:ruleLst>
+      <dgm:forEach name="Name6" axis="ch" ptType="node">
+        <dgm:layoutNode name="compNode">
+          <dgm:alg type="composite"/>
+          <dgm:shape xmlns:r="http://schemas.openxmlformats.org/officeDocument/2006/relationships" r:blip="">
+            <dgm:adjLst/>
+          </dgm:shape>
+          <dgm:presOf axis="self"/>
+          <dgm:constrLst>
+            <dgm:constr type="w" for="ch" forName="iconBgRect" refType="w" fact="0.28"/>
+            <dgm:constr type="h" for="ch" forName="iconBgRect" refType="w" refFor="ch" refForName="iconBgRect"/>
+            <dgm:constr type="t" for="ch" forName="iconBgRect"/>
+            <dgm:constr type="l" for="ch" forName="iconBgRect"/>
+            <dgm:constr type="w" for="ch" forName="iconRect" refType="w" refFor="ch" refForName="iconBgRect" fact="0.58"/>
+            <dgm:constr type="h" for="ch" forName="iconRect" refType="w" refFor="ch" refForName="iconRect"/>
+            <dgm:constr type="ctrX" for="ch" forName="iconRect" refType="ctrX" refFor="ch" refForName="iconBgRect"/>
+            <dgm:constr type="ctrY" for="ch" forName="iconRect" refType="ctrY" refFor="ch" refForName="iconBgRect"/>
+            <dgm:constr type="w" for="ch" forName="spaceRect" refType="w" fact="0.06"/>
+            <dgm:constr type="h" for="ch" forName="spaceRect" refType="h" refFor="ch" refForName="iconBgRect"/>
+            <dgm:constr type="t" for="ch" forName="spaceRect" refType="t" refFor="ch" refForName="iconBgRect"/>
+            <dgm:constr type="l" for="ch" forName="spaceRect" refType="r" refFor="ch" refForName="iconBgRect"/>
+            <dgm:constr type="h" for="ch" forName="textRect" refType="h" refFor="ch" refForName="iconBgRect"/>
+            <dgm:constr type="t" for="ch" forName="textRect" refType="t" refFor="ch" refForName="iconBgRect"/>
+            <dgm:constr type="l" for="ch" forName="textRect" refType="r" refFor="ch" refForName="spaceRect"/>
+          </dgm:constrLst>
+          <dgm:ruleLst/>
+          <dgm:layoutNode name="iconBgRect" styleLbl="bgShp">
+            <dgm:alg type="sp"/>
+            <dgm:shape xmlns:r="http://schemas.openxmlformats.org/officeDocument/2006/relationships" type="ellipse" r:blip="">
+              <dgm:adjLst/>
+            </dgm:shape>
+            <dgm:presOf/>
+            <dgm:constrLst/>
+            <dgm:ruleLst/>
+          </dgm:layoutNode>
+          <dgm:layoutNode name="iconRect" styleLbl="node1">
+            <dgm:alg type="sp"/>
+            <dgm:shape xmlns:r="http://schemas.openxmlformats.org/officeDocument/2006/relationships" type="rect" r:blip="" blipPhldr="1">
+              <dgm:adjLst/>
+            </dgm:shape>
+            <dgm:presOf/>
+            <dgm:constrLst/>
+            <dgm:ruleLst/>
+          </dgm:layoutNode>
+          <dgm:layoutNode name="spaceRect">
+            <dgm:alg type="sp"/>
+            <dgm:shape xmlns:r="http://schemas.openxmlformats.org/officeDocument/2006/relationships" r:blip="">
+              <dgm:adjLst/>
+            </dgm:shape>
+            <dgm:presOf/>
+            <dgm:constrLst/>
+            <dgm:ruleLst/>
+          </dgm:layoutNode>
+          <dgm:layoutNode name="textRect" styleLbl="revTx">
+            <dgm:varLst>
+              <dgm:chMax val="1"/>
+              <dgm:chPref val="1"/>
+            </dgm:varLst>
+            <dgm:choose name="Name7">
+              <dgm:if name="Name8" func="var" arg="dir" op="equ" val="norm">
+                <dgm:alg type="tx">
+                  <dgm:param type="txAnchorVert" val="mid"/>
+                  <dgm:param type="parTxLTRAlign" val="l"/>
+                  <dgm:param type="shpTxLTRAlignCh" val="l"/>
+                  <dgm:param type="parTxRTLAlign" val="l"/>
+                  <dgm:param type="shpTxRTLAlignCh" val="l"/>
+                </dgm:alg>
+              </dgm:if>
+              <dgm:else name="Name9">
+                <dgm:alg type="tx">
+                  <dgm:param type="txAnchorVert" val="mid"/>
+                  <dgm:param type="parTxLTRAlign" val="r"/>
+                  <dgm:param type="shpTxLTRAlignCh" val="r"/>
+                  <dgm:param type="parTxRTLAlign" val="r"/>
+                  <dgm:param type="shpTxRTLAlignCh" val="r"/>
+                </dgm:alg>
+              </dgm:else>
+            </dgm:choose>
+            <dgm:shape xmlns:r="http://schemas.openxmlformats.org/officeDocument/2006/relationships" type="rect" r:blip="">
+              <dgm:adjLst/>
+            </dgm:shape>
+            <dgm:presOf axis="self" ptType="node"/>
+            <dgm:constrLst>
+              <dgm:constr type="lMarg"/>
+              <dgm:constr type="rMarg"/>
+              <dgm:constr type="tMarg"/>
+              <dgm:constr type="bMarg"/>
+            </dgm:constrLst>
+            <dgm:ruleLst>
+              <dgm:rule type="primFontSz" val="11" fact="NaN" max="NaN"/>
+            </dgm:ruleLst>
+          </dgm:layoutNode>
+        </dgm:layoutNode>
+        <dgm:forEach name="Name10" axis="followSib" ptType="sibTrans" cnt="1">
+          <dgm:layoutNode name="sibTrans">
+            <dgm:alg type="sp"/>
+            <dgm:shape xmlns:r="http://schemas.openxmlformats.org/officeDocument/2006/relationships" type="rect" r:blip="" hideGeom="1">
+              <dgm:adjLst/>
+            </dgm:shape>
+            <dgm:presOf axis="self"/>
+            <dgm:constrLst/>
+            <dgm:ruleLst/>
+          </dgm:layoutNode>
+        </dgm:forEach>
+      </dgm:forEach>
+    </dgm:layoutNode>
+  </dgm:layoutNode>
+  <dgm:extLst>
+    <a:ext uri="{68A01E43-0DF5-4B5B-8FA6-DAF915123BFB}">
+      <dgm1612:lstStyle xmlns:dgm1612="http://schemas.microsoft.com/office/drawing/2016/12/diagram">
+        <a:lvl1pPr>
+          <a:lnSpc>
+            <a:spcPct val="100000"/>
+          </a:lnSpc>
+        </a:lvl1pPr>
+      </dgm1612:lstStyle>
+    </a:ext>
+  </dgm:extLst>
+</dgm:layoutDef>
+</file>
+
+<file path=ppt/diagrams/quickStyle1.xml><?xml version="1.0" encoding="utf-8"?>
+<dgm:styleDef xmlns:dgm="http://schemas.openxmlformats.org/drawingml/2006/diagram" xmlns:a="http://schemas.openxmlformats.org/drawingml/2006/main" uniqueId="urn:microsoft.com/office/officeart/2005/8/quickstyle/simple1">
+  <dgm:title val=""/>
+  <dgm:desc val=""/>
+  <dgm:catLst>
+    <dgm:cat type="simple" pri="10100"/>
+  </dgm:catLst>
+  <dgm:scene3d>
+    <a:camera prst="orthographicFront"/>
+    <a:lightRig rig="threePt" dir="t"/>
+  </dgm:scene3d>
+  <dgm:styleLbl name="node0">
+    <dgm:scene3d>
+      <a:camera prst="orthographicFront"/>
+      <a:lightRig rig="threePt" dir="t"/>
+    </dgm:scene3d>
+    <dgm:sp3d/>
+    <dgm:txPr/>
+    <dgm:style>
+      <a:lnRef idx="2">
+        <a:scrgbClr r="0" g="0" b="0"/>
+      </a:lnRef>
+      <a:fillRef idx="1">
+        <a:scrgbClr r="0" g="0" b="0"/>
+      </a:fillRef>
+      <a:effectRef idx="0">
+        <a:scrgbClr r="0" g="0" b="0"/>
+      </a:effectRef>
+      <a:fontRef idx="minor">
+        <a:schemeClr val="lt1"/>
+      </a:fontRef>
+    </dgm:style>
+  </dgm:styleLbl>
+  <dgm:styleLbl name="lnNode1">
+    <dgm:scene3d>
+      <a:camera prst="orthographicFront"/>
+      <a:lightRig rig="threePt" dir="t"/>
+    </dgm:scene3d>
+    <dgm:sp3d/>
+    <dgm:txPr/>
+    <dgm:style>
+      <a:lnRef idx="2">
+        <a:scrgbClr r="0" g="0" b="0"/>
+      </a:lnRef>
+      <a:fillRef idx="1">
+        <a:scrgbClr r="0" g="0" b="0"/>
+      </a:fillRef>
+      <a:effectRef idx="0">
+        <a:scrgbClr r="0" g="0" b="0"/>
+      </a:effectRef>
+      <a:fontRef idx="minor">
+        <a:schemeClr val="lt1"/>
+      </a:fontRef>
+    </dgm:style>
+  </dgm:styleLbl>
+  <dgm:styleLbl name="vennNode1">
+    <dgm:scene3d>
+      <a:camera prst="orthographicFront"/>
+      <a:lightRig rig="threePt" dir="t"/>
+    </dgm:scene3d>
+    <dgm:sp3d/>
+    <dgm:txPr/>
+    <dgm:style>
+      <a:lnRef idx="2">
+        <a:scrgbClr r="0" g="0" b="0"/>
+      </a:lnRef>
+      <a:fillRef idx="1">
+        <a:scrgbClr r="0" g="0" b="0"/>
+      </a:fillRef>
+      <a:effectRef idx="0">
+        <a:scrgbClr r="0" g="0" b="0"/>
+      </a:effectRef>
+      <a:fontRef idx="minor">
+        <a:schemeClr val="tx1"/>
+      </a:fontRef>
+    </dgm:style>
+  </dgm:styleLbl>
+  <dgm:styleLbl name="alignNode1">
+    <dgm:scene3d>
+      <a:camera prst="orthographicFront"/>
+      <a:lightRig rig="threePt" dir="t"/>
+    </dgm:scene3d>
+    <dgm:sp3d/>
+    <dgm:txPr/>
+    <dgm:style>
+      <a:lnRef idx="2">
+        <a:scrgbClr r="0" g="0" b="0"/>
+      </a:lnRef>
+      <a:fillRef idx="1">
+        <a:scrgbClr r="0" g="0" b="0"/>
+      </a:fillRef>
+      <a:effectRef idx="0">
+        <a:scrgbClr r="0" g="0" b="0"/>
+      </a:effectRef>
+      <a:fontRef idx="minor">
+        <a:schemeClr val="lt1"/>
+      </a:fontRef>
+    </dgm:style>
+  </dgm:styleLbl>
+  <dgm:styleLbl name="node1">
+    <dgm:scene3d>
+      <a:camera prst="orthographicFront"/>
+      <a:lightRig rig="threePt" dir="t"/>
+    </dgm:scene3d>
+    <dgm:sp3d/>
+    <dgm:txPr/>
+    <dgm:style>
+      <a:lnRef idx="2">
+        <a:scrgbClr r="0" g="0" b="0"/>
+      </a:lnRef>
+      <a:fillRef idx="1">
+        <a:scrgbClr r="0" g="0" b="0"/>
+      </a:fillRef>
+      <a:effectRef idx="0">
+        <a:scrgbClr r="0" g="0" b="0"/>
+      </a:effectRef>
+      <a:fontRef idx="minor">
+        <a:schemeClr val="lt1"/>
+      </a:fontRef>
+    </dgm:style>
+  </dgm:styleLbl>
+  <dgm:styleLbl name="node2">
+    <dgm:scene3d>
+      <a:camera prst="orthographicFront"/>
+      <a:lightRig rig="threePt" dir="t"/>
+    </dgm:scene3d>
+    <dgm:sp3d/>
+    <dgm:txPr/>
+    <dgm:style>
+      <a:lnRef idx="2">
+        <a:scrgbClr r="0" g="0" b="0"/>
+      </a:lnRef>
+      <a:fillRef idx="1">
+        <a:scrgbClr r="0" g="0" b="0"/>
+      </a:fillRef>
+      <a:effectRef idx="0">
+        <a:scrgbClr r="0" g="0" b="0"/>
+      </a:effectRef>
+      <a:fontRef idx="minor">
+        <a:schemeClr val="lt1"/>
+      </a:fontRef>
+    </dgm:style>
+  </dgm:styleLbl>
+  <dgm:styleLbl name="node3">
+    <dgm:scene3d>
+      <a:camera prst="orthographicFront"/>
+      <a:lightRig rig="threePt" dir="t"/>
+    </dgm:scene3d>
+    <dgm:sp3d/>
+    <dgm:txPr/>
+    <dgm:style>
+      <a:lnRef idx="2">
+        <a:scrgbClr r="0" g="0" b="0"/>
+      </a:lnRef>
+      <a:fillRef idx="1">
+        <a:scrgbClr r="0" g="0" b="0"/>
+      </a:fillRef>
+      <a:effectRef idx="0">
+        <a:scrgbClr r="0" g="0" b="0"/>
+      </a:effectRef>
+      <a:fontRef idx="minor">
+        <a:schemeClr val="lt1"/>
+      </a:fontRef>
+    </dgm:style>
+  </dgm:styleLbl>
+  <dgm:styleLbl name="node4">
+    <dgm:scene3d>
+      <a:camera prst="orthographicFront"/>
+      <a:lightRig rig="threePt" dir="t"/>
+    </dgm:scene3d>
+    <dgm:sp3d/>
+    <dgm:txPr/>
+    <dgm:style>
+      <a:lnRef idx="2">
+        <a:scrgbClr r="0" g="0" b="0"/>
+      </a:lnRef>
+      <a:fillRef idx="1">
+        <a:scrgbClr r="0" g="0" b="0"/>
+      </a:fillRef>
+      <a:effectRef idx="0">
+        <a:scrgbClr r="0" g="0" b="0"/>
+      </a:effectRef>
+      <a:fontRef idx="minor">
+        <a:schemeClr val="lt1"/>
+      </a:fontRef>
+    </dgm:style>
+  </dgm:styleLbl>
+  <dgm:styleLbl name="fgImgPlace1">
+    <dgm:scene3d>
+      <a:camera prst="orthographicFront"/>
+      <a:lightRig rig="threePt" dir="t"/>
+    </dgm:scene3d>
+    <dgm:sp3d/>
+    <dgm:txPr/>
+    <dgm:style>
+      <a:lnRef idx="2">
+        <a:scrgbClr r="0" g="0" b="0"/>
+      </a:lnRef>
+      <a:fillRef idx="1">
+        <a:scrgbClr r="0" g="0" b="0"/>
+      </a:fillRef>
+      <a:effectRef idx="0">
+        <a:scrgbClr r="0" g="0" b="0"/>
+      </a:effectRef>
+      <a:fontRef idx="minor"/>
+    </dgm:style>
+  </dgm:styleLbl>
+  <dgm:styleLbl name="alignImgPlace1">
+    <dgm:scene3d>
+      <a:camera prst="orthographicFront"/>
+      <a:lightRig rig="threePt" dir="t"/>
+    </dgm:scene3d>
+    <dgm:sp3d/>
+    <dgm:txPr/>
+    <dgm:style>
+      <a:lnRef idx="2">
+        <a:scrgbClr r="0" g="0" b="0"/>
+      </a:lnRef>
+      <a:fillRef idx="1">
+        <a:scrgbClr r="0" g="0" b="0"/>
+      </a:fillRef>
+      <a:effectRef idx="0">
+        <a:scrgbClr r="0" g="0" b="0"/>
+      </a:effectRef>
+      <a:fontRef idx="minor"/>
+    </dgm:style>
+  </dgm:styleLbl>
+  <dgm:styleLbl name="bgImgPlace1">
+    <dgm:scene3d>
+      <a:camera prst="orthographicFront"/>
+      <a:lightRig rig="threePt" dir="t"/>
+    </dgm:scene3d>
+    <dgm:sp3d/>
+    <dgm:txPr/>
+    <dgm:style>
+      <a:lnRef idx="2">
+        <a:scrgbClr r="0" g="0" b="0"/>
+      </a:lnRef>
+      <a:fillRef idx="1">
+        <a:scrgbClr r="0" g="0" b="0"/>
+      </a:fillRef>
+      <a:effectRef idx="0">
+        <a:scrgbClr r="0" g="0" b="0"/>
+      </a:effectRef>
+      <a:fontRef idx="minor"/>
+    </dgm:style>
+  </dgm:styleLbl>
+  <dgm:styleLbl name="sibTrans2D1">
+    <dgm:scene3d>
+      <a:camera prst="orthographicFront"/>
+      <a:lightRig rig="threePt" dir="t"/>
+    </dgm:scene3d>
+    <dgm:sp3d/>
+    <dgm:txPr/>
+    <dgm:style>
+      <a:lnRef idx="0">
+        <a:scrgbClr r="0" g="0" b="0"/>
+      </a:lnRef>
+      <a:fillRef idx="1">
+        <a:scrgbClr r="0" g="0" b="0"/>
+      </a:fillRef>
+      <a:effectRef idx="0">
+        <a:scrgbClr r="0" g="0" b="0"/>
+      </a:effectRef>
+      <a:fontRef idx="minor">
+        <a:schemeClr val="lt1"/>
+      </a:fontRef>
+    </dgm:style>
+  </dgm:styleLbl>
+  <dgm:styleLbl name="fgSibTrans2D1">
+    <dgm:scene3d>
+      <a:camera prst="orthographicFront"/>
+      <a:lightRig rig="threePt" dir="t"/>
+    </dgm:scene3d>
+    <dgm:sp3d/>
+    <dgm:txPr/>
+    <dgm:style>
+      <a:lnRef idx="0">
+        <a:scrgbClr r="0" g="0" b="0"/>
+      </a:lnRef>
+      <a:fillRef idx="1">
+        <a:scrgbClr r="0" g="0" b="0"/>
+      </a:fillRef>
+      <a:effectRef idx="0">
+        <a:scrgbClr r="0" g="0" b="0"/>
+      </a:effectRef>
+      <a:fontRef idx="minor">
+        <a:schemeClr val="lt1"/>
+      </a:fontRef>
+    </dgm:style>
+  </dgm:styleLbl>
+  <dgm:styleLbl name="bgSibTrans2D1">
+    <dgm:scene3d>
+      <a:camera prst="orthographicFront"/>
+      <a:lightRig rig="threePt" dir="t"/>
+    </dgm:scene3d>
+    <dgm:sp3d/>
+    <dgm:txPr/>
+    <dgm:style>
+      <a:lnRef idx="0">
+        <a:scrgbClr r="0" g="0" b="0"/>
+      </a:lnRef>
+      <a:fillRef idx="1">
+        <a:scrgbClr r="0" g="0" b="0"/>
+      </a:fillRef>
+      <a:effectRef idx="0">
+        <a:scrgbClr r="0" g="0" b="0"/>
+      </a:effectRef>
+      <a:fontRef idx="minor">
+        <a:schemeClr val="lt1"/>
+      </a:fontRef>
+    </dgm:style>
+  </dgm:styleLbl>
+  <dgm:styleLbl name="sibTrans1D1">
+    <dgm:scene3d>
+      <a:camera prst="orthographicFront"/>
+      <a:lightRig rig="threePt" dir="t"/>
+    </dgm:scene3d>
+    <dgm:sp3d/>
+    <dgm:txPr/>
+    <dgm:style>
+      <a:lnRef idx="1">
+        <a:scrgbClr r="0" g="0" b="0"/>
+      </a:lnRef>
+      <a:fillRef idx="0">
+        <a:scrgbClr r="0" g="0" b="0"/>
+      </a:fillRef>
+      <a:effectRef idx="0">
+        <a:scrgbClr r="0" g="0" b="0"/>
+      </a:effectRef>
+      <a:fontRef idx="minor"/>
+    </dgm:style>
+  </dgm:styleLbl>
+  <dgm:styleLbl name="callout">
+    <dgm:scene3d>
+      <a:camera prst="orthographicFront"/>
+      <a:lightRig rig="threePt" dir="t"/>
+    </dgm:scene3d>
+    <dgm:sp3d/>
+    <dgm:txPr/>
+    <dgm:style>
+      <a:lnRef idx="2">
+        <a:scrgbClr r="0" g="0" b="0"/>
+      </a:lnRef>
+      <a:fillRef idx="1">
+        <a:scrgbClr r="0" g="0" b="0"/>
+      </a:fillRef>
+      <a:effectRef idx="0">
+        <a:scrgbClr r="0" g="0" b="0"/>
+      </a:effectRef>
+      <a:fontRef idx="minor"/>
+    </dgm:style>
+  </dgm:styleLbl>
+  <dgm:styleLbl name="asst0">
+    <dgm:scene3d>
+      <a:camera prst="orthographicFront"/>
+      <a:lightRig rig="threePt" dir="t"/>
+    </dgm:scene3d>
+    <dgm:sp3d/>
+    <dgm:txPr/>
+    <dgm:style>
+      <a:lnRef idx="2">
+        <a:scrgbClr r="0" g="0" b="0"/>
+      </a:lnRef>
+      <a:fillRef idx="1">
+        <a:scrgbClr r="0" g="0" b="0"/>
+      </a:fillRef>
+      <a:effectRef idx="0">
+        <a:scrgbClr r="0" g="0" b="0"/>
+      </a:effectRef>
+      <a:fontRef idx="minor">
+        <a:schemeClr val="lt1"/>
+      </a:fontRef>
+    </dgm:style>
+  </dgm:styleLbl>
+  <dgm:styleLbl name="asst1">
+    <dgm:scene3d>
+      <a:camera prst="orthographicFront"/>
+      <a:lightRig rig="threePt" dir="t"/>
+    </dgm:scene3d>
+    <dgm:sp3d/>
+    <dgm:txPr/>
+    <dgm:style>
+      <a:lnRef idx="2">
+        <a:scrgbClr r="0" g="0" b="0"/>
+      </a:lnRef>
+      <a:fillRef idx="1">
+        <a:scrgbClr r="0" g="0" b="0"/>
+      </a:fillRef>
+      <a:effectRef idx="0">
+        <a:scrgbClr r="0" g="0" b="0"/>
+      </a:effectRef>
+      <a:fontRef idx="minor">
+        <a:schemeClr val="lt1"/>
+      </a:fontRef>
+    </dgm:style>
+  </dgm:styleLbl>
+  <dgm:styleLbl name="asst2">
+    <dgm:scene3d>
+      <a:camera prst="orthographicFront"/>
+      <a:lightRig rig="threePt" dir="t"/>
+    </dgm:scene3d>
+    <dgm:sp3d/>
+    <dgm:txPr/>
+    <dgm:style>
+      <a:lnRef idx="2">
+        <a:scrgbClr r="0" g="0" b="0"/>
+      </a:lnRef>
+      <a:fillRef idx="1">
+        <a:scrgbClr r="0" g="0" b="0"/>
+      </a:fillRef>
+      <a:effectRef idx="0">
+        <a:scrgbClr r="0" g="0" b="0"/>
+      </a:effectRef>
+      <a:fontRef idx="minor">
+        <a:schemeClr val="lt1"/>
+      </a:fontRef>
+    </dgm:style>
+  </dgm:styleLbl>
+  <dgm:styleLbl name="asst3">
+    <dgm:scene3d>
+      <a:camera prst="orthographicFront"/>
+      <a:lightRig rig="threePt" dir="t"/>
+    </dgm:scene3d>
+    <dgm:sp3d/>
+    <dgm:txPr/>
+    <dgm:style>
+      <a:lnRef idx="2">
+        <a:scrgbClr r="0" g="0" b="0"/>
+      </a:lnRef>
+      <a:fillRef idx="1">
+        <a:scrgbClr r="0" g="0" b="0"/>
+      </a:fillRef>
+      <a:effectRef idx="0">
+        <a:scrgbClr r="0" g="0" b="0"/>
+      </a:effectRef>
+      <a:fontRef idx="minor">
+        <a:schemeClr val="lt1"/>
+      </a:fontRef>
+    </dgm:style>
+  </dgm:styleLbl>
+  <dgm:styleLbl name="asst4">
+    <dgm:scene3d>
+      <a:camera prst="orthographicFront"/>
+      <a:lightRig rig="threePt" dir="t"/>
+    </dgm:scene3d>
+    <dgm:sp3d/>
+    <dgm:txPr/>
+    <dgm:style>
+      <a:lnRef idx="2">
+        <a:scrgbClr r="0" g="0" b="0"/>
+      </a:lnRef>
+      <a:fillRef idx="1">
+        <a:scrgbClr r="0" g="0" b="0"/>
+      </a:fillRef>
+      <a:effectRef idx="0">
+        <a:scrgbClr r="0" g="0" b="0"/>
+      </a:effectRef>
+      <a:fontRef idx="minor">
+        <a:schemeClr val="lt1"/>
+      </a:fontRef>
+    </dgm:style>
+  </dgm:styleLbl>
+  <dgm:styleLbl name="parChTrans2D1">
+    <dgm:scene3d>
+      <a:camera prst="orthographicFront"/>
+      <a:lightRig rig="threePt" dir="t"/>
+    </dgm:scene3d>
+    <dgm:sp3d/>
+    <dgm:txPr/>
+    <dgm:style>
+      <a:lnRef idx="2">
+        <a:scrgbClr r="0" g="0" b="0"/>
+      </a:lnRef>
+      <a:fillRef idx="1">
+        <a:scrgbClr r="0" g="0" b="0"/>
+      </a:fillRef>
+      <a:effectRef idx="0">
+        <a:scrgbClr r="0" g="0" b="0"/>
+      </a:effectRef>
+      <a:fontRef idx="minor">
+        <a:schemeClr val="lt1"/>
+      </a:fontRef>
+    </dgm:style>
+  </dgm:styleLbl>
+  <dgm:styleLbl name="parChTrans2D2">
+    <dgm:scene3d>
+      <a:camera prst="orthographicFront"/>
+      <a:lightRig rig="threePt" dir="t"/>
+    </dgm:scene3d>
+    <dgm:sp3d/>
+    <dgm:txPr/>
+    <dgm:style>
+      <a:lnRef idx="2">
+        <a:scrgbClr r="0" g="0" b="0"/>
+      </a:lnRef>
+      <a:fillRef idx="1">
+        <a:scrgbClr r="0" g="0" b="0"/>
+      </a:fillRef>
+      <a:effectRef idx="0">
+        <a:scrgbClr r="0" g="0" b="0"/>
+      </a:effectRef>
+      <a:fontRef idx="minor">
+        <a:schemeClr val="lt1"/>
+      </a:fontRef>
+    </dgm:style>
+  </dgm:styleLbl>
+  <dgm:styleLbl name="parChTrans2D3">
+    <dgm:scene3d>
+      <a:camera prst="orthographicFront"/>
+      <a:lightRig rig="threePt" dir="t"/>
+    </dgm:scene3d>
+    <dgm:sp3d/>
+    <dgm:txPr/>
+    <dgm:style>
+      <a:lnRef idx="2">
+        <a:scrgbClr r="0" g="0" b="0"/>
+      </a:lnRef>
+      <a:fillRef idx="1">
+        <a:scrgbClr r="0" g="0" b="0"/>
+      </a:fillRef>
+      <a:effectRef idx="0">
+        <a:scrgbClr r="0" g="0" b="0"/>
+      </a:effectRef>
+      <a:fontRef idx="minor">
+        <a:schemeClr val="lt1"/>
+      </a:fontRef>
+    </dgm:style>
+  </dgm:styleLbl>
+  <dgm:styleLbl name="parChTrans2D4">
+    <dgm:scene3d>
+      <a:camera prst="orthographicFront"/>
+      <a:lightRig rig="threePt" dir="t"/>
+    </dgm:scene3d>
+    <dgm:sp3d/>
+    <dgm:txPr/>
+    <dgm:style>
+      <a:lnRef idx="2">
+        <a:scrgbClr r="0" g="0" b="0"/>
+      </a:lnRef>
+      <a:fillRef idx="1">
+        <a:scrgbClr r="0" g="0" b="0"/>
+      </a:fillRef>
+      <a:effectRef idx="0">
+        <a:scrgbClr r="0" g="0" b="0"/>
+      </a:effectRef>
+      <a:fontRef idx="minor">
+        <a:schemeClr val="lt1"/>
+      </a:fontRef>
+    </dgm:style>
+  </dgm:styleLbl>
+  <dgm:styleLbl name="parChTrans1D1">
+    <dgm:scene3d>
+      <a:camera prst="orthographicFront"/>
+      <a:lightRig rig="threePt" dir="t"/>
+    </dgm:scene3d>
+    <dgm:sp3d/>
+    <dgm:txPr/>
+    <dgm:style>
+      <a:lnRef idx="2">
+        <a:scrgbClr r="0" g="0" b="0"/>
+      </a:lnRef>
+      <a:fillRef idx="0">
+        <a:scrgbClr r="0" g="0" b="0"/>
+      </a:fillRef>
+      <a:effectRef idx="0">
+        <a:scrgbClr r="0" g="0" b="0"/>
+      </a:effectRef>
+      <a:fontRef idx="minor"/>
+    </dgm:style>
+  </dgm:styleLbl>
+  <dgm:styleLbl name="parChTrans1D2">
+    <dgm:scene3d>
+      <a:camera prst="orthographicFront"/>
+      <a:lightRig rig="threePt" dir="t"/>
+    </dgm:scene3d>
+    <dgm:sp3d/>
+    <dgm:txPr/>
+    <dgm:style>
+      <a:lnRef idx="2">
+        <a:scrgbClr r="0" g="0" b="0"/>
+      </a:lnRef>
+      <a:fillRef idx="0">
+        <a:scrgbClr r="0" g="0" b="0"/>
+      </a:fillRef>
+      <a:effectRef idx="0">
+        <a:scrgbClr r="0" g="0" b="0"/>
+      </a:effectRef>
+      <a:fontRef idx="minor"/>
+    </dgm:style>
+  </dgm:styleLbl>
+  <dgm:styleLbl name="parChTrans1D3">
+    <dgm:scene3d>
+      <a:camera prst="orthographicFront"/>
+      <a:lightRig rig="threePt" dir="t"/>
+    </dgm:scene3d>
+    <dgm:sp3d/>
+    <dgm:txPr/>
+    <dgm:style>
+      <a:lnRef idx="2">
+        <a:scrgbClr r="0" g="0" b="0"/>
+      </a:lnRef>
+      <a:fillRef idx="0">
+        <a:scrgbClr r="0" g="0" b="0"/>
+      </a:fillRef>
+      <a:effectRef idx="0">
+        <a:scrgbClr r="0" g="0" b="0"/>
+      </a:effectRef>
+      <a:fontRef idx="minor"/>
+    </dgm:style>
+  </dgm:styleLbl>
+  <dgm:styleLbl name="parChTrans1D4">
+    <dgm:scene3d>
+      <a:camera prst="orthographicFront"/>
+      <a:lightRig rig="threePt" dir="t"/>
+    </dgm:scene3d>
+    <dgm:sp3d/>
+    <dgm:txPr/>
+    <dgm:style>
+      <a:lnRef idx="2">
+        <a:scrgbClr r="0" g="0" b="0"/>
+      </a:lnRef>
+      <a:fillRef idx="0">
+        <a:scrgbClr r="0" g="0" b="0"/>
+      </a:fillRef>
+      <a:effectRef idx="0">
+        <a:scrgbClr r="0" g="0" b="0"/>
+      </a:effectRef>
+      <a:fontRef idx="minor"/>
+    </dgm:style>
+  </dgm:styleLbl>
+  <dgm:styleLbl name="fgAcc1">
+    <dgm:scene3d>
+      <a:camera prst="orthographicFront"/>
+      <a:lightRig rig="threePt" dir="t"/>
+    </dgm:scene3d>
+    <dgm:sp3d/>
+    <dgm:txPr/>
+    <dgm:style>
+      <a:lnRef idx="2">
+        <a:scrgbClr r="0" g="0" b="0"/>
+      </a:lnRef>
+      <a:fillRef idx="1">
+        <a:scrgbClr r="0" g="0" b="0"/>
+      </a:fillRef>
+      <a:effectRef idx="0">
+        <a:scrgbClr r="0" g="0" b="0"/>
+      </a:effectRef>
+      <a:fontRef idx="minor"/>
+    </dgm:style>
+  </dgm:styleLbl>
+  <dgm:styleLbl name="conFgAcc1">
+    <dgm:scene3d>
+      <a:camera prst="orthographicFront"/>
+      <a:lightRig rig="threePt" dir="t"/>
+    </dgm:scene3d>
+    <dgm:sp3d/>
+    <dgm:txPr/>
+    <dgm:style>
+      <a:lnRef idx="2">
+        <a:scrgbClr r="0" g="0" b="0"/>
+      </a:lnRef>
+      <a:fillRef idx="1">
+        <a:scrgbClr r="0" g="0" b="0"/>
+      </a:fillRef>
+      <a:effectRef idx="0">
+        <a:scrgbClr r="0" g="0" b="0"/>
+      </a:effectRef>
+      <a:fontRef idx="minor"/>
+    </dgm:style>
+  </dgm:styleLbl>
+  <dgm:styleLbl name="alignAcc1">
+    <dgm:scene3d>
+      <a:camera prst="orthographicFront"/>
+      <a:lightRig rig="threePt" dir="t"/>
+    </dgm:scene3d>
+    <dgm:sp3d/>
+    <dgm:txPr/>
+    <dgm:style>
+      <a:lnRef idx="2">
+        <a:scrgbClr r="0" g="0" b="0"/>
+      </a:lnRef>
+      <a:fillRef idx="1">
+        <a:scrgbClr r="0" g="0" b="0"/>
+      </a:fillRef>
+      <a:effectRef idx="0">
+        <a:scrgbClr r="0" g="0" b="0"/>
+      </a:effectRef>
+      <a:fontRef idx="minor"/>
+    </dgm:style>
+  </dgm:styleLbl>
+  <dgm:styleLbl name="trAlignAcc1">
+    <dgm:scene3d>
+      <a:camera prst="orthographicFront"/>
+      <a:lightRig rig="threePt" dir="t"/>
+    </dgm:scene3d>
+    <dgm:sp3d/>
+    <dgm:txPr/>
+    <dgm:style>
+      <a:lnRef idx="1">
+        <a:scrgbClr r="0" g="0" b="0"/>
+      </a:lnRef>
+      <a:fillRef idx="1">
+        <a:scrgbClr r="0" g="0" b="0"/>
+      </a:fillRef>
+      <a:effectRef idx="0">
+        <a:scrgbClr r="0" g="0" b="0"/>
+      </a:effectRef>
+      <a:fontRef idx="minor"/>
+    </dgm:style>
+  </dgm:styleLbl>
+  <dgm:styleLbl name="bgAcc1">
+    <dgm:scene3d>
+      <a:camera prst="orthographicFront"/>
+      <a:lightRig rig="threePt" dir="t"/>
+    </dgm:scene3d>
+    <dgm:sp3d/>
+    <dgm:txPr/>
+    <dgm:style>
+      <a:lnRef idx="2">
+        <a:scrgbClr r="0" g="0" b="0"/>
+      </a:lnRef>
+      <a:fillRef idx="1">
+        <a:scrgbClr r="0" g="0" b="0"/>
+      </a:fillRef>
+      <a:effectRef idx="0">
+        <a:scrgbClr r="0" g="0" b="0"/>
+      </a:effectRef>
+      <a:fontRef idx="minor"/>
+    </dgm:style>
+  </dgm:styleLbl>
+  <dgm:styleLbl name="solidFgAcc1">
+    <dgm:scene3d>
+      <a:camera prst="orthographicFront"/>
+      <a:lightRig rig="threePt" dir="t"/>
+    </dgm:scene3d>
+    <dgm:sp3d/>
+    <dgm:txPr/>
+    <dgm:style>
+      <a:lnRef idx="2">
+        <a:scrgbClr r="0" g="0" b="0"/>
+      </a:lnRef>
+      <a:fillRef idx="1">
+        <a:scrgbClr r="0" g="0" b="0"/>
+      </a:fillRef>
+      <a:effectRef idx="0">
+        <a:scrgbClr r="0" g="0" b="0"/>
+      </a:effectRef>
+      <a:fontRef idx="minor"/>
+    </dgm:style>
+  </dgm:styleLbl>
+  <dgm:styleLbl name="solidAlignAcc1">
+    <dgm:scene3d>
+      <a:camera prst="orthographicFront"/>
+      <a:lightRig rig="threePt" dir="t"/>
+    </dgm:scene3d>
+    <dgm:sp3d/>
+    <dgm:txPr/>
+    <dgm:style>
+      <a:lnRef idx="2">
+        <a:scrgbClr r="0" g="0" b="0"/>
+      </a:lnRef>
+      <a:fillRef idx="1">
+        <a:scrgbClr r="0" g="0" b="0"/>
+      </a:fillRef>
+      <a:effectRef idx="0">
+        <a:scrgbClr r="0" g="0" b="0"/>
+      </a:effectRef>
+      <a:fontRef idx="minor"/>
+    </dgm:style>
+  </dgm:styleLbl>
+  <dgm:styleLbl name="solidBgAcc1">
+    <dgm:scene3d>
+      <a:camera prst="orthographicFront"/>
+      <a:lightRig rig="threePt" dir="t"/>
+    </dgm:scene3d>
+    <dgm:sp3d/>
+    <dgm:txPr/>
+    <dgm:style>
+      <a:lnRef idx="2">
+        <a:scrgbClr r="0" g="0" b="0"/>
+      </a:lnRef>
+      <a:fillRef idx="1">
+        <a:scrgbClr r="0" g="0" b="0"/>
+      </a:fillRef>
+      <a:effectRef idx="0">
+        <a:scrgbClr r="0" g="0" b="0"/>
+      </a:effectRef>
+      <a:fontRef idx="minor"/>
+    </dgm:style>
+  </dgm:styleLbl>
+  <dgm:styleLbl name="fgAccFollowNode1">
+    <dgm:scene3d>
+      <a:camera prst="orthographicFront"/>
+      <a:lightRig rig="threePt" dir="t"/>
+    </dgm:scene3d>
+    <dgm:sp3d/>
+    <dgm:txPr/>
+    <dgm:style>
+      <a:lnRef idx="2">
+        <a:scrgbClr r="0" g="0" b="0"/>
+      </a:lnRef>
+      <a:fillRef idx="1">
+        <a:scrgbClr r="0" g="0" b="0"/>
+      </a:fillRef>
+      <a:effectRef idx="0">
+        <a:scrgbClr r="0" g="0" b="0"/>
+      </a:effectRef>
+      <a:fontRef idx="minor"/>
+    </dgm:style>
+  </dgm:styleLbl>
+  <dgm:styleLbl name="alignAccFollowNode1">
+    <dgm:scene3d>
+      <a:camera prst="orthographicFront"/>
+      <a:lightRig rig="threePt" dir="t"/>
+    </dgm:scene3d>
+    <dgm:sp3d/>
+    <dgm:txPr/>
+    <dgm:style>
+      <a:lnRef idx="2">
+        <a:scrgbClr r="0" g="0" b="0"/>
+      </a:lnRef>
+      <a:fillRef idx="1">
+        <a:scrgbClr r="0" g="0" b="0"/>
+      </a:fillRef>
+      <a:effectRef idx="0">
+        <a:scrgbClr r="0" g="0" b="0"/>
+      </a:effectRef>
+      <a:fontRef idx="minor"/>
+    </dgm:style>
+  </dgm:styleLbl>
+  <dgm:styleLbl name="bgAccFollowNode1">
+    <dgm:scene3d>
+      <a:camera prst="orthographicFront"/>
+      <a:lightRig rig="threePt" dir="t"/>
+    </dgm:scene3d>
+    <dgm:sp3d/>
+    <dgm:txPr/>
+    <dgm:style>
+      <a:lnRef idx="2">
+        <a:scrgbClr r="0" g="0" b="0"/>
+      </a:lnRef>
+      <a:fillRef idx="1">
+        <a:scrgbClr r="0" g="0" b="0"/>
+      </a:fillRef>
+      <a:effectRef idx="0">
+        <a:scrgbClr r="0" g="0" b="0"/>
+      </a:effectRef>
+      <a:fontRef idx="minor"/>
+    </dgm:style>
+  </dgm:styleLbl>
+  <dgm:styleLbl name="fgAcc0">
+    <dgm:scene3d>
+      <a:camera prst="orthographicFront"/>
+      <a:lightRig rig="threePt" dir="t"/>
+    </dgm:scene3d>
+    <dgm:sp3d/>
+    <dgm:txPr/>
+    <dgm:style>
+      <a:lnRef idx="2">
+        <a:scrgbClr r="0" g="0" b="0"/>
+      </a:lnRef>
+      <a:fillRef idx="1">
+        <a:scrgbClr r="0" g="0" b="0"/>
+      </a:fillRef>
+      <a:effectRef idx="0">
+        <a:scrgbClr r="0" g="0" b="0"/>
+      </a:effectRef>
+      <a:fontRef idx="minor"/>
+    </dgm:style>
+  </dgm:styleLbl>
+  <dgm:styleLbl name="fgAcc2">
+    <dgm:scene3d>
+      <a:camera prst="orthographicFront"/>
+      <a:lightRig rig="threePt" dir="t"/>
+    </dgm:scene3d>
+    <dgm:sp3d/>
+    <dgm:txPr/>
+    <dgm:style>
+      <a:lnRef idx="2">
+        <a:scrgbClr r="0" g="0" b="0"/>
+      </a:lnRef>
+      <a:fillRef idx="1">
+        <a:scrgbClr r="0" g="0" b="0"/>
+      </a:fillRef>
+      <a:effectRef idx="0">
+        <a:scrgbClr r="0" g="0" b="0"/>
+      </a:effectRef>
+      <a:fontRef idx="minor"/>
+    </dgm:style>
+  </dgm:styleLbl>
+  <dgm:styleLbl name="fgAcc3">
+    <dgm:scene3d>
+      <a:camera prst="orthographicFront"/>
+      <a:lightRig rig="threePt" dir="t"/>
+    </dgm:scene3d>
+    <dgm:sp3d/>
+    <dgm:txPr/>
+    <dgm:style>
+      <a:lnRef idx="2">
+        <a:scrgbClr r="0" g="0" b="0"/>
+      </a:lnRef>
+      <a:fillRef idx="1">
+        <a:scrgbClr r="0" g="0" b="0"/>
+      </a:fillRef>
+      <a:effectRef idx="0">
+        <a:scrgbClr r="0" g="0" b="0"/>
+      </a:effectRef>
+      <a:fontRef idx="minor"/>
+    </dgm:style>
+  </dgm:styleLbl>
+  <dgm:styleLbl name="fgAcc4">
+    <dgm:scene3d>
+      <a:camera prst="orthographicFront"/>
+      <a:lightRig rig="threePt" dir="t"/>
+    </dgm:scene3d>
+    <dgm:sp3d/>
+    <dgm:txPr/>
+    <dgm:style>
+      <a:lnRef idx="2">
+        <a:scrgbClr r="0" g="0" b="0"/>
+      </a:lnRef>
+      <a:fillRef idx="1">
+        <a:scrgbClr r="0" g="0" b="0"/>
+      </a:fillRef>
+      <a:effectRef idx="0">
+        <a:scrgbClr r="0" g="0" b="0"/>
+      </a:effectRef>
+      <a:fontRef idx="minor"/>
+    </dgm:style>
+  </dgm:styleLbl>
+  <dgm:styleLbl name="bgShp">
+    <dgm:scene3d>
+      <a:camera prst="orthographicFront"/>
+      <a:lightRig rig="threePt" dir="t"/>
+    </dgm:scene3d>
+    <dgm:sp3d/>
+    <dgm:txPr/>
+    <dgm:style>
+      <a:lnRef idx="0">
+        <a:scrgbClr r="0" g="0" b="0"/>
+      </a:lnRef>
+      <a:fillRef idx="1">
+        <a:scrgbClr r="0" g="0" b="0"/>
+      </a:fillRef>
+      <a:effectRef idx="0">
+        <a:scrgbClr r="0" g="0" b="0"/>
+      </a:effectRef>
+      <a:fontRef idx="minor"/>
+    </dgm:style>
+  </dgm:styleLbl>
+  <dgm:styleLbl name="dkBgShp">
+    <dgm:scene3d>
+      <a:camera prst="orthographicFront"/>
+      <a:lightRig rig="threePt" dir="t"/>
+    </dgm:scene3d>
+    <dgm:sp3d/>
+    <dgm:txPr/>
+    <dgm:style>
+      <a:lnRef idx="0">
+        <a:scrgbClr r="0" g="0" b="0"/>
+      </a:lnRef>
+      <a:fillRef idx="1">
+        <a:scrgbClr r="0" g="0" b="0"/>
+      </a:fillRef>
+      <a:effectRef idx="0">
+        <a:scrgbClr r="0" g="0" b="0"/>
+      </a:effectRef>
+      <a:fontRef idx="minor"/>
+    </dgm:style>
+  </dgm:styleLbl>
+  <dgm:styleLbl name="trBgShp">
+    <dgm:scene3d>
+      <a:camera prst="orthographicFront"/>
+      <a:lightRig rig="threePt" dir="t"/>
+    </dgm:scene3d>
+    <dgm:sp3d/>
+    <dgm:txPr/>
+    <dgm:style>
+      <a:lnRef idx="0">
+        <a:scrgbClr r="0" g="0" b="0"/>
+      </a:lnRef>
+      <a:fillRef idx="1">
+        <a:scrgbClr r="0" g="0" b="0"/>
+      </a:fillRef>
+      <a:effectRef idx="0">
+        <a:scrgbClr r="0" g="0" b="0"/>
+      </a:effectRef>
+      <a:fontRef idx="minor"/>
+    </dgm:style>
+  </dgm:styleLbl>
+  <dgm:styleLbl name="fgShp">
+    <dgm:scene3d>
+      <a:camera prst="orthographicFront"/>
+      <a:lightRig rig="threePt" dir="t"/>
+    </dgm:scene3d>
+    <dgm:sp3d/>
+    <dgm:txPr/>
+    <dgm:style>
+      <a:lnRef idx="2">
+        <a:scrgbClr r="0" g="0" b="0"/>
+      </a:lnRef>
+      <a:fillRef idx="1">
+        <a:scrgbClr r="0" g="0" b="0"/>
+      </a:fillRef>
+      <a:effectRef idx="0">
+        <a:scrgbClr r="0" g="0" b="0"/>
+      </a:effectRef>
+      <a:fontRef idx="minor"/>
+    </dgm:style>
+  </dgm:styleLbl>
+  <dgm:styleLbl name="revTx">
+    <dgm:scene3d>
+      <a:camera prst="orthographicFront"/>
+      <a:lightRig rig="threePt" dir="t"/>
+    </dgm:scene3d>
+    <dgm:sp3d/>
+    <dgm:txPr/>
+    <dgm:style>
+      <a:lnRef idx="0">
+        <a:scrgbClr r="0" g="0" b="0"/>
+      </a:lnRef>
+      <a:fillRef idx="0">
+        <a:scrgbClr r="0" g="0" b="0"/>
+      </a:fillRef>
+      <a:effectRef idx="0">
+        <a:scrgbClr r="0" g="0" b="0"/>
+      </a:effectRef>
+      <a:fontRef idx="minor"/>
+    </dgm:style>
+  </dgm:styleLbl>
+</dgm:styleDef>
+</file>
+
+<file path=ppt/diagrams/quickStyle2.xml><?xml version="1.0" encoding="utf-8"?>
+<dgm:styleDef xmlns:dgm="http://schemas.openxmlformats.org/drawingml/2006/diagram" xmlns:a="http://schemas.openxmlformats.org/drawingml/2006/main" uniqueId="urn:microsoft.com/office/officeart/2005/8/quickstyle/simple1">
+  <dgm:title val=""/>
+  <dgm:desc val=""/>
+  <dgm:catLst>
+    <dgm:cat type="simple" pri="10100"/>
+  </dgm:catLst>
+  <dgm:scene3d>
+    <a:camera prst="orthographicFront"/>
+    <a:lightRig rig="threePt" dir="t"/>
+  </dgm:scene3d>
+  <dgm:styleLbl name="node0">
+    <dgm:scene3d>
+      <a:camera prst="orthographicFront"/>
+      <a:lightRig rig="threePt" dir="t"/>
+    </dgm:scene3d>
+    <dgm:sp3d/>
+    <dgm:txPr/>
+    <dgm:style>
+      <a:lnRef idx="2">
+        <a:scrgbClr r="0" g="0" b="0"/>
+      </a:lnRef>
+      <a:fillRef idx="1">
+        <a:scrgbClr r="0" g="0" b="0"/>
+      </a:fillRef>
+      <a:effectRef idx="0">
+        <a:scrgbClr r="0" g="0" b="0"/>
+      </a:effectRef>
+      <a:fontRef idx="minor">
+        <a:schemeClr val="lt1"/>
+      </a:fontRef>
+    </dgm:style>
+  </dgm:styleLbl>
+  <dgm:styleLbl name="lnNode1">
+    <dgm:scene3d>
+      <a:camera prst="orthographicFront"/>
+      <a:lightRig rig="threePt" dir="t"/>
+    </dgm:scene3d>
+    <dgm:sp3d/>
+    <dgm:txPr/>
+    <dgm:style>
+      <a:lnRef idx="2">
+        <a:scrgbClr r="0" g="0" b="0"/>
+      </a:lnRef>
+      <a:fillRef idx="1">
+        <a:scrgbClr r="0" g="0" b="0"/>
+      </a:fillRef>
+      <a:effectRef idx="0">
+        <a:scrgbClr r="0" g="0" b="0"/>
+      </a:effectRef>
+      <a:fontRef idx="minor">
+        <a:schemeClr val="lt1"/>
+      </a:fontRef>
+    </dgm:style>
+  </dgm:styleLbl>
+  <dgm:styleLbl name="vennNode1">
+    <dgm:scene3d>
+      <a:camera prst="orthographicFront"/>
+      <a:lightRig rig="threePt" dir="t"/>
+    </dgm:scene3d>
+    <dgm:sp3d/>
+    <dgm:txPr/>
+    <dgm:style>
+      <a:lnRef idx="2">
+        <a:scrgbClr r="0" g="0" b="0"/>
+      </a:lnRef>
+      <a:fillRef idx="1">
+        <a:scrgbClr r="0" g="0" b="0"/>
+      </a:fillRef>
+      <a:effectRef idx="0">
+        <a:scrgbClr r="0" g="0" b="0"/>
+      </a:effectRef>
+      <a:fontRef idx="minor">
+        <a:schemeClr val="tx1"/>
+      </a:fontRef>
+    </dgm:style>
+  </dgm:styleLbl>
+  <dgm:styleLbl name="alignNode1">
+    <dgm:scene3d>
+      <a:camera prst="orthographicFront"/>
+      <a:lightRig rig="threePt" dir="t"/>
+    </dgm:scene3d>
+    <dgm:sp3d/>
+    <dgm:txPr/>
+    <dgm:style>
+      <a:lnRef idx="2">
+        <a:scrgbClr r="0" g="0" b="0"/>
+      </a:lnRef>
+      <a:fillRef idx="1">
+        <a:scrgbClr r="0" g="0" b="0"/>
+      </a:fillRef>
+      <a:effectRef idx="0">
+        <a:scrgbClr r="0" g="0" b="0"/>
+      </a:effectRef>
+      <a:fontRef idx="minor">
+        <a:schemeClr val="lt1"/>
+      </a:fontRef>
+    </dgm:style>
+  </dgm:styleLbl>
+  <dgm:styleLbl name="node1">
+    <dgm:scene3d>
+      <a:camera prst="orthographicFront"/>
+      <a:lightRig rig="threePt" dir="t"/>
+    </dgm:scene3d>
+    <dgm:sp3d/>
+    <dgm:txPr/>
+    <dgm:style>
+      <a:lnRef idx="2">
+        <a:scrgbClr r="0" g="0" b="0"/>
+      </a:lnRef>
+      <a:fillRef idx="1">
+        <a:scrgbClr r="0" g="0" b="0"/>
+      </a:fillRef>
+      <a:effectRef idx="0">
+        <a:scrgbClr r="0" g="0" b="0"/>
+      </a:effectRef>
+      <a:fontRef idx="minor">
+        <a:schemeClr val="lt1"/>
+      </a:fontRef>
+    </dgm:style>
+  </dgm:styleLbl>
+  <dgm:styleLbl name="node2">
+    <dgm:scene3d>
+      <a:camera prst="orthographicFront"/>
+      <a:lightRig rig="threePt" dir="t"/>
+    </dgm:scene3d>
+    <dgm:sp3d/>
+    <dgm:txPr/>
+    <dgm:style>
+      <a:lnRef idx="2">
+        <a:scrgbClr r="0" g="0" b="0"/>
+      </a:lnRef>
+      <a:fillRef idx="1">
+        <a:scrgbClr r="0" g="0" b="0"/>
+      </a:fillRef>
+      <a:effectRef idx="0">
+        <a:scrgbClr r="0" g="0" b="0"/>
+      </a:effectRef>
+      <a:fontRef idx="minor">
+        <a:schemeClr val="lt1"/>
+      </a:fontRef>
+    </dgm:style>
+  </dgm:styleLbl>
+  <dgm:styleLbl name="node3">
+    <dgm:scene3d>
+      <a:camera prst="orthographicFront"/>
+      <a:lightRig rig="threePt" dir="t"/>
+    </dgm:scene3d>
+    <dgm:sp3d/>
+    <dgm:txPr/>
+    <dgm:style>
+      <a:lnRef idx="2">
+        <a:scrgbClr r="0" g="0" b="0"/>
+      </a:lnRef>
+      <a:fillRef idx="1">
+        <a:scrgbClr r="0" g="0" b="0"/>
+      </a:fillRef>
+      <a:effectRef idx="0">
+        <a:scrgbClr r="0" g="0" b="0"/>
+      </a:effectRef>
+      <a:fontRef idx="minor">
+        <a:schemeClr val="lt1"/>
+      </a:fontRef>
+    </dgm:style>
+  </dgm:styleLbl>
+  <dgm:styleLbl name="node4">
+    <dgm:scene3d>
+      <a:camera prst="orthographicFront"/>
+      <a:lightRig rig="threePt" dir="t"/>
+    </dgm:scene3d>
+    <dgm:sp3d/>
+    <dgm:txPr/>
+    <dgm:style>
+      <a:lnRef idx="2">
+        <a:scrgbClr r="0" g="0" b="0"/>
+      </a:lnRef>
+      <a:fillRef idx="1">
+        <a:scrgbClr r="0" g="0" b="0"/>
+      </a:fillRef>
+      <a:effectRef idx="0">
+        <a:scrgbClr r="0" g="0" b="0"/>
+      </a:effectRef>
+      <a:fontRef idx="minor">
+        <a:schemeClr val="lt1"/>
+      </a:fontRef>
+    </dgm:style>
+  </dgm:styleLbl>
+  <dgm:styleLbl name="fgImgPlace1">
+    <dgm:scene3d>
+      <a:camera prst="orthographicFront"/>
+      <a:lightRig rig="threePt" dir="t"/>
+    </dgm:scene3d>
+    <dgm:sp3d/>
+    <dgm:txPr/>
+    <dgm:style>
+      <a:lnRef idx="2">
+        <a:scrgbClr r="0" g="0" b="0"/>
+      </a:lnRef>
+      <a:fillRef idx="1">
+        <a:scrgbClr r="0" g="0" b="0"/>
+      </a:fillRef>
+      <a:effectRef idx="0">
+        <a:scrgbClr r="0" g="0" b="0"/>
+      </a:effectRef>
+      <a:fontRef idx="minor"/>
+    </dgm:style>
+  </dgm:styleLbl>
+  <dgm:styleLbl name="alignImgPlace1">
+    <dgm:scene3d>
+      <a:camera prst="orthographicFront"/>
+      <a:lightRig rig="threePt" dir="t"/>
+    </dgm:scene3d>
+    <dgm:sp3d/>
+    <dgm:txPr/>
+    <dgm:style>
+      <a:lnRef idx="2">
+        <a:scrgbClr r="0" g="0" b="0"/>
+      </a:lnRef>
+      <a:fillRef idx="1">
+        <a:scrgbClr r="0" g="0" b="0"/>
+      </a:fillRef>
+      <a:effectRef idx="0">
+        <a:scrgbClr r="0" g="0" b="0"/>
+      </a:effectRef>
+      <a:fontRef idx="minor"/>
+    </dgm:style>
+  </dgm:styleLbl>
+  <dgm:styleLbl name="bgImgPlace1">
+    <dgm:scene3d>
+      <a:camera prst="orthographicFront"/>
+      <a:lightRig rig="threePt" dir="t"/>
+    </dgm:scene3d>
+    <dgm:sp3d/>
+    <dgm:txPr/>
+    <dgm:style>
+      <a:lnRef idx="2">
+        <a:scrgbClr r="0" g="0" b="0"/>
+      </a:lnRef>
+      <a:fillRef idx="1">
+        <a:scrgbClr r="0" g="0" b="0"/>
+      </a:fillRef>
+      <a:effectRef idx="0">
+        <a:scrgbClr r="0" g="0" b="0"/>
+      </a:effectRef>
+      <a:fontRef idx="minor"/>
+    </dgm:style>
+  </dgm:styleLbl>
+  <dgm:styleLbl name="sibTrans2D1">
+    <dgm:scene3d>
+      <a:camera prst="orthographicFront"/>
+      <a:lightRig rig="threePt" dir="t"/>
+    </dgm:scene3d>
+    <dgm:sp3d/>
+    <dgm:txPr/>
+    <dgm:style>
+      <a:lnRef idx="0">
+        <a:scrgbClr r="0" g="0" b="0"/>
+      </a:lnRef>
+      <a:fillRef idx="1">
+        <a:scrgbClr r="0" g="0" b="0"/>
+      </a:fillRef>
+      <a:effectRef idx="0">
+        <a:scrgbClr r="0" g="0" b="0"/>
+      </a:effectRef>
+      <a:fontRef idx="minor">
+        <a:schemeClr val="lt1"/>
+      </a:fontRef>
+    </dgm:style>
+  </dgm:styleLbl>
+  <dgm:styleLbl name="fgSibTrans2D1">
+    <dgm:scene3d>
+      <a:camera prst="orthographicFront"/>
+      <a:lightRig rig="threePt" dir="t"/>
+    </dgm:scene3d>
+    <dgm:sp3d/>
+    <dgm:txPr/>
+    <dgm:style>
+      <a:lnRef idx="0">
+        <a:scrgbClr r="0" g="0" b="0"/>
+      </a:lnRef>
+      <a:fillRef idx="1">
+        <a:scrgbClr r="0" g="0" b="0"/>
+      </a:fillRef>
+      <a:effectRef idx="0">
+        <a:scrgbClr r="0" g="0" b="0"/>
+      </a:effectRef>
+      <a:fontRef idx="minor">
+        <a:schemeClr val="lt1"/>
+      </a:fontRef>
+    </dgm:style>
+  </dgm:styleLbl>
+  <dgm:styleLbl name="bgSibTrans2D1">
+    <dgm:scene3d>
+      <a:camera prst="orthographicFront"/>
+      <a:lightRig rig="threePt" dir="t"/>
+    </dgm:scene3d>
+    <dgm:sp3d/>
+    <dgm:txPr/>
+    <dgm:style>
+      <a:lnRef idx="0">
+        <a:scrgbClr r="0" g="0" b="0"/>
+      </a:lnRef>
+      <a:fillRef idx="1">
+        <a:scrgbClr r="0" g="0" b="0"/>
+      </a:fillRef>
+      <a:effectRef idx="0">
+        <a:scrgbClr r="0" g="0" b="0"/>
+      </a:effectRef>
+      <a:fontRef idx="minor">
+        <a:schemeClr val="lt1"/>
+      </a:fontRef>
+    </dgm:style>
+  </dgm:styleLbl>
+  <dgm:styleLbl name="sibTrans1D1">
+    <dgm:scene3d>
+      <a:camera prst="orthographicFront"/>
+      <a:lightRig rig="threePt" dir="t"/>
+    </dgm:scene3d>
+    <dgm:sp3d/>
+    <dgm:txPr/>
+    <dgm:style>
+      <a:lnRef idx="1">
+        <a:scrgbClr r="0" g="0" b="0"/>
+      </a:lnRef>
+      <a:fillRef idx="0">
+        <a:scrgbClr r="0" g="0" b="0"/>
+      </a:fillRef>
+      <a:effectRef idx="0">
+        <a:scrgbClr r="0" g="0" b="0"/>
+      </a:effectRef>
+      <a:fontRef idx="minor"/>
+    </dgm:style>
+  </dgm:styleLbl>
+  <dgm:styleLbl name="callout">
+    <dgm:scene3d>
+      <a:camera prst="orthographicFront"/>
+      <a:lightRig rig="threePt" dir="t"/>
+    </dgm:scene3d>
+    <dgm:sp3d/>
+    <dgm:txPr/>
+    <dgm:style>
+      <a:lnRef idx="2">
+        <a:scrgbClr r="0" g="0" b="0"/>
+      </a:lnRef>
+      <a:fillRef idx="1">
+        <a:scrgbClr r="0" g="0" b="0"/>
+      </a:fillRef>
+      <a:effectRef idx="0">
+        <a:scrgbClr r="0" g="0" b="0"/>
+      </a:effectRef>
+      <a:fontRef idx="minor"/>
+    </dgm:style>
+  </dgm:styleLbl>
+  <dgm:styleLbl name="asst0">
+    <dgm:scene3d>
+      <a:camera prst="orthographicFront"/>
+      <a:lightRig rig="threePt" dir="t"/>
+    </dgm:scene3d>
+    <dgm:sp3d/>
+    <dgm:txPr/>
+    <dgm:style>
+      <a:lnRef idx="2">
+        <a:scrgbClr r="0" g="0" b="0"/>
+      </a:lnRef>
+      <a:fillRef idx="1">
+        <a:scrgbClr r="0" g="0" b="0"/>
+      </a:fillRef>
+      <a:effectRef idx="0">
+        <a:scrgbClr r="0" g="0" b="0"/>
+      </a:effectRef>
+      <a:fontRef idx="minor">
+        <a:schemeClr val="lt1"/>
+      </a:fontRef>
+    </dgm:style>
+  </dgm:styleLbl>
+  <dgm:styleLbl name="asst1">
+    <dgm:scene3d>
+      <a:camera prst="orthographicFront"/>
+      <a:lightRig rig="threePt" dir="t"/>
+    </dgm:scene3d>
+    <dgm:sp3d/>
+    <dgm:txPr/>
+    <dgm:style>
+      <a:lnRef idx="2">
+        <a:scrgbClr r="0" g="0" b="0"/>
+      </a:lnRef>
+      <a:fillRef idx="1">
+        <a:scrgbClr r="0" g="0" b="0"/>
+      </a:fillRef>
+      <a:effectRef idx="0">
+        <a:scrgbClr r="0" g="0" b="0"/>
+      </a:effectRef>
+      <a:fontRef idx="minor">
+        <a:schemeClr val="lt1"/>
+      </a:fontRef>
+    </dgm:style>
+  </dgm:styleLbl>
+  <dgm:styleLbl name="asst2">
+    <dgm:scene3d>
+      <a:camera prst="orthographicFront"/>
+      <a:lightRig rig="threePt" dir="t"/>
+    </dgm:scene3d>
+    <dgm:sp3d/>
+    <dgm:txPr/>
+    <dgm:style>
+      <a:lnRef idx="2">
+        <a:scrgbClr r="0" g="0" b="0"/>
+      </a:lnRef>
+      <a:fillRef idx="1">
+        <a:scrgbClr r="0" g="0" b="0"/>
+      </a:fillRef>
+      <a:effectRef idx="0">
+        <a:scrgbClr r="0" g="0" b="0"/>
+      </a:effectRef>
+      <a:fontRef idx="minor">
+        <a:schemeClr val="lt1"/>
+      </a:fontRef>
+    </dgm:style>
+  </dgm:styleLbl>
+  <dgm:styleLbl name="asst3">
+    <dgm:scene3d>
+      <a:camera prst="orthographicFront"/>
+      <a:lightRig rig="threePt" dir="t"/>
+    </dgm:scene3d>
+    <dgm:sp3d/>
+    <dgm:txPr/>
+    <dgm:style>
+      <a:lnRef idx="2">
+        <a:scrgbClr r="0" g="0" b="0"/>
+      </a:lnRef>
+      <a:fillRef idx="1">
+        <a:scrgbClr r="0" g="0" b="0"/>
+      </a:fillRef>
+      <a:effectRef idx="0">
+        <a:scrgbClr r="0" g="0" b="0"/>
+      </a:effectRef>
+      <a:fontRef idx="minor">
+        <a:schemeClr val="lt1"/>
+      </a:fontRef>
+    </dgm:style>
+  </dgm:styleLbl>
+  <dgm:styleLbl name="asst4">
+    <dgm:scene3d>
+      <a:camera prst="orthographicFront"/>
+      <a:lightRig rig="threePt" dir="t"/>
+    </dgm:scene3d>
+    <dgm:sp3d/>
+    <dgm:txPr/>
+    <dgm:style>
+      <a:lnRef idx="2">
+        <a:scrgbClr r="0" g="0" b="0"/>
+      </a:lnRef>
+      <a:fillRef idx="1">
+        <a:scrgbClr r="0" g="0" b="0"/>
+      </a:fillRef>
+      <a:effectRef idx="0">
+        <a:scrgbClr r="0" g="0" b="0"/>
+      </a:effectRef>
+      <a:fontRef idx="minor">
+        <a:schemeClr val="lt1"/>
+      </a:fontRef>
+    </dgm:style>
+  </dgm:styleLbl>
+  <dgm:styleLbl name="parChTrans2D1">
+    <dgm:scene3d>
+      <a:camera prst="orthographicFront"/>
+      <a:lightRig rig="threePt" dir="t"/>
+    </dgm:scene3d>
+    <dgm:sp3d/>
+    <dgm:txPr/>
+    <dgm:style>
+      <a:lnRef idx="2">
+        <a:scrgbClr r="0" g="0" b="0"/>
+      </a:lnRef>
+      <a:fillRef idx="1">
+        <a:scrgbClr r="0" g="0" b="0"/>
+      </a:fillRef>
+      <a:effectRef idx="0">
+        <a:scrgbClr r="0" g="0" b="0"/>
+      </a:effectRef>
+      <a:fontRef idx="minor">
+        <a:schemeClr val="lt1"/>
+      </a:fontRef>
+    </dgm:style>
+  </dgm:styleLbl>
+  <dgm:styleLbl name="parChTrans2D2">
+    <dgm:scene3d>
+      <a:camera prst="orthographicFront"/>
+      <a:lightRig rig="threePt" dir="t"/>
+    </dgm:scene3d>
+    <dgm:sp3d/>
+    <dgm:txPr/>
+    <dgm:style>
+      <a:lnRef idx="2">
+        <a:scrgbClr r="0" g="0" b="0"/>
+      </a:lnRef>
+      <a:fillRef idx="1">
+        <a:scrgbClr r="0" g="0" b="0"/>
+      </a:fillRef>
+      <a:effectRef idx="0">
+        <a:scrgbClr r="0" g="0" b="0"/>
+      </a:effectRef>
+      <a:fontRef idx="minor">
+        <a:schemeClr val="lt1"/>
+      </a:fontRef>
+    </dgm:style>
+  </dgm:styleLbl>
+  <dgm:styleLbl name="parChTrans2D3">
+    <dgm:scene3d>
+      <a:camera prst="orthographicFront"/>
+      <a:lightRig rig="threePt" dir="t"/>
+    </dgm:scene3d>
+    <dgm:sp3d/>
+    <dgm:txPr/>
+    <dgm:style>
+      <a:lnRef idx="2">
+        <a:scrgbClr r="0" g="0" b="0"/>
+      </a:lnRef>
+      <a:fillRef idx="1">
+        <a:scrgbClr r="0" g="0" b="0"/>
+      </a:fillRef>
+      <a:effectRef idx="0">
+        <a:scrgbClr r="0" g="0" b="0"/>
+      </a:effectRef>
+      <a:fontRef idx="minor">
+        <a:schemeClr val="lt1"/>
+      </a:fontRef>
+    </dgm:style>
+  </dgm:styleLbl>
+  <dgm:styleLbl name="parChTrans2D4">
+    <dgm:scene3d>
+      <a:camera prst="orthographicFront"/>
+      <a:lightRig rig="threePt" dir="t"/>
+    </dgm:scene3d>
+    <dgm:sp3d/>
+    <dgm:txPr/>
+    <dgm:style>
+      <a:lnRef idx="2">
+        <a:scrgbClr r="0" g="0" b="0"/>
+      </a:lnRef>
+      <a:fillRef idx="1">
+        <a:scrgbClr r="0" g="0" b="0"/>
+      </a:fillRef>
+      <a:effectRef idx="0">
+        <a:scrgbClr r="0" g="0" b="0"/>
+      </a:effectRef>
+      <a:fontRef idx="minor">
+        <a:schemeClr val="lt1"/>
+      </a:fontRef>
+    </dgm:style>
+  </dgm:styleLbl>
+  <dgm:styleLbl name="parChTrans1D1">
+    <dgm:scene3d>
+      <a:camera prst="orthographicFront"/>
+      <a:lightRig rig="threePt" dir="t"/>
+    </dgm:scene3d>
+    <dgm:sp3d/>
+    <dgm:txPr/>
+    <dgm:style>
+      <a:lnRef idx="2">
+        <a:scrgbClr r="0" g="0" b="0"/>
+      </a:lnRef>
+      <a:fillRef idx="0">
+        <a:scrgbClr r="0" g="0" b="0"/>
+      </a:fillRef>
+      <a:effectRef idx="0">
+        <a:scrgbClr r="0" g="0" b="0"/>
+      </a:effectRef>
+      <a:fontRef idx="minor"/>
+    </dgm:style>
+  </dgm:styleLbl>
+  <dgm:styleLbl name="parChTrans1D2">
+    <dgm:scene3d>
+      <a:camera prst="orthographicFront"/>
+      <a:lightRig rig="threePt" dir="t"/>
+    </dgm:scene3d>
+    <dgm:sp3d/>
+    <dgm:txPr/>
+    <dgm:style>
+      <a:lnRef idx="2">
+        <a:scrgbClr r="0" g="0" b="0"/>
+      </a:lnRef>
+      <a:fillRef idx="0">
+        <a:scrgbClr r="0" g="0" b="0"/>
+      </a:fillRef>
+      <a:effectRef idx="0">
+        <a:scrgbClr r="0" g="0" b="0"/>
+      </a:effectRef>
+      <a:fontRef idx="minor"/>
+    </dgm:style>
+  </dgm:styleLbl>
+  <dgm:styleLbl name="parChTrans1D3">
+    <dgm:scene3d>
+      <a:camera prst="orthographicFront"/>
+      <a:lightRig rig="threePt" dir="t"/>
+    </dgm:scene3d>
+    <dgm:sp3d/>
+    <dgm:txPr/>
+    <dgm:style>
+      <a:lnRef idx="2">
+        <a:scrgbClr r="0" g="0" b="0"/>
+      </a:lnRef>
+      <a:fillRef idx="0">
+        <a:scrgbClr r="0" g="0" b="0"/>
+      </a:fillRef>
+      <a:effectRef idx="0">
+        <a:scrgbClr r="0" g="0" b="0"/>
+      </a:effectRef>
+      <a:fontRef idx="minor"/>
+    </dgm:style>
+  </dgm:styleLbl>
+  <dgm:styleLbl name="parChTrans1D4">
+    <dgm:scene3d>
+      <a:camera prst="orthographicFront"/>
+      <a:lightRig rig="threePt" dir="t"/>
+    </dgm:scene3d>
+    <dgm:sp3d/>
+    <dgm:txPr/>
+    <dgm:style>
+      <a:lnRef idx="2">
+        <a:scrgbClr r="0" g="0" b="0"/>
+      </a:lnRef>
+      <a:fillRef idx="0">
+        <a:scrgbClr r="0" g="0" b="0"/>
+      </a:fillRef>
+      <a:effectRef idx="0">
+        <a:scrgbClr r="0" g="0" b="0"/>
+      </a:effectRef>
+      <a:fontRef idx="minor"/>
+    </dgm:style>
+  </dgm:styleLbl>
+  <dgm:styleLbl name="fgAcc1">
+    <dgm:scene3d>
+      <a:camera prst="orthographicFront"/>
+      <a:lightRig rig="threePt" dir="t"/>
+    </dgm:scene3d>
+    <dgm:sp3d/>
+    <dgm:txPr/>
+    <dgm:style>
+      <a:lnRef idx="2">
+        <a:scrgbClr r="0" g="0" b="0"/>
+      </a:lnRef>
+      <a:fillRef idx="1">
+        <a:scrgbClr r="0" g="0" b="0"/>
+      </a:fillRef>
+      <a:effectRef idx="0">
+        <a:scrgbClr r="0" g="0" b="0"/>
+      </a:effectRef>
+      <a:fontRef idx="minor"/>
+    </dgm:style>
+  </dgm:styleLbl>
+  <dgm:styleLbl name="conFgAcc1">
+    <dgm:scene3d>
+      <a:camera prst="orthographicFront"/>
+      <a:lightRig rig="threePt" dir="t"/>
+    </dgm:scene3d>
+    <dgm:sp3d/>
+    <dgm:txPr/>
+    <dgm:style>
+      <a:lnRef idx="2">
+        <a:scrgbClr r="0" g="0" b="0"/>
+      </a:lnRef>
+      <a:fillRef idx="1">
+        <a:scrgbClr r="0" g="0" b="0"/>
+      </a:fillRef>
+      <a:effectRef idx="0">
+        <a:scrgbClr r="0" g="0" b="0"/>
+      </a:effectRef>
+      <a:fontRef idx="minor"/>
+    </dgm:style>
+  </dgm:styleLbl>
+  <dgm:styleLbl name="alignAcc1">
+    <dgm:scene3d>
+      <a:camera prst="orthographicFront"/>
+      <a:lightRig rig="threePt" dir="t"/>
+    </dgm:scene3d>
+    <dgm:sp3d/>
+    <dgm:txPr/>
+    <dgm:style>
+      <a:lnRef idx="2">
+        <a:scrgbClr r="0" g="0" b="0"/>
+      </a:lnRef>
+      <a:fillRef idx="1">
+        <a:scrgbClr r="0" g="0" b="0"/>
+      </a:fillRef>
+      <a:effectRef idx="0">
+        <a:scrgbClr r="0" g="0" b="0"/>
+      </a:effectRef>
+      <a:fontRef idx="minor"/>
+    </dgm:style>
+  </dgm:styleLbl>
+  <dgm:styleLbl name="trAlignAcc1">
+    <dgm:scene3d>
+      <a:camera prst="orthographicFront"/>
+      <a:lightRig rig="threePt" dir="t"/>
+    </dgm:scene3d>
+    <dgm:sp3d/>
+    <dgm:txPr/>
+    <dgm:style>
+      <a:lnRef idx="1">
+        <a:scrgbClr r="0" g="0" b="0"/>
+      </a:lnRef>
+      <a:fillRef idx="1">
+        <a:scrgbClr r="0" g="0" b="0"/>
+      </a:fillRef>
+      <a:effectRef idx="0">
+        <a:scrgbClr r="0" g="0" b="0"/>
+      </a:effectRef>
+      <a:fontRef idx="minor"/>
+    </dgm:style>
+  </dgm:styleLbl>
+  <dgm:styleLbl name="bgAcc1">
+    <dgm:scene3d>
+      <a:camera prst="orthographicFront"/>
+      <a:lightRig rig="threePt" dir="t"/>
+    </dgm:scene3d>
+    <dgm:sp3d/>
+    <dgm:txPr/>
+    <dgm:style>
+      <a:lnRef idx="2">
+        <a:scrgbClr r="0" g="0" b="0"/>
+      </a:lnRef>
+      <a:fillRef idx="1">
+        <a:scrgbClr r="0" g="0" b="0"/>
+      </a:fillRef>
+      <a:effectRef idx="0">
+        <a:scrgbClr r="0" g="0" b="0"/>
+      </a:effectRef>
+      <a:fontRef idx="minor"/>
+    </dgm:style>
+  </dgm:styleLbl>
+  <dgm:styleLbl name="solidFgAcc1">
+    <dgm:scene3d>
+      <a:camera prst="orthographicFront"/>
+      <a:lightRig rig="threePt" dir="t"/>
+    </dgm:scene3d>
+    <dgm:sp3d/>
+    <dgm:txPr/>
+    <dgm:style>
+      <a:lnRef idx="2">
+        <a:scrgbClr r="0" g="0" b="0"/>
+      </a:lnRef>
+      <a:fillRef idx="1">
+        <a:scrgbClr r="0" g="0" b="0"/>
+      </a:fillRef>
+      <a:effectRef idx="0">
+        <a:scrgbClr r="0" g="0" b="0"/>
+      </a:effectRef>
+      <a:fontRef idx="minor"/>
+    </dgm:style>
+  </dgm:styleLbl>
+  <dgm:styleLbl name="solidAlignAcc1">
+    <dgm:scene3d>
+      <a:camera prst="orthographicFront"/>
+      <a:lightRig rig="threePt" dir="t"/>
+    </dgm:scene3d>
+    <dgm:sp3d/>
+    <dgm:txPr/>
+    <dgm:style>
+      <a:lnRef idx="2">
+        <a:scrgbClr r="0" g="0" b="0"/>
+      </a:lnRef>
+      <a:fillRef idx="1">
+        <a:scrgbClr r="0" g="0" b="0"/>
+      </a:fillRef>
+      <a:effectRef idx="0">
+        <a:scrgbClr r="0" g="0" b="0"/>
+      </a:effectRef>
+      <a:fontRef idx="minor"/>
+    </dgm:style>
+  </dgm:styleLbl>
+  <dgm:styleLbl name="solidBgAcc1">
+    <dgm:scene3d>
+      <a:camera prst="orthographicFront"/>
+      <a:lightRig rig="threePt" dir="t"/>
+    </dgm:scene3d>
+    <dgm:sp3d/>
+    <dgm:txPr/>
+    <dgm:style>
+      <a:lnRef idx="2">
+        <a:scrgbClr r="0" g="0" b="0"/>
+      </a:lnRef>
+      <a:fillRef idx="1">
+        <a:scrgbClr r="0" g="0" b="0"/>
+      </a:fillRef>
+      <a:effectRef idx="0">
+        <a:scrgbClr r="0" g="0" b="0"/>
+      </a:effectRef>
+      <a:fontRef idx="minor"/>
+    </dgm:style>
+  </dgm:styleLbl>
+  <dgm:styleLbl name="fgAccFollowNode1">
+    <dgm:scene3d>
+      <a:camera prst="orthographicFront"/>
+      <a:lightRig rig="threePt" dir="t"/>
+    </dgm:scene3d>
+    <dgm:sp3d/>
+    <dgm:txPr/>
+    <dgm:style>
+      <a:lnRef idx="2">
+        <a:scrgbClr r="0" g="0" b="0"/>
+      </a:lnRef>
+      <a:fillRef idx="1">
+        <a:scrgbClr r="0" g="0" b="0"/>
+      </a:fillRef>
+      <a:effectRef idx="0">
+        <a:scrgbClr r="0" g="0" b="0"/>
+      </a:effectRef>
+      <a:fontRef idx="minor"/>
+    </dgm:style>
+  </dgm:styleLbl>
+  <dgm:styleLbl name="alignAccFollowNode1">
+    <dgm:scene3d>
+      <a:camera prst="orthographicFront"/>
+      <a:lightRig rig="threePt" dir="t"/>
+    </dgm:scene3d>
+    <dgm:sp3d/>
+    <dgm:txPr/>
+    <dgm:style>
+      <a:lnRef idx="2">
+        <a:scrgbClr r="0" g="0" b="0"/>
+      </a:lnRef>
+      <a:fillRef idx="1">
+        <a:scrgbClr r="0" g="0" b="0"/>
+      </a:fillRef>
+      <a:effectRef idx="0">
+        <a:scrgbClr r="0" g="0" b="0"/>
+      </a:effectRef>
+      <a:fontRef idx="minor"/>
+    </dgm:style>
+  </dgm:styleLbl>
+  <dgm:styleLbl name="bgAccFollowNode1">
+    <dgm:scene3d>
+      <a:camera prst="orthographicFront"/>
+      <a:lightRig rig="threePt" dir="t"/>
+    </dgm:scene3d>
+    <dgm:sp3d/>
+    <dgm:txPr/>
+    <dgm:style>
+      <a:lnRef idx="2">
+        <a:scrgbClr r="0" g="0" b="0"/>
+      </a:lnRef>
+      <a:fillRef idx="1">
+        <a:scrgbClr r="0" g="0" b="0"/>
+      </a:fillRef>
+      <a:effectRef idx="0">
+        <a:scrgbClr r="0" g="0" b="0"/>
+      </a:effectRef>
+      <a:fontRef idx="minor"/>
+    </dgm:style>
+  </dgm:styleLbl>
+  <dgm:styleLbl name="fgAcc0">
+    <dgm:scene3d>
+      <a:camera prst="orthographicFront"/>
+      <a:lightRig rig="threePt" dir="t"/>
+    </dgm:scene3d>
+    <dgm:sp3d/>
+    <dgm:txPr/>
+    <dgm:style>
+      <a:lnRef idx="2">
+        <a:scrgbClr r="0" g="0" b="0"/>
+      </a:lnRef>
+      <a:fillRef idx="1">
+        <a:scrgbClr r="0" g="0" b="0"/>
+      </a:fillRef>
+      <a:effectRef idx="0">
+        <a:scrgbClr r="0" g="0" b="0"/>
+      </a:effectRef>
+      <a:fontRef idx="minor"/>
+    </dgm:style>
+  </dgm:styleLbl>
+  <dgm:styleLbl name="fgAcc2">
+    <dgm:scene3d>
+      <a:camera prst="orthographicFront"/>
+      <a:lightRig rig="threePt" dir="t"/>
+    </dgm:scene3d>
+    <dgm:sp3d/>
+    <dgm:txPr/>
+    <dgm:style>
+      <a:lnRef idx="2">
+        <a:scrgbClr r="0" g="0" b="0"/>
+      </a:lnRef>
+      <a:fillRef idx="1">
+        <a:scrgbClr r="0" g="0" b="0"/>
+      </a:fillRef>
+      <a:effectRef idx="0">
+        <a:scrgbClr r="0" g="0" b="0"/>
+      </a:effectRef>
+      <a:fontRef idx="minor"/>
+    </dgm:style>
+  </dgm:styleLbl>
+  <dgm:styleLbl name="fgAcc3">
+    <dgm:scene3d>
+      <a:camera prst="orthographicFront"/>
+      <a:lightRig rig="threePt" dir="t"/>
+    </dgm:scene3d>
+    <dgm:sp3d/>
+    <dgm:txPr/>
+    <dgm:style>
+      <a:lnRef idx="2">
+        <a:scrgbClr r="0" g="0" b="0"/>
+      </a:lnRef>
+      <a:fillRef idx="1">
+        <a:scrgbClr r="0" g="0" b="0"/>
+      </a:fillRef>
+      <a:effectRef idx="0">
+        <a:scrgbClr r="0" g="0" b="0"/>
+      </a:effectRef>
+      <a:fontRef idx="minor"/>
+    </dgm:style>
+  </dgm:styleLbl>
+  <dgm:styleLbl name="fgAcc4">
+    <dgm:scene3d>
+      <a:camera prst="orthographicFront"/>
+      <a:lightRig rig="threePt" dir="t"/>
+    </dgm:scene3d>
+    <dgm:sp3d/>
+    <dgm:txPr/>
+    <dgm:style>
+      <a:lnRef idx="2">
+        <a:scrgbClr r="0" g="0" b="0"/>
+      </a:lnRef>
+      <a:fillRef idx="1">
+        <a:scrgbClr r="0" g="0" b="0"/>
+      </a:fillRef>
+      <a:effectRef idx="0">
+        <a:scrgbClr r="0" g="0" b="0"/>
+      </a:effectRef>
+      <a:fontRef idx="minor"/>
+    </dgm:style>
+  </dgm:styleLbl>
+  <dgm:styleLbl name="bgShp">
+    <dgm:scene3d>
+      <a:camera prst="orthographicFront"/>
+      <a:lightRig rig="threePt" dir="t"/>
+    </dgm:scene3d>
+    <dgm:sp3d/>
+    <dgm:txPr/>
+    <dgm:style>
+      <a:lnRef idx="0">
+        <a:scrgbClr r="0" g="0" b="0"/>
+      </a:lnRef>
+      <a:fillRef idx="1">
+        <a:scrgbClr r="0" g="0" b="0"/>
+      </a:fillRef>
+      <a:effectRef idx="0">
+        <a:scrgbClr r="0" g="0" b="0"/>
+      </a:effectRef>
+      <a:fontRef idx="minor"/>
+    </dgm:style>
+  </dgm:styleLbl>
+  <dgm:styleLbl name="dkBgShp">
+    <dgm:scene3d>
+      <a:camera prst="orthographicFront"/>
+      <a:lightRig rig="threePt" dir="t"/>
+    </dgm:scene3d>
+    <dgm:sp3d/>
+    <dgm:txPr/>
+    <dgm:style>
+      <a:lnRef idx="0">
+        <a:scrgbClr r="0" g="0" b="0"/>
+      </a:lnRef>
+      <a:fillRef idx="1">
+        <a:scrgbClr r="0" g="0" b="0"/>
+      </a:fillRef>
+      <a:effectRef idx="0">
+        <a:scrgbClr r="0" g="0" b="0"/>
+      </a:effectRef>
+      <a:fontRef idx="minor"/>
+    </dgm:style>
+  </dgm:styleLbl>
+  <dgm:styleLbl name="trBgShp">
+    <dgm:scene3d>
+      <a:camera prst="orthographicFront"/>
+      <a:lightRig rig="threePt" dir="t"/>
+    </dgm:scene3d>
+    <dgm:sp3d/>
+    <dgm:txPr/>
+    <dgm:style>
+      <a:lnRef idx="0">
+        <a:scrgbClr r="0" g="0" b="0"/>
+      </a:lnRef>
+      <a:fillRef idx="1">
+        <a:scrgbClr r="0" g="0" b="0"/>
+      </a:fillRef>
+      <a:effectRef idx="0">
+        <a:scrgbClr r="0" g="0" b="0"/>
+      </a:effectRef>
+      <a:fontRef idx="minor"/>
+    </dgm:style>
+  </dgm:styleLbl>
+  <dgm:styleLbl name="fgShp">
+    <dgm:scene3d>
+      <a:camera prst="orthographicFront"/>
+      <a:lightRig rig="threePt" dir="t"/>
+    </dgm:scene3d>
+    <dgm:sp3d/>
+    <dgm:txPr/>
+    <dgm:style>
+      <a:lnRef idx="2">
+        <a:scrgbClr r="0" g="0" b="0"/>
+      </a:lnRef>
+      <a:fillRef idx="1">
+        <a:scrgbClr r="0" g="0" b="0"/>
+      </a:fillRef>
+      <a:effectRef idx="0">
+        <a:scrgbClr r="0" g="0" b="0"/>
+      </a:effectRef>
+      <a:fontRef idx="minor"/>
+    </dgm:style>
+  </dgm:styleLbl>
+  <dgm:styleLbl name="revTx">
+    <dgm:scene3d>
+      <a:camera prst="orthographicFront"/>
+      <a:lightRig rig="threePt" dir="t"/>
+    </dgm:scene3d>
+    <dgm:sp3d/>
+    <dgm:txPr/>
+    <dgm:style>
+      <a:lnRef idx="0">
+        <a:scrgbClr r="0" g="0" b="0"/>
+      </a:lnRef>
+      <a:fillRef idx="0">
+        <a:scrgbClr r="0" g="0" b="0"/>
+      </a:fillRef>
+      <a:effectRef idx="0">
+        <a:scrgbClr r="0" g="0" b="0"/>
+      </a:effectRef>
+      <a:fontRef idx="minor"/>
+    </dgm:style>
+  </dgm:styleLbl>
+</dgm:styleDef>
 </file>
 
 <file path=ppt/slideLayouts/slideLayout1.xml><?xml version="1.0" encoding="utf-8"?>
@@ -866,7 +7008,7 @@
             <a:fld id="{B61BEF0D-F0BB-DE4B-95CE-6DB70DBA9567}" type="datetimeFigureOut">
               <a:rPr lang="en-US" dirty="0"/>
               <a:pPr/>
-              <a:t>5/20/2019</a:t>
+              <a:t>5/22/2019</a:t>
             </a:fld>
             <a:endParaRPr lang="en-US" dirty="0"/>
           </a:p>
@@ -1114,7 +7256,7 @@
             <a:fld id="{B61BEF0D-F0BB-DE4B-95CE-6DB70DBA9567}" type="datetimeFigureOut">
               <a:rPr lang="en-US" dirty="0"/>
               <a:pPr/>
-              <a:t>5/20/2019</a:t>
+              <a:t>5/22/2019</a:t>
             </a:fld>
             <a:endParaRPr lang="en-US" dirty="0"/>
           </a:p>
@@ -1425,7 +7567,7 @@
             <a:fld id="{B61BEF0D-F0BB-DE4B-95CE-6DB70DBA9567}" type="datetimeFigureOut">
               <a:rPr lang="en-US" dirty="0"/>
               <a:pPr/>
-              <a:t>5/20/2019</a:t>
+              <a:t>5/22/2019</a:t>
             </a:fld>
             <a:endParaRPr lang="en-US" dirty="0"/>
           </a:p>
@@ -1755,7 +7897,7 @@
             <a:fld id="{B61BEF0D-F0BB-DE4B-95CE-6DB70DBA9567}" type="datetimeFigureOut">
               <a:rPr lang="en-US" dirty="0"/>
               <a:pPr/>
-              <a:t>5/20/2019</a:t>
+              <a:t>5/22/2019</a:t>
             </a:fld>
             <a:endParaRPr lang="en-US" dirty="0"/>
           </a:p>
@@ -2066,7 +8208,7 @@
             <a:fld id="{B61BEF0D-F0BB-DE4B-95CE-6DB70DBA9567}" type="datetimeFigureOut">
               <a:rPr lang="en-US" dirty="0"/>
               <a:pPr/>
-              <a:t>5/20/2019</a:t>
+              <a:t>5/22/2019</a:t>
             </a:fld>
             <a:endParaRPr lang="en-US" dirty="0"/>
           </a:p>
@@ -2456,7 +8598,7 @@
             <a:fld id="{B61BEF0D-F0BB-DE4B-95CE-6DB70DBA9567}" type="datetimeFigureOut">
               <a:rPr lang="en-US" dirty="0"/>
               <a:pPr/>
-              <a:t>5/20/2019</a:t>
+              <a:t>5/22/2019</a:t>
             </a:fld>
             <a:endParaRPr lang="en-US" dirty="0"/>
           </a:p>
@@ -2622,7 +8764,7 @@
           <a:p>
             <a:fld id="{55C6B4A9-1611-4792-9094-5F34BCA07E0B}" type="datetimeFigureOut">
               <a:rPr lang="en-US" dirty="0"/>
-              <a:t>5/20/2019</a:t>
+              <a:t>5/22/2019</a:t>
             </a:fld>
             <a:endParaRPr lang="en-US" dirty="0"/>
           </a:p>
@@ -2798,7 +8940,7 @@
             <a:fld id="{B61BEF0D-F0BB-DE4B-95CE-6DB70DBA9567}" type="datetimeFigureOut">
               <a:rPr lang="en-US" dirty="0"/>
               <a:pPr/>
-              <a:t>5/20/2019</a:t>
+              <a:t>5/22/2019</a:t>
             </a:fld>
             <a:endParaRPr lang="en-US" dirty="0"/>
           </a:p>
@@ -2964,7 +9106,7 @@
           <a:p>
             <a:fld id="{42A54C80-263E-416B-A8E0-580EDEADCBDC}" type="datetimeFigureOut">
               <a:rPr lang="en-US" dirty="0"/>
-              <a:t>5/20/2019</a:t>
+              <a:t>5/22/2019</a:t>
             </a:fld>
             <a:endParaRPr lang="en-US" dirty="0"/>
           </a:p>
@@ -3207,7 +9349,7 @@
             <a:fld id="{B61BEF0D-F0BB-DE4B-95CE-6DB70DBA9567}" type="datetimeFigureOut">
               <a:rPr lang="en-US" dirty="0"/>
               <a:pPr/>
-              <a:t>5/20/2019</a:t>
+              <a:t>5/22/2019</a:t>
             </a:fld>
             <a:endParaRPr lang="en-US" dirty="0"/>
           </a:p>
@@ -3435,7 +9577,7 @@
           <a:p>
             <a:fld id="{42A54C80-263E-416B-A8E0-580EDEADCBDC}" type="datetimeFigureOut">
               <a:rPr lang="en-US" dirty="0"/>
-              <a:t>5/20/2019</a:t>
+              <a:t>5/22/2019</a:t>
             </a:fld>
             <a:endParaRPr lang="en-US" dirty="0"/>
           </a:p>
@@ -3805,7 +9947,7 @@
             <a:fld id="{B61BEF0D-F0BB-DE4B-95CE-6DB70DBA9567}" type="datetimeFigureOut">
               <a:rPr lang="en-US" dirty="0"/>
               <a:pPr/>
-              <a:t>5/20/2019</a:t>
+              <a:t>5/22/2019</a:t>
             </a:fld>
             <a:endParaRPr lang="en-US" dirty="0"/>
           </a:p>
@@ -3925,7 +10067,7 @@
             <a:fld id="{B61BEF0D-F0BB-DE4B-95CE-6DB70DBA9567}" type="datetimeFigureOut">
               <a:rPr lang="en-US" dirty="0"/>
               <a:pPr/>
-              <a:t>5/20/2019</a:t>
+              <a:t>5/22/2019</a:t>
             </a:fld>
             <a:endParaRPr lang="en-US" dirty="0"/>
           </a:p>
@@ -4017,7 +10159,7 @@
             <a:fld id="{B61BEF0D-F0BB-DE4B-95CE-6DB70DBA9567}" type="datetimeFigureOut">
               <a:rPr lang="en-US" dirty="0"/>
               <a:pPr/>
-              <a:t>5/20/2019</a:t>
+              <a:t>5/22/2019</a:t>
             </a:fld>
             <a:endParaRPr lang="en-US" dirty="0"/>
           </a:p>
@@ -4268,7 +10410,7 @@
           <a:p>
             <a:fld id="{42A54C80-263E-416B-A8E0-580EDEADCBDC}" type="datetimeFigureOut">
               <a:rPr lang="en-US" dirty="0"/>
-              <a:t>5/20/2019</a:t>
+              <a:t>5/22/2019</a:t>
             </a:fld>
             <a:endParaRPr lang="en-US" dirty="0"/>
           </a:p>
@@ -4570,7 +10712,7 @@
             <a:fld id="{B61BEF0D-F0BB-DE4B-95CE-6DB70DBA9567}" type="datetimeFigureOut">
               <a:rPr lang="en-US" dirty="0"/>
               <a:pPr/>
-              <a:t>5/20/2019</a:t>
+              <a:t>5/22/2019</a:t>
             </a:fld>
             <a:endParaRPr lang="en-US" dirty="0"/>
           </a:p>
@@ -5268,7 +11410,7 @@
             <a:fld id="{B61BEF0D-F0BB-DE4B-95CE-6DB70DBA9567}" type="datetimeFigureOut">
               <a:rPr lang="en-US" dirty="0"/>
               <a:pPr/>
-              <a:t>5/20/2019</a:t>
+              <a:t>5/22/2019</a:t>
             </a:fld>
             <a:endParaRPr lang="en-US" dirty="0"/>
           </a:p>
@@ -5810,9 +11952,10 @@
           <a:lstStyle/>
           <a:p>
             <a:r>
-              <a:rPr lang="de-DE" dirty="0"/>
+              <a:rPr lang="de-DE"/>
               <a:t>Buzzer</a:t>
             </a:r>
+            <a:endParaRPr lang="de-DE" dirty="0"/>
           </a:p>
         </p:txBody>
       </p:sp>
@@ -5838,9 +11981,10 @@
           <a:lstStyle/>
           <a:p>
             <a:r>
-              <a:rPr lang="de-DE" dirty="0"/>
+              <a:rPr lang="de-DE"/>
               <a:t>Systemnahes Programmieren</a:t>
             </a:r>
+            <a:endParaRPr lang="de-DE" dirty="0"/>
           </a:p>
         </p:txBody>
       </p:sp>
@@ -5848,6 +11992,1479 @@
     <p:extLst>
       <p:ext uri="{BB962C8B-B14F-4D97-AF65-F5344CB8AC3E}">
         <p14:creationId xmlns:p14="http://schemas.microsoft.com/office/powerpoint/2010/main" val="1701912645"/>
+      </p:ext>
+    </p:extLst>
+  </p:cSld>
+  <p:clrMapOvr>
+    <a:masterClrMapping/>
+  </p:clrMapOvr>
+</p:sld>
+</file>
+
+<file path=ppt/slides/slide10.xml><?xml version="1.0" encoding="utf-8"?>
+<p:sld xmlns:a="http://schemas.openxmlformats.org/drawingml/2006/main" xmlns:r="http://schemas.openxmlformats.org/officeDocument/2006/relationships" xmlns:p="http://schemas.openxmlformats.org/presentationml/2006/main">
+  <p:cSld>
+    <p:bg>
+      <p:bgPr>
+        <a:solidFill>
+          <a:schemeClr val="bg1"/>
+        </a:solidFill>
+        <a:effectLst/>
+      </p:bgPr>
+    </p:bg>
+    <p:spTree>
+      <p:nvGrpSpPr>
+        <p:cNvPr id="1" name=""/>
+        <p:cNvGrpSpPr/>
+        <p:nvPr/>
+      </p:nvGrpSpPr>
+      <p:grpSpPr>
+        <a:xfrm>
+          <a:off x="0" y="0"/>
+          <a:ext cx="0" cy="0"/>
+          <a:chOff x="0" y="0"/>
+          <a:chExt cx="0" cy="0"/>
+        </a:xfrm>
+      </p:grpSpPr>
+      <p:grpSp>
+        <p:nvGrpSpPr>
+          <p:cNvPr id="8" name="Group 7">
+            <a:extLst>
+              <a:ext uri="{FF2B5EF4-FFF2-40B4-BE49-F238E27FC236}">
+                <a16:creationId xmlns:a16="http://schemas.microsoft.com/office/drawing/2014/main" id="{76582886-877C-4AEC-A77F-8055EB9A0CF9}"/>
+              </a:ext>
+              <a:ext uri="{C183D7F6-B498-43B3-948B-1728B52AA6E4}">
+                <adec:decorative xmlns:adec="http://schemas.microsoft.com/office/drawing/2017/decorative" val="1"/>
+              </a:ext>
+            </a:extLst>
+          </p:cNvPr>
+          <p:cNvGrpSpPr>
+            <a:grpSpLocks noGrp="1" noUngrp="1" noRot="1" noChangeAspect="1" noMove="1" noResize="1"/>
+          </p:cNvGrpSpPr>
+          <p:nvPr>
+            <p:extLst>
+              <p:ext uri="{386F3935-93C4-4BCD-93E2-E3B085C9AB24}">
+                <p16:designElem xmlns:p16="http://schemas.microsoft.com/office/powerpoint/2015/main" val="1"/>
+              </p:ext>
+            </p:extLst>
+          </p:nvPr>
+        </p:nvGrpSpPr>
+        <p:grpSpPr>
+          <a:xfrm>
+            <a:off x="0" y="-8467"/>
+            <a:ext cx="12192000" cy="6866467"/>
+            <a:chOff x="0" y="-8467"/>
+            <a:chExt cx="12192000" cy="6866467"/>
+          </a:xfrm>
+        </p:grpSpPr>
+        <p:sp>
+          <p:nvSpPr>
+            <p:cNvPr id="9" name="Freeform 14">
+              <a:extLst>
+                <a:ext uri="{FF2B5EF4-FFF2-40B4-BE49-F238E27FC236}">
+                  <a16:creationId xmlns:a16="http://schemas.microsoft.com/office/drawing/2014/main" id="{171A838D-27EA-485C-9A80-DCE624AB30B2}"/>
+                </a:ext>
+                <a:ext uri="{C183D7F6-B498-43B3-948B-1728B52AA6E4}">
+                  <adec:decorative xmlns:adec="http://schemas.microsoft.com/office/drawing/2017/decorative" val="1"/>
+                </a:ext>
+              </a:extLst>
+            </p:cNvPr>
+            <p:cNvSpPr/>
+            <p:nvPr>
+              <p:extLst>
+                <p:ext uri="{386F3935-93C4-4BCD-93E2-E3B085C9AB24}">
+                  <p16:designElem xmlns:p16="http://schemas.microsoft.com/office/powerpoint/2015/main" val="1"/>
+                </p:ext>
+              </p:extLst>
+            </p:nvPr>
+          </p:nvSpPr>
+          <p:spPr>
+            <a:xfrm>
+              <a:off x="0" y="-7862"/>
+              <a:ext cx="863600" cy="5698067"/>
+            </a:xfrm>
+            <a:custGeom>
+              <a:avLst/>
+              <a:gdLst/>
+              <a:ahLst/>
+              <a:cxnLst/>
+              <a:rect l="l" t="t" r="r" b="b"/>
+              <a:pathLst>
+                <a:path w="863600" h="5698067">
+                  <a:moveTo>
+                    <a:pt x="0" y="8467"/>
+                  </a:moveTo>
+                  <a:lnTo>
+                    <a:pt x="863600" y="0"/>
+                  </a:lnTo>
+                  <a:lnTo>
+                    <a:pt x="863600" y="16934"/>
+                  </a:lnTo>
+                  <a:lnTo>
+                    <a:pt x="0" y="5698067"/>
+                  </a:lnTo>
+                  <a:lnTo>
+                    <a:pt x="0" y="8467"/>
+                  </a:lnTo>
+                  <a:close/>
+                </a:path>
+              </a:pathLst>
+            </a:custGeom>
+            <a:solidFill>
+              <a:schemeClr val="accent1">
+                <a:alpha val="70000"/>
+              </a:schemeClr>
+            </a:solidFill>
+            <a:ln>
+              <a:noFill/>
+            </a:ln>
+            <a:effectLst/>
+          </p:spPr>
+          <p:style>
+            <a:lnRef idx="1">
+              <a:schemeClr val="accent1"/>
+            </a:lnRef>
+            <a:fillRef idx="3">
+              <a:schemeClr val="accent1"/>
+            </a:fillRef>
+            <a:effectRef idx="2">
+              <a:schemeClr val="accent1"/>
+            </a:effectRef>
+            <a:fontRef idx="minor">
+              <a:schemeClr val="lt1"/>
+            </a:fontRef>
+          </p:style>
+        </p:sp>
+        <p:cxnSp>
+          <p:nvCxnSpPr>
+            <p:cNvPr id="30" name="Straight Connector 9">
+              <a:extLst>
+                <a:ext uri="{FF2B5EF4-FFF2-40B4-BE49-F238E27FC236}">
+                  <a16:creationId xmlns:a16="http://schemas.microsoft.com/office/drawing/2014/main" id="{9059F313-A1BB-425E-9626-2BD43CAC6489}"/>
+                </a:ext>
+                <a:ext uri="{C183D7F6-B498-43B3-948B-1728B52AA6E4}">
+                  <adec:decorative xmlns:adec="http://schemas.microsoft.com/office/drawing/2017/decorative" val="1"/>
+                </a:ext>
+              </a:extLst>
+            </p:cNvPr>
+            <p:cNvCxnSpPr/>
+            <p:nvPr>
+              <p:extLst>
+                <p:ext uri="{386F3935-93C4-4BCD-93E2-E3B085C9AB24}">
+                  <p16:designElem xmlns:p16="http://schemas.microsoft.com/office/powerpoint/2015/main" val="1"/>
+                </p:ext>
+              </p:extLst>
+            </p:nvPr>
+          </p:nvCxnSpPr>
+          <p:spPr>
+            <a:xfrm>
+              <a:off x="9371012" y="0"/>
+              <a:ext cx="1219200" cy="6858000"/>
+            </a:xfrm>
+            <a:prstGeom prst="line">
+              <a:avLst/>
+            </a:prstGeom>
+            <a:ln w="9525">
+              <a:solidFill>
+                <a:schemeClr val="accent1">
+                  <a:alpha val="70000"/>
+                </a:schemeClr>
+              </a:solidFill>
+            </a:ln>
+          </p:spPr>
+          <p:style>
+            <a:lnRef idx="2">
+              <a:schemeClr val="accent1"/>
+            </a:lnRef>
+            <a:fillRef idx="0">
+              <a:schemeClr val="accent1"/>
+            </a:fillRef>
+            <a:effectRef idx="1">
+              <a:schemeClr val="accent1"/>
+            </a:effectRef>
+            <a:fontRef idx="minor">
+              <a:schemeClr val="tx1"/>
+            </a:fontRef>
+          </p:style>
+        </p:cxnSp>
+        <p:cxnSp>
+          <p:nvCxnSpPr>
+            <p:cNvPr id="32" name="Straight Connector 10">
+              <a:extLst>
+                <a:ext uri="{FF2B5EF4-FFF2-40B4-BE49-F238E27FC236}">
+                  <a16:creationId xmlns:a16="http://schemas.microsoft.com/office/drawing/2014/main" id="{19ABF76A-A1AE-44BB-9ECB-D55D2FE29BF1}"/>
+                </a:ext>
+                <a:ext uri="{C183D7F6-B498-43B3-948B-1728B52AA6E4}">
+                  <adec:decorative xmlns:adec="http://schemas.microsoft.com/office/drawing/2017/decorative" val="1"/>
+                </a:ext>
+              </a:extLst>
+            </p:cNvPr>
+            <p:cNvCxnSpPr/>
+            <p:nvPr>
+              <p:extLst>
+                <p:ext uri="{386F3935-93C4-4BCD-93E2-E3B085C9AB24}">
+                  <p16:designElem xmlns:p16="http://schemas.microsoft.com/office/powerpoint/2015/main" val="1"/>
+                </p:ext>
+              </p:extLst>
+            </p:nvPr>
+          </p:nvCxnSpPr>
+          <p:spPr>
+            <a:xfrm flipH="1">
+              <a:off x="7425267" y="3681413"/>
+              <a:ext cx="4763558" cy="3176587"/>
+            </a:xfrm>
+            <a:prstGeom prst="line">
+              <a:avLst/>
+            </a:prstGeom>
+            <a:ln w="9525">
+              <a:solidFill>
+                <a:schemeClr val="accent1">
+                  <a:alpha val="70000"/>
+                </a:schemeClr>
+              </a:solidFill>
+            </a:ln>
+          </p:spPr>
+          <p:style>
+            <a:lnRef idx="2">
+              <a:schemeClr val="accent1"/>
+            </a:lnRef>
+            <a:fillRef idx="0">
+              <a:schemeClr val="accent1"/>
+            </a:fillRef>
+            <a:effectRef idx="1">
+              <a:schemeClr val="accent1"/>
+            </a:effectRef>
+            <a:fontRef idx="minor">
+              <a:schemeClr val="tx1"/>
+            </a:fontRef>
+          </p:style>
+        </p:cxnSp>
+        <p:sp>
+          <p:nvSpPr>
+            <p:cNvPr id="33" name="Rectangle 23">
+              <a:extLst>
+                <a:ext uri="{FF2B5EF4-FFF2-40B4-BE49-F238E27FC236}">
+                  <a16:creationId xmlns:a16="http://schemas.microsoft.com/office/drawing/2014/main" id="{5B6D2EC4-82D3-43B8-82D6-028CB4345618}"/>
+                </a:ext>
+                <a:ext uri="{C183D7F6-B498-43B3-948B-1728B52AA6E4}">
+                  <adec:decorative xmlns:adec="http://schemas.microsoft.com/office/drawing/2017/decorative" val="1"/>
+                </a:ext>
+              </a:extLst>
+            </p:cNvPr>
+            <p:cNvSpPr/>
+            <p:nvPr>
+              <p:extLst>
+                <p:ext uri="{386F3935-93C4-4BCD-93E2-E3B085C9AB24}">
+                  <p16:designElem xmlns:p16="http://schemas.microsoft.com/office/powerpoint/2015/main" val="1"/>
+                </p:ext>
+              </p:extLst>
+            </p:nvPr>
+          </p:nvSpPr>
+          <p:spPr>
+            <a:xfrm>
+              <a:off x="9181476" y="-8467"/>
+              <a:ext cx="3007349" cy="6866467"/>
+            </a:xfrm>
+            <a:custGeom>
+              <a:avLst/>
+              <a:gdLst/>
+              <a:ahLst/>
+              <a:cxnLst/>
+              <a:rect l="l" t="t" r="r" b="b"/>
+              <a:pathLst>
+                <a:path w="3007349" h="6866467">
+                  <a:moveTo>
+                    <a:pt x="2045532" y="0"/>
+                  </a:moveTo>
+                  <a:lnTo>
+                    <a:pt x="3007349" y="0"/>
+                  </a:lnTo>
+                  <a:lnTo>
+                    <a:pt x="3007349" y="6866467"/>
+                  </a:lnTo>
+                  <a:lnTo>
+                    <a:pt x="0" y="6866467"/>
+                  </a:lnTo>
+                  <a:lnTo>
+                    <a:pt x="2045532" y="0"/>
+                  </a:lnTo>
+                  <a:close/>
+                </a:path>
+              </a:pathLst>
+            </a:custGeom>
+            <a:solidFill>
+              <a:schemeClr val="accent1">
+                <a:alpha val="36000"/>
+              </a:schemeClr>
+            </a:solidFill>
+            <a:ln>
+              <a:noFill/>
+            </a:ln>
+            <a:effectLst/>
+          </p:spPr>
+          <p:style>
+            <a:lnRef idx="1">
+              <a:schemeClr val="accent1"/>
+            </a:lnRef>
+            <a:fillRef idx="3">
+              <a:schemeClr val="accent1"/>
+            </a:fillRef>
+            <a:effectRef idx="2">
+              <a:schemeClr val="accent1"/>
+            </a:effectRef>
+            <a:fontRef idx="minor">
+              <a:schemeClr val="lt1"/>
+            </a:fontRef>
+          </p:style>
+        </p:sp>
+        <p:sp>
+          <p:nvSpPr>
+            <p:cNvPr id="13" name="Rectangle 25">
+              <a:extLst>
+                <a:ext uri="{FF2B5EF4-FFF2-40B4-BE49-F238E27FC236}">
+                  <a16:creationId xmlns:a16="http://schemas.microsoft.com/office/drawing/2014/main" id="{520034CE-71F9-4E0F-94D8-99335CB85263}"/>
+                </a:ext>
+                <a:ext uri="{C183D7F6-B498-43B3-948B-1728B52AA6E4}">
+                  <adec:decorative xmlns:adec="http://schemas.microsoft.com/office/drawing/2017/decorative" val="1"/>
+                </a:ext>
+              </a:extLst>
+            </p:cNvPr>
+            <p:cNvSpPr/>
+            <p:nvPr>
+              <p:extLst>
+                <p:ext uri="{386F3935-93C4-4BCD-93E2-E3B085C9AB24}">
+                  <p16:designElem xmlns:p16="http://schemas.microsoft.com/office/powerpoint/2015/main" val="1"/>
+                </p:ext>
+              </p:extLst>
+            </p:nvPr>
+          </p:nvSpPr>
+          <p:spPr>
+            <a:xfrm>
+              <a:off x="9603442" y="-8467"/>
+              <a:ext cx="2588558" cy="6866467"/>
+            </a:xfrm>
+            <a:custGeom>
+              <a:avLst/>
+              <a:gdLst/>
+              <a:ahLst/>
+              <a:cxnLst/>
+              <a:rect l="l" t="t" r="r" b="b"/>
+              <a:pathLst>
+                <a:path w="2573311" h="6866467">
+                  <a:moveTo>
+                    <a:pt x="0" y="0"/>
+                  </a:moveTo>
+                  <a:lnTo>
+                    <a:pt x="2573311" y="0"/>
+                  </a:lnTo>
+                  <a:lnTo>
+                    <a:pt x="2573311" y="6866467"/>
+                  </a:lnTo>
+                  <a:lnTo>
+                    <a:pt x="1202336" y="6866467"/>
+                  </a:lnTo>
+                  <a:lnTo>
+                    <a:pt x="0" y="0"/>
+                  </a:lnTo>
+                  <a:close/>
+                </a:path>
+              </a:pathLst>
+            </a:custGeom>
+            <a:solidFill>
+              <a:schemeClr val="accent1">
+                <a:alpha val="20000"/>
+              </a:schemeClr>
+            </a:solidFill>
+            <a:ln>
+              <a:noFill/>
+            </a:ln>
+            <a:effectLst/>
+          </p:spPr>
+          <p:style>
+            <a:lnRef idx="1">
+              <a:schemeClr val="accent1"/>
+            </a:lnRef>
+            <a:fillRef idx="3">
+              <a:schemeClr val="accent1"/>
+            </a:fillRef>
+            <a:effectRef idx="2">
+              <a:schemeClr val="accent1"/>
+            </a:effectRef>
+            <a:fontRef idx="minor">
+              <a:schemeClr val="lt1"/>
+            </a:fontRef>
+          </p:style>
+        </p:sp>
+        <p:sp>
+          <p:nvSpPr>
+            <p:cNvPr id="34" name="Isosceles Triangle 13">
+              <a:extLst>
+                <a:ext uri="{FF2B5EF4-FFF2-40B4-BE49-F238E27FC236}">
+                  <a16:creationId xmlns:a16="http://schemas.microsoft.com/office/drawing/2014/main" id="{1926C6C0-16F7-4CDC-B481-2D19B2F3BF0C}"/>
+                </a:ext>
+                <a:ext uri="{C183D7F6-B498-43B3-948B-1728B52AA6E4}">
+                  <adec:decorative xmlns:adec="http://schemas.microsoft.com/office/drawing/2017/decorative" val="1"/>
+                </a:ext>
+              </a:extLst>
+            </p:cNvPr>
+            <p:cNvSpPr/>
+            <p:nvPr>
+              <p:extLst>
+                <p:ext uri="{386F3935-93C4-4BCD-93E2-E3B085C9AB24}">
+                  <p16:designElem xmlns:p16="http://schemas.microsoft.com/office/powerpoint/2015/main" val="1"/>
+                </p:ext>
+              </p:extLst>
+            </p:nvPr>
+          </p:nvSpPr>
+          <p:spPr>
+            <a:xfrm>
+              <a:off x="8932333" y="3048000"/>
+              <a:ext cx="3259667" cy="3810000"/>
+            </a:xfrm>
+            <a:prstGeom prst="triangle">
+              <a:avLst>
+                <a:gd name="adj" fmla="val 100000"/>
+              </a:avLst>
+            </a:prstGeom>
+            <a:solidFill>
+              <a:schemeClr val="accent1">
+                <a:lumMod val="75000"/>
+                <a:alpha val="66000"/>
+              </a:schemeClr>
+            </a:solidFill>
+            <a:ln>
+              <a:noFill/>
+            </a:ln>
+            <a:effectLst/>
+          </p:spPr>
+          <p:style>
+            <a:lnRef idx="1">
+              <a:schemeClr val="accent1"/>
+            </a:lnRef>
+            <a:fillRef idx="3">
+              <a:schemeClr val="accent1"/>
+            </a:fillRef>
+            <a:effectRef idx="2">
+              <a:schemeClr val="accent1"/>
+            </a:effectRef>
+            <a:fontRef idx="minor">
+              <a:schemeClr val="lt1"/>
+            </a:fontRef>
+          </p:style>
+        </p:sp>
+        <p:sp>
+          <p:nvSpPr>
+            <p:cNvPr id="15" name="Rectangle 27">
+              <a:extLst>
+                <a:ext uri="{FF2B5EF4-FFF2-40B4-BE49-F238E27FC236}">
+                  <a16:creationId xmlns:a16="http://schemas.microsoft.com/office/drawing/2014/main" id="{042CE423-CE6E-4EE9-91F2-3E40EFB40A35}"/>
+                </a:ext>
+                <a:ext uri="{C183D7F6-B498-43B3-948B-1728B52AA6E4}">
+                  <adec:decorative xmlns:adec="http://schemas.microsoft.com/office/drawing/2017/decorative" val="1"/>
+                </a:ext>
+              </a:extLst>
+            </p:cNvPr>
+            <p:cNvSpPr/>
+            <p:nvPr>
+              <p:extLst>
+                <p:ext uri="{386F3935-93C4-4BCD-93E2-E3B085C9AB24}">
+                  <p16:designElem xmlns:p16="http://schemas.microsoft.com/office/powerpoint/2015/main" val="1"/>
+                </p:ext>
+              </p:extLst>
+            </p:nvPr>
+          </p:nvSpPr>
+          <p:spPr>
+            <a:xfrm>
+              <a:off x="9334500" y="-8467"/>
+              <a:ext cx="2854326" cy="6866467"/>
+            </a:xfrm>
+            <a:custGeom>
+              <a:avLst/>
+              <a:gdLst/>
+              <a:ahLst/>
+              <a:cxnLst/>
+              <a:rect l="l" t="t" r="r" b="b"/>
+              <a:pathLst>
+                <a:path w="2858013" h="6866467">
+                  <a:moveTo>
+                    <a:pt x="0" y="0"/>
+                  </a:moveTo>
+                  <a:lnTo>
+                    <a:pt x="2858013" y="0"/>
+                  </a:lnTo>
+                  <a:lnTo>
+                    <a:pt x="2858013" y="6866467"/>
+                  </a:lnTo>
+                  <a:lnTo>
+                    <a:pt x="2473942" y="6866467"/>
+                  </a:lnTo>
+                  <a:lnTo>
+                    <a:pt x="0" y="0"/>
+                  </a:lnTo>
+                  <a:close/>
+                </a:path>
+              </a:pathLst>
+            </a:custGeom>
+            <a:solidFill>
+              <a:schemeClr val="accent1">
+                <a:lumMod val="75000"/>
+                <a:alpha val="50000"/>
+              </a:schemeClr>
+            </a:solidFill>
+            <a:ln>
+              <a:noFill/>
+            </a:ln>
+            <a:effectLst/>
+          </p:spPr>
+          <p:style>
+            <a:lnRef idx="1">
+              <a:schemeClr val="accent1"/>
+            </a:lnRef>
+            <a:fillRef idx="3">
+              <a:schemeClr val="accent1"/>
+            </a:fillRef>
+            <a:effectRef idx="2">
+              <a:schemeClr val="accent1"/>
+            </a:effectRef>
+            <a:fontRef idx="minor">
+              <a:schemeClr val="lt1"/>
+            </a:fontRef>
+          </p:style>
+        </p:sp>
+        <p:sp>
+          <p:nvSpPr>
+            <p:cNvPr id="35" name="Rectangle 28">
+              <a:extLst>
+                <a:ext uri="{FF2B5EF4-FFF2-40B4-BE49-F238E27FC236}">
+                  <a16:creationId xmlns:a16="http://schemas.microsoft.com/office/drawing/2014/main" id="{699BB4BD-31D7-434C-A6DB-E2CF3ACF6053}"/>
+                </a:ext>
+                <a:ext uri="{C183D7F6-B498-43B3-948B-1728B52AA6E4}">
+                  <adec:decorative xmlns:adec="http://schemas.microsoft.com/office/drawing/2017/decorative" val="1"/>
+                </a:ext>
+              </a:extLst>
+            </p:cNvPr>
+            <p:cNvSpPr/>
+            <p:nvPr>
+              <p:extLst>
+                <p:ext uri="{386F3935-93C4-4BCD-93E2-E3B085C9AB24}">
+                  <p16:designElem xmlns:p16="http://schemas.microsoft.com/office/powerpoint/2015/main" val="1"/>
+                </p:ext>
+              </p:extLst>
+            </p:nvPr>
+          </p:nvSpPr>
+          <p:spPr>
+            <a:xfrm>
+              <a:off x="10898730" y="-8467"/>
+              <a:ext cx="1290094" cy="6866467"/>
+            </a:xfrm>
+            <a:custGeom>
+              <a:avLst/>
+              <a:gdLst/>
+              <a:ahLst/>
+              <a:cxnLst/>
+              <a:rect l="l" t="t" r="r" b="b"/>
+              <a:pathLst>
+                <a:path w="1290094" h="6858000">
+                  <a:moveTo>
+                    <a:pt x="1019735" y="0"/>
+                  </a:moveTo>
+                  <a:lnTo>
+                    <a:pt x="1290094" y="0"/>
+                  </a:lnTo>
+                  <a:lnTo>
+                    <a:pt x="1290094" y="6858000"/>
+                  </a:lnTo>
+                  <a:lnTo>
+                    <a:pt x="0" y="6858000"/>
+                  </a:lnTo>
+                  <a:lnTo>
+                    <a:pt x="1019735" y="0"/>
+                  </a:lnTo>
+                  <a:close/>
+                </a:path>
+              </a:pathLst>
+            </a:custGeom>
+            <a:solidFill>
+              <a:schemeClr val="accent2">
+                <a:alpha val="70000"/>
+              </a:schemeClr>
+            </a:solidFill>
+            <a:ln>
+              <a:noFill/>
+            </a:ln>
+            <a:effectLst/>
+          </p:spPr>
+          <p:style>
+            <a:lnRef idx="1">
+              <a:schemeClr val="accent1"/>
+            </a:lnRef>
+            <a:fillRef idx="3">
+              <a:schemeClr val="accent1"/>
+            </a:fillRef>
+            <a:effectRef idx="2">
+              <a:schemeClr val="accent1"/>
+            </a:effectRef>
+            <a:fontRef idx="minor">
+              <a:schemeClr val="lt1"/>
+            </a:fontRef>
+          </p:style>
+        </p:sp>
+        <p:sp>
+          <p:nvSpPr>
+            <p:cNvPr id="17" name="Rectangle 29">
+              <a:extLst>
+                <a:ext uri="{FF2B5EF4-FFF2-40B4-BE49-F238E27FC236}">
+                  <a16:creationId xmlns:a16="http://schemas.microsoft.com/office/drawing/2014/main" id="{23D406B8-656A-4D8B-91D0-BF4202C86FEF}"/>
+                </a:ext>
+                <a:ext uri="{C183D7F6-B498-43B3-948B-1728B52AA6E4}">
+                  <adec:decorative xmlns:adec="http://schemas.microsoft.com/office/drawing/2017/decorative" val="1"/>
+                </a:ext>
+              </a:extLst>
+            </p:cNvPr>
+            <p:cNvSpPr/>
+            <p:nvPr>
+              <p:extLst>
+                <p:ext uri="{386F3935-93C4-4BCD-93E2-E3B085C9AB24}">
+                  <p16:designElem xmlns:p16="http://schemas.microsoft.com/office/powerpoint/2015/main" val="1"/>
+                </p:ext>
+              </p:extLst>
+            </p:nvPr>
+          </p:nvSpPr>
+          <p:spPr>
+            <a:xfrm>
+              <a:off x="10938999" y="-8467"/>
+              <a:ext cx="1249825" cy="6866467"/>
+            </a:xfrm>
+            <a:custGeom>
+              <a:avLst/>
+              <a:gdLst/>
+              <a:ahLst/>
+              <a:cxnLst/>
+              <a:rect l="l" t="t" r="r" b="b"/>
+              <a:pathLst>
+                <a:path w="1249825" h="6858000">
+                  <a:moveTo>
+                    <a:pt x="0" y="0"/>
+                  </a:moveTo>
+                  <a:lnTo>
+                    <a:pt x="1249825" y="0"/>
+                  </a:lnTo>
+                  <a:lnTo>
+                    <a:pt x="1249825" y="6858000"/>
+                  </a:lnTo>
+                  <a:lnTo>
+                    <a:pt x="1109382" y="6858000"/>
+                  </a:lnTo>
+                  <a:lnTo>
+                    <a:pt x="0" y="0"/>
+                  </a:lnTo>
+                  <a:close/>
+                </a:path>
+              </a:pathLst>
+            </a:custGeom>
+            <a:solidFill>
+              <a:schemeClr val="accent2">
+                <a:lumMod val="75000"/>
+                <a:alpha val="80000"/>
+              </a:schemeClr>
+            </a:solidFill>
+            <a:ln>
+              <a:noFill/>
+            </a:ln>
+            <a:effectLst/>
+          </p:spPr>
+          <p:style>
+            <a:lnRef idx="1">
+              <a:schemeClr val="accent1"/>
+            </a:lnRef>
+            <a:fillRef idx="3">
+              <a:schemeClr val="accent1"/>
+            </a:fillRef>
+            <a:effectRef idx="2">
+              <a:schemeClr val="accent1"/>
+            </a:effectRef>
+            <a:fontRef idx="minor">
+              <a:schemeClr val="lt1"/>
+            </a:fontRef>
+          </p:style>
+        </p:sp>
+        <p:sp>
+          <p:nvSpPr>
+            <p:cNvPr id="36" name="Isosceles Triangle 17">
+              <a:extLst>
+                <a:ext uri="{FF2B5EF4-FFF2-40B4-BE49-F238E27FC236}">
+                  <a16:creationId xmlns:a16="http://schemas.microsoft.com/office/drawing/2014/main" id="{83F4BFB6-D6B8-446C-8E17-3D54DCA9FF23}"/>
+                </a:ext>
+                <a:ext uri="{C183D7F6-B498-43B3-948B-1728B52AA6E4}">
+                  <adec:decorative xmlns:adec="http://schemas.microsoft.com/office/drawing/2017/decorative" val="1"/>
+                </a:ext>
+              </a:extLst>
+            </p:cNvPr>
+            <p:cNvSpPr/>
+            <p:nvPr>
+              <p:extLst>
+                <p:ext uri="{386F3935-93C4-4BCD-93E2-E3B085C9AB24}">
+                  <p16:designElem xmlns:p16="http://schemas.microsoft.com/office/powerpoint/2015/main" val="1"/>
+                </p:ext>
+              </p:extLst>
+            </p:nvPr>
+          </p:nvSpPr>
+          <p:spPr>
+            <a:xfrm>
+              <a:off x="10371666" y="3589867"/>
+              <a:ext cx="1817159" cy="3268133"/>
+            </a:xfrm>
+            <a:prstGeom prst="triangle">
+              <a:avLst>
+                <a:gd name="adj" fmla="val 100000"/>
+              </a:avLst>
+            </a:prstGeom>
+            <a:solidFill>
+              <a:schemeClr val="accent1">
+                <a:lumMod val="75000"/>
+                <a:alpha val="66000"/>
+              </a:schemeClr>
+            </a:solidFill>
+            <a:ln>
+              <a:noFill/>
+            </a:ln>
+            <a:effectLst/>
+          </p:spPr>
+          <p:style>
+            <a:lnRef idx="1">
+              <a:schemeClr val="accent1"/>
+            </a:lnRef>
+            <a:fillRef idx="3">
+              <a:schemeClr val="accent1"/>
+            </a:fillRef>
+            <a:effectRef idx="2">
+              <a:schemeClr val="accent1"/>
+            </a:effectRef>
+            <a:fontRef idx="minor">
+              <a:schemeClr val="lt1"/>
+            </a:fontRef>
+          </p:style>
+        </p:sp>
+      </p:grpSp>
+      <p:sp useBgFill="1">
+        <p:nvSpPr>
+          <p:cNvPr id="37" name="Rectangle 19">
+            <a:extLst>
+              <a:ext uri="{FF2B5EF4-FFF2-40B4-BE49-F238E27FC236}">
+                <a16:creationId xmlns:a16="http://schemas.microsoft.com/office/drawing/2014/main" id="{0ADFFC45-3DC9-4433-926F-043E879D9DFC}"/>
+              </a:ext>
+              <a:ext uri="{C183D7F6-B498-43B3-948B-1728B52AA6E4}">
+                <adec:decorative xmlns:adec="http://schemas.microsoft.com/office/drawing/2017/decorative" val="1"/>
+              </a:ext>
+            </a:extLst>
+          </p:cNvPr>
+          <p:cNvSpPr>
+            <a:spLocks noGrp="1" noRot="1" noChangeAspect="1" noMove="1" noResize="1" noEditPoints="1" noAdjustHandles="1" noChangeArrowheads="1" noChangeShapeType="1" noTextEdit="1"/>
+          </p:cNvSpPr>
+          <p:nvPr>
+            <p:extLst>
+              <p:ext uri="{386F3935-93C4-4BCD-93E2-E3B085C9AB24}">
+                <p16:designElem xmlns:p16="http://schemas.microsoft.com/office/powerpoint/2015/main" val="1"/>
+              </p:ext>
+            </p:extLst>
+          </p:nvPr>
+        </p:nvSpPr>
+        <p:spPr>
+          <a:xfrm>
+            <a:off x="0" y="0"/>
+            <a:ext cx="12192000" cy="6858000"/>
+          </a:xfrm>
+          <a:prstGeom prst="rect">
+            <a:avLst/>
+          </a:prstGeom>
+          <a:ln>
+            <a:noFill/>
+          </a:ln>
+        </p:spPr>
+        <p:style>
+          <a:lnRef idx="2">
+            <a:schemeClr val="accent1">
+              <a:shade val="50000"/>
+            </a:schemeClr>
+          </a:lnRef>
+          <a:fillRef idx="1">
+            <a:schemeClr val="accent1"/>
+          </a:fillRef>
+          <a:effectRef idx="0">
+            <a:schemeClr val="accent1"/>
+          </a:effectRef>
+          <a:fontRef idx="minor">
+            <a:schemeClr val="lt1"/>
+          </a:fontRef>
+        </p:style>
+        <p:txBody>
+          <a:bodyPr rtlCol="0" anchor="ctr"/>
+          <a:lstStyle/>
+          <a:p>
+            <a:pPr algn="ctr"/>
+            <a:endParaRPr lang="en-US"/>
+          </a:p>
+        </p:txBody>
+      </p:sp>
+      <p:grpSp>
+        <p:nvGrpSpPr>
+          <p:cNvPr id="38" name="Group 21">
+            <a:extLst>
+              <a:ext uri="{FF2B5EF4-FFF2-40B4-BE49-F238E27FC236}">
+                <a16:creationId xmlns:a16="http://schemas.microsoft.com/office/drawing/2014/main" id="{B5F26A87-0610-435F-AA13-BD658385C9D9}"/>
+              </a:ext>
+              <a:ext uri="{C183D7F6-B498-43B3-948B-1728B52AA6E4}">
+                <adec:decorative xmlns:adec="http://schemas.microsoft.com/office/drawing/2017/decorative" val="1"/>
+              </a:ext>
+            </a:extLst>
+          </p:cNvPr>
+          <p:cNvGrpSpPr>
+            <a:grpSpLocks noGrp="1" noUngrp="1" noRot="1" noChangeAspect="1" noMove="1" noResize="1"/>
+          </p:cNvGrpSpPr>
+          <p:nvPr>
+            <p:extLst>
+              <p:ext uri="{386F3935-93C4-4BCD-93E2-E3B085C9AB24}">
+                <p16:designElem xmlns:p16="http://schemas.microsoft.com/office/powerpoint/2015/main" val="1"/>
+              </p:ext>
+            </p:extLst>
+          </p:nvPr>
+        </p:nvGrpSpPr>
+        <p:grpSpPr>
+          <a:xfrm>
+            <a:off x="4267230" y="-8468"/>
+            <a:ext cx="4763558" cy="6866467"/>
+            <a:chOff x="67175" y="-8467"/>
+            <a:chExt cx="4763558" cy="6866467"/>
+          </a:xfrm>
+        </p:grpSpPr>
+        <p:cxnSp>
+          <p:nvCxnSpPr>
+            <p:cNvPr id="23" name="Straight Connector 22">
+              <a:extLst>
+                <a:ext uri="{FF2B5EF4-FFF2-40B4-BE49-F238E27FC236}">
+                  <a16:creationId xmlns:a16="http://schemas.microsoft.com/office/drawing/2014/main" id="{E6321436-5AAD-4FB6-BB0D-316D4540E82A}"/>
+                </a:ext>
+                <a:ext uri="{C183D7F6-B498-43B3-948B-1728B52AA6E4}">
+                  <adec:decorative xmlns:adec="http://schemas.microsoft.com/office/drawing/2017/decorative" val="1"/>
+                </a:ext>
+              </a:extLst>
+            </p:cNvPr>
+            <p:cNvCxnSpPr/>
+            <p:nvPr>
+              <p:extLst>
+                <p:ext uri="{386F3935-93C4-4BCD-93E2-E3B085C9AB24}">
+                  <p16:designElem xmlns:p16="http://schemas.microsoft.com/office/powerpoint/2015/main" val="1"/>
+                </p:ext>
+              </p:extLst>
+            </p:nvPr>
+          </p:nvCxnSpPr>
+          <p:spPr>
+            <a:xfrm>
+              <a:off x="1448300" y="0"/>
+              <a:ext cx="1219200" cy="6858000"/>
+            </a:xfrm>
+            <a:prstGeom prst="line">
+              <a:avLst/>
+            </a:prstGeom>
+            <a:ln w="9525">
+              <a:solidFill>
+                <a:schemeClr val="accent1">
+                  <a:lumMod val="75000"/>
+                </a:schemeClr>
+              </a:solidFill>
+            </a:ln>
+          </p:spPr>
+          <p:style>
+            <a:lnRef idx="2">
+              <a:schemeClr val="accent1"/>
+            </a:lnRef>
+            <a:fillRef idx="0">
+              <a:schemeClr val="accent1"/>
+            </a:fillRef>
+            <a:effectRef idx="1">
+              <a:schemeClr val="accent1"/>
+            </a:effectRef>
+            <a:fontRef idx="minor">
+              <a:schemeClr val="tx1"/>
+            </a:fontRef>
+          </p:style>
+        </p:cxnSp>
+        <p:cxnSp>
+          <p:nvCxnSpPr>
+            <p:cNvPr id="39" name="Straight Connector 23">
+              <a:extLst>
+                <a:ext uri="{FF2B5EF4-FFF2-40B4-BE49-F238E27FC236}">
+                  <a16:creationId xmlns:a16="http://schemas.microsoft.com/office/drawing/2014/main" id="{94B0BD33-3D46-4F43-947A-825DFEF6106A}"/>
+                </a:ext>
+                <a:ext uri="{C183D7F6-B498-43B3-948B-1728B52AA6E4}">
+                  <adec:decorative xmlns:adec="http://schemas.microsoft.com/office/drawing/2017/decorative" val="1"/>
+                </a:ext>
+              </a:extLst>
+            </p:cNvPr>
+            <p:cNvCxnSpPr/>
+            <p:nvPr>
+              <p:extLst>
+                <p:ext uri="{386F3935-93C4-4BCD-93E2-E3B085C9AB24}">
+                  <p16:designElem xmlns:p16="http://schemas.microsoft.com/office/powerpoint/2015/main" val="1"/>
+                </p:ext>
+              </p:extLst>
+            </p:nvPr>
+          </p:nvCxnSpPr>
+          <p:spPr>
+            <a:xfrm flipH="1">
+              <a:off x="67175" y="3681413"/>
+              <a:ext cx="4763558" cy="3176587"/>
+            </a:xfrm>
+            <a:prstGeom prst="line">
+              <a:avLst/>
+            </a:prstGeom>
+            <a:ln w="9525">
+              <a:solidFill>
+                <a:schemeClr val="tx1">
+                  <a:lumMod val="50000"/>
+                  <a:lumOff val="50000"/>
+                  <a:alpha val="80000"/>
+                </a:schemeClr>
+              </a:solidFill>
+            </a:ln>
+          </p:spPr>
+          <p:style>
+            <a:lnRef idx="2">
+              <a:schemeClr val="accent1"/>
+            </a:lnRef>
+            <a:fillRef idx="0">
+              <a:schemeClr val="accent1"/>
+            </a:fillRef>
+            <a:effectRef idx="1">
+              <a:schemeClr val="accent1"/>
+            </a:effectRef>
+            <a:fontRef idx="minor">
+              <a:schemeClr val="tx1"/>
+            </a:fontRef>
+          </p:style>
+        </p:cxnSp>
+        <p:sp>
+          <p:nvSpPr>
+            <p:cNvPr id="25" name="Rectangle 23">
+              <a:extLst>
+                <a:ext uri="{FF2B5EF4-FFF2-40B4-BE49-F238E27FC236}">
+                  <a16:creationId xmlns:a16="http://schemas.microsoft.com/office/drawing/2014/main" id="{92E26C27-E1F5-47DC-9F83-469D196C55D0}"/>
+                </a:ext>
+                <a:ext uri="{C183D7F6-B498-43B3-948B-1728B52AA6E4}">
+                  <adec:decorative xmlns:adec="http://schemas.microsoft.com/office/drawing/2017/decorative" val="1"/>
+                </a:ext>
+              </a:extLst>
+            </p:cNvPr>
+            <p:cNvSpPr/>
+            <p:nvPr>
+              <p:extLst>
+                <p:ext uri="{386F3935-93C4-4BCD-93E2-E3B085C9AB24}">
+                  <p16:designElem xmlns:p16="http://schemas.microsoft.com/office/powerpoint/2015/main" val="1"/>
+                </p:ext>
+              </p:extLst>
+            </p:nvPr>
+          </p:nvSpPr>
+          <p:spPr>
+            <a:xfrm>
+              <a:off x="1258764" y="-8467"/>
+              <a:ext cx="3007349" cy="6866467"/>
+            </a:xfrm>
+            <a:custGeom>
+              <a:avLst/>
+              <a:gdLst/>
+              <a:ahLst/>
+              <a:cxnLst/>
+              <a:rect l="l" t="t" r="r" b="b"/>
+              <a:pathLst>
+                <a:path w="3007349" h="6866467">
+                  <a:moveTo>
+                    <a:pt x="2045532" y="0"/>
+                  </a:moveTo>
+                  <a:lnTo>
+                    <a:pt x="3007349" y="0"/>
+                  </a:lnTo>
+                  <a:lnTo>
+                    <a:pt x="3007349" y="6866467"/>
+                  </a:lnTo>
+                  <a:lnTo>
+                    <a:pt x="0" y="6866467"/>
+                  </a:lnTo>
+                  <a:lnTo>
+                    <a:pt x="2045532" y="0"/>
+                  </a:lnTo>
+                  <a:close/>
+                </a:path>
+              </a:pathLst>
+            </a:custGeom>
+            <a:solidFill>
+              <a:schemeClr val="accent1">
+                <a:alpha val="30000"/>
+              </a:schemeClr>
+            </a:solidFill>
+            <a:ln>
+              <a:noFill/>
+            </a:ln>
+            <a:effectLst/>
+          </p:spPr>
+          <p:style>
+            <a:lnRef idx="1">
+              <a:schemeClr val="accent1"/>
+            </a:lnRef>
+            <a:fillRef idx="3">
+              <a:schemeClr val="accent1"/>
+            </a:fillRef>
+            <a:effectRef idx="2">
+              <a:schemeClr val="accent1"/>
+            </a:effectRef>
+            <a:fontRef idx="minor">
+              <a:schemeClr val="lt1"/>
+            </a:fontRef>
+          </p:style>
+        </p:sp>
+        <p:sp>
+          <p:nvSpPr>
+            <p:cNvPr id="40" name="Rectangle 25">
+              <a:extLst>
+                <a:ext uri="{FF2B5EF4-FFF2-40B4-BE49-F238E27FC236}">
+                  <a16:creationId xmlns:a16="http://schemas.microsoft.com/office/drawing/2014/main" id="{95F944E7-2B4E-4AE2-B4DB-846FF8AE0B7A}"/>
+                </a:ext>
+                <a:ext uri="{C183D7F6-B498-43B3-948B-1728B52AA6E4}">
+                  <adec:decorative xmlns:adec="http://schemas.microsoft.com/office/drawing/2017/decorative" val="1"/>
+                </a:ext>
+              </a:extLst>
+            </p:cNvPr>
+            <p:cNvSpPr/>
+            <p:nvPr>
+              <p:extLst>
+                <p:ext uri="{386F3935-93C4-4BCD-93E2-E3B085C9AB24}">
+                  <p16:designElem xmlns:p16="http://schemas.microsoft.com/office/powerpoint/2015/main" val="1"/>
+                </p:ext>
+              </p:extLst>
+            </p:nvPr>
+          </p:nvSpPr>
+          <p:spPr>
+            <a:xfrm>
+              <a:off x="1680730" y="-8467"/>
+              <a:ext cx="2588558" cy="6866467"/>
+            </a:xfrm>
+            <a:custGeom>
+              <a:avLst/>
+              <a:gdLst/>
+              <a:ahLst/>
+              <a:cxnLst/>
+              <a:rect l="l" t="t" r="r" b="b"/>
+              <a:pathLst>
+                <a:path w="2573311" h="6866467">
+                  <a:moveTo>
+                    <a:pt x="0" y="0"/>
+                  </a:moveTo>
+                  <a:lnTo>
+                    <a:pt x="2573311" y="0"/>
+                  </a:lnTo>
+                  <a:lnTo>
+                    <a:pt x="2573311" y="6866467"/>
+                  </a:lnTo>
+                  <a:lnTo>
+                    <a:pt x="1202336" y="6866467"/>
+                  </a:lnTo>
+                  <a:lnTo>
+                    <a:pt x="0" y="0"/>
+                  </a:lnTo>
+                  <a:close/>
+                </a:path>
+              </a:pathLst>
+            </a:custGeom>
+            <a:solidFill>
+              <a:schemeClr val="accent1">
+                <a:alpha val="20000"/>
+              </a:schemeClr>
+            </a:solidFill>
+            <a:ln>
+              <a:noFill/>
+            </a:ln>
+            <a:effectLst/>
+          </p:spPr>
+          <p:style>
+            <a:lnRef idx="1">
+              <a:schemeClr val="accent1"/>
+            </a:lnRef>
+            <a:fillRef idx="3">
+              <a:schemeClr val="accent1"/>
+            </a:fillRef>
+            <a:effectRef idx="2">
+              <a:schemeClr val="accent1"/>
+            </a:effectRef>
+            <a:fontRef idx="minor">
+              <a:schemeClr val="lt1"/>
+            </a:fontRef>
+          </p:style>
+        </p:sp>
+        <p:sp>
+          <p:nvSpPr>
+            <p:cNvPr id="27" name="Isosceles Triangle 26">
+              <a:extLst>
+                <a:ext uri="{FF2B5EF4-FFF2-40B4-BE49-F238E27FC236}">
+                  <a16:creationId xmlns:a16="http://schemas.microsoft.com/office/drawing/2014/main" id="{FF14952D-390F-46CC-B302-73DDD9C4160F}"/>
+                </a:ext>
+                <a:ext uri="{C183D7F6-B498-43B3-948B-1728B52AA6E4}">
+                  <adec:decorative xmlns:adec="http://schemas.microsoft.com/office/drawing/2017/decorative" val="1"/>
+                </a:ext>
+              </a:extLst>
+            </p:cNvPr>
+            <p:cNvSpPr/>
+            <p:nvPr>
+              <p:extLst>
+                <p:ext uri="{386F3935-93C4-4BCD-93E2-E3B085C9AB24}">
+                  <p16:designElem xmlns:p16="http://schemas.microsoft.com/office/powerpoint/2015/main" val="1"/>
+                </p:ext>
+              </p:extLst>
+            </p:nvPr>
+          </p:nvSpPr>
+          <p:spPr>
+            <a:xfrm>
+              <a:off x="1009621" y="3048000"/>
+              <a:ext cx="3259667" cy="3810000"/>
+            </a:xfrm>
+            <a:prstGeom prst="triangle">
+              <a:avLst>
+                <a:gd name="adj" fmla="val 100000"/>
+              </a:avLst>
+            </a:prstGeom>
+            <a:solidFill>
+              <a:schemeClr val="accent2">
+                <a:alpha val="72000"/>
+              </a:schemeClr>
+            </a:solidFill>
+            <a:ln>
+              <a:noFill/>
+            </a:ln>
+            <a:effectLst/>
+          </p:spPr>
+          <p:style>
+            <a:lnRef idx="1">
+              <a:schemeClr val="accent1"/>
+            </a:lnRef>
+            <a:fillRef idx="3">
+              <a:schemeClr val="accent1"/>
+            </a:fillRef>
+            <a:effectRef idx="2">
+              <a:schemeClr val="accent1"/>
+            </a:effectRef>
+            <a:fontRef idx="minor">
+              <a:schemeClr val="lt1"/>
+            </a:fontRef>
+          </p:style>
+        </p:sp>
+        <p:sp>
+          <p:nvSpPr>
+            <p:cNvPr id="28" name="Rectangle 27">
+              <a:extLst>
+                <a:ext uri="{FF2B5EF4-FFF2-40B4-BE49-F238E27FC236}">
+                  <a16:creationId xmlns:a16="http://schemas.microsoft.com/office/drawing/2014/main" id="{867CDE55-B22A-40D0-882A-9452919EEC28}"/>
+                </a:ext>
+                <a:ext uri="{C183D7F6-B498-43B3-948B-1728B52AA6E4}">
+                  <adec:decorative xmlns:adec="http://schemas.microsoft.com/office/drawing/2017/decorative" val="1"/>
+                </a:ext>
+              </a:extLst>
+            </p:cNvPr>
+            <p:cNvSpPr/>
+            <p:nvPr>
+              <p:extLst>
+                <p:ext uri="{386F3935-93C4-4BCD-93E2-E3B085C9AB24}">
+                  <p16:designElem xmlns:p16="http://schemas.microsoft.com/office/powerpoint/2015/main" val="1"/>
+                </p:ext>
+              </p:extLst>
+            </p:nvPr>
+          </p:nvSpPr>
+          <p:spPr>
+            <a:xfrm>
+              <a:off x="1411788" y="-8467"/>
+              <a:ext cx="2854326" cy="6866467"/>
+            </a:xfrm>
+            <a:custGeom>
+              <a:avLst/>
+              <a:gdLst/>
+              <a:ahLst/>
+              <a:cxnLst/>
+              <a:rect l="l" t="t" r="r" b="b"/>
+              <a:pathLst>
+                <a:path w="2858013" h="6866467">
+                  <a:moveTo>
+                    <a:pt x="0" y="0"/>
+                  </a:moveTo>
+                  <a:lnTo>
+                    <a:pt x="2858013" y="0"/>
+                  </a:lnTo>
+                  <a:lnTo>
+                    <a:pt x="2858013" y="6866467"/>
+                  </a:lnTo>
+                  <a:lnTo>
+                    <a:pt x="2473942" y="6866467"/>
+                  </a:lnTo>
+                  <a:lnTo>
+                    <a:pt x="0" y="0"/>
+                  </a:lnTo>
+                  <a:close/>
+                </a:path>
+              </a:pathLst>
+            </a:custGeom>
+            <a:solidFill>
+              <a:schemeClr val="accent2">
+                <a:lumMod val="75000"/>
+                <a:alpha val="70000"/>
+              </a:schemeClr>
+            </a:solidFill>
+            <a:ln>
+              <a:noFill/>
+            </a:ln>
+            <a:effectLst/>
+          </p:spPr>
+          <p:style>
+            <a:lnRef idx="1">
+              <a:schemeClr val="accent1"/>
+            </a:lnRef>
+            <a:fillRef idx="3">
+              <a:schemeClr val="accent1"/>
+            </a:fillRef>
+            <a:effectRef idx="2">
+              <a:schemeClr val="accent1"/>
+            </a:effectRef>
+            <a:fontRef idx="minor">
+              <a:schemeClr val="lt1"/>
+            </a:fontRef>
+          </p:style>
+        </p:sp>
+        <p:sp>
+          <p:nvSpPr>
+            <p:cNvPr id="29" name="Isosceles Triangle 28">
+              <a:extLst>
+                <a:ext uri="{FF2B5EF4-FFF2-40B4-BE49-F238E27FC236}">
+                  <a16:creationId xmlns:a16="http://schemas.microsoft.com/office/drawing/2014/main" id="{8C409231-C942-4808-B529-DAC32A7DB002}"/>
+                </a:ext>
+                <a:ext uri="{C183D7F6-B498-43B3-948B-1728B52AA6E4}">
+                  <adec:decorative xmlns:adec="http://schemas.microsoft.com/office/drawing/2017/decorative" val="1"/>
+                </a:ext>
+              </a:extLst>
+            </p:cNvPr>
+            <p:cNvSpPr/>
+            <p:nvPr>
+              <p:extLst>
+                <p:ext uri="{386F3935-93C4-4BCD-93E2-E3B085C9AB24}">
+                  <p16:designElem xmlns:p16="http://schemas.microsoft.com/office/powerpoint/2015/main" val="1"/>
+                </p:ext>
+              </p:extLst>
+            </p:nvPr>
+          </p:nvSpPr>
+          <p:spPr>
+            <a:xfrm>
+              <a:off x="2448954" y="3589867"/>
+              <a:ext cx="1817159" cy="3268133"/>
+            </a:xfrm>
+            <a:prstGeom prst="triangle">
+              <a:avLst>
+                <a:gd name="adj" fmla="val 100000"/>
+              </a:avLst>
+            </a:prstGeom>
+            <a:solidFill>
+              <a:schemeClr val="accent1">
+                <a:alpha val="80000"/>
+              </a:schemeClr>
+            </a:solidFill>
+            <a:ln>
+              <a:noFill/>
+            </a:ln>
+            <a:effectLst/>
+          </p:spPr>
+          <p:style>
+            <a:lnRef idx="1">
+              <a:schemeClr val="accent1"/>
+            </a:lnRef>
+            <a:fillRef idx="3">
+              <a:schemeClr val="accent1"/>
+            </a:fillRef>
+            <a:effectRef idx="2">
+              <a:schemeClr val="accent1"/>
+            </a:effectRef>
+            <a:fontRef idx="minor">
+              <a:schemeClr val="lt1"/>
+            </a:fontRef>
+          </p:style>
+        </p:sp>
+      </p:grpSp>
+      <p:sp>
+        <p:nvSpPr>
+          <p:cNvPr id="2" name="Titel 1">
+            <a:extLst>
+              <a:ext uri="{FF2B5EF4-FFF2-40B4-BE49-F238E27FC236}">
+                <a16:creationId xmlns:a16="http://schemas.microsoft.com/office/drawing/2014/main" id="{B526CAE9-84CC-49F2-AE8F-5BDD39C13A24}"/>
+              </a:ext>
+            </a:extLst>
+          </p:cNvPr>
+          <p:cNvSpPr>
+            <a:spLocks noGrp="1"/>
+          </p:cNvSpPr>
+          <p:nvPr>
+            <p:ph type="title"/>
+          </p:nvPr>
+        </p:nvSpPr>
+        <p:spPr>
+          <a:xfrm>
+            <a:off x="677335" y="1282701"/>
+            <a:ext cx="5096060" cy="4307148"/>
+          </a:xfrm>
+        </p:spPr>
+        <p:txBody>
+          <a:bodyPr vert="horz" lIns="91440" tIns="45720" rIns="91440" bIns="45720" rtlCol="0" anchor="ctr">
+            <a:normAutofit/>
+          </a:bodyPr>
+          <a:lstStyle/>
+          <a:p>
+            <a:pPr algn="r"/>
+            <a:r>
+              <a:rPr lang="en-US" sz="5000"/>
+              <a:t>Danke für die Aufmerksamkeit</a:t>
+            </a:r>
+          </a:p>
+        </p:txBody>
+      </p:sp>
+      <p:sp>
+        <p:nvSpPr>
+          <p:cNvPr id="31" name="Freeform: Shape 30">
+            <a:extLst>
+              <a:ext uri="{FF2B5EF4-FFF2-40B4-BE49-F238E27FC236}">
+                <a16:creationId xmlns:a16="http://schemas.microsoft.com/office/drawing/2014/main" id="{69370F01-B8C9-4CE4-824C-92B2792E6ED0}"/>
+              </a:ext>
+              <a:ext uri="{C183D7F6-B498-43B3-948B-1728B52AA6E4}">
+                <adec:decorative xmlns:adec="http://schemas.microsoft.com/office/drawing/2017/decorative" val="1"/>
+              </a:ext>
+            </a:extLst>
+          </p:cNvPr>
+          <p:cNvSpPr>
+            <a:spLocks noGrp="1" noRot="1" noChangeAspect="1" noMove="1" noResize="1" noEditPoints="1" noAdjustHandles="1" noChangeArrowheads="1" noChangeShapeType="1" noTextEdit="1"/>
+          </p:cNvSpPr>
+          <p:nvPr>
+            <p:extLst>
+              <p:ext uri="{386F3935-93C4-4BCD-93E2-E3B085C9AB24}">
+                <p16:designElem xmlns:p16="http://schemas.microsoft.com/office/powerpoint/2015/main" val="1"/>
+              </p:ext>
+            </p:extLst>
+          </p:nvPr>
+        </p:nvSpPr>
+        <p:spPr>
+          <a:xfrm>
+            <a:off x="7136497" y="-8468"/>
+            <a:ext cx="5074930" cy="6866468"/>
+          </a:xfrm>
+          <a:custGeom>
+            <a:avLst/>
+            <a:gdLst>
+              <a:gd name="connsiteX0" fmla="*/ 0 w 5074930"/>
+              <a:gd name="connsiteY0" fmla="*/ 0 h 6858000"/>
+              <a:gd name="connsiteX1" fmla="*/ 1249825 w 5074930"/>
+              <a:gd name="connsiteY1" fmla="*/ 0 h 6858000"/>
+              <a:gd name="connsiteX2" fmla="*/ 1249825 w 5074930"/>
+              <a:gd name="connsiteY2" fmla="*/ 8457 h 6858000"/>
+              <a:gd name="connsiteX3" fmla="*/ 5074930 w 5074930"/>
+              <a:gd name="connsiteY3" fmla="*/ 8457 h 6858000"/>
+              <a:gd name="connsiteX4" fmla="*/ 5074930 w 5074930"/>
+              <a:gd name="connsiteY4" fmla="*/ 6858000 h 6858000"/>
+              <a:gd name="connsiteX5" fmla="*/ 1249825 w 5074930"/>
+              <a:gd name="connsiteY5" fmla="*/ 6858000 h 6858000"/>
+              <a:gd name="connsiteX6" fmla="*/ 1109383 w 5074930"/>
+              <a:gd name="connsiteY6" fmla="*/ 6858000 h 6858000"/>
+            </a:gdLst>
+            <a:ahLst/>
+            <a:cxnLst>
+              <a:cxn ang="0">
+                <a:pos x="connsiteX0" y="connsiteY0"/>
+              </a:cxn>
+              <a:cxn ang="0">
+                <a:pos x="connsiteX1" y="connsiteY1"/>
+              </a:cxn>
+              <a:cxn ang="0">
+                <a:pos x="connsiteX2" y="connsiteY2"/>
+              </a:cxn>
+              <a:cxn ang="0">
+                <a:pos x="connsiteX3" y="connsiteY3"/>
+              </a:cxn>
+              <a:cxn ang="0">
+                <a:pos x="connsiteX4" y="connsiteY4"/>
+              </a:cxn>
+              <a:cxn ang="0">
+                <a:pos x="connsiteX5" y="connsiteY5"/>
+              </a:cxn>
+              <a:cxn ang="0">
+                <a:pos x="connsiteX6" y="connsiteY6"/>
+              </a:cxn>
+            </a:cxnLst>
+            <a:rect l="l" t="t" r="r" b="b"/>
+            <a:pathLst>
+              <a:path w="5074930" h="6858000">
+                <a:moveTo>
+                  <a:pt x="0" y="0"/>
+                </a:moveTo>
+                <a:lnTo>
+                  <a:pt x="1249825" y="0"/>
+                </a:lnTo>
+                <a:lnTo>
+                  <a:pt x="1249825" y="8457"/>
+                </a:lnTo>
+                <a:lnTo>
+                  <a:pt x="5074930" y="8457"/>
+                </a:lnTo>
+                <a:lnTo>
+                  <a:pt x="5074930" y="6858000"/>
+                </a:lnTo>
+                <a:lnTo>
+                  <a:pt x="1249825" y="6858000"/>
+                </a:lnTo>
+                <a:lnTo>
+                  <a:pt x="1109383" y="6858000"/>
+                </a:lnTo>
+                <a:close/>
+              </a:path>
+            </a:pathLst>
+          </a:custGeom>
+          <a:solidFill>
+            <a:schemeClr val="accent2">
+              <a:lumMod val="75000"/>
+            </a:schemeClr>
+          </a:solidFill>
+          <a:ln>
+            <a:noFill/>
+          </a:ln>
+        </p:spPr>
+        <p:style>
+          <a:lnRef idx="2">
+            <a:schemeClr val="accent1">
+              <a:shade val="50000"/>
+            </a:schemeClr>
+          </a:lnRef>
+          <a:fillRef idx="1">
+            <a:schemeClr val="accent1"/>
+          </a:fillRef>
+          <a:effectRef idx="0">
+            <a:schemeClr val="accent1"/>
+          </a:effectRef>
+          <a:fontRef idx="minor">
+            <a:schemeClr val="lt1"/>
+          </a:fontRef>
+        </p:style>
+        <p:txBody>
+          <a:bodyPr wrap="square" rtlCol="0" anchor="ctr">
+            <a:noAutofit/>
+          </a:bodyPr>
+          <a:lstStyle/>
+          <a:p>
+            <a:pPr algn="ctr"/>
+            <a:endParaRPr lang="en-US"/>
+          </a:p>
+        </p:txBody>
+      </p:sp>
+    </p:spTree>
+    <p:extLst>
+      <p:ext uri="{BB962C8B-B14F-4D97-AF65-F5344CB8AC3E}">
+        <p14:creationId xmlns:p14="http://schemas.microsoft.com/office/powerpoint/2010/main" val="2964536316"/>
       </p:ext>
     </p:extLst>
   </p:cSld>
@@ -5890,7 +13507,12 @@
             <p:ph type="title"/>
           </p:nvPr>
         </p:nvSpPr>
-        <p:spPr/>
+        <p:spPr>
+          <a:xfrm>
+            <a:off x="677334" y="609600"/>
+            <a:ext cx="8596668" cy="1320800"/>
+          </a:xfrm>
+        </p:spPr>
         <p:txBody>
           <a:bodyPr/>
           <a:lstStyle/>
@@ -5918,10 +13540,27 @@
             <p:ph idx="1"/>
           </p:nvPr>
         </p:nvSpPr>
-        <p:spPr/>
+        <p:spPr>
+          <a:xfrm>
+            <a:off x="677334" y="2160589"/>
+            <a:ext cx="8596668" cy="3880773"/>
+          </a:xfrm>
+        </p:spPr>
         <p:txBody>
           <a:bodyPr/>
           <a:lstStyle/>
+          <a:p>
+            <a:r>
+              <a:rPr lang="de-DE" dirty="0"/>
+              <a:t>Felix Hamme</a:t>
+            </a:r>
+          </a:p>
+          <a:p>
+            <a:r>
+              <a:rPr lang="de-DE" dirty="0"/>
+              <a:t>Marvin Kubik</a:t>
+            </a:r>
+          </a:p>
           <a:p>
             <a:r>
               <a:rPr lang="de-DE" dirty="0"/>
@@ -5937,18 +13576,6 @@
             <a:r>
               <a:rPr lang="de-DE" dirty="0"/>
               <a:t>Tobias Fritz</a:t>
-            </a:r>
-          </a:p>
-          <a:p>
-            <a:r>
-              <a:rPr lang="de-DE" dirty="0"/>
-              <a:t>Felix Hamme</a:t>
-            </a:r>
-          </a:p>
-          <a:p>
-            <a:r>
-              <a:rPr lang="de-DE" dirty="0"/>
-              <a:t>Marvin Kubik</a:t>
             </a:r>
           </a:p>
         </p:txBody>
@@ -5999,15 +13626,21 @@
             <p:ph type="title"/>
           </p:nvPr>
         </p:nvSpPr>
-        <p:spPr/>
+        <p:spPr>
+          <a:xfrm>
+            <a:off x="677334" y="609600"/>
+            <a:ext cx="8596668" cy="1320800"/>
+          </a:xfrm>
+        </p:spPr>
         <p:txBody>
           <a:bodyPr/>
           <a:lstStyle/>
           <a:p>
             <a:r>
-              <a:rPr lang="de-DE" dirty="0"/>
+              <a:rPr lang="de-DE"/>
               <a:t>Programmidee</a:t>
             </a:r>
+            <a:endParaRPr lang="de-DE" dirty="0"/>
           </a:p>
         </p:txBody>
       </p:sp>
@@ -6027,7 +13660,12 @@
             <p:ph idx="1"/>
           </p:nvPr>
         </p:nvSpPr>
-        <p:spPr/>
+        <p:spPr>
+          <a:xfrm>
+            <a:off x="677334" y="2160589"/>
+            <a:ext cx="8596668" cy="3880773"/>
+          </a:xfrm>
+        </p:spPr>
         <p:txBody>
           <a:bodyPr/>
           <a:lstStyle/>
@@ -6040,13 +13678,13 @@
           <a:p>
             <a:r>
               <a:rPr lang="de-DE" dirty="0"/>
-              <a:t>Bauteile: Buzzer und Lampen</a:t>
+              <a:t>Nach einem Signal müssen beide Spieler so schnell wie möglich ihren Buzzer drücken</a:t>
             </a:r>
           </a:p>
           <a:p>
             <a:r>
               <a:rPr lang="de-DE" dirty="0"/>
-              <a:t>8051 Mikrocomputer</a:t>
+              <a:t>Der Schnellere gewinnt</a:t>
             </a:r>
           </a:p>
         </p:txBody>
@@ -6067,6 +13705,118 @@
 <file path=ppt/slides/slide4.xml><?xml version="1.0" encoding="utf-8"?>
 <p:sld xmlns:a="http://schemas.openxmlformats.org/drawingml/2006/main" xmlns:r="http://schemas.openxmlformats.org/officeDocument/2006/relationships" xmlns:p="http://schemas.openxmlformats.org/presentationml/2006/main">
   <p:cSld>
+    <p:bg>
+      <p:bgPr>
+        <a:solidFill>
+          <a:schemeClr val="bg1"/>
+        </a:solidFill>
+        <a:effectLst/>
+      </p:bgPr>
+    </p:bg>
+    <p:spTree>
+      <p:nvGrpSpPr>
+        <p:cNvPr id="1" name=""/>
+        <p:cNvGrpSpPr/>
+        <p:nvPr/>
+      </p:nvGrpSpPr>
+      <p:grpSpPr>
+        <a:xfrm>
+          <a:off x="0" y="0"/>
+          <a:ext cx="0" cy="0"/>
+          <a:chOff x="0" y="0"/>
+          <a:chExt cx="0" cy="0"/>
+        </a:xfrm>
+      </p:grpSpPr>
+      <p:sp>
+        <p:nvSpPr>
+          <p:cNvPr id="2" name="Titel 1">
+            <a:extLst>
+              <a:ext uri="{FF2B5EF4-FFF2-40B4-BE49-F238E27FC236}">
+                <a16:creationId xmlns:a16="http://schemas.microsoft.com/office/drawing/2014/main" id="{4B9A4364-40A4-4F35-A293-9755C6D43496}"/>
+              </a:ext>
+            </a:extLst>
+          </p:cNvPr>
+          <p:cNvSpPr>
+            <a:spLocks noGrp="1"/>
+          </p:cNvSpPr>
+          <p:nvPr>
+            <p:ph type="title"/>
+          </p:nvPr>
+        </p:nvSpPr>
+        <p:spPr>
+          <a:xfrm>
+            <a:off x="677334" y="609600"/>
+            <a:ext cx="8596668" cy="1320800"/>
+          </a:xfrm>
+        </p:spPr>
+        <p:txBody>
+          <a:bodyPr>
+            <a:normAutofit/>
+          </a:bodyPr>
+          <a:lstStyle/>
+          <a:p>
+            <a:r>
+              <a:rPr lang="de-DE" dirty="0"/>
+              <a:t>Benötigte Komponenten</a:t>
+            </a:r>
+          </a:p>
+        </p:txBody>
+      </p:sp>
+      <p:graphicFrame>
+        <p:nvGraphicFramePr>
+          <p:cNvPr id="5" name="Inhaltsplatzhalter 2">
+            <a:extLst>
+              <a:ext uri="{FF2B5EF4-FFF2-40B4-BE49-F238E27FC236}">
+                <a16:creationId xmlns:a16="http://schemas.microsoft.com/office/drawing/2014/main" id="{7A946704-5A89-4897-A622-BE2113797897}"/>
+              </a:ext>
+            </a:extLst>
+          </p:cNvPr>
+          <p:cNvGraphicFramePr>
+            <a:graphicFrameLocks noGrp="1"/>
+          </p:cNvGraphicFramePr>
+          <p:nvPr>
+            <p:ph idx="1"/>
+            <p:extLst>
+              <p:ext uri="{D42A27DB-BD31-4B8C-83A1-F6EECF244321}">
+                <p14:modId xmlns:p14="http://schemas.microsoft.com/office/powerpoint/2010/main" val="521816455"/>
+              </p:ext>
+            </p:extLst>
+          </p:nvPr>
+        </p:nvGraphicFramePr>
+        <p:xfrm>
+          <a:off x="677863" y="2160588"/>
+          <a:ext cx="8596312" cy="3881437"/>
+        </p:xfrm>
+        <a:graphic>
+          <a:graphicData uri="http://schemas.openxmlformats.org/drawingml/2006/diagram">
+            <dgm:relIds xmlns:dgm="http://schemas.openxmlformats.org/drawingml/2006/diagram" xmlns:r="http://schemas.openxmlformats.org/officeDocument/2006/relationships" r:dm="rId2" r:lo="rId3" r:qs="rId4" r:cs="rId5"/>
+          </a:graphicData>
+        </a:graphic>
+      </p:graphicFrame>
+    </p:spTree>
+    <p:extLst>
+      <p:ext uri="{BB962C8B-B14F-4D97-AF65-F5344CB8AC3E}">
+        <p14:creationId xmlns:p14="http://schemas.microsoft.com/office/powerpoint/2010/main" val="2535873948"/>
+      </p:ext>
+    </p:extLst>
+  </p:cSld>
+  <p:clrMapOvr>
+    <a:masterClrMapping/>
+  </p:clrMapOvr>
+</p:sld>
+</file>
+
+<file path=ppt/slides/slide5.xml><?xml version="1.0" encoding="utf-8"?>
+<p:sld xmlns:a="http://schemas.openxmlformats.org/drawingml/2006/main" xmlns:r="http://schemas.openxmlformats.org/officeDocument/2006/relationships" xmlns:p="http://schemas.openxmlformats.org/presentationml/2006/main">
+  <p:cSld>
+    <p:bg>
+      <p:bgPr>
+        <a:solidFill>
+          <a:schemeClr val="bg1"/>
+        </a:solidFill>
+        <a:effectLst/>
+      </p:bgPr>
+    </p:bg>
     <p:spTree>
       <p:nvGrpSpPr>
         <p:cNvPr id="1" name=""/>
@@ -6097,9 +13847,16 @@
             <p:ph type="title"/>
           </p:nvPr>
         </p:nvSpPr>
-        <p:spPr/>
+        <p:spPr>
+          <a:xfrm>
+            <a:off x="677334" y="609600"/>
+            <a:ext cx="8596668" cy="1320800"/>
+          </a:xfrm>
+        </p:spPr>
         <p:txBody>
-          <a:bodyPr/>
+          <a:bodyPr>
+            <a:normAutofit/>
+          </a:bodyPr>
           <a:lstStyle/>
           <a:p>
             <a:r>
@@ -6109,62 +13866,37 @@
           </a:p>
         </p:txBody>
       </p:sp>
-      <p:sp>
-        <p:nvSpPr>
-          <p:cNvPr id="3" name="Inhaltsplatzhalter 2">
+      <p:graphicFrame>
+        <p:nvGraphicFramePr>
+          <p:cNvPr id="7" name="Inhaltsplatzhalter 2">
             <a:extLst>
               <a:ext uri="{FF2B5EF4-FFF2-40B4-BE49-F238E27FC236}">
-                <a16:creationId xmlns:a16="http://schemas.microsoft.com/office/drawing/2014/main" id="{9E325AC2-17C6-43E4-8248-EDF5E4F78841}"/>
+                <a16:creationId xmlns:a16="http://schemas.microsoft.com/office/drawing/2014/main" id="{951C6D35-B4DC-469B-8145-445684DAF626}"/>
               </a:ext>
             </a:extLst>
           </p:cNvPr>
-          <p:cNvSpPr>
-            <a:spLocks noGrp="1"/>
-          </p:cNvSpPr>
+          <p:cNvGraphicFramePr>
+            <a:graphicFrameLocks noGrp="1"/>
+          </p:cNvGraphicFramePr>
           <p:nvPr>
             <p:ph idx="1"/>
+            <p:extLst>
+              <p:ext uri="{D42A27DB-BD31-4B8C-83A1-F6EECF244321}">
+                <p14:modId xmlns:p14="http://schemas.microsoft.com/office/powerpoint/2010/main" val="520952887"/>
+              </p:ext>
+            </p:extLst>
           </p:nvPr>
-        </p:nvSpPr>
-        <p:spPr/>
-        <p:txBody>
-          <a:bodyPr/>
-          <a:lstStyle/>
-          <a:p>
-            <a:r>
-              <a:rPr lang="de-DE" dirty="0"/>
-              <a:t>Startsignal</a:t>
-            </a:r>
-          </a:p>
-          <a:p>
-            <a:r>
-              <a:rPr lang="de-DE" dirty="0" err="1"/>
-              <a:t>Timer</a:t>
-            </a:r>
-            <a:r>
-              <a:rPr lang="de-DE" dirty="0"/>
-              <a:t> wird gestartet</a:t>
-            </a:r>
-          </a:p>
-          <a:p>
-            <a:r>
-              <a:rPr lang="de-DE" dirty="0"/>
-              <a:t>Abfangen von zu frühem Drücken</a:t>
-            </a:r>
-          </a:p>
-          <a:p>
-            <a:r>
-              <a:rPr lang="de-DE" dirty="0"/>
-              <a:t>Lämpchen leuchtet auf und fordert Aktion der Spieler</a:t>
-            </a:r>
-          </a:p>
-          <a:p>
-            <a:r>
-              <a:rPr lang="de-DE" dirty="0"/>
-              <a:t>Sieger wird angezeigt</a:t>
-            </a:r>
-          </a:p>
-        </p:txBody>
-      </p:sp>
+        </p:nvGraphicFramePr>
+        <p:xfrm>
+          <a:off x="677863" y="2160588"/>
+          <a:ext cx="8596312" cy="3881437"/>
+        </p:xfrm>
+        <a:graphic>
+          <a:graphicData uri="http://schemas.openxmlformats.org/drawingml/2006/diagram">
+            <dgm:relIds xmlns:dgm="http://schemas.openxmlformats.org/drawingml/2006/diagram" xmlns:r="http://schemas.openxmlformats.org/officeDocument/2006/relationships" r:dm="rId2" r:lo="rId3" r:qs="rId4" r:cs="rId5"/>
+          </a:graphicData>
+        </a:graphic>
+      </p:graphicFrame>
     </p:spTree>
     <p:extLst>
       <p:ext uri="{BB962C8B-B14F-4D97-AF65-F5344CB8AC3E}">
@@ -6178,7 +13910,7 @@
 </p:sld>
 </file>
 
-<file path=ppt/slides/slide5.xml><?xml version="1.0" encoding="utf-8"?>
+<file path=ppt/slides/slide6.xml><?xml version="1.0" encoding="utf-8"?>
 <p:sld xmlns:a="http://schemas.openxmlformats.org/drawingml/2006/main" xmlns:r="http://schemas.openxmlformats.org/officeDocument/2006/relationships" xmlns:p="http://schemas.openxmlformats.org/presentationml/2006/main">
   <p:cSld>
     <p:spTree>
@@ -6269,7 +14001,7 @@
 </p:sld>
 </file>
 
-<file path=ppt/slides/slide6.xml><?xml version="1.0" encoding="utf-8"?>
+<file path=ppt/slides/slide7.xml><?xml version="1.0" encoding="utf-8"?>
 <p:sld xmlns:a="http://schemas.openxmlformats.org/drawingml/2006/main" xmlns:r="http://schemas.openxmlformats.org/officeDocument/2006/relationships" xmlns:p="http://schemas.openxmlformats.org/presentationml/2006/main">
   <p:cSld>
     <p:spTree>
@@ -6360,7 +14092,7 @@
 </p:sld>
 </file>
 
-<file path=ppt/slides/slide7.xml><?xml version="1.0" encoding="utf-8"?>
+<file path=ppt/slides/slide8.xml><?xml version="1.0" encoding="utf-8"?>
 <p:sld xmlns:a="http://schemas.openxmlformats.org/drawingml/2006/main" xmlns:r="http://schemas.openxmlformats.org/officeDocument/2006/relationships" xmlns:p="http://schemas.openxmlformats.org/presentationml/2006/main">
   <p:cSld>
     <p:spTree>
@@ -6452,9 +14184,17 @@
 </p:sld>
 </file>
 
-<file path=ppt/slides/slide8.xml><?xml version="1.0" encoding="utf-8"?>
+<file path=ppt/slides/slide9.xml><?xml version="1.0" encoding="utf-8"?>
 <p:sld xmlns:a="http://schemas.openxmlformats.org/drawingml/2006/main" xmlns:r="http://schemas.openxmlformats.org/officeDocument/2006/relationships" xmlns:p="http://schemas.openxmlformats.org/presentationml/2006/main">
   <p:cSld>
+    <p:bg>
+      <p:bgPr>
+        <a:solidFill>
+          <a:schemeClr val="bg1"/>
+        </a:solidFill>
+        <a:effectLst/>
+      </p:bgPr>
+    </p:bg>
     <p:spTree>
       <p:nvGrpSpPr>
         <p:cNvPr id="1" name=""/>
@@ -6469,6 +14209,726 @@
           <a:chExt cx="0" cy="0"/>
         </a:xfrm>
       </p:grpSpPr>
+      <p:grpSp>
+        <p:nvGrpSpPr>
+          <p:cNvPr id="10" name="Group 9">
+            <a:extLst>
+              <a:ext uri="{FF2B5EF4-FFF2-40B4-BE49-F238E27FC236}">
+                <a16:creationId xmlns:a16="http://schemas.microsoft.com/office/drawing/2014/main" id="{4815A7B4-532E-48C9-AC24-D78ACF3339DB}"/>
+              </a:ext>
+              <a:ext uri="{C183D7F6-B498-43B3-948B-1728B52AA6E4}">
+                <adec:decorative xmlns:adec="http://schemas.microsoft.com/office/drawing/2017/decorative" val="1"/>
+              </a:ext>
+            </a:extLst>
+          </p:cNvPr>
+          <p:cNvGrpSpPr>
+            <a:grpSpLocks noGrp="1" noUngrp="1" noRot="1" noChangeAspect="1" noMove="1" noResize="1"/>
+          </p:cNvGrpSpPr>
+          <p:nvPr>
+            <p:extLst>
+              <p:ext uri="{386F3935-93C4-4BCD-93E2-E3B085C9AB24}">
+                <p16:designElem xmlns:p16="http://schemas.microsoft.com/office/powerpoint/2015/main" val="1"/>
+              </p:ext>
+            </p:extLst>
+          </p:nvPr>
+        </p:nvGrpSpPr>
+        <p:grpSpPr>
+          <a:xfrm>
+            <a:off x="0" y="-8467"/>
+            <a:ext cx="12192000" cy="6866467"/>
+            <a:chOff x="0" y="-8467"/>
+            <a:chExt cx="12192000" cy="6866467"/>
+          </a:xfrm>
+        </p:grpSpPr>
+        <p:sp>
+          <p:nvSpPr>
+            <p:cNvPr id="11" name="Freeform 14">
+              <a:extLst>
+                <a:ext uri="{FF2B5EF4-FFF2-40B4-BE49-F238E27FC236}">
+                  <a16:creationId xmlns:a16="http://schemas.microsoft.com/office/drawing/2014/main" id="{D40109F4-CE5C-45F4-856E-F3F69C9FD4E1}"/>
+                </a:ext>
+                <a:ext uri="{C183D7F6-B498-43B3-948B-1728B52AA6E4}">
+                  <adec:decorative xmlns:adec="http://schemas.microsoft.com/office/drawing/2017/decorative" val="1"/>
+                </a:ext>
+              </a:extLst>
+            </p:cNvPr>
+            <p:cNvSpPr/>
+            <p:nvPr>
+              <p:extLst>
+                <p:ext uri="{386F3935-93C4-4BCD-93E2-E3B085C9AB24}">
+                  <p16:designElem xmlns:p16="http://schemas.microsoft.com/office/powerpoint/2015/main" val="1"/>
+                </p:ext>
+              </p:extLst>
+            </p:nvPr>
+          </p:nvSpPr>
+          <p:spPr>
+            <a:xfrm>
+              <a:off x="0" y="-7862"/>
+              <a:ext cx="863600" cy="5698067"/>
+            </a:xfrm>
+            <a:custGeom>
+              <a:avLst/>
+              <a:gdLst/>
+              <a:ahLst/>
+              <a:cxnLst/>
+              <a:rect l="l" t="t" r="r" b="b"/>
+              <a:pathLst>
+                <a:path w="863600" h="5698067">
+                  <a:moveTo>
+                    <a:pt x="0" y="8467"/>
+                  </a:moveTo>
+                  <a:lnTo>
+                    <a:pt x="863600" y="0"/>
+                  </a:lnTo>
+                  <a:lnTo>
+                    <a:pt x="863600" y="16934"/>
+                  </a:lnTo>
+                  <a:lnTo>
+                    <a:pt x="0" y="5698067"/>
+                  </a:lnTo>
+                  <a:lnTo>
+                    <a:pt x="0" y="8467"/>
+                  </a:lnTo>
+                  <a:close/>
+                </a:path>
+              </a:pathLst>
+            </a:custGeom>
+            <a:solidFill>
+              <a:schemeClr val="accent1">
+                <a:alpha val="70000"/>
+              </a:schemeClr>
+            </a:solidFill>
+            <a:ln>
+              <a:noFill/>
+            </a:ln>
+            <a:effectLst/>
+          </p:spPr>
+          <p:style>
+            <a:lnRef idx="1">
+              <a:schemeClr val="accent1"/>
+            </a:lnRef>
+            <a:fillRef idx="3">
+              <a:schemeClr val="accent1"/>
+            </a:fillRef>
+            <a:effectRef idx="2">
+              <a:schemeClr val="accent1"/>
+            </a:effectRef>
+            <a:fontRef idx="minor">
+              <a:schemeClr val="lt1"/>
+            </a:fontRef>
+          </p:style>
+        </p:sp>
+        <p:cxnSp>
+          <p:nvCxnSpPr>
+            <p:cNvPr id="12" name="Straight Connector 11">
+              <a:extLst>
+                <a:ext uri="{FF2B5EF4-FFF2-40B4-BE49-F238E27FC236}">
+                  <a16:creationId xmlns:a16="http://schemas.microsoft.com/office/drawing/2014/main" id="{3CBAA4DE-3D7B-460B-AE98-D9F9990C0B62}"/>
+                </a:ext>
+                <a:ext uri="{C183D7F6-B498-43B3-948B-1728B52AA6E4}">
+                  <adec:decorative xmlns:adec="http://schemas.microsoft.com/office/drawing/2017/decorative" val="1"/>
+                </a:ext>
+              </a:extLst>
+            </p:cNvPr>
+            <p:cNvCxnSpPr/>
+            <p:nvPr>
+              <p:extLst>
+                <p:ext uri="{386F3935-93C4-4BCD-93E2-E3B085C9AB24}">
+                  <p16:designElem xmlns:p16="http://schemas.microsoft.com/office/powerpoint/2015/main" val="1"/>
+                </p:ext>
+              </p:extLst>
+            </p:nvPr>
+          </p:nvCxnSpPr>
+          <p:spPr>
+            <a:xfrm>
+              <a:off x="9371012" y="0"/>
+              <a:ext cx="1219200" cy="6858000"/>
+            </a:xfrm>
+            <a:prstGeom prst="line">
+              <a:avLst/>
+            </a:prstGeom>
+            <a:ln w="9525">
+              <a:solidFill>
+                <a:schemeClr val="accent1">
+                  <a:alpha val="70000"/>
+                </a:schemeClr>
+              </a:solidFill>
+            </a:ln>
+          </p:spPr>
+          <p:style>
+            <a:lnRef idx="2">
+              <a:schemeClr val="accent1"/>
+            </a:lnRef>
+            <a:fillRef idx="0">
+              <a:schemeClr val="accent1"/>
+            </a:fillRef>
+            <a:effectRef idx="1">
+              <a:schemeClr val="accent1"/>
+            </a:effectRef>
+            <a:fontRef idx="minor">
+              <a:schemeClr val="tx1"/>
+            </a:fontRef>
+          </p:style>
+        </p:cxnSp>
+        <p:cxnSp>
+          <p:nvCxnSpPr>
+            <p:cNvPr id="13" name="Straight Connector 12">
+              <a:extLst>
+                <a:ext uri="{FF2B5EF4-FFF2-40B4-BE49-F238E27FC236}">
+                  <a16:creationId xmlns:a16="http://schemas.microsoft.com/office/drawing/2014/main" id="{7BF1ED3E-4F80-4AF6-A41B-44F53DDE610D}"/>
+                </a:ext>
+                <a:ext uri="{C183D7F6-B498-43B3-948B-1728B52AA6E4}">
+                  <adec:decorative xmlns:adec="http://schemas.microsoft.com/office/drawing/2017/decorative" val="1"/>
+                </a:ext>
+              </a:extLst>
+            </p:cNvPr>
+            <p:cNvCxnSpPr/>
+            <p:nvPr>
+              <p:extLst>
+                <p:ext uri="{386F3935-93C4-4BCD-93E2-E3B085C9AB24}">
+                  <p16:designElem xmlns:p16="http://schemas.microsoft.com/office/powerpoint/2015/main" val="1"/>
+                </p:ext>
+              </p:extLst>
+            </p:nvPr>
+          </p:nvCxnSpPr>
+          <p:spPr>
+            <a:xfrm flipH="1">
+              <a:off x="7425267" y="3681413"/>
+              <a:ext cx="4763558" cy="3176587"/>
+            </a:xfrm>
+            <a:prstGeom prst="line">
+              <a:avLst/>
+            </a:prstGeom>
+            <a:ln w="9525">
+              <a:solidFill>
+                <a:schemeClr val="accent1">
+                  <a:alpha val="70000"/>
+                </a:schemeClr>
+              </a:solidFill>
+            </a:ln>
+          </p:spPr>
+          <p:style>
+            <a:lnRef idx="2">
+              <a:schemeClr val="accent1"/>
+            </a:lnRef>
+            <a:fillRef idx="0">
+              <a:schemeClr val="accent1"/>
+            </a:fillRef>
+            <a:effectRef idx="1">
+              <a:schemeClr val="accent1"/>
+            </a:effectRef>
+            <a:fontRef idx="minor">
+              <a:schemeClr val="tx1"/>
+            </a:fontRef>
+          </p:style>
+        </p:cxnSp>
+        <p:sp>
+          <p:nvSpPr>
+            <p:cNvPr id="14" name="Rectangle 23">
+              <a:extLst>
+                <a:ext uri="{FF2B5EF4-FFF2-40B4-BE49-F238E27FC236}">
+                  <a16:creationId xmlns:a16="http://schemas.microsoft.com/office/drawing/2014/main" id="{C0B2D747-3E31-45C5-9A98-A9710A585FBB}"/>
+                </a:ext>
+                <a:ext uri="{C183D7F6-B498-43B3-948B-1728B52AA6E4}">
+                  <adec:decorative xmlns:adec="http://schemas.microsoft.com/office/drawing/2017/decorative" val="1"/>
+                </a:ext>
+              </a:extLst>
+            </p:cNvPr>
+            <p:cNvSpPr/>
+            <p:nvPr>
+              <p:extLst>
+                <p:ext uri="{386F3935-93C4-4BCD-93E2-E3B085C9AB24}">
+                  <p16:designElem xmlns:p16="http://schemas.microsoft.com/office/powerpoint/2015/main" val="1"/>
+                </p:ext>
+              </p:extLst>
+            </p:nvPr>
+          </p:nvSpPr>
+          <p:spPr>
+            <a:xfrm>
+              <a:off x="9181476" y="-8467"/>
+              <a:ext cx="3007349" cy="6866467"/>
+            </a:xfrm>
+            <a:custGeom>
+              <a:avLst/>
+              <a:gdLst/>
+              <a:ahLst/>
+              <a:cxnLst/>
+              <a:rect l="l" t="t" r="r" b="b"/>
+              <a:pathLst>
+                <a:path w="3007349" h="6866467">
+                  <a:moveTo>
+                    <a:pt x="2045532" y="0"/>
+                  </a:moveTo>
+                  <a:lnTo>
+                    <a:pt x="3007349" y="0"/>
+                  </a:lnTo>
+                  <a:lnTo>
+                    <a:pt x="3007349" y="6866467"/>
+                  </a:lnTo>
+                  <a:lnTo>
+                    <a:pt x="0" y="6866467"/>
+                  </a:lnTo>
+                  <a:lnTo>
+                    <a:pt x="2045532" y="0"/>
+                  </a:lnTo>
+                  <a:close/>
+                </a:path>
+              </a:pathLst>
+            </a:custGeom>
+            <a:solidFill>
+              <a:schemeClr val="accent1">
+                <a:alpha val="36000"/>
+              </a:schemeClr>
+            </a:solidFill>
+            <a:ln>
+              <a:noFill/>
+            </a:ln>
+            <a:effectLst/>
+          </p:spPr>
+          <p:style>
+            <a:lnRef idx="1">
+              <a:schemeClr val="accent1"/>
+            </a:lnRef>
+            <a:fillRef idx="3">
+              <a:schemeClr val="accent1"/>
+            </a:fillRef>
+            <a:effectRef idx="2">
+              <a:schemeClr val="accent1"/>
+            </a:effectRef>
+            <a:fontRef idx="minor">
+              <a:schemeClr val="lt1"/>
+            </a:fontRef>
+          </p:style>
+        </p:sp>
+        <p:sp>
+          <p:nvSpPr>
+            <p:cNvPr id="15" name="Rectangle 25">
+              <a:extLst>
+                <a:ext uri="{FF2B5EF4-FFF2-40B4-BE49-F238E27FC236}">
+                  <a16:creationId xmlns:a16="http://schemas.microsoft.com/office/drawing/2014/main" id="{A15FD4BA-3020-462D-8BE8-B3A65B8E492A}"/>
+                </a:ext>
+                <a:ext uri="{C183D7F6-B498-43B3-948B-1728B52AA6E4}">
+                  <adec:decorative xmlns:adec="http://schemas.microsoft.com/office/drawing/2017/decorative" val="1"/>
+                </a:ext>
+              </a:extLst>
+            </p:cNvPr>
+            <p:cNvSpPr/>
+            <p:nvPr>
+              <p:extLst>
+                <p:ext uri="{386F3935-93C4-4BCD-93E2-E3B085C9AB24}">
+                  <p16:designElem xmlns:p16="http://schemas.microsoft.com/office/powerpoint/2015/main" val="1"/>
+                </p:ext>
+              </p:extLst>
+            </p:nvPr>
+          </p:nvSpPr>
+          <p:spPr>
+            <a:xfrm>
+              <a:off x="9603442" y="-8467"/>
+              <a:ext cx="2588558" cy="6866467"/>
+            </a:xfrm>
+            <a:custGeom>
+              <a:avLst/>
+              <a:gdLst/>
+              <a:ahLst/>
+              <a:cxnLst/>
+              <a:rect l="l" t="t" r="r" b="b"/>
+              <a:pathLst>
+                <a:path w="2573311" h="6866467">
+                  <a:moveTo>
+                    <a:pt x="0" y="0"/>
+                  </a:moveTo>
+                  <a:lnTo>
+                    <a:pt x="2573311" y="0"/>
+                  </a:lnTo>
+                  <a:lnTo>
+                    <a:pt x="2573311" y="6866467"/>
+                  </a:lnTo>
+                  <a:lnTo>
+                    <a:pt x="1202336" y="6866467"/>
+                  </a:lnTo>
+                  <a:lnTo>
+                    <a:pt x="0" y="0"/>
+                  </a:lnTo>
+                  <a:close/>
+                </a:path>
+              </a:pathLst>
+            </a:custGeom>
+            <a:solidFill>
+              <a:schemeClr val="accent1">
+                <a:alpha val="20000"/>
+              </a:schemeClr>
+            </a:solidFill>
+            <a:ln>
+              <a:noFill/>
+            </a:ln>
+            <a:effectLst/>
+          </p:spPr>
+          <p:style>
+            <a:lnRef idx="1">
+              <a:schemeClr val="accent1"/>
+            </a:lnRef>
+            <a:fillRef idx="3">
+              <a:schemeClr val="accent1"/>
+            </a:fillRef>
+            <a:effectRef idx="2">
+              <a:schemeClr val="accent1"/>
+            </a:effectRef>
+            <a:fontRef idx="minor">
+              <a:schemeClr val="lt1"/>
+            </a:fontRef>
+          </p:style>
+        </p:sp>
+        <p:sp>
+          <p:nvSpPr>
+            <p:cNvPr id="16" name="Isosceles Triangle 15">
+              <a:extLst>
+                <a:ext uri="{FF2B5EF4-FFF2-40B4-BE49-F238E27FC236}">
+                  <a16:creationId xmlns:a16="http://schemas.microsoft.com/office/drawing/2014/main" id="{A304284A-7318-4DD5-898C-2F6B23C778FA}"/>
+                </a:ext>
+                <a:ext uri="{C183D7F6-B498-43B3-948B-1728B52AA6E4}">
+                  <adec:decorative xmlns:adec="http://schemas.microsoft.com/office/drawing/2017/decorative" val="1"/>
+                </a:ext>
+              </a:extLst>
+            </p:cNvPr>
+            <p:cNvSpPr/>
+            <p:nvPr>
+              <p:extLst>
+                <p:ext uri="{386F3935-93C4-4BCD-93E2-E3B085C9AB24}">
+                  <p16:designElem xmlns:p16="http://schemas.microsoft.com/office/powerpoint/2015/main" val="1"/>
+                </p:ext>
+              </p:extLst>
+            </p:nvPr>
+          </p:nvSpPr>
+          <p:spPr>
+            <a:xfrm>
+              <a:off x="8932333" y="3048000"/>
+              <a:ext cx="3259667" cy="3810000"/>
+            </a:xfrm>
+            <a:prstGeom prst="triangle">
+              <a:avLst>
+                <a:gd name="adj" fmla="val 100000"/>
+              </a:avLst>
+            </a:prstGeom>
+            <a:solidFill>
+              <a:schemeClr val="accent1">
+                <a:lumMod val="75000"/>
+                <a:alpha val="66000"/>
+              </a:schemeClr>
+            </a:solidFill>
+            <a:ln>
+              <a:noFill/>
+            </a:ln>
+            <a:effectLst/>
+          </p:spPr>
+          <p:style>
+            <a:lnRef idx="1">
+              <a:schemeClr val="accent1"/>
+            </a:lnRef>
+            <a:fillRef idx="3">
+              <a:schemeClr val="accent1"/>
+            </a:fillRef>
+            <a:effectRef idx="2">
+              <a:schemeClr val="accent1"/>
+            </a:effectRef>
+            <a:fontRef idx="minor">
+              <a:schemeClr val="lt1"/>
+            </a:fontRef>
+          </p:style>
+        </p:sp>
+        <p:sp>
+          <p:nvSpPr>
+            <p:cNvPr id="17" name="Rectangle 27">
+              <a:extLst>
+                <a:ext uri="{FF2B5EF4-FFF2-40B4-BE49-F238E27FC236}">
+                  <a16:creationId xmlns:a16="http://schemas.microsoft.com/office/drawing/2014/main" id="{9DF48E66-B635-4509-B115-E0987C014EBC}"/>
+                </a:ext>
+                <a:ext uri="{C183D7F6-B498-43B3-948B-1728B52AA6E4}">
+                  <adec:decorative xmlns:adec="http://schemas.microsoft.com/office/drawing/2017/decorative" val="1"/>
+                </a:ext>
+              </a:extLst>
+            </p:cNvPr>
+            <p:cNvSpPr/>
+            <p:nvPr>
+              <p:extLst>
+                <p:ext uri="{386F3935-93C4-4BCD-93E2-E3B085C9AB24}">
+                  <p16:designElem xmlns:p16="http://schemas.microsoft.com/office/powerpoint/2015/main" val="1"/>
+                </p:ext>
+              </p:extLst>
+            </p:nvPr>
+          </p:nvSpPr>
+          <p:spPr>
+            <a:xfrm>
+              <a:off x="9334500" y="-8467"/>
+              <a:ext cx="2854326" cy="6866467"/>
+            </a:xfrm>
+            <a:custGeom>
+              <a:avLst/>
+              <a:gdLst/>
+              <a:ahLst/>
+              <a:cxnLst/>
+              <a:rect l="l" t="t" r="r" b="b"/>
+              <a:pathLst>
+                <a:path w="2858013" h="6866467">
+                  <a:moveTo>
+                    <a:pt x="0" y="0"/>
+                  </a:moveTo>
+                  <a:lnTo>
+                    <a:pt x="2858013" y="0"/>
+                  </a:lnTo>
+                  <a:lnTo>
+                    <a:pt x="2858013" y="6866467"/>
+                  </a:lnTo>
+                  <a:lnTo>
+                    <a:pt x="2473942" y="6866467"/>
+                  </a:lnTo>
+                  <a:lnTo>
+                    <a:pt x="0" y="0"/>
+                  </a:lnTo>
+                  <a:close/>
+                </a:path>
+              </a:pathLst>
+            </a:custGeom>
+            <a:solidFill>
+              <a:schemeClr val="accent1">
+                <a:lumMod val="75000"/>
+                <a:alpha val="50000"/>
+              </a:schemeClr>
+            </a:solidFill>
+            <a:ln>
+              <a:noFill/>
+            </a:ln>
+            <a:effectLst/>
+          </p:spPr>
+          <p:style>
+            <a:lnRef idx="1">
+              <a:schemeClr val="accent1"/>
+            </a:lnRef>
+            <a:fillRef idx="3">
+              <a:schemeClr val="accent1"/>
+            </a:fillRef>
+            <a:effectRef idx="2">
+              <a:schemeClr val="accent1"/>
+            </a:effectRef>
+            <a:fontRef idx="minor">
+              <a:schemeClr val="lt1"/>
+            </a:fontRef>
+          </p:style>
+        </p:sp>
+        <p:sp>
+          <p:nvSpPr>
+            <p:cNvPr id="18" name="Rectangle 28">
+              <a:extLst>
+                <a:ext uri="{FF2B5EF4-FFF2-40B4-BE49-F238E27FC236}">
+                  <a16:creationId xmlns:a16="http://schemas.microsoft.com/office/drawing/2014/main" id="{E3B96D94-5F5A-4F4C-810C-917BF4D266C3}"/>
+                </a:ext>
+                <a:ext uri="{C183D7F6-B498-43B3-948B-1728B52AA6E4}">
+                  <adec:decorative xmlns:adec="http://schemas.microsoft.com/office/drawing/2017/decorative" val="1"/>
+                </a:ext>
+              </a:extLst>
+            </p:cNvPr>
+            <p:cNvSpPr/>
+            <p:nvPr>
+              <p:extLst>
+                <p:ext uri="{386F3935-93C4-4BCD-93E2-E3B085C9AB24}">
+                  <p16:designElem xmlns:p16="http://schemas.microsoft.com/office/powerpoint/2015/main" val="1"/>
+                </p:ext>
+              </p:extLst>
+            </p:nvPr>
+          </p:nvSpPr>
+          <p:spPr>
+            <a:xfrm>
+              <a:off x="10898730" y="-8467"/>
+              <a:ext cx="1290094" cy="6866467"/>
+            </a:xfrm>
+            <a:custGeom>
+              <a:avLst/>
+              <a:gdLst/>
+              <a:ahLst/>
+              <a:cxnLst/>
+              <a:rect l="l" t="t" r="r" b="b"/>
+              <a:pathLst>
+                <a:path w="1290094" h="6858000">
+                  <a:moveTo>
+                    <a:pt x="1019735" y="0"/>
+                  </a:moveTo>
+                  <a:lnTo>
+                    <a:pt x="1290094" y="0"/>
+                  </a:lnTo>
+                  <a:lnTo>
+                    <a:pt x="1290094" y="6858000"/>
+                  </a:lnTo>
+                  <a:lnTo>
+                    <a:pt x="0" y="6858000"/>
+                  </a:lnTo>
+                  <a:lnTo>
+                    <a:pt x="1019735" y="0"/>
+                  </a:lnTo>
+                  <a:close/>
+                </a:path>
+              </a:pathLst>
+            </a:custGeom>
+            <a:solidFill>
+              <a:schemeClr val="accent2">
+                <a:alpha val="70000"/>
+              </a:schemeClr>
+            </a:solidFill>
+            <a:ln>
+              <a:noFill/>
+            </a:ln>
+            <a:effectLst/>
+          </p:spPr>
+          <p:style>
+            <a:lnRef idx="1">
+              <a:schemeClr val="accent1"/>
+            </a:lnRef>
+            <a:fillRef idx="3">
+              <a:schemeClr val="accent1"/>
+            </a:fillRef>
+            <a:effectRef idx="2">
+              <a:schemeClr val="accent1"/>
+            </a:effectRef>
+            <a:fontRef idx="minor">
+              <a:schemeClr val="lt1"/>
+            </a:fontRef>
+          </p:style>
+        </p:sp>
+        <p:sp>
+          <p:nvSpPr>
+            <p:cNvPr id="19" name="Rectangle 29">
+              <a:extLst>
+                <a:ext uri="{FF2B5EF4-FFF2-40B4-BE49-F238E27FC236}">
+                  <a16:creationId xmlns:a16="http://schemas.microsoft.com/office/drawing/2014/main" id="{7F3782D6-BFF8-4389-9D39-A023ADAA92C1}"/>
+                </a:ext>
+                <a:ext uri="{C183D7F6-B498-43B3-948B-1728B52AA6E4}">
+                  <adec:decorative xmlns:adec="http://schemas.microsoft.com/office/drawing/2017/decorative" val="1"/>
+                </a:ext>
+              </a:extLst>
+            </p:cNvPr>
+            <p:cNvSpPr/>
+            <p:nvPr>
+              <p:extLst>
+                <p:ext uri="{386F3935-93C4-4BCD-93E2-E3B085C9AB24}">
+                  <p16:designElem xmlns:p16="http://schemas.microsoft.com/office/powerpoint/2015/main" val="1"/>
+                </p:ext>
+              </p:extLst>
+            </p:nvPr>
+          </p:nvSpPr>
+          <p:spPr>
+            <a:xfrm>
+              <a:off x="10938999" y="-8467"/>
+              <a:ext cx="1249825" cy="6866467"/>
+            </a:xfrm>
+            <a:custGeom>
+              <a:avLst/>
+              <a:gdLst/>
+              <a:ahLst/>
+              <a:cxnLst/>
+              <a:rect l="l" t="t" r="r" b="b"/>
+              <a:pathLst>
+                <a:path w="1249825" h="6858000">
+                  <a:moveTo>
+                    <a:pt x="0" y="0"/>
+                  </a:moveTo>
+                  <a:lnTo>
+                    <a:pt x="1249825" y="0"/>
+                  </a:lnTo>
+                  <a:lnTo>
+                    <a:pt x="1249825" y="6858000"/>
+                  </a:lnTo>
+                  <a:lnTo>
+                    <a:pt x="1109382" y="6858000"/>
+                  </a:lnTo>
+                  <a:lnTo>
+                    <a:pt x="0" y="0"/>
+                  </a:lnTo>
+                  <a:close/>
+                </a:path>
+              </a:pathLst>
+            </a:custGeom>
+            <a:solidFill>
+              <a:schemeClr val="accent2">
+                <a:lumMod val="75000"/>
+                <a:alpha val="80000"/>
+              </a:schemeClr>
+            </a:solidFill>
+            <a:ln>
+              <a:noFill/>
+            </a:ln>
+            <a:effectLst/>
+          </p:spPr>
+          <p:style>
+            <a:lnRef idx="1">
+              <a:schemeClr val="accent1"/>
+            </a:lnRef>
+            <a:fillRef idx="3">
+              <a:schemeClr val="accent1"/>
+            </a:fillRef>
+            <a:effectRef idx="2">
+              <a:schemeClr val="accent1"/>
+            </a:effectRef>
+            <a:fontRef idx="minor">
+              <a:schemeClr val="lt1"/>
+            </a:fontRef>
+          </p:style>
+        </p:sp>
+        <p:sp>
+          <p:nvSpPr>
+            <p:cNvPr id="20" name="Isosceles Triangle 19">
+              <a:extLst>
+                <a:ext uri="{FF2B5EF4-FFF2-40B4-BE49-F238E27FC236}">
+                  <a16:creationId xmlns:a16="http://schemas.microsoft.com/office/drawing/2014/main" id="{ECE162D4-FCAE-441B-B5E9-C91DE62124EF}"/>
+                </a:ext>
+                <a:ext uri="{C183D7F6-B498-43B3-948B-1728B52AA6E4}">
+                  <adec:decorative xmlns:adec="http://schemas.microsoft.com/office/drawing/2017/decorative" val="1"/>
+                </a:ext>
+              </a:extLst>
+            </p:cNvPr>
+            <p:cNvSpPr/>
+            <p:nvPr>
+              <p:extLst>
+                <p:ext uri="{386F3935-93C4-4BCD-93E2-E3B085C9AB24}">
+                  <p16:designElem xmlns:p16="http://schemas.microsoft.com/office/powerpoint/2015/main" val="1"/>
+                </p:ext>
+              </p:extLst>
+            </p:nvPr>
+          </p:nvSpPr>
+          <p:spPr>
+            <a:xfrm>
+              <a:off x="10371666" y="3589867"/>
+              <a:ext cx="1817159" cy="3268133"/>
+            </a:xfrm>
+            <a:prstGeom prst="triangle">
+              <a:avLst>
+                <a:gd name="adj" fmla="val 100000"/>
+              </a:avLst>
+            </a:prstGeom>
+            <a:solidFill>
+              <a:schemeClr val="accent1">
+                <a:lumMod val="75000"/>
+                <a:alpha val="66000"/>
+              </a:schemeClr>
+            </a:solidFill>
+            <a:ln>
+              <a:noFill/>
+            </a:ln>
+            <a:effectLst/>
+          </p:spPr>
+          <p:style>
+            <a:lnRef idx="1">
+              <a:schemeClr val="accent1"/>
+            </a:lnRef>
+            <a:fillRef idx="3">
+              <a:schemeClr val="accent1"/>
+            </a:fillRef>
+            <a:effectRef idx="2">
+              <a:schemeClr val="accent1"/>
+            </a:effectRef>
+            <a:fontRef idx="minor">
+              <a:schemeClr val="lt1"/>
+            </a:fontRef>
+          </p:style>
+        </p:sp>
+      </p:grpSp>
       <p:sp>
         <p:nvSpPr>
           <p:cNvPr id="2" name="Titel 1">
@@ -6485,13 +14945,20 @@
             <p:ph type="title"/>
           </p:nvPr>
         </p:nvSpPr>
-        <p:spPr/>
+        <p:spPr>
+          <a:xfrm>
+            <a:off x="4974337" y="1265314"/>
+            <a:ext cx="4299666" cy="3249131"/>
+          </a:xfrm>
+        </p:spPr>
         <p:txBody>
-          <a:bodyPr/>
+          <a:bodyPr vert="horz" lIns="91440" tIns="45720" rIns="91440" bIns="45720" rtlCol="0" anchor="b">
+            <a:normAutofit/>
+          </a:bodyPr>
           <a:lstStyle/>
           <a:p>
             <a:r>
-              <a:rPr lang="de-DE" dirty="0"/>
+              <a:rPr lang="en-US" sz="5400"/>
               <a:t>Demo</a:t>
             </a:r>
           </a:p>
@@ -6499,116 +14966,105 @@
       </p:sp>
       <p:sp>
         <p:nvSpPr>
-          <p:cNvPr id="3" name="Inhaltsplatzhalter 2">
+          <p:cNvPr id="22" name="Isosceles Triangle 21">
             <a:extLst>
               <a:ext uri="{FF2B5EF4-FFF2-40B4-BE49-F238E27FC236}">
-                <a16:creationId xmlns:a16="http://schemas.microsoft.com/office/drawing/2014/main" id="{5C697031-B3E4-4882-84AA-30C60A6369E2}"/>
+                <a16:creationId xmlns:a16="http://schemas.microsoft.com/office/drawing/2014/main" id="{DC99427B-A97E-40A3-B1FD-4557346C6A91}"/>
+              </a:ext>
+              <a:ext uri="{C183D7F6-B498-43B3-948B-1728B52AA6E4}">
+                <adec:decorative xmlns:adec="http://schemas.microsoft.com/office/drawing/2017/decorative" val="1"/>
               </a:ext>
             </a:extLst>
           </p:cNvPr>
           <p:cNvSpPr>
-            <a:spLocks noGrp="1"/>
+            <a:spLocks noGrp="1" noRot="1" noChangeAspect="1" noMove="1" noResize="1" noEditPoints="1" noAdjustHandles="1" noChangeArrowheads="1" noChangeShapeType="1" noTextEdit="1"/>
           </p:cNvSpPr>
           <p:nvPr>
-            <p:ph idx="1"/>
+            <p:extLst>
+              <p:ext uri="{386F3935-93C4-4BCD-93E2-E3B085C9AB24}">
+                <p16:designElem xmlns:p16="http://schemas.microsoft.com/office/powerpoint/2015/main" val="1"/>
+              </p:ext>
+            </p:extLst>
           </p:nvPr>
         </p:nvSpPr>
-        <p:spPr/>
-        <p:txBody>
-          <a:bodyPr/>
-          <a:lstStyle/>
-          <a:p>
-            <a:endParaRPr lang="de-DE"/>
-          </a:p>
-        </p:txBody>
+        <p:spPr>
+          <a:xfrm rot="10800000">
+            <a:off x="3174" y="12700"/>
+            <a:ext cx="842596" cy="5666154"/>
+          </a:xfrm>
+          <a:prstGeom prst="triangle">
+            <a:avLst>
+              <a:gd name="adj" fmla="val 100000"/>
+            </a:avLst>
+          </a:prstGeom>
+          <a:solidFill>
+            <a:schemeClr val="accent1">
+              <a:alpha val="85000"/>
+            </a:schemeClr>
+          </a:solidFill>
+          <a:ln>
+            <a:noFill/>
+          </a:ln>
+          <a:effectLst/>
+        </p:spPr>
+        <p:style>
+          <a:lnRef idx="1">
+            <a:schemeClr val="accent1"/>
+          </a:lnRef>
+          <a:fillRef idx="3">
+            <a:schemeClr val="accent1"/>
+          </a:fillRef>
+          <a:effectRef idx="2">
+            <a:schemeClr val="accent1"/>
+          </a:effectRef>
+          <a:fontRef idx="minor">
+            <a:schemeClr val="lt1"/>
+          </a:fontRef>
+        </p:style>
       </p:sp>
+      <p:pic>
+        <p:nvPicPr>
+          <p:cNvPr id="7" name="Graphic 6">
+            <a:extLst>
+              <a:ext uri="{FF2B5EF4-FFF2-40B4-BE49-F238E27FC236}">
+                <a16:creationId xmlns:a16="http://schemas.microsoft.com/office/drawing/2014/main" id="{7DB088DA-8CA5-44A3-80FB-4CD5B45AF08A}"/>
+              </a:ext>
+            </a:extLst>
+          </p:cNvPr>
+          <p:cNvPicPr>
+            <a:picLocks noChangeAspect="1"/>
+          </p:cNvPicPr>
+          <p:nvPr/>
+        </p:nvPicPr>
+        <p:blipFill>
+          <a:blip r:embed="rId2">
+            <a:extLst>
+              <a:ext uri="{28A0092B-C50C-407E-A947-70E740481C1C}">
+                <a14:useLocalDpi xmlns:a14="http://schemas.microsoft.com/office/drawing/2010/main" val="0"/>
+              </a:ext>
+              <a:ext uri="{96DAC541-7B7A-43D3-8B79-37D633B846F1}">
+                <asvg:svgBlip xmlns:asvg="http://schemas.microsoft.com/office/drawing/2016/SVG/main" r:embed="rId3"/>
+              </a:ext>
+            </a:extLst>
+          </a:blip>
+          <a:stretch>
+            <a:fillRect/>
+          </a:stretch>
+        </p:blipFill>
+        <p:spPr>
+          <a:xfrm>
+            <a:off x="888604" y="1550139"/>
+            <a:ext cx="3765692" cy="3765692"/>
+          </a:xfrm>
+          <a:prstGeom prst="rect">
+            <a:avLst/>
+          </a:prstGeom>
+        </p:spPr>
+      </p:pic>
     </p:spTree>
     <p:extLst>
       <p:ext uri="{BB962C8B-B14F-4D97-AF65-F5344CB8AC3E}">
         <p14:creationId xmlns:p14="http://schemas.microsoft.com/office/powerpoint/2010/main" val="819716599"/>
-      </p:ext>
-    </p:extLst>
-  </p:cSld>
-  <p:clrMapOvr>
-    <a:masterClrMapping/>
-  </p:clrMapOvr>
-</p:sld>
-</file>
-
-<file path=ppt/slides/slide9.xml><?xml version="1.0" encoding="utf-8"?>
-<p:sld xmlns:a="http://schemas.openxmlformats.org/drawingml/2006/main" xmlns:r="http://schemas.openxmlformats.org/officeDocument/2006/relationships" xmlns:p="http://schemas.openxmlformats.org/presentationml/2006/main">
-  <p:cSld>
-    <p:spTree>
-      <p:nvGrpSpPr>
-        <p:cNvPr id="1" name=""/>
-        <p:cNvGrpSpPr/>
-        <p:nvPr/>
-      </p:nvGrpSpPr>
-      <p:grpSpPr>
-        <a:xfrm>
-          <a:off x="0" y="0"/>
-          <a:ext cx="0" cy="0"/>
-          <a:chOff x="0" y="0"/>
-          <a:chExt cx="0" cy="0"/>
-        </a:xfrm>
-      </p:grpSpPr>
-      <p:sp>
-        <p:nvSpPr>
-          <p:cNvPr id="2" name="Titel 1">
-            <a:extLst>
-              <a:ext uri="{FF2B5EF4-FFF2-40B4-BE49-F238E27FC236}">
-                <a16:creationId xmlns:a16="http://schemas.microsoft.com/office/drawing/2014/main" id="{3194D868-D3C2-4268-B010-344444AFEF6E}"/>
-              </a:ext>
-            </a:extLst>
-          </p:cNvPr>
-          <p:cNvSpPr>
-            <a:spLocks noGrp="1"/>
-          </p:cNvSpPr>
-          <p:nvPr>
-            <p:ph type="title"/>
-          </p:nvPr>
-        </p:nvSpPr>
-        <p:spPr/>
-        <p:txBody>
-          <a:bodyPr/>
-          <a:lstStyle/>
-          <a:p>
-            <a:r>
-              <a:rPr lang="de-DE" dirty="0"/>
-              <a:t>Quellen</a:t>
-            </a:r>
-          </a:p>
-        </p:txBody>
-      </p:sp>
-      <p:sp>
-        <p:nvSpPr>
-          <p:cNvPr id="3" name="Inhaltsplatzhalter 2">
-            <a:extLst>
-              <a:ext uri="{FF2B5EF4-FFF2-40B4-BE49-F238E27FC236}">
-                <a16:creationId xmlns:a16="http://schemas.microsoft.com/office/drawing/2014/main" id="{87C1D325-C824-410D-83BF-55DA23DCB012}"/>
-              </a:ext>
-            </a:extLst>
-          </p:cNvPr>
-          <p:cNvSpPr>
-            <a:spLocks noGrp="1"/>
-          </p:cNvSpPr>
-          <p:nvPr>
-            <p:ph idx="1"/>
-          </p:nvPr>
-        </p:nvSpPr>
-        <p:spPr/>
-        <p:txBody>
-          <a:bodyPr/>
-          <a:lstStyle/>
-          <a:p>
-            <a:endParaRPr lang="de-DE"/>
-          </a:p>
-        </p:txBody>
-      </p:sp>
-    </p:spTree>
-    <p:extLst>
-      <p:ext uri="{BB962C8B-B14F-4D97-AF65-F5344CB8AC3E}">
-        <p14:creationId xmlns:p14="http://schemas.microsoft.com/office/powerpoint/2010/main" val="1536172287"/>
       </p:ext>
     </p:extLst>
   </p:cSld>

--- a/Buzzer.pptx
+++ b/Buzzer.pptx
@@ -6,11 +6,11 @@
   </p:sldMasterIdLst>
   <p:sldIdLst>
     <p:sldId id="256" r:id="rId2"/>
-    <p:sldId id="261" r:id="rId3"/>
-    <p:sldId id="257" r:id="rId4"/>
-    <p:sldId id="265" r:id="rId5"/>
-    <p:sldId id="258" r:id="rId6"/>
-    <p:sldId id="259" r:id="rId7"/>
+    <p:sldId id="267" r:id="rId3"/>
+    <p:sldId id="261" r:id="rId4"/>
+    <p:sldId id="257" r:id="rId5"/>
+    <p:sldId id="265" r:id="rId6"/>
+    <p:sldId id="258" r:id="rId7"/>
     <p:sldId id="264" r:id="rId8"/>
     <p:sldId id="263" r:id="rId9"/>
     <p:sldId id="260" r:id="rId10"/>
@@ -7008,7 +7008,7 @@
             <a:fld id="{B61BEF0D-F0BB-DE4B-95CE-6DB70DBA9567}" type="datetimeFigureOut">
               <a:rPr lang="en-US" dirty="0"/>
               <a:pPr/>
-              <a:t>5/22/2019</a:t>
+              <a:t>5/23/2019</a:t>
             </a:fld>
             <a:endParaRPr lang="en-US" dirty="0"/>
           </a:p>
@@ -7256,7 +7256,7 @@
             <a:fld id="{B61BEF0D-F0BB-DE4B-95CE-6DB70DBA9567}" type="datetimeFigureOut">
               <a:rPr lang="en-US" dirty="0"/>
               <a:pPr/>
-              <a:t>5/22/2019</a:t>
+              <a:t>5/23/2019</a:t>
             </a:fld>
             <a:endParaRPr lang="en-US" dirty="0"/>
           </a:p>
@@ -7567,7 +7567,7 @@
             <a:fld id="{B61BEF0D-F0BB-DE4B-95CE-6DB70DBA9567}" type="datetimeFigureOut">
               <a:rPr lang="en-US" dirty="0"/>
               <a:pPr/>
-              <a:t>5/22/2019</a:t>
+              <a:t>5/23/2019</a:t>
             </a:fld>
             <a:endParaRPr lang="en-US" dirty="0"/>
           </a:p>
@@ -7897,7 +7897,7 @@
             <a:fld id="{B61BEF0D-F0BB-DE4B-95CE-6DB70DBA9567}" type="datetimeFigureOut">
               <a:rPr lang="en-US" dirty="0"/>
               <a:pPr/>
-              <a:t>5/22/2019</a:t>
+              <a:t>5/23/2019</a:t>
             </a:fld>
             <a:endParaRPr lang="en-US" dirty="0"/>
           </a:p>
@@ -8208,7 +8208,7 @@
             <a:fld id="{B61BEF0D-F0BB-DE4B-95CE-6DB70DBA9567}" type="datetimeFigureOut">
               <a:rPr lang="en-US" dirty="0"/>
               <a:pPr/>
-              <a:t>5/22/2019</a:t>
+              <a:t>5/23/2019</a:t>
             </a:fld>
             <a:endParaRPr lang="en-US" dirty="0"/>
           </a:p>
@@ -8598,7 +8598,7 @@
             <a:fld id="{B61BEF0D-F0BB-DE4B-95CE-6DB70DBA9567}" type="datetimeFigureOut">
               <a:rPr lang="en-US" dirty="0"/>
               <a:pPr/>
-              <a:t>5/22/2019</a:t>
+              <a:t>5/23/2019</a:t>
             </a:fld>
             <a:endParaRPr lang="en-US" dirty="0"/>
           </a:p>
@@ -8764,7 +8764,7 @@
           <a:p>
             <a:fld id="{55C6B4A9-1611-4792-9094-5F34BCA07E0B}" type="datetimeFigureOut">
               <a:rPr lang="en-US" dirty="0"/>
-              <a:t>5/22/2019</a:t>
+              <a:t>5/23/2019</a:t>
             </a:fld>
             <a:endParaRPr lang="en-US" dirty="0"/>
           </a:p>
@@ -8940,7 +8940,7 @@
             <a:fld id="{B61BEF0D-F0BB-DE4B-95CE-6DB70DBA9567}" type="datetimeFigureOut">
               <a:rPr lang="en-US" dirty="0"/>
               <a:pPr/>
-              <a:t>5/22/2019</a:t>
+              <a:t>5/23/2019</a:t>
             </a:fld>
             <a:endParaRPr lang="en-US" dirty="0"/>
           </a:p>
@@ -9106,7 +9106,7 @@
           <a:p>
             <a:fld id="{42A54C80-263E-416B-A8E0-580EDEADCBDC}" type="datetimeFigureOut">
               <a:rPr lang="en-US" dirty="0"/>
-              <a:t>5/22/2019</a:t>
+              <a:t>5/23/2019</a:t>
             </a:fld>
             <a:endParaRPr lang="en-US" dirty="0"/>
           </a:p>
@@ -9349,7 +9349,7 @@
             <a:fld id="{B61BEF0D-F0BB-DE4B-95CE-6DB70DBA9567}" type="datetimeFigureOut">
               <a:rPr lang="en-US" dirty="0"/>
               <a:pPr/>
-              <a:t>5/22/2019</a:t>
+              <a:t>5/23/2019</a:t>
             </a:fld>
             <a:endParaRPr lang="en-US" dirty="0"/>
           </a:p>
@@ -9577,7 +9577,7 @@
           <a:p>
             <a:fld id="{42A54C80-263E-416B-A8E0-580EDEADCBDC}" type="datetimeFigureOut">
               <a:rPr lang="en-US" dirty="0"/>
-              <a:t>5/22/2019</a:t>
+              <a:t>5/23/2019</a:t>
             </a:fld>
             <a:endParaRPr lang="en-US" dirty="0"/>
           </a:p>
@@ -9947,7 +9947,7 @@
             <a:fld id="{B61BEF0D-F0BB-DE4B-95CE-6DB70DBA9567}" type="datetimeFigureOut">
               <a:rPr lang="en-US" dirty="0"/>
               <a:pPr/>
-              <a:t>5/22/2019</a:t>
+              <a:t>5/23/2019</a:t>
             </a:fld>
             <a:endParaRPr lang="en-US" dirty="0"/>
           </a:p>
@@ -10067,7 +10067,7 @@
             <a:fld id="{B61BEF0D-F0BB-DE4B-95CE-6DB70DBA9567}" type="datetimeFigureOut">
               <a:rPr lang="en-US" dirty="0"/>
               <a:pPr/>
-              <a:t>5/22/2019</a:t>
+              <a:t>5/23/2019</a:t>
             </a:fld>
             <a:endParaRPr lang="en-US" dirty="0"/>
           </a:p>
@@ -10159,7 +10159,7 @@
             <a:fld id="{B61BEF0D-F0BB-DE4B-95CE-6DB70DBA9567}" type="datetimeFigureOut">
               <a:rPr lang="en-US" dirty="0"/>
               <a:pPr/>
-              <a:t>5/22/2019</a:t>
+              <a:t>5/23/2019</a:t>
             </a:fld>
             <a:endParaRPr lang="en-US" dirty="0"/>
           </a:p>
@@ -10410,7 +10410,7 @@
           <a:p>
             <a:fld id="{42A54C80-263E-416B-A8E0-580EDEADCBDC}" type="datetimeFigureOut">
               <a:rPr lang="en-US" dirty="0"/>
-              <a:t>5/22/2019</a:t>
+              <a:t>5/23/2019</a:t>
             </a:fld>
             <a:endParaRPr lang="en-US" dirty="0"/>
           </a:p>
@@ -10712,7 +10712,7 @@
             <a:fld id="{B61BEF0D-F0BB-DE4B-95CE-6DB70DBA9567}" type="datetimeFigureOut">
               <a:rPr lang="en-US" dirty="0"/>
               <a:pPr/>
-              <a:t>5/22/2019</a:t>
+              <a:t>5/23/2019</a:t>
             </a:fld>
             <a:endParaRPr lang="en-US" dirty="0"/>
           </a:p>
@@ -11410,7 +11410,7 @@
             <a:fld id="{B61BEF0D-F0BB-DE4B-95CE-6DB70DBA9567}" type="datetimeFigureOut">
               <a:rPr lang="en-US" dirty="0"/>
               <a:pPr/>
-              <a:t>5/22/2019</a:t>
+              <a:t>5/23/2019</a:t>
             </a:fld>
             <a:endParaRPr lang="en-US" dirty="0"/>
           </a:p>
@@ -13496,6 +13496,125 @@
           <p:cNvPr id="2" name="Titel 1">
             <a:extLst>
               <a:ext uri="{FF2B5EF4-FFF2-40B4-BE49-F238E27FC236}">
+                <a16:creationId xmlns:a16="http://schemas.microsoft.com/office/drawing/2014/main" id="{A20E3600-0CC7-4A8A-BD99-672B09B62F8B}"/>
+              </a:ext>
+            </a:extLst>
+          </p:cNvPr>
+          <p:cNvSpPr>
+            <a:spLocks noGrp="1"/>
+          </p:cNvSpPr>
+          <p:nvPr>
+            <p:ph type="title"/>
+          </p:nvPr>
+        </p:nvSpPr>
+        <p:spPr/>
+        <p:txBody>
+          <a:bodyPr/>
+          <a:lstStyle/>
+          <a:p>
+            <a:r>
+              <a:rPr lang="de-DE" dirty="0"/>
+              <a:t>Gliederung</a:t>
+            </a:r>
+          </a:p>
+        </p:txBody>
+      </p:sp>
+      <p:sp>
+        <p:nvSpPr>
+          <p:cNvPr id="3" name="Inhaltsplatzhalter 2">
+            <a:extLst>
+              <a:ext uri="{FF2B5EF4-FFF2-40B4-BE49-F238E27FC236}">
+                <a16:creationId xmlns:a16="http://schemas.microsoft.com/office/drawing/2014/main" id="{F25C54C1-CC1A-4D6A-B562-960826C69663}"/>
+              </a:ext>
+            </a:extLst>
+          </p:cNvPr>
+          <p:cNvSpPr>
+            <a:spLocks noGrp="1"/>
+          </p:cNvSpPr>
+          <p:nvPr>
+            <p:ph idx="1"/>
+          </p:nvPr>
+        </p:nvSpPr>
+        <p:spPr/>
+        <p:txBody>
+          <a:bodyPr/>
+          <a:lstStyle/>
+          <a:p>
+            <a:r>
+              <a:rPr lang="de-DE" dirty="0"/>
+              <a:t>Gruppe</a:t>
+            </a:r>
+          </a:p>
+          <a:p>
+            <a:r>
+              <a:rPr lang="de-DE" dirty="0"/>
+              <a:t>Programmidee</a:t>
+            </a:r>
+          </a:p>
+          <a:p>
+            <a:r>
+              <a:rPr lang="de-DE" dirty="0"/>
+              <a:t>Benötigte Komponenten</a:t>
+            </a:r>
+          </a:p>
+          <a:p>
+            <a:r>
+              <a:rPr lang="de-DE" dirty="0"/>
+              <a:t>Programmablauf</a:t>
+            </a:r>
+          </a:p>
+          <a:p>
+            <a:r>
+              <a:rPr lang="de-DE" dirty="0"/>
+              <a:t>Implementation</a:t>
+            </a:r>
+          </a:p>
+          <a:p>
+            <a:r>
+              <a:rPr lang="de-DE" dirty="0"/>
+              <a:t>Demo</a:t>
+            </a:r>
+          </a:p>
+          <a:p>
+            <a:endParaRPr lang="de-DE" dirty="0"/>
+          </a:p>
+        </p:txBody>
+      </p:sp>
+    </p:spTree>
+    <p:extLst>
+      <p:ext uri="{BB962C8B-B14F-4D97-AF65-F5344CB8AC3E}">
+        <p14:creationId xmlns:p14="http://schemas.microsoft.com/office/powerpoint/2010/main" val="3085125523"/>
+      </p:ext>
+    </p:extLst>
+  </p:cSld>
+  <p:clrMapOvr>
+    <a:masterClrMapping/>
+  </p:clrMapOvr>
+</p:sld>
+</file>
+
+<file path=ppt/slides/slide3.xml><?xml version="1.0" encoding="utf-8"?>
+<p:sld xmlns:a="http://schemas.openxmlformats.org/drawingml/2006/main" xmlns:r="http://schemas.openxmlformats.org/officeDocument/2006/relationships" xmlns:p="http://schemas.openxmlformats.org/presentationml/2006/main">
+  <p:cSld>
+    <p:spTree>
+      <p:nvGrpSpPr>
+        <p:cNvPr id="1" name=""/>
+        <p:cNvGrpSpPr/>
+        <p:nvPr/>
+      </p:nvGrpSpPr>
+      <p:grpSpPr>
+        <a:xfrm>
+          <a:off x="0" y="0"/>
+          <a:ext cx="0" cy="0"/>
+          <a:chOff x="0" y="0"/>
+          <a:chExt cx="0" cy="0"/>
+        </a:xfrm>
+      </p:grpSpPr>
+      <p:sp>
+        <p:nvSpPr>
+          <p:cNvPr id="2" name="Titel 1">
+            <a:extLst>
+              <a:ext uri="{FF2B5EF4-FFF2-40B4-BE49-F238E27FC236}">
                 <a16:creationId xmlns:a16="http://schemas.microsoft.com/office/drawing/2014/main" id="{CB459021-F0D9-4DC1-9B8C-AF5D492861D1}"/>
               </a:ext>
             </a:extLst>
@@ -13593,7 +13712,7 @@
 </p:sld>
 </file>
 
-<file path=ppt/slides/slide3.xml><?xml version="1.0" encoding="utf-8"?>
+<file path=ppt/slides/slide4.xml><?xml version="1.0" encoding="utf-8"?>
 <p:sld xmlns:a="http://schemas.openxmlformats.org/drawingml/2006/main" xmlns:r="http://schemas.openxmlformats.org/officeDocument/2006/relationships" xmlns:p="http://schemas.openxmlformats.org/presentationml/2006/main">
   <p:cSld>
     <p:spTree>
@@ -13702,7 +13821,7 @@
 </p:sld>
 </file>
 
-<file path=ppt/slides/slide4.xml><?xml version="1.0" encoding="utf-8"?>
+<file path=ppt/slides/slide5.xml><?xml version="1.0" encoding="utf-8"?>
 <p:sld xmlns:a="http://schemas.openxmlformats.org/drawingml/2006/main" xmlns:r="http://schemas.openxmlformats.org/officeDocument/2006/relationships" xmlns:p="http://schemas.openxmlformats.org/presentationml/2006/main">
   <p:cSld>
     <p:bg>
@@ -13806,7 +13925,7 @@
 </p:sld>
 </file>
 
-<file path=ppt/slides/slide5.xml><?xml version="1.0" encoding="utf-8"?>
+<file path=ppt/slides/slide6.xml><?xml version="1.0" encoding="utf-8"?>
 <p:sld xmlns:a="http://schemas.openxmlformats.org/drawingml/2006/main" xmlns:r="http://schemas.openxmlformats.org/officeDocument/2006/relationships" xmlns:p="http://schemas.openxmlformats.org/presentationml/2006/main">
   <p:cSld>
     <p:bg>
@@ -13910,97 +14029,6 @@
 </p:sld>
 </file>
 
-<file path=ppt/slides/slide6.xml><?xml version="1.0" encoding="utf-8"?>
-<p:sld xmlns:a="http://schemas.openxmlformats.org/drawingml/2006/main" xmlns:r="http://schemas.openxmlformats.org/officeDocument/2006/relationships" xmlns:p="http://schemas.openxmlformats.org/presentationml/2006/main">
-  <p:cSld>
-    <p:spTree>
-      <p:nvGrpSpPr>
-        <p:cNvPr id="1" name=""/>
-        <p:cNvGrpSpPr/>
-        <p:nvPr/>
-      </p:nvGrpSpPr>
-      <p:grpSpPr>
-        <a:xfrm>
-          <a:off x="0" y="0"/>
-          <a:ext cx="0" cy="0"/>
-          <a:chOff x="0" y="0"/>
-          <a:chExt cx="0" cy="0"/>
-        </a:xfrm>
-      </p:grpSpPr>
-      <p:sp>
-        <p:nvSpPr>
-          <p:cNvPr id="2" name="Titel 1">
-            <a:extLst>
-              <a:ext uri="{FF2B5EF4-FFF2-40B4-BE49-F238E27FC236}">
-                <a16:creationId xmlns:a16="http://schemas.microsoft.com/office/drawing/2014/main" id="{CA3CF05D-5B71-46BD-A40A-23C5B67842A7}"/>
-              </a:ext>
-            </a:extLst>
-          </p:cNvPr>
-          <p:cNvSpPr>
-            <a:spLocks noGrp="1"/>
-          </p:cNvSpPr>
-          <p:nvPr>
-            <p:ph type="title"/>
-          </p:nvPr>
-        </p:nvSpPr>
-        <p:spPr/>
-        <p:txBody>
-          <a:bodyPr/>
-          <a:lstStyle/>
-          <a:p>
-            <a:r>
-              <a:rPr lang="de-DE" dirty="0"/>
-              <a:t>Implementation</a:t>
-            </a:r>
-          </a:p>
-        </p:txBody>
-      </p:sp>
-      <p:sp>
-        <p:nvSpPr>
-          <p:cNvPr id="3" name="Inhaltsplatzhalter 2">
-            <a:extLst>
-              <a:ext uri="{FF2B5EF4-FFF2-40B4-BE49-F238E27FC236}">
-                <a16:creationId xmlns:a16="http://schemas.microsoft.com/office/drawing/2014/main" id="{1D2B9752-3F58-4CFA-9DFF-8BCB50D44982}"/>
-              </a:ext>
-            </a:extLst>
-          </p:cNvPr>
-          <p:cNvSpPr>
-            <a:spLocks noGrp="1"/>
-          </p:cNvSpPr>
-          <p:nvPr>
-            <p:ph idx="1"/>
-          </p:nvPr>
-        </p:nvSpPr>
-        <p:spPr/>
-        <p:txBody>
-          <a:bodyPr/>
-          <a:lstStyle/>
-          <a:p>
-            <a:r>
-              <a:rPr lang="de-DE" dirty="0"/>
-              <a:t>Da </a:t>
-            </a:r>
-            <a:r>
-              <a:rPr lang="de-DE"/>
-              <a:t>den Programablaufplan rein!</a:t>
-            </a:r>
-            <a:endParaRPr lang="de-DE" dirty="0"/>
-          </a:p>
-        </p:txBody>
-      </p:sp>
-    </p:spTree>
-    <p:extLst>
-      <p:ext uri="{BB962C8B-B14F-4D97-AF65-F5344CB8AC3E}">
-        <p14:creationId xmlns:p14="http://schemas.microsoft.com/office/powerpoint/2010/main" val="1782705226"/>
-      </p:ext>
-    </p:extLst>
-  </p:cSld>
-  <p:clrMapOvr>
-    <a:masterClrMapping/>
-  </p:clrMapOvr>
-</p:sld>
-</file>
-
 <file path=ppt/slides/slide7.xml><?xml version="1.0" encoding="utf-8"?>
 <p:sld xmlns:a="http://schemas.openxmlformats.org/drawingml/2006/main" xmlns:r="http://schemas.openxmlformats.org/officeDocument/2006/relationships" xmlns:p="http://schemas.openxmlformats.org/presentationml/2006/main">
   <p:cSld>
@@ -14040,6 +14068,39 @@
           <a:lstStyle/>
           <a:p>
             <a:r>
+              <a:rPr lang="de-DE" dirty="0"/>
+              <a:t>Implementation</a:t>
+            </a:r>
+          </a:p>
+        </p:txBody>
+      </p:sp>
+      <p:sp>
+        <p:nvSpPr>
+          <p:cNvPr id="4" name="Inhaltsplatzhalter 3">
+            <a:extLst>
+              <a:ext uri="{FF2B5EF4-FFF2-40B4-BE49-F238E27FC236}">
+                <a16:creationId xmlns:a16="http://schemas.microsoft.com/office/drawing/2014/main" id="{40A506D3-087F-4317-A2F1-F990949B5EBD}"/>
+              </a:ext>
+            </a:extLst>
+          </p:cNvPr>
+          <p:cNvSpPr>
+            <a:spLocks noGrp="1"/>
+          </p:cNvSpPr>
+          <p:nvPr>
+            <p:ph idx="1"/>
+          </p:nvPr>
+        </p:nvSpPr>
+        <p:spPr>
+          <a:xfrm>
+            <a:off x="677334" y="2160590"/>
+            <a:ext cx="8596668" cy="488826"/>
+          </a:xfrm>
+        </p:spPr>
+        <p:txBody>
+          <a:bodyPr/>
+          <a:lstStyle/>
+          <a:p>
+            <a:r>
               <a:rPr lang="de-DE" dirty="0" err="1"/>
               <a:t>Timer</a:t>
             </a:r>
@@ -14049,19 +14110,17 @@
       </p:sp>
       <p:pic>
         <p:nvPicPr>
-          <p:cNvPr id="8" name="Inhaltsplatzhalter 7">
+          <p:cNvPr id="6" name="Inhaltsplatzhalter 7">
             <a:extLst>
               <a:ext uri="{FF2B5EF4-FFF2-40B4-BE49-F238E27FC236}">
-                <a16:creationId xmlns:a16="http://schemas.microsoft.com/office/drawing/2014/main" id="{38D56769-BEB2-4F74-A468-C61E3E055BCF}"/>
+                <a16:creationId xmlns:a16="http://schemas.microsoft.com/office/drawing/2014/main" id="{5D772CD7-920F-410B-9329-F54FBB510B4B}"/>
               </a:ext>
             </a:extLst>
           </p:cNvPr>
           <p:cNvPicPr>
-            <a:picLocks noGrp="1" noChangeAspect="1"/>
+            <a:picLocks noChangeAspect="1"/>
           </p:cNvPicPr>
-          <p:nvPr>
-            <p:ph idx="1"/>
-          </p:nvPr>
+          <p:nvPr/>
         </p:nvPicPr>
         <p:blipFill>
           <a:blip r:embed="rId2"/>

--- a/Buzzer.pptx
+++ b/Buzzer.pptx
@@ -11,10 +11,11 @@
     <p:sldId id="257" r:id="rId5"/>
     <p:sldId id="265" r:id="rId6"/>
     <p:sldId id="258" r:id="rId7"/>
-    <p:sldId id="264" r:id="rId8"/>
-    <p:sldId id="263" r:id="rId9"/>
-    <p:sldId id="260" r:id="rId10"/>
-    <p:sldId id="266" r:id="rId11"/>
+    <p:sldId id="268" r:id="rId8"/>
+    <p:sldId id="264" r:id="rId9"/>
+    <p:sldId id="263" r:id="rId10"/>
+    <p:sldId id="260" r:id="rId11"/>
+    <p:sldId id="266" r:id="rId12"/>
   </p:sldIdLst>
   <p:sldSz cx="12192000" cy="6858000"/>
   <p:notesSz cx="6858000" cy="9144000"/>
@@ -2085,10 +2086,14 @@
         <a:lstStyle/>
         <a:p>
           <a:r>
-            <a:rPr lang="de-DE"/>
-            <a:t>Timer wird gestartet</a:t>
+            <a:rPr lang="de-DE" dirty="0" err="1"/>
+            <a:t>Timer</a:t>
           </a:r>
-          <a:endParaRPr lang="en-US"/>
+          <a:r>
+            <a:rPr lang="de-DE" dirty="0"/>
+            <a:t> und Interrupts werden initialisiert</a:t>
+          </a:r>
+          <a:endParaRPr lang="en-US" dirty="0"/>
         </a:p>
       </dgm:t>
     </dgm:pt>
@@ -3307,10 +3312,14 @@
             <a:buNone/>
           </a:pPr>
           <a:r>
-            <a:rPr lang="de-DE" sz="1700" kern="1200"/>
-            <a:t>Timer wird gestartet</a:t>
+            <a:rPr lang="de-DE" sz="1700" kern="1200" dirty="0" err="1"/>
+            <a:t>Timer</a:t>
           </a:r>
-          <a:endParaRPr lang="en-US" sz="1700" kern="1200"/>
+          <a:r>
+            <a:rPr lang="de-DE" sz="1700" kern="1200" dirty="0"/>
+            <a:t> und Interrupts werden initialisiert</a:t>
+          </a:r>
+          <a:endParaRPr lang="en-US" sz="1700" kern="1200" dirty="0"/>
         </a:p>
       </dsp:txBody>
       <dsp:txXfrm>
@@ -12028,6 +12037,896 @@
       </p:grpSpPr>
       <p:grpSp>
         <p:nvGrpSpPr>
+          <p:cNvPr id="10" name="Group 9">
+            <a:extLst>
+              <a:ext uri="{FF2B5EF4-FFF2-40B4-BE49-F238E27FC236}">
+                <a16:creationId xmlns:a16="http://schemas.microsoft.com/office/drawing/2014/main" id="{4815A7B4-532E-48C9-AC24-D78ACF3339DB}"/>
+              </a:ext>
+              <a:ext uri="{C183D7F6-B498-43B3-948B-1728B52AA6E4}">
+                <adec:decorative xmlns:adec="http://schemas.microsoft.com/office/drawing/2017/decorative" val="1"/>
+              </a:ext>
+            </a:extLst>
+          </p:cNvPr>
+          <p:cNvGrpSpPr>
+            <a:grpSpLocks noGrp="1" noUngrp="1" noRot="1" noChangeAspect="1" noMove="1" noResize="1"/>
+          </p:cNvGrpSpPr>
+          <p:nvPr>
+            <p:extLst>
+              <p:ext uri="{386F3935-93C4-4BCD-93E2-E3B085C9AB24}">
+                <p16:designElem xmlns:p16="http://schemas.microsoft.com/office/powerpoint/2015/main" val="1"/>
+              </p:ext>
+            </p:extLst>
+          </p:nvPr>
+        </p:nvGrpSpPr>
+        <p:grpSpPr>
+          <a:xfrm>
+            <a:off x="0" y="-8467"/>
+            <a:ext cx="12192000" cy="6866467"/>
+            <a:chOff x="0" y="-8467"/>
+            <a:chExt cx="12192000" cy="6866467"/>
+          </a:xfrm>
+        </p:grpSpPr>
+        <p:sp>
+          <p:nvSpPr>
+            <p:cNvPr id="11" name="Freeform 14">
+              <a:extLst>
+                <a:ext uri="{FF2B5EF4-FFF2-40B4-BE49-F238E27FC236}">
+                  <a16:creationId xmlns:a16="http://schemas.microsoft.com/office/drawing/2014/main" id="{D40109F4-CE5C-45F4-856E-F3F69C9FD4E1}"/>
+                </a:ext>
+                <a:ext uri="{C183D7F6-B498-43B3-948B-1728B52AA6E4}">
+                  <adec:decorative xmlns:adec="http://schemas.microsoft.com/office/drawing/2017/decorative" val="1"/>
+                </a:ext>
+              </a:extLst>
+            </p:cNvPr>
+            <p:cNvSpPr/>
+            <p:nvPr>
+              <p:extLst>
+                <p:ext uri="{386F3935-93C4-4BCD-93E2-E3B085C9AB24}">
+                  <p16:designElem xmlns:p16="http://schemas.microsoft.com/office/powerpoint/2015/main" val="1"/>
+                </p:ext>
+              </p:extLst>
+            </p:nvPr>
+          </p:nvSpPr>
+          <p:spPr>
+            <a:xfrm>
+              <a:off x="0" y="-7862"/>
+              <a:ext cx="863600" cy="5698067"/>
+            </a:xfrm>
+            <a:custGeom>
+              <a:avLst/>
+              <a:gdLst/>
+              <a:ahLst/>
+              <a:cxnLst/>
+              <a:rect l="l" t="t" r="r" b="b"/>
+              <a:pathLst>
+                <a:path w="863600" h="5698067">
+                  <a:moveTo>
+                    <a:pt x="0" y="8467"/>
+                  </a:moveTo>
+                  <a:lnTo>
+                    <a:pt x="863600" y="0"/>
+                  </a:lnTo>
+                  <a:lnTo>
+                    <a:pt x="863600" y="16934"/>
+                  </a:lnTo>
+                  <a:lnTo>
+                    <a:pt x="0" y="5698067"/>
+                  </a:lnTo>
+                  <a:lnTo>
+                    <a:pt x="0" y="8467"/>
+                  </a:lnTo>
+                  <a:close/>
+                </a:path>
+              </a:pathLst>
+            </a:custGeom>
+            <a:solidFill>
+              <a:schemeClr val="accent1">
+                <a:alpha val="70000"/>
+              </a:schemeClr>
+            </a:solidFill>
+            <a:ln>
+              <a:noFill/>
+            </a:ln>
+            <a:effectLst/>
+          </p:spPr>
+          <p:style>
+            <a:lnRef idx="1">
+              <a:schemeClr val="accent1"/>
+            </a:lnRef>
+            <a:fillRef idx="3">
+              <a:schemeClr val="accent1"/>
+            </a:fillRef>
+            <a:effectRef idx="2">
+              <a:schemeClr val="accent1"/>
+            </a:effectRef>
+            <a:fontRef idx="minor">
+              <a:schemeClr val="lt1"/>
+            </a:fontRef>
+          </p:style>
+        </p:sp>
+        <p:cxnSp>
+          <p:nvCxnSpPr>
+            <p:cNvPr id="12" name="Straight Connector 11">
+              <a:extLst>
+                <a:ext uri="{FF2B5EF4-FFF2-40B4-BE49-F238E27FC236}">
+                  <a16:creationId xmlns:a16="http://schemas.microsoft.com/office/drawing/2014/main" id="{3CBAA4DE-3D7B-460B-AE98-D9F9990C0B62}"/>
+                </a:ext>
+                <a:ext uri="{C183D7F6-B498-43B3-948B-1728B52AA6E4}">
+                  <adec:decorative xmlns:adec="http://schemas.microsoft.com/office/drawing/2017/decorative" val="1"/>
+                </a:ext>
+              </a:extLst>
+            </p:cNvPr>
+            <p:cNvCxnSpPr/>
+            <p:nvPr>
+              <p:extLst>
+                <p:ext uri="{386F3935-93C4-4BCD-93E2-E3B085C9AB24}">
+                  <p16:designElem xmlns:p16="http://schemas.microsoft.com/office/powerpoint/2015/main" val="1"/>
+                </p:ext>
+              </p:extLst>
+            </p:nvPr>
+          </p:nvCxnSpPr>
+          <p:spPr>
+            <a:xfrm>
+              <a:off x="9371012" y="0"/>
+              <a:ext cx="1219200" cy="6858000"/>
+            </a:xfrm>
+            <a:prstGeom prst="line">
+              <a:avLst/>
+            </a:prstGeom>
+            <a:ln w="9525">
+              <a:solidFill>
+                <a:schemeClr val="accent1">
+                  <a:alpha val="70000"/>
+                </a:schemeClr>
+              </a:solidFill>
+            </a:ln>
+          </p:spPr>
+          <p:style>
+            <a:lnRef idx="2">
+              <a:schemeClr val="accent1"/>
+            </a:lnRef>
+            <a:fillRef idx="0">
+              <a:schemeClr val="accent1"/>
+            </a:fillRef>
+            <a:effectRef idx="1">
+              <a:schemeClr val="accent1"/>
+            </a:effectRef>
+            <a:fontRef idx="minor">
+              <a:schemeClr val="tx1"/>
+            </a:fontRef>
+          </p:style>
+        </p:cxnSp>
+        <p:cxnSp>
+          <p:nvCxnSpPr>
+            <p:cNvPr id="13" name="Straight Connector 12">
+              <a:extLst>
+                <a:ext uri="{FF2B5EF4-FFF2-40B4-BE49-F238E27FC236}">
+                  <a16:creationId xmlns:a16="http://schemas.microsoft.com/office/drawing/2014/main" id="{7BF1ED3E-4F80-4AF6-A41B-44F53DDE610D}"/>
+                </a:ext>
+                <a:ext uri="{C183D7F6-B498-43B3-948B-1728B52AA6E4}">
+                  <adec:decorative xmlns:adec="http://schemas.microsoft.com/office/drawing/2017/decorative" val="1"/>
+                </a:ext>
+              </a:extLst>
+            </p:cNvPr>
+            <p:cNvCxnSpPr/>
+            <p:nvPr>
+              <p:extLst>
+                <p:ext uri="{386F3935-93C4-4BCD-93E2-E3B085C9AB24}">
+                  <p16:designElem xmlns:p16="http://schemas.microsoft.com/office/powerpoint/2015/main" val="1"/>
+                </p:ext>
+              </p:extLst>
+            </p:nvPr>
+          </p:nvCxnSpPr>
+          <p:spPr>
+            <a:xfrm flipH="1">
+              <a:off x="7425267" y="3681413"/>
+              <a:ext cx="4763558" cy="3176587"/>
+            </a:xfrm>
+            <a:prstGeom prst="line">
+              <a:avLst/>
+            </a:prstGeom>
+            <a:ln w="9525">
+              <a:solidFill>
+                <a:schemeClr val="accent1">
+                  <a:alpha val="70000"/>
+                </a:schemeClr>
+              </a:solidFill>
+            </a:ln>
+          </p:spPr>
+          <p:style>
+            <a:lnRef idx="2">
+              <a:schemeClr val="accent1"/>
+            </a:lnRef>
+            <a:fillRef idx="0">
+              <a:schemeClr val="accent1"/>
+            </a:fillRef>
+            <a:effectRef idx="1">
+              <a:schemeClr val="accent1"/>
+            </a:effectRef>
+            <a:fontRef idx="minor">
+              <a:schemeClr val="tx1"/>
+            </a:fontRef>
+          </p:style>
+        </p:cxnSp>
+        <p:sp>
+          <p:nvSpPr>
+            <p:cNvPr id="14" name="Rectangle 23">
+              <a:extLst>
+                <a:ext uri="{FF2B5EF4-FFF2-40B4-BE49-F238E27FC236}">
+                  <a16:creationId xmlns:a16="http://schemas.microsoft.com/office/drawing/2014/main" id="{C0B2D747-3E31-45C5-9A98-A9710A585FBB}"/>
+                </a:ext>
+                <a:ext uri="{C183D7F6-B498-43B3-948B-1728B52AA6E4}">
+                  <adec:decorative xmlns:adec="http://schemas.microsoft.com/office/drawing/2017/decorative" val="1"/>
+                </a:ext>
+              </a:extLst>
+            </p:cNvPr>
+            <p:cNvSpPr/>
+            <p:nvPr>
+              <p:extLst>
+                <p:ext uri="{386F3935-93C4-4BCD-93E2-E3B085C9AB24}">
+                  <p16:designElem xmlns:p16="http://schemas.microsoft.com/office/powerpoint/2015/main" val="1"/>
+                </p:ext>
+              </p:extLst>
+            </p:nvPr>
+          </p:nvSpPr>
+          <p:spPr>
+            <a:xfrm>
+              <a:off x="9181476" y="-8467"/>
+              <a:ext cx="3007349" cy="6866467"/>
+            </a:xfrm>
+            <a:custGeom>
+              <a:avLst/>
+              <a:gdLst/>
+              <a:ahLst/>
+              <a:cxnLst/>
+              <a:rect l="l" t="t" r="r" b="b"/>
+              <a:pathLst>
+                <a:path w="3007349" h="6866467">
+                  <a:moveTo>
+                    <a:pt x="2045532" y="0"/>
+                  </a:moveTo>
+                  <a:lnTo>
+                    <a:pt x="3007349" y="0"/>
+                  </a:lnTo>
+                  <a:lnTo>
+                    <a:pt x="3007349" y="6866467"/>
+                  </a:lnTo>
+                  <a:lnTo>
+                    <a:pt x="0" y="6866467"/>
+                  </a:lnTo>
+                  <a:lnTo>
+                    <a:pt x="2045532" y="0"/>
+                  </a:lnTo>
+                  <a:close/>
+                </a:path>
+              </a:pathLst>
+            </a:custGeom>
+            <a:solidFill>
+              <a:schemeClr val="accent1">
+                <a:alpha val="36000"/>
+              </a:schemeClr>
+            </a:solidFill>
+            <a:ln>
+              <a:noFill/>
+            </a:ln>
+            <a:effectLst/>
+          </p:spPr>
+          <p:style>
+            <a:lnRef idx="1">
+              <a:schemeClr val="accent1"/>
+            </a:lnRef>
+            <a:fillRef idx="3">
+              <a:schemeClr val="accent1"/>
+            </a:fillRef>
+            <a:effectRef idx="2">
+              <a:schemeClr val="accent1"/>
+            </a:effectRef>
+            <a:fontRef idx="minor">
+              <a:schemeClr val="lt1"/>
+            </a:fontRef>
+          </p:style>
+        </p:sp>
+        <p:sp>
+          <p:nvSpPr>
+            <p:cNvPr id="15" name="Rectangle 25">
+              <a:extLst>
+                <a:ext uri="{FF2B5EF4-FFF2-40B4-BE49-F238E27FC236}">
+                  <a16:creationId xmlns:a16="http://schemas.microsoft.com/office/drawing/2014/main" id="{A15FD4BA-3020-462D-8BE8-B3A65B8E492A}"/>
+                </a:ext>
+                <a:ext uri="{C183D7F6-B498-43B3-948B-1728B52AA6E4}">
+                  <adec:decorative xmlns:adec="http://schemas.microsoft.com/office/drawing/2017/decorative" val="1"/>
+                </a:ext>
+              </a:extLst>
+            </p:cNvPr>
+            <p:cNvSpPr/>
+            <p:nvPr>
+              <p:extLst>
+                <p:ext uri="{386F3935-93C4-4BCD-93E2-E3B085C9AB24}">
+                  <p16:designElem xmlns:p16="http://schemas.microsoft.com/office/powerpoint/2015/main" val="1"/>
+                </p:ext>
+              </p:extLst>
+            </p:nvPr>
+          </p:nvSpPr>
+          <p:spPr>
+            <a:xfrm>
+              <a:off x="9603442" y="-8467"/>
+              <a:ext cx="2588558" cy="6866467"/>
+            </a:xfrm>
+            <a:custGeom>
+              <a:avLst/>
+              <a:gdLst/>
+              <a:ahLst/>
+              <a:cxnLst/>
+              <a:rect l="l" t="t" r="r" b="b"/>
+              <a:pathLst>
+                <a:path w="2573311" h="6866467">
+                  <a:moveTo>
+                    <a:pt x="0" y="0"/>
+                  </a:moveTo>
+                  <a:lnTo>
+                    <a:pt x="2573311" y="0"/>
+                  </a:lnTo>
+                  <a:lnTo>
+                    <a:pt x="2573311" y="6866467"/>
+                  </a:lnTo>
+                  <a:lnTo>
+                    <a:pt x="1202336" y="6866467"/>
+                  </a:lnTo>
+                  <a:lnTo>
+                    <a:pt x="0" y="0"/>
+                  </a:lnTo>
+                  <a:close/>
+                </a:path>
+              </a:pathLst>
+            </a:custGeom>
+            <a:solidFill>
+              <a:schemeClr val="accent1">
+                <a:alpha val="20000"/>
+              </a:schemeClr>
+            </a:solidFill>
+            <a:ln>
+              <a:noFill/>
+            </a:ln>
+            <a:effectLst/>
+          </p:spPr>
+          <p:style>
+            <a:lnRef idx="1">
+              <a:schemeClr val="accent1"/>
+            </a:lnRef>
+            <a:fillRef idx="3">
+              <a:schemeClr val="accent1"/>
+            </a:fillRef>
+            <a:effectRef idx="2">
+              <a:schemeClr val="accent1"/>
+            </a:effectRef>
+            <a:fontRef idx="minor">
+              <a:schemeClr val="lt1"/>
+            </a:fontRef>
+          </p:style>
+        </p:sp>
+        <p:sp>
+          <p:nvSpPr>
+            <p:cNvPr id="16" name="Isosceles Triangle 15">
+              <a:extLst>
+                <a:ext uri="{FF2B5EF4-FFF2-40B4-BE49-F238E27FC236}">
+                  <a16:creationId xmlns:a16="http://schemas.microsoft.com/office/drawing/2014/main" id="{A304284A-7318-4DD5-898C-2F6B23C778FA}"/>
+                </a:ext>
+                <a:ext uri="{C183D7F6-B498-43B3-948B-1728B52AA6E4}">
+                  <adec:decorative xmlns:adec="http://schemas.microsoft.com/office/drawing/2017/decorative" val="1"/>
+                </a:ext>
+              </a:extLst>
+            </p:cNvPr>
+            <p:cNvSpPr/>
+            <p:nvPr>
+              <p:extLst>
+                <p:ext uri="{386F3935-93C4-4BCD-93E2-E3B085C9AB24}">
+                  <p16:designElem xmlns:p16="http://schemas.microsoft.com/office/powerpoint/2015/main" val="1"/>
+                </p:ext>
+              </p:extLst>
+            </p:nvPr>
+          </p:nvSpPr>
+          <p:spPr>
+            <a:xfrm>
+              <a:off x="8932333" y="3048000"/>
+              <a:ext cx="3259667" cy="3810000"/>
+            </a:xfrm>
+            <a:prstGeom prst="triangle">
+              <a:avLst>
+                <a:gd name="adj" fmla="val 100000"/>
+              </a:avLst>
+            </a:prstGeom>
+            <a:solidFill>
+              <a:schemeClr val="accent1">
+                <a:lumMod val="75000"/>
+                <a:alpha val="66000"/>
+              </a:schemeClr>
+            </a:solidFill>
+            <a:ln>
+              <a:noFill/>
+            </a:ln>
+            <a:effectLst/>
+          </p:spPr>
+          <p:style>
+            <a:lnRef idx="1">
+              <a:schemeClr val="accent1"/>
+            </a:lnRef>
+            <a:fillRef idx="3">
+              <a:schemeClr val="accent1"/>
+            </a:fillRef>
+            <a:effectRef idx="2">
+              <a:schemeClr val="accent1"/>
+            </a:effectRef>
+            <a:fontRef idx="minor">
+              <a:schemeClr val="lt1"/>
+            </a:fontRef>
+          </p:style>
+        </p:sp>
+        <p:sp>
+          <p:nvSpPr>
+            <p:cNvPr id="17" name="Rectangle 27">
+              <a:extLst>
+                <a:ext uri="{FF2B5EF4-FFF2-40B4-BE49-F238E27FC236}">
+                  <a16:creationId xmlns:a16="http://schemas.microsoft.com/office/drawing/2014/main" id="{9DF48E66-B635-4509-B115-E0987C014EBC}"/>
+                </a:ext>
+                <a:ext uri="{C183D7F6-B498-43B3-948B-1728B52AA6E4}">
+                  <adec:decorative xmlns:adec="http://schemas.microsoft.com/office/drawing/2017/decorative" val="1"/>
+                </a:ext>
+              </a:extLst>
+            </p:cNvPr>
+            <p:cNvSpPr/>
+            <p:nvPr>
+              <p:extLst>
+                <p:ext uri="{386F3935-93C4-4BCD-93E2-E3B085C9AB24}">
+                  <p16:designElem xmlns:p16="http://schemas.microsoft.com/office/powerpoint/2015/main" val="1"/>
+                </p:ext>
+              </p:extLst>
+            </p:nvPr>
+          </p:nvSpPr>
+          <p:spPr>
+            <a:xfrm>
+              <a:off x="9334500" y="-8467"/>
+              <a:ext cx="2854326" cy="6866467"/>
+            </a:xfrm>
+            <a:custGeom>
+              <a:avLst/>
+              <a:gdLst/>
+              <a:ahLst/>
+              <a:cxnLst/>
+              <a:rect l="l" t="t" r="r" b="b"/>
+              <a:pathLst>
+                <a:path w="2858013" h="6866467">
+                  <a:moveTo>
+                    <a:pt x="0" y="0"/>
+                  </a:moveTo>
+                  <a:lnTo>
+                    <a:pt x="2858013" y="0"/>
+                  </a:lnTo>
+                  <a:lnTo>
+                    <a:pt x="2858013" y="6866467"/>
+                  </a:lnTo>
+                  <a:lnTo>
+                    <a:pt x="2473942" y="6866467"/>
+                  </a:lnTo>
+                  <a:lnTo>
+                    <a:pt x="0" y="0"/>
+                  </a:lnTo>
+                  <a:close/>
+                </a:path>
+              </a:pathLst>
+            </a:custGeom>
+            <a:solidFill>
+              <a:schemeClr val="accent1">
+                <a:lumMod val="75000"/>
+                <a:alpha val="50000"/>
+              </a:schemeClr>
+            </a:solidFill>
+            <a:ln>
+              <a:noFill/>
+            </a:ln>
+            <a:effectLst/>
+          </p:spPr>
+          <p:style>
+            <a:lnRef idx="1">
+              <a:schemeClr val="accent1"/>
+            </a:lnRef>
+            <a:fillRef idx="3">
+              <a:schemeClr val="accent1"/>
+            </a:fillRef>
+            <a:effectRef idx="2">
+              <a:schemeClr val="accent1"/>
+            </a:effectRef>
+            <a:fontRef idx="minor">
+              <a:schemeClr val="lt1"/>
+            </a:fontRef>
+          </p:style>
+        </p:sp>
+        <p:sp>
+          <p:nvSpPr>
+            <p:cNvPr id="18" name="Rectangle 28">
+              <a:extLst>
+                <a:ext uri="{FF2B5EF4-FFF2-40B4-BE49-F238E27FC236}">
+                  <a16:creationId xmlns:a16="http://schemas.microsoft.com/office/drawing/2014/main" id="{E3B96D94-5F5A-4F4C-810C-917BF4D266C3}"/>
+                </a:ext>
+                <a:ext uri="{C183D7F6-B498-43B3-948B-1728B52AA6E4}">
+                  <adec:decorative xmlns:adec="http://schemas.microsoft.com/office/drawing/2017/decorative" val="1"/>
+                </a:ext>
+              </a:extLst>
+            </p:cNvPr>
+            <p:cNvSpPr/>
+            <p:nvPr>
+              <p:extLst>
+                <p:ext uri="{386F3935-93C4-4BCD-93E2-E3B085C9AB24}">
+                  <p16:designElem xmlns:p16="http://schemas.microsoft.com/office/powerpoint/2015/main" val="1"/>
+                </p:ext>
+              </p:extLst>
+            </p:nvPr>
+          </p:nvSpPr>
+          <p:spPr>
+            <a:xfrm>
+              <a:off x="10898730" y="-8467"/>
+              <a:ext cx="1290094" cy="6866467"/>
+            </a:xfrm>
+            <a:custGeom>
+              <a:avLst/>
+              <a:gdLst/>
+              <a:ahLst/>
+              <a:cxnLst/>
+              <a:rect l="l" t="t" r="r" b="b"/>
+              <a:pathLst>
+                <a:path w="1290094" h="6858000">
+                  <a:moveTo>
+                    <a:pt x="1019735" y="0"/>
+                  </a:moveTo>
+                  <a:lnTo>
+                    <a:pt x="1290094" y="0"/>
+                  </a:lnTo>
+                  <a:lnTo>
+                    <a:pt x="1290094" y="6858000"/>
+                  </a:lnTo>
+                  <a:lnTo>
+                    <a:pt x="0" y="6858000"/>
+                  </a:lnTo>
+                  <a:lnTo>
+                    <a:pt x="1019735" y="0"/>
+                  </a:lnTo>
+                  <a:close/>
+                </a:path>
+              </a:pathLst>
+            </a:custGeom>
+            <a:solidFill>
+              <a:schemeClr val="accent2">
+                <a:alpha val="70000"/>
+              </a:schemeClr>
+            </a:solidFill>
+            <a:ln>
+              <a:noFill/>
+            </a:ln>
+            <a:effectLst/>
+          </p:spPr>
+          <p:style>
+            <a:lnRef idx="1">
+              <a:schemeClr val="accent1"/>
+            </a:lnRef>
+            <a:fillRef idx="3">
+              <a:schemeClr val="accent1"/>
+            </a:fillRef>
+            <a:effectRef idx="2">
+              <a:schemeClr val="accent1"/>
+            </a:effectRef>
+            <a:fontRef idx="minor">
+              <a:schemeClr val="lt1"/>
+            </a:fontRef>
+          </p:style>
+        </p:sp>
+        <p:sp>
+          <p:nvSpPr>
+            <p:cNvPr id="19" name="Rectangle 29">
+              <a:extLst>
+                <a:ext uri="{FF2B5EF4-FFF2-40B4-BE49-F238E27FC236}">
+                  <a16:creationId xmlns:a16="http://schemas.microsoft.com/office/drawing/2014/main" id="{7F3782D6-BFF8-4389-9D39-A023ADAA92C1}"/>
+                </a:ext>
+                <a:ext uri="{C183D7F6-B498-43B3-948B-1728B52AA6E4}">
+                  <adec:decorative xmlns:adec="http://schemas.microsoft.com/office/drawing/2017/decorative" val="1"/>
+                </a:ext>
+              </a:extLst>
+            </p:cNvPr>
+            <p:cNvSpPr/>
+            <p:nvPr>
+              <p:extLst>
+                <p:ext uri="{386F3935-93C4-4BCD-93E2-E3B085C9AB24}">
+                  <p16:designElem xmlns:p16="http://schemas.microsoft.com/office/powerpoint/2015/main" val="1"/>
+                </p:ext>
+              </p:extLst>
+            </p:nvPr>
+          </p:nvSpPr>
+          <p:spPr>
+            <a:xfrm>
+              <a:off x="10938999" y="-8467"/>
+              <a:ext cx="1249825" cy="6866467"/>
+            </a:xfrm>
+            <a:custGeom>
+              <a:avLst/>
+              <a:gdLst/>
+              <a:ahLst/>
+              <a:cxnLst/>
+              <a:rect l="l" t="t" r="r" b="b"/>
+              <a:pathLst>
+                <a:path w="1249825" h="6858000">
+                  <a:moveTo>
+                    <a:pt x="0" y="0"/>
+                  </a:moveTo>
+                  <a:lnTo>
+                    <a:pt x="1249825" y="0"/>
+                  </a:lnTo>
+                  <a:lnTo>
+                    <a:pt x="1249825" y="6858000"/>
+                  </a:lnTo>
+                  <a:lnTo>
+                    <a:pt x="1109382" y="6858000"/>
+                  </a:lnTo>
+                  <a:lnTo>
+                    <a:pt x="0" y="0"/>
+                  </a:lnTo>
+                  <a:close/>
+                </a:path>
+              </a:pathLst>
+            </a:custGeom>
+            <a:solidFill>
+              <a:schemeClr val="accent2">
+                <a:lumMod val="75000"/>
+                <a:alpha val="80000"/>
+              </a:schemeClr>
+            </a:solidFill>
+            <a:ln>
+              <a:noFill/>
+            </a:ln>
+            <a:effectLst/>
+          </p:spPr>
+          <p:style>
+            <a:lnRef idx="1">
+              <a:schemeClr val="accent1"/>
+            </a:lnRef>
+            <a:fillRef idx="3">
+              <a:schemeClr val="accent1"/>
+            </a:fillRef>
+            <a:effectRef idx="2">
+              <a:schemeClr val="accent1"/>
+            </a:effectRef>
+            <a:fontRef idx="minor">
+              <a:schemeClr val="lt1"/>
+            </a:fontRef>
+          </p:style>
+        </p:sp>
+        <p:sp>
+          <p:nvSpPr>
+            <p:cNvPr id="20" name="Isosceles Triangle 19">
+              <a:extLst>
+                <a:ext uri="{FF2B5EF4-FFF2-40B4-BE49-F238E27FC236}">
+                  <a16:creationId xmlns:a16="http://schemas.microsoft.com/office/drawing/2014/main" id="{ECE162D4-FCAE-441B-B5E9-C91DE62124EF}"/>
+                </a:ext>
+                <a:ext uri="{C183D7F6-B498-43B3-948B-1728B52AA6E4}">
+                  <adec:decorative xmlns:adec="http://schemas.microsoft.com/office/drawing/2017/decorative" val="1"/>
+                </a:ext>
+              </a:extLst>
+            </p:cNvPr>
+            <p:cNvSpPr/>
+            <p:nvPr>
+              <p:extLst>
+                <p:ext uri="{386F3935-93C4-4BCD-93E2-E3B085C9AB24}">
+                  <p16:designElem xmlns:p16="http://schemas.microsoft.com/office/powerpoint/2015/main" val="1"/>
+                </p:ext>
+              </p:extLst>
+            </p:nvPr>
+          </p:nvSpPr>
+          <p:spPr>
+            <a:xfrm>
+              <a:off x="10371666" y="3589867"/>
+              <a:ext cx="1817159" cy="3268133"/>
+            </a:xfrm>
+            <a:prstGeom prst="triangle">
+              <a:avLst>
+                <a:gd name="adj" fmla="val 100000"/>
+              </a:avLst>
+            </a:prstGeom>
+            <a:solidFill>
+              <a:schemeClr val="accent1">
+                <a:lumMod val="75000"/>
+                <a:alpha val="66000"/>
+              </a:schemeClr>
+            </a:solidFill>
+            <a:ln>
+              <a:noFill/>
+            </a:ln>
+            <a:effectLst/>
+          </p:spPr>
+          <p:style>
+            <a:lnRef idx="1">
+              <a:schemeClr val="accent1"/>
+            </a:lnRef>
+            <a:fillRef idx="3">
+              <a:schemeClr val="accent1"/>
+            </a:fillRef>
+            <a:effectRef idx="2">
+              <a:schemeClr val="accent1"/>
+            </a:effectRef>
+            <a:fontRef idx="minor">
+              <a:schemeClr val="lt1"/>
+            </a:fontRef>
+          </p:style>
+        </p:sp>
+      </p:grpSp>
+      <p:sp>
+        <p:nvSpPr>
+          <p:cNvPr id="2" name="Titel 1">
+            <a:extLst>
+              <a:ext uri="{FF2B5EF4-FFF2-40B4-BE49-F238E27FC236}">
+                <a16:creationId xmlns:a16="http://schemas.microsoft.com/office/drawing/2014/main" id="{61DAFEA5-F63C-40E5-AA3F-5E2BD5D0A05E}"/>
+              </a:ext>
+            </a:extLst>
+          </p:cNvPr>
+          <p:cNvSpPr>
+            <a:spLocks noGrp="1"/>
+          </p:cNvSpPr>
+          <p:nvPr>
+            <p:ph type="title"/>
+          </p:nvPr>
+        </p:nvSpPr>
+        <p:spPr>
+          <a:xfrm>
+            <a:off x="4974337" y="1265314"/>
+            <a:ext cx="4299666" cy="3249131"/>
+          </a:xfrm>
+        </p:spPr>
+        <p:txBody>
+          <a:bodyPr vert="horz" lIns="91440" tIns="45720" rIns="91440" bIns="45720" rtlCol="0" anchor="b">
+            <a:normAutofit/>
+          </a:bodyPr>
+          <a:lstStyle/>
+          <a:p>
+            <a:r>
+              <a:rPr lang="en-US" sz="5400"/>
+              <a:t>Demo</a:t>
+            </a:r>
+          </a:p>
+        </p:txBody>
+      </p:sp>
+      <p:sp>
+        <p:nvSpPr>
+          <p:cNvPr id="22" name="Isosceles Triangle 21">
+            <a:extLst>
+              <a:ext uri="{FF2B5EF4-FFF2-40B4-BE49-F238E27FC236}">
+                <a16:creationId xmlns:a16="http://schemas.microsoft.com/office/drawing/2014/main" id="{DC99427B-A97E-40A3-B1FD-4557346C6A91}"/>
+              </a:ext>
+              <a:ext uri="{C183D7F6-B498-43B3-948B-1728B52AA6E4}">
+                <adec:decorative xmlns:adec="http://schemas.microsoft.com/office/drawing/2017/decorative" val="1"/>
+              </a:ext>
+            </a:extLst>
+          </p:cNvPr>
+          <p:cNvSpPr>
+            <a:spLocks noGrp="1" noRot="1" noChangeAspect="1" noMove="1" noResize="1" noEditPoints="1" noAdjustHandles="1" noChangeArrowheads="1" noChangeShapeType="1" noTextEdit="1"/>
+          </p:cNvSpPr>
+          <p:nvPr>
+            <p:extLst>
+              <p:ext uri="{386F3935-93C4-4BCD-93E2-E3B085C9AB24}">
+                <p16:designElem xmlns:p16="http://schemas.microsoft.com/office/powerpoint/2015/main" val="1"/>
+              </p:ext>
+            </p:extLst>
+          </p:nvPr>
+        </p:nvSpPr>
+        <p:spPr>
+          <a:xfrm rot="10800000">
+            <a:off x="3174" y="12700"/>
+            <a:ext cx="842596" cy="5666154"/>
+          </a:xfrm>
+          <a:prstGeom prst="triangle">
+            <a:avLst>
+              <a:gd name="adj" fmla="val 100000"/>
+            </a:avLst>
+          </a:prstGeom>
+          <a:solidFill>
+            <a:schemeClr val="accent1">
+              <a:alpha val="85000"/>
+            </a:schemeClr>
+          </a:solidFill>
+          <a:ln>
+            <a:noFill/>
+          </a:ln>
+          <a:effectLst/>
+        </p:spPr>
+        <p:style>
+          <a:lnRef idx="1">
+            <a:schemeClr val="accent1"/>
+          </a:lnRef>
+          <a:fillRef idx="3">
+            <a:schemeClr val="accent1"/>
+          </a:fillRef>
+          <a:effectRef idx="2">
+            <a:schemeClr val="accent1"/>
+          </a:effectRef>
+          <a:fontRef idx="minor">
+            <a:schemeClr val="lt1"/>
+          </a:fontRef>
+        </p:style>
+      </p:sp>
+      <p:pic>
+        <p:nvPicPr>
+          <p:cNvPr id="7" name="Graphic 6">
+            <a:extLst>
+              <a:ext uri="{FF2B5EF4-FFF2-40B4-BE49-F238E27FC236}">
+                <a16:creationId xmlns:a16="http://schemas.microsoft.com/office/drawing/2014/main" id="{7DB088DA-8CA5-44A3-80FB-4CD5B45AF08A}"/>
+              </a:ext>
+            </a:extLst>
+          </p:cNvPr>
+          <p:cNvPicPr>
+            <a:picLocks noChangeAspect="1"/>
+          </p:cNvPicPr>
+          <p:nvPr/>
+        </p:nvPicPr>
+        <p:blipFill>
+          <a:blip r:embed="rId2">
+            <a:extLst>
+              <a:ext uri="{28A0092B-C50C-407E-A947-70E740481C1C}">
+                <a14:useLocalDpi xmlns:a14="http://schemas.microsoft.com/office/drawing/2010/main" val="0"/>
+              </a:ext>
+              <a:ext uri="{96DAC541-7B7A-43D3-8B79-37D633B846F1}">
+                <asvg:svgBlip xmlns:asvg="http://schemas.microsoft.com/office/drawing/2016/SVG/main" r:embed="rId3"/>
+              </a:ext>
+            </a:extLst>
+          </a:blip>
+          <a:stretch>
+            <a:fillRect/>
+          </a:stretch>
+        </p:blipFill>
+        <p:spPr>
+          <a:xfrm>
+            <a:off x="888604" y="1550139"/>
+            <a:ext cx="3765692" cy="3765692"/>
+          </a:xfrm>
+          <a:prstGeom prst="rect">
+            <a:avLst/>
+          </a:prstGeom>
+        </p:spPr>
+      </p:pic>
+    </p:spTree>
+    <p:extLst>
+      <p:ext uri="{BB962C8B-B14F-4D97-AF65-F5344CB8AC3E}">
+        <p14:creationId xmlns:p14="http://schemas.microsoft.com/office/powerpoint/2010/main" val="819716599"/>
+      </p:ext>
+    </p:extLst>
+  </p:cSld>
+  <p:clrMapOvr>
+    <a:masterClrMapping/>
+  </p:clrMapOvr>
+</p:sld>
+</file>
+
+<file path=ppt/slides/slide11.xml><?xml version="1.0" encoding="utf-8"?>
+<p:sld xmlns:a="http://schemas.openxmlformats.org/drawingml/2006/main" xmlns:r="http://schemas.openxmlformats.org/officeDocument/2006/relationships" xmlns:p="http://schemas.openxmlformats.org/presentationml/2006/main">
+  <p:cSld>
+    <p:bg>
+      <p:bgPr>
+        <a:solidFill>
+          <a:schemeClr val="bg1"/>
+        </a:solidFill>
+        <a:effectLst/>
+      </p:bgPr>
+    </p:bg>
+    <p:spTree>
+      <p:nvGrpSpPr>
+        <p:cNvPr id="1" name=""/>
+        <p:cNvGrpSpPr/>
+        <p:nvPr/>
+      </p:nvGrpSpPr>
+      <p:grpSpPr>
+        <a:xfrm>
+          <a:off x="0" y="0"/>
+          <a:ext cx="0" cy="0"/>
+          <a:chOff x="0" y="0"/>
+          <a:chExt cx="0" cy="0"/>
+        </a:xfrm>
+      </p:grpSpPr>
+      <p:grpSp>
+        <p:nvGrpSpPr>
           <p:cNvPr id="8" name="Group 7">
             <a:extLst>
               <a:ext uri="{FF2B5EF4-FFF2-40B4-BE49-F238E27FC236}">
@@ -14001,7 +14900,7 @@
             <p:ph idx="1"/>
             <p:extLst>
               <p:ext uri="{D42A27DB-BD31-4B8C-83A1-F6EECF244321}">
-                <p14:modId xmlns:p14="http://schemas.microsoft.com/office/powerpoint/2010/main" val="520952887"/>
+                <p14:modId xmlns:p14="http://schemas.microsoft.com/office/powerpoint/2010/main" val="1563302117"/>
               </p:ext>
             </p:extLst>
           </p:nvPr>
@@ -14141,6 +15040,164 @@
     </p:spTree>
     <p:extLst>
       <p:ext uri="{BB962C8B-B14F-4D97-AF65-F5344CB8AC3E}">
+        <p14:creationId xmlns:p14="http://schemas.microsoft.com/office/powerpoint/2010/main" val="3818973746"/>
+      </p:ext>
+    </p:extLst>
+  </p:cSld>
+  <p:clrMapOvr>
+    <a:masterClrMapping/>
+  </p:clrMapOvr>
+</p:sld>
+</file>
+
+<file path=ppt/slides/slide8.xml><?xml version="1.0" encoding="utf-8"?>
+<p:sld xmlns:a="http://schemas.openxmlformats.org/drawingml/2006/main" xmlns:r="http://schemas.openxmlformats.org/officeDocument/2006/relationships" xmlns:p="http://schemas.openxmlformats.org/presentationml/2006/main">
+  <p:cSld>
+    <p:spTree>
+      <p:nvGrpSpPr>
+        <p:cNvPr id="1" name=""/>
+        <p:cNvGrpSpPr/>
+        <p:nvPr/>
+      </p:nvGrpSpPr>
+      <p:grpSpPr>
+        <a:xfrm>
+          <a:off x="0" y="0"/>
+          <a:ext cx="0" cy="0"/>
+          <a:chOff x="0" y="0"/>
+          <a:chExt cx="0" cy="0"/>
+        </a:xfrm>
+      </p:grpSpPr>
+      <p:sp>
+        <p:nvSpPr>
+          <p:cNvPr id="2" name="Titel 1">
+            <a:extLst>
+              <a:ext uri="{FF2B5EF4-FFF2-40B4-BE49-F238E27FC236}">
+                <a16:creationId xmlns:a16="http://schemas.microsoft.com/office/drawing/2014/main" id="{EBE08393-8DFF-46D0-800D-B5ACD64AF93D}"/>
+              </a:ext>
+            </a:extLst>
+          </p:cNvPr>
+          <p:cNvSpPr>
+            <a:spLocks noGrp="1"/>
+          </p:cNvSpPr>
+          <p:nvPr>
+            <p:ph type="title"/>
+          </p:nvPr>
+        </p:nvSpPr>
+        <p:spPr/>
+        <p:txBody>
+          <a:bodyPr/>
+          <a:lstStyle/>
+          <a:p>
+            <a:r>
+              <a:rPr lang="de-DE" dirty="0"/>
+              <a:t>Implementation</a:t>
+            </a:r>
+          </a:p>
+        </p:txBody>
+      </p:sp>
+      <p:sp>
+        <p:nvSpPr>
+          <p:cNvPr id="4" name="Inhaltsplatzhalter 3">
+            <a:extLst>
+              <a:ext uri="{FF2B5EF4-FFF2-40B4-BE49-F238E27FC236}">
+                <a16:creationId xmlns:a16="http://schemas.microsoft.com/office/drawing/2014/main" id="{40A506D3-087F-4317-A2F1-F990949B5EBD}"/>
+              </a:ext>
+            </a:extLst>
+          </p:cNvPr>
+          <p:cNvSpPr>
+            <a:spLocks noGrp="1"/>
+          </p:cNvSpPr>
+          <p:nvPr>
+            <p:ph idx="1"/>
+          </p:nvPr>
+        </p:nvSpPr>
+        <p:spPr>
+          <a:xfrm>
+            <a:off x="677334" y="2160589"/>
+            <a:ext cx="8596668" cy="3308055"/>
+          </a:xfrm>
+        </p:spPr>
+        <p:txBody>
+          <a:bodyPr/>
+          <a:lstStyle/>
+          <a:p>
+            <a:r>
+              <a:rPr lang="de-DE" dirty="0"/>
+              <a:t>Interrupt</a:t>
+            </a:r>
+          </a:p>
+          <a:p>
+            <a:pPr lvl="1"/>
+            <a:r>
+              <a:rPr lang="de-DE" dirty="0"/>
+              <a:t>Prüft ob zu früh gedrückt </a:t>
+            </a:r>
+            <a:br>
+              <a:rPr lang="de-DE" dirty="0"/>
+            </a:br>
+            <a:r>
+              <a:rPr lang="de-DE" dirty="0"/>
+              <a:t>wurde</a:t>
+            </a:r>
+          </a:p>
+          <a:p>
+            <a:r>
+              <a:rPr lang="de-DE" dirty="0" err="1"/>
+              <a:t>Timer</a:t>
+            </a:r>
+            <a:endParaRPr lang="de-DE" dirty="0"/>
+          </a:p>
+          <a:p>
+            <a:pPr lvl="1"/>
+            <a:r>
+              <a:rPr lang="de-DE" dirty="0"/>
+              <a:t>Setzt LED und R7</a:t>
+            </a:r>
+          </a:p>
+          <a:p>
+            <a:endParaRPr lang="de-DE" dirty="0"/>
+          </a:p>
+          <a:p>
+            <a:endParaRPr lang="de-DE" dirty="0"/>
+          </a:p>
+          <a:p>
+            <a:endParaRPr lang="de-DE" dirty="0"/>
+          </a:p>
+        </p:txBody>
+      </p:sp>
+      <p:pic>
+        <p:nvPicPr>
+          <p:cNvPr id="3" name="Grafik 2">
+            <a:extLst>
+              <a:ext uri="{FF2B5EF4-FFF2-40B4-BE49-F238E27FC236}">
+                <a16:creationId xmlns:a16="http://schemas.microsoft.com/office/drawing/2014/main" id="{AD7FAB27-F2AE-4B8B-BF4E-86E8C747FF3B}"/>
+              </a:ext>
+            </a:extLst>
+          </p:cNvPr>
+          <p:cNvPicPr>
+            <a:picLocks noChangeAspect="1"/>
+          </p:cNvPicPr>
+          <p:nvPr/>
+        </p:nvPicPr>
+        <p:blipFill>
+          <a:blip r:embed="rId2"/>
+          <a:stretch>
+            <a:fillRect/>
+          </a:stretch>
+        </p:blipFill>
+        <p:spPr>
+          <a:xfrm>
+            <a:off x="4495800" y="2181225"/>
+            <a:ext cx="3200400" cy="2495550"/>
+          </a:xfrm>
+          <a:prstGeom prst="rect">
+            <a:avLst/>
+          </a:prstGeom>
+        </p:spPr>
+      </p:pic>
+    </p:spTree>
+    <p:extLst>
+      <p:ext uri="{BB962C8B-B14F-4D97-AF65-F5344CB8AC3E}">
         <p14:creationId xmlns:p14="http://schemas.microsoft.com/office/powerpoint/2010/main" val="2323375115"/>
       </p:ext>
     </p:extLst>
@@ -14151,7 +15208,7 @@
 </p:sld>
 </file>
 
-<file path=ppt/slides/slide8.xml><?xml version="1.0" encoding="utf-8"?>
+<file path=ppt/slides/slide9.xml><?xml version="1.0" encoding="utf-8"?>
 <p:sld xmlns:a="http://schemas.openxmlformats.org/drawingml/2006/main" xmlns:r="http://schemas.openxmlformats.org/officeDocument/2006/relationships" xmlns:p="http://schemas.openxmlformats.org/presentationml/2006/main">
   <p:cSld>
     <p:spTree>
@@ -14234,896 +15291,6 @@
     <p:extLst>
       <p:ext uri="{BB962C8B-B14F-4D97-AF65-F5344CB8AC3E}">
         <p14:creationId xmlns:p14="http://schemas.microsoft.com/office/powerpoint/2010/main" val="1120401153"/>
-      </p:ext>
-    </p:extLst>
-  </p:cSld>
-  <p:clrMapOvr>
-    <a:masterClrMapping/>
-  </p:clrMapOvr>
-</p:sld>
-</file>
-
-<file path=ppt/slides/slide9.xml><?xml version="1.0" encoding="utf-8"?>
-<p:sld xmlns:a="http://schemas.openxmlformats.org/drawingml/2006/main" xmlns:r="http://schemas.openxmlformats.org/officeDocument/2006/relationships" xmlns:p="http://schemas.openxmlformats.org/presentationml/2006/main">
-  <p:cSld>
-    <p:bg>
-      <p:bgPr>
-        <a:solidFill>
-          <a:schemeClr val="bg1"/>
-        </a:solidFill>
-        <a:effectLst/>
-      </p:bgPr>
-    </p:bg>
-    <p:spTree>
-      <p:nvGrpSpPr>
-        <p:cNvPr id="1" name=""/>
-        <p:cNvGrpSpPr/>
-        <p:nvPr/>
-      </p:nvGrpSpPr>
-      <p:grpSpPr>
-        <a:xfrm>
-          <a:off x="0" y="0"/>
-          <a:ext cx="0" cy="0"/>
-          <a:chOff x="0" y="0"/>
-          <a:chExt cx="0" cy="0"/>
-        </a:xfrm>
-      </p:grpSpPr>
-      <p:grpSp>
-        <p:nvGrpSpPr>
-          <p:cNvPr id="10" name="Group 9">
-            <a:extLst>
-              <a:ext uri="{FF2B5EF4-FFF2-40B4-BE49-F238E27FC236}">
-                <a16:creationId xmlns:a16="http://schemas.microsoft.com/office/drawing/2014/main" id="{4815A7B4-532E-48C9-AC24-D78ACF3339DB}"/>
-              </a:ext>
-              <a:ext uri="{C183D7F6-B498-43B3-948B-1728B52AA6E4}">
-                <adec:decorative xmlns:adec="http://schemas.microsoft.com/office/drawing/2017/decorative" val="1"/>
-              </a:ext>
-            </a:extLst>
-          </p:cNvPr>
-          <p:cNvGrpSpPr>
-            <a:grpSpLocks noGrp="1" noUngrp="1" noRot="1" noChangeAspect="1" noMove="1" noResize="1"/>
-          </p:cNvGrpSpPr>
-          <p:nvPr>
-            <p:extLst>
-              <p:ext uri="{386F3935-93C4-4BCD-93E2-E3B085C9AB24}">
-                <p16:designElem xmlns:p16="http://schemas.microsoft.com/office/powerpoint/2015/main" val="1"/>
-              </p:ext>
-            </p:extLst>
-          </p:nvPr>
-        </p:nvGrpSpPr>
-        <p:grpSpPr>
-          <a:xfrm>
-            <a:off x="0" y="-8467"/>
-            <a:ext cx="12192000" cy="6866467"/>
-            <a:chOff x="0" y="-8467"/>
-            <a:chExt cx="12192000" cy="6866467"/>
-          </a:xfrm>
-        </p:grpSpPr>
-        <p:sp>
-          <p:nvSpPr>
-            <p:cNvPr id="11" name="Freeform 14">
-              <a:extLst>
-                <a:ext uri="{FF2B5EF4-FFF2-40B4-BE49-F238E27FC236}">
-                  <a16:creationId xmlns:a16="http://schemas.microsoft.com/office/drawing/2014/main" id="{D40109F4-CE5C-45F4-856E-F3F69C9FD4E1}"/>
-                </a:ext>
-                <a:ext uri="{C183D7F6-B498-43B3-948B-1728B52AA6E4}">
-                  <adec:decorative xmlns:adec="http://schemas.microsoft.com/office/drawing/2017/decorative" val="1"/>
-                </a:ext>
-              </a:extLst>
-            </p:cNvPr>
-            <p:cNvSpPr/>
-            <p:nvPr>
-              <p:extLst>
-                <p:ext uri="{386F3935-93C4-4BCD-93E2-E3B085C9AB24}">
-                  <p16:designElem xmlns:p16="http://schemas.microsoft.com/office/powerpoint/2015/main" val="1"/>
-                </p:ext>
-              </p:extLst>
-            </p:nvPr>
-          </p:nvSpPr>
-          <p:spPr>
-            <a:xfrm>
-              <a:off x="0" y="-7862"/>
-              <a:ext cx="863600" cy="5698067"/>
-            </a:xfrm>
-            <a:custGeom>
-              <a:avLst/>
-              <a:gdLst/>
-              <a:ahLst/>
-              <a:cxnLst/>
-              <a:rect l="l" t="t" r="r" b="b"/>
-              <a:pathLst>
-                <a:path w="863600" h="5698067">
-                  <a:moveTo>
-                    <a:pt x="0" y="8467"/>
-                  </a:moveTo>
-                  <a:lnTo>
-                    <a:pt x="863600" y="0"/>
-                  </a:lnTo>
-                  <a:lnTo>
-                    <a:pt x="863600" y="16934"/>
-                  </a:lnTo>
-                  <a:lnTo>
-                    <a:pt x="0" y="5698067"/>
-                  </a:lnTo>
-                  <a:lnTo>
-                    <a:pt x="0" y="8467"/>
-                  </a:lnTo>
-                  <a:close/>
-                </a:path>
-              </a:pathLst>
-            </a:custGeom>
-            <a:solidFill>
-              <a:schemeClr val="accent1">
-                <a:alpha val="70000"/>
-              </a:schemeClr>
-            </a:solidFill>
-            <a:ln>
-              <a:noFill/>
-            </a:ln>
-            <a:effectLst/>
-          </p:spPr>
-          <p:style>
-            <a:lnRef idx="1">
-              <a:schemeClr val="accent1"/>
-            </a:lnRef>
-            <a:fillRef idx="3">
-              <a:schemeClr val="accent1"/>
-            </a:fillRef>
-            <a:effectRef idx="2">
-              <a:schemeClr val="accent1"/>
-            </a:effectRef>
-            <a:fontRef idx="minor">
-              <a:schemeClr val="lt1"/>
-            </a:fontRef>
-          </p:style>
-        </p:sp>
-        <p:cxnSp>
-          <p:nvCxnSpPr>
-            <p:cNvPr id="12" name="Straight Connector 11">
-              <a:extLst>
-                <a:ext uri="{FF2B5EF4-FFF2-40B4-BE49-F238E27FC236}">
-                  <a16:creationId xmlns:a16="http://schemas.microsoft.com/office/drawing/2014/main" id="{3CBAA4DE-3D7B-460B-AE98-D9F9990C0B62}"/>
-                </a:ext>
-                <a:ext uri="{C183D7F6-B498-43B3-948B-1728B52AA6E4}">
-                  <adec:decorative xmlns:adec="http://schemas.microsoft.com/office/drawing/2017/decorative" val="1"/>
-                </a:ext>
-              </a:extLst>
-            </p:cNvPr>
-            <p:cNvCxnSpPr/>
-            <p:nvPr>
-              <p:extLst>
-                <p:ext uri="{386F3935-93C4-4BCD-93E2-E3B085C9AB24}">
-                  <p16:designElem xmlns:p16="http://schemas.microsoft.com/office/powerpoint/2015/main" val="1"/>
-                </p:ext>
-              </p:extLst>
-            </p:nvPr>
-          </p:nvCxnSpPr>
-          <p:spPr>
-            <a:xfrm>
-              <a:off x="9371012" y="0"/>
-              <a:ext cx="1219200" cy="6858000"/>
-            </a:xfrm>
-            <a:prstGeom prst="line">
-              <a:avLst/>
-            </a:prstGeom>
-            <a:ln w="9525">
-              <a:solidFill>
-                <a:schemeClr val="accent1">
-                  <a:alpha val="70000"/>
-                </a:schemeClr>
-              </a:solidFill>
-            </a:ln>
-          </p:spPr>
-          <p:style>
-            <a:lnRef idx="2">
-              <a:schemeClr val="accent1"/>
-            </a:lnRef>
-            <a:fillRef idx="0">
-              <a:schemeClr val="accent1"/>
-            </a:fillRef>
-            <a:effectRef idx="1">
-              <a:schemeClr val="accent1"/>
-            </a:effectRef>
-            <a:fontRef idx="minor">
-              <a:schemeClr val="tx1"/>
-            </a:fontRef>
-          </p:style>
-        </p:cxnSp>
-        <p:cxnSp>
-          <p:nvCxnSpPr>
-            <p:cNvPr id="13" name="Straight Connector 12">
-              <a:extLst>
-                <a:ext uri="{FF2B5EF4-FFF2-40B4-BE49-F238E27FC236}">
-                  <a16:creationId xmlns:a16="http://schemas.microsoft.com/office/drawing/2014/main" id="{7BF1ED3E-4F80-4AF6-A41B-44F53DDE610D}"/>
-                </a:ext>
-                <a:ext uri="{C183D7F6-B498-43B3-948B-1728B52AA6E4}">
-                  <adec:decorative xmlns:adec="http://schemas.microsoft.com/office/drawing/2017/decorative" val="1"/>
-                </a:ext>
-              </a:extLst>
-            </p:cNvPr>
-            <p:cNvCxnSpPr/>
-            <p:nvPr>
-              <p:extLst>
-                <p:ext uri="{386F3935-93C4-4BCD-93E2-E3B085C9AB24}">
-                  <p16:designElem xmlns:p16="http://schemas.microsoft.com/office/powerpoint/2015/main" val="1"/>
-                </p:ext>
-              </p:extLst>
-            </p:nvPr>
-          </p:nvCxnSpPr>
-          <p:spPr>
-            <a:xfrm flipH="1">
-              <a:off x="7425267" y="3681413"/>
-              <a:ext cx="4763558" cy="3176587"/>
-            </a:xfrm>
-            <a:prstGeom prst="line">
-              <a:avLst/>
-            </a:prstGeom>
-            <a:ln w="9525">
-              <a:solidFill>
-                <a:schemeClr val="accent1">
-                  <a:alpha val="70000"/>
-                </a:schemeClr>
-              </a:solidFill>
-            </a:ln>
-          </p:spPr>
-          <p:style>
-            <a:lnRef idx="2">
-              <a:schemeClr val="accent1"/>
-            </a:lnRef>
-            <a:fillRef idx="0">
-              <a:schemeClr val="accent1"/>
-            </a:fillRef>
-            <a:effectRef idx="1">
-              <a:schemeClr val="accent1"/>
-            </a:effectRef>
-            <a:fontRef idx="minor">
-              <a:schemeClr val="tx1"/>
-            </a:fontRef>
-          </p:style>
-        </p:cxnSp>
-        <p:sp>
-          <p:nvSpPr>
-            <p:cNvPr id="14" name="Rectangle 23">
-              <a:extLst>
-                <a:ext uri="{FF2B5EF4-FFF2-40B4-BE49-F238E27FC236}">
-                  <a16:creationId xmlns:a16="http://schemas.microsoft.com/office/drawing/2014/main" id="{C0B2D747-3E31-45C5-9A98-A9710A585FBB}"/>
-                </a:ext>
-                <a:ext uri="{C183D7F6-B498-43B3-948B-1728B52AA6E4}">
-                  <adec:decorative xmlns:adec="http://schemas.microsoft.com/office/drawing/2017/decorative" val="1"/>
-                </a:ext>
-              </a:extLst>
-            </p:cNvPr>
-            <p:cNvSpPr/>
-            <p:nvPr>
-              <p:extLst>
-                <p:ext uri="{386F3935-93C4-4BCD-93E2-E3B085C9AB24}">
-                  <p16:designElem xmlns:p16="http://schemas.microsoft.com/office/powerpoint/2015/main" val="1"/>
-                </p:ext>
-              </p:extLst>
-            </p:nvPr>
-          </p:nvSpPr>
-          <p:spPr>
-            <a:xfrm>
-              <a:off x="9181476" y="-8467"/>
-              <a:ext cx="3007349" cy="6866467"/>
-            </a:xfrm>
-            <a:custGeom>
-              <a:avLst/>
-              <a:gdLst/>
-              <a:ahLst/>
-              <a:cxnLst/>
-              <a:rect l="l" t="t" r="r" b="b"/>
-              <a:pathLst>
-                <a:path w="3007349" h="6866467">
-                  <a:moveTo>
-                    <a:pt x="2045532" y="0"/>
-                  </a:moveTo>
-                  <a:lnTo>
-                    <a:pt x="3007349" y="0"/>
-                  </a:lnTo>
-                  <a:lnTo>
-                    <a:pt x="3007349" y="6866467"/>
-                  </a:lnTo>
-                  <a:lnTo>
-                    <a:pt x="0" y="6866467"/>
-                  </a:lnTo>
-                  <a:lnTo>
-                    <a:pt x="2045532" y="0"/>
-                  </a:lnTo>
-                  <a:close/>
-                </a:path>
-              </a:pathLst>
-            </a:custGeom>
-            <a:solidFill>
-              <a:schemeClr val="accent1">
-                <a:alpha val="36000"/>
-              </a:schemeClr>
-            </a:solidFill>
-            <a:ln>
-              <a:noFill/>
-            </a:ln>
-            <a:effectLst/>
-          </p:spPr>
-          <p:style>
-            <a:lnRef idx="1">
-              <a:schemeClr val="accent1"/>
-            </a:lnRef>
-            <a:fillRef idx="3">
-              <a:schemeClr val="accent1"/>
-            </a:fillRef>
-            <a:effectRef idx="2">
-              <a:schemeClr val="accent1"/>
-            </a:effectRef>
-            <a:fontRef idx="minor">
-              <a:schemeClr val="lt1"/>
-            </a:fontRef>
-          </p:style>
-        </p:sp>
-        <p:sp>
-          <p:nvSpPr>
-            <p:cNvPr id="15" name="Rectangle 25">
-              <a:extLst>
-                <a:ext uri="{FF2B5EF4-FFF2-40B4-BE49-F238E27FC236}">
-                  <a16:creationId xmlns:a16="http://schemas.microsoft.com/office/drawing/2014/main" id="{A15FD4BA-3020-462D-8BE8-B3A65B8E492A}"/>
-                </a:ext>
-                <a:ext uri="{C183D7F6-B498-43B3-948B-1728B52AA6E4}">
-                  <adec:decorative xmlns:adec="http://schemas.microsoft.com/office/drawing/2017/decorative" val="1"/>
-                </a:ext>
-              </a:extLst>
-            </p:cNvPr>
-            <p:cNvSpPr/>
-            <p:nvPr>
-              <p:extLst>
-                <p:ext uri="{386F3935-93C4-4BCD-93E2-E3B085C9AB24}">
-                  <p16:designElem xmlns:p16="http://schemas.microsoft.com/office/powerpoint/2015/main" val="1"/>
-                </p:ext>
-              </p:extLst>
-            </p:nvPr>
-          </p:nvSpPr>
-          <p:spPr>
-            <a:xfrm>
-              <a:off x="9603442" y="-8467"/>
-              <a:ext cx="2588558" cy="6866467"/>
-            </a:xfrm>
-            <a:custGeom>
-              <a:avLst/>
-              <a:gdLst/>
-              <a:ahLst/>
-              <a:cxnLst/>
-              <a:rect l="l" t="t" r="r" b="b"/>
-              <a:pathLst>
-                <a:path w="2573311" h="6866467">
-                  <a:moveTo>
-                    <a:pt x="0" y="0"/>
-                  </a:moveTo>
-                  <a:lnTo>
-                    <a:pt x="2573311" y="0"/>
-                  </a:lnTo>
-                  <a:lnTo>
-                    <a:pt x="2573311" y="6866467"/>
-                  </a:lnTo>
-                  <a:lnTo>
-                    <a:pt x="1202336" y="6866467"/>
-                  </a:lnTo>
-                  <a:lnTo>
-                    <a:pt x="0" y="0"/>
-                  </a:lnTo>
-                  <a:close/>
-                </a:path>
-              </a:pathLst>
-            </a:custGeom>
-            <a:solidFill>
-              <a:schemeClr val="accent1">
-                <a:alpha val="20000"/>
-              </a:schemeClr>
-            </a:solidFill>
-            <a:ln>
-              <a:noFill/>
-            </a:ln>
-            <a:effectLst/>
-          </p:spPr>
-          <p:style>
-            <a:lnRef idx="1">
-              <a:schemeClr val="accent1"/>
-            </a:lnRef>
-            <a:fillRef idx="3">
-              <a:schemeClr val="accent1"/>
-            </a:fillRef>
-            <a:effectRef idx="2">
-              <a:schemeClr val="accent1"/>
-            </a:effectRef>
-            <a:fontRef idx="minor">
-              <a:schemeClr val="lt1"/>
-            </a:fontRef>
-          </p:style>
-        </p:sp>
-        <p:sp>
-          <p:nvSpPr>
-            <p:cNvPr id="16" name="Isosceles Triangle 15">
-              <a:extLst>
-                <a:ext uri="{FF2B5EF4-FFF2-40B4-BE49-F238E27FC236}">
-                  <a16:creationId xmlns:a16="http://schemas.microsoft.com/office/drawing/2014/main" id="{A304284A-7318-4DD5-898C-2F6B23C778FA}"/>
-                </a:ext>
-                <a:ext uri="{C183D7F6-B498-43B3-948B-1728B52AA6E4}">
-                  <adec:decorative xmlns:adec="http://schemas.microsoft.com/office/drawing/2017/decorative" val="1"/>
-                </a:ext>
-              </a:extLst>
-            </p:cNvPr>
-            <p:cNvSpPr/>
-            <p:nvPr>
-              <p:extLst>
-                <p:ext uri="{386F3935-93C4-4BCD-93E2-E3B085C9AB24}">
-                  <p16:designElem xmlns:p16="http://schemas.microsoft.com/office/powerpoint/2015/main" val="1"/>
-                </p:ext>
-              </p:extLst>
-            </p:nvPr>
-          </p:nvSpPr>
-          <p:spPr>
-            <a:xfrm>
-              <a:off x="8932333" y="3048000"/>
-              <a:ext cx="3259667" cy="3810000"/>
-            </a:xfrm>
-            <a:prstGeom prst="triangle">
-              <a:avLst>
-                <a:gd name="adj" fmla="val 100000"/>
-              </a:avLst>
-            </a:prstGeom>
-            <a:solidFill>
-              <a:schemeClr val="accent1">
-                <a:lumMod val="75000"/>
-                <a:alpha val="66000"/>
-              </a:schemeClr>
-            </a:solidFill>
-            <a:ln>
-              <a:noFill/>
-            </a:ln>
-            <a:effectLst/>
-          </p:spPr>
-          <p:style>
-            <a:lnRef idx="1">
-              <a:schemeClr val="accent1"/>
-            </a:lnRef>
-            <a:fillRef idx="3">
-              <a:schemeClr val="accent1"/>
-            </a:fillRef>
-            <a:effectRef idx="2">
-              <a:schemeClr val="accent1"/>
-            </a:effectRef>
-            <a:fontRef idx="minor">
-              <a:schemeClr val="lt1"/>
-            </a:fontRef>
-          </p:style>
-        </p:sp>
-        <p:sp>
-          <p:nvSpPr>
-            <p:cNvPr id="17" name="Rectangle 27">
-              <a:extLst>
-                <a:ext uri="{FF2B5EF4-FFF2-40B4-BE49-F238E27FC236}">
-                  <a16:creationId xmlns:a16="http://schemas.microsoft.com/office/drawing/2014/main" id="{9DF48E66-B635-4509-B115-E0987C014EBC}"/>
-                </a:ext>
-                <a:ext uri="{C183D7F6-B498-43B3-948B-1728B52AA6E4}">
-                  <adec:decorative xmlns:adec="http://schemas.microsoft.com/office/drawing/2017/decorative" val="1"/>
-                </a:ext>
-              </a:extLst>
-            </p:cNvPr>
-            <p:cNvSpPr/>
-            <p:nvPr>
-              <p:extLst>
-                <p:ext uri="{386F3935-93C4-4BCD-93E2-E3B085C9AB24}">
-                  <p16:designElem xmlns:p16="http://schemas.microsoft.com/office/powerpoint/2015/main" val="1"/>
-                </p:ext>
-              </p:extLst>
-            </p:nvPr>
-          </p:nvSpPr>
-          <p:spPr>
-            <a:xfrm>
-              <a:off x="9334500" y="-8467"/>
-              <a:ext cx="2854326" cy="6866467"/>
-            </a:xfrm>
-            <a:custGeom>
-              <a:avLst/>
-              <a:gdLst/>
-              <a:ahLst/>
-              <a:cxnLst/>
-              <a:rect l="l" t="t" r="r" b="b"/>
-              <a:pathLst>
-                <a:path w="2858013" h="6866467">
-                  <a:moveTo>
-                    <a:pt x="0" y="0"/>
-                  </a:moveTo>
-                  <a:lnTo>
-                    <a:pt x="2858013" y="0"/>
-                  </a:lnTo>
-                  <a:lnTo>
-                    <a:pt x="2858013" y="6866467"/>
-                  </a:lnTo>
-                  <a:lnTo>
-                    <a:pt x="2473942" y="6866467"/>
-                  </a:lnTo>
-                  <a:lnTo>
-                    <a:pt x="0" y="0"/>
-                  </a:lnTo>
-                  <a:close/>
-                </a:path>
-              </a:pathLst>
-            </a:custGeom>
-            <a:solidFill>
-              <a:schemeClr val="accent1">
-                <a:lumMod val="75000"/>
-                <a:alpha val="50000"/>
-              </a:schemeClr>
-            </a:solidFill>
-            <a:ln>
-              <a:noFill/>
-            </a:ln>
-            <a:effectLst/>
-          </p:spPr>
-          <p:style>
-            <a:lnRef idx="1">
-              <a:schemeClr val="accent1"/>
-            </a:lnRef>
-            <a:fillRef idx="3">
-              <a:schemeClr val="accent1"/>
-            </a:fillRef>
-            <a:effectRef idx="2">
-              <a:schemeClr val="accent1"/>
-            </a:effectRef>
-            <a:fontRef idx="minor">
-              <a:schemeClr val="lt1"/>
-            </a:fontRef>
-          </p:style>
-        </p:sp>
-        <p:sp>
-          <p:nvSpPr>
-            <p:cNvPr id="18" name="Rectangle 28">
-              <a:extLst>
-                <a:ext uri="{FF2B5EF4-FFF2-40B4-BE49-F238E27FC236}">
-                  <a16:creationId xmlns:a16="http://schemas.microsoft.com/office/drawing/2014/main" id="{E3B96D94-5F5A-4F4C-810C-917BF4D266C3}"/>
-                </a:ext>
-                <a:ext uri="{C183D7F6-B498-43B3-948B-1728B52AA6E4}">
-                  <adec:decorative xmlns:adec="http://schemas.microsoft.com/office/drawing/2017/decorative" val="1"/>
-                </a:ext>
-              </a:extLst>
-            </p:cNvPr>
-            <p:cNvSpPr/>
-            <p:nvPr>
-              <p:extLst>
-                <p:ext uri="{386F3935-93C4-4BCD-93E2-E3B085C9AB24}">
-                  <p16:designElem xmlns:p16="http://schemas.microsoft.com/office/powerpoint/2015/main" val="1"/>
-                </p:ext>
-              </p:extLst>
-            </p:nvPr>
-          </p:nvSpPr>
-          <p:spPr>
-            <a:xfrm>
-              <a:off x="10898730" y="-8467"/>
-              <a:ext cx="1290094" cy="6866467"/>
-            </a:xfrm>
-            <a:custGeom>
-              <a:avLst/>
-              <a:gdLst/>
-              <a:ahLst/>
-              <a:cxnLst/>
-              <a:rect l="l" t="t" r="r" b="b"/>
-              <a:pathLst>
-                <a:path w="1290094" h="6858000">
-                  <a:moveTo>
-                    <a:pt x="1019735" y="0"/>
-                  </a:moveTo>
-                  <a:lnTo>
-                    <a:pt x="1290094" y="0"/>
-                  </a:lnTo>
-                  <a:lnTo>
-                    <a:pt x="1290094" y="6858000"/>
-                  </a:lnTo>
-                  <a:lnTo>
-                    <a:pt x="0" y="6858000"/>
-                  </a:lnTo>
-                  <a:lnTo>
-                    <a:pt x="1019735" y="0"/>
-                  </a:lnTo>
-                  <a:close/>
-                </a:path>
-              </a:pathLst>
-            </a:custGeom>
-            <a:solidFill>
-              <a:schemeClr val="accent2">
-                <a:alpha val="70000"/>
-              </a:schemeClr>
-            </a:solidFill>
-            <a:ln>
-              <a:noFill/>
-            </a:ln>
-            <a:effectLst/>
-          </p:spPr>
-          <p:style>
-            <a:lnRef idx="1">
-              <a:schemeClr val="accent1"/>
-            </a:lnRef>
-            <a:fillRef idx="3">
-              <a:schemeClr val="accent1"/>
-            </a:fillRef>
-            <a:effectRef idx="2">
-              <a:schemeClr val="accent1"/>
-            </a:effectRef>
-            <a:fontRef idx="minor">
-              <a:schemeClr val="lt1"/>
-            </a:fontRef>
-          </p:style>
-        </p:sp>
-        <p:sp>
-          <p:nvSpPr>
-            <p:cNvPr id="19" name="Rectangle 29">
-              <a:extLst>
-                <a:ext uri="{FF2B5EF4-FFF2-40B4-BE49-F238E27FC236}">
-                  <a16:creationId xmlns:a16="http://schemas.microsoft.com/office/drawing/2014/main" id="{7F3782D6-BFF8-4389-9D39-A023ADAA92C1}"/>
-                </a:ext>
-                <a:ext uri="{C183D7F6-B498-43B3-948B-1728B52AA6E4}">
-                  <adec:decorative xmlns:adec="http://schemas.microsoft.com/office/drawing/2017/decorative" val="1"/>
-                </a:ext>
-              </a:extLst>
-            </p:cNvPr>
-            <p:cNvSpPr/>
-            <p:nvPr>
-              <p:extLst>
-                <p:ext uri="{386F3935-93C4-4BCD-93E2-E3B085C9AB24}">
-                  <p16:designElem xmlns:p16="http://schemas.microsoft.com/office/powerpoint/2015/main" val="1"/>
-                </p:ext>
-              </p:extLst>
-            </p:nvPr>
-          </p:nvSpPr>
-          <p:spPr>
-            <a:xfrm>
-              <a:off x="10938999" y="-8467"/>
-              <a:ext cx="1249825" cy="6866467"/>
-            </a:xfrm>
-            <a:custGeom>
-              <a:avLst/>
-              <a:gdLst/>
-              <a:ahLst/>
-              <a:cxnLst/>
-              <a:rect l="l" t="t" r="r" b="b"/>
-              <a:pathLst>
-                <a:path w="1249825" h="6858000">
-                  <a:moveTo>
-                    <a:pt x="0" y="0"/>
-                  </a:moveTo>
-                  <a:lnTo>
-                    <a:pt x="1249825" y="0"/>
-                  </a:lnTo>
-                  <a:lnTo>
-                    <a:pt x="1249825" y="6858000"/>
-                  </a:lnTo>
-                  <a:lnTo>
-                    <a:pt x="1109382" y="6858000"/>
-                  </a:lnTo>
-                  <a:lnTo>
-                    <a:pt x="0" y="0"/>
-                  </a:lnTo>
-                  <a:close/>
-                </a:path>
-              </a:pathLst>
-            </a:custGeom>
-            <a:solidFill>
-              <a:schemeClr val="accent2">
-                <a:lumMod val="75000"/>
-                <a:alpha val="80000"/>
-              </a:schemeClr>
-            </a:solidFill>
-            <a:ln>
-              <a:noFill/>
-            </a:ln>
-            <a:effectLst/>
-          </p:spPr>
-          <p:style>
-            <a:lnRef idx="1">
-              <a:schemeClr val="accent1"/>
-            </a:lnRef>
-            <a:fillRef idx="3">
-              <a:schemeClr val="accent1"/>
-            </a:fillRef>
-            <a:effectRef idx="2">
-              <a:schemeClr val="accent1"/>
-            </a:effectRef>
-            <a:fontRef idx="minor">
-              <a:schemeClr val="lt1"/>
-            </a:fontRef>
-          </p:style>
-        </p:sp>
-        <p:sp>
-          <p:nvSpPr>
-            <p:cNvPr id="20" name="Isosceles Triangle 19">
-              <a:extLst>
-                <a:ext uri="{FF2B5EF4-FFF2-40B4-BE49-F238E27FC236}">
-                  <a16:creationId xmlns:a16="http://schemas.microsoft.com/office/drawing/2014/main" id="{ECE162D4-FCAE-441B-B5E9-C91DE62124EF}"/>
-                </a:ext>
-                <a:ext uri="{C183D7F6-B498-43B3-948B-1728B52AA6E4}">
-                  <adec:decorative xmlns:adec="http://schemas.microsoft.com/office/drawing/2017/decorative" val="1"/>
-                </a:ext>
-              </a:extLst>
-            </p:cNvPr>
-            <p:cNvSpPr/>
-            <p:nvPr>
-              <p:extLst>
-                <p:ext uri="{386F3935-93C4-4BCD-93E2-E3B085C9AB24}">
-                  <p16:designElem xmlns:p16="http://schemas.microsoft.com/office/powerpoint/2015/main" val="1"/>
-                </p:ext>
-              </p:extLst>
-            </p:nvPr>
-          </p:nvSpPr>
-          <p:spPr>
-            <a:xfrm>
-              <a:off x="10371666" y="3589867"/>
-              <a:ext cx="1817159" cy="3268133"/>
-            </a:xfrm>
-            <a:prstGeom prst="triangle">
-              <a:avLst>
-                <a:gd name="adj" fmla="val 100000"/>
-              </a:avLst>
-            </a:prstGeom>
-            <a:solidFill>
-              <a:schemeClr val="accent1">
-                <a:lumMod val="75000"/>
-                <a:alpha val="66000"/>
-              </a:schemeClr>
-            </a:solidFill>
-            <a:ln>
-              <a:noFill/>
-            </a:ln>
-            <a:effectLst/>
-          </p:spPr>
-          <p:style>
-            <a:lnRef idx="1">
-              <a:schemeClr val="accent1"/>
-            </a:lnRef>
-            <a:fillRef idx="3">
-              <a:schemeClr val="accent1"/>
-            </a:fillRef>
-            <a:effectRef idx="2">
-              <a:schemeClr val="accent1"/>
-            </a:effectRef>
-            <a:fontRef idx="minor">
-              <a:schemeClr val="lt1"/>
-            </a:fontRef>
-          </p:style>
-        </p:sp>
-      </p:grpSp>
-      <p:sp>
-        <p:nvSpPr>
-          <p:cNvPr id="2" name="Titel 1">
-            <a:extLst>
-              <a:ext uri="{FF2B5EF4-FFF2-40B4-BE49-F238E27FC236}">
-                <a16:creationId xmlns:a16="http://schemas.microsoft.com/office/drawing/2014/main" id="{61DAFEA5-F63C-40E5-AA3F-5E2BD5D0A05E}"/>
-              </a:ext>
-            </a:extLst>
-          </p:cNvPr>
-          <p:cNvSpPr>
-            <a:spLocks noGrp="1"/>
-          </p:cNvSpPr>
-          <p:nvPr>
-            <p:ph type="title"/>
-          </p:nvPr>
-        </p:nvSpPr>
-        <p:spPr>
-          <a:xfrm>
-            <a:off x="4974337" y="1265314"/>
-            <a:ext cx="4299666" cy="3249131"/>
-          </a:xfrm>
-        </p:spPr>
-        <p:txBody>
-          <a:bodyPr vert="horz" lIns="91440" tIns="45720" rIns="91440" bIns="45720" rtlCol="0" anchor="b">
-            <a:normAutofit/>
-          </a:bodyPr>
-          <a:lstStyle/>
-          <a:p>
-            <a:r>
-              <a:rPr lang="en-US" sz="5400"/>
-              <a:t>Demo</a:t>
-            </a:r>
-          </a:p>
-        </p:txBody>
-      </p:sp>
-      <p:sp>
-        <p:nvSpPr>
-          <p:cNvPr id="22" name="Isosceles Triangle 21">
-            <a:extLst>
-              <a:ext uri="{FF2B5EF4-FFF2-40B4-BE49-F238E27FC236}">
-                <a16:creationId xmlns:a16="http://schemas.microsoft.com/office/drawing/2014/main" id="{DC99427B-A97E-40A3-B1FD-4557346C6A91}"/>
-              </a:ext>
-              <a:ext uri="{C183D7F6-B498-43B3-948B-1728B52AA6E4}">
-                <adec:decorative xmlns:adec="http://schemas.microsoft.com/office/drawing/2017/decorative" val="1"/>
-              </a:ext>
-            </a:extLst>
-          </p:cNvPr>
-          <p:cNvSpPr>
-            <a:spLocks noGrp="1" noRot="1" noChangeAspect="1" noMove="1" noResize="1" noEditPoints="1" noAdjustHandles="1" noChangeArrowheads="1" noChangeShapeType="1" noTextEdit="1"/>
-          </p:cNvSpPr>
-          <p:nvPr>
-            <p:extLst>
-              <p:ext uri="{386F3935-93C4-4BCD-93E2-E3B085C9AB24}">
-                <p16:designElem xmlns:p16="http://schemas.microsoft.com/office/powerpoint/2015/main" val="1"/>
-              </p:ext>
-            </p:extLst>
-          </p:nvPr>
-        </p:nvSpPr>
-        <p:spPr>
-          <a:xfrm rot="10800000">
-            <a:off x="3174" y="12700"/>
-            <a:ext cx="842596" cy="5666154"/>
-          </a:xfrm>
-          <a:prstGeom prst="triangle">
-            <a:avLst>
-              <a:gd name="adj" fmla="val 100000"/>
-            </a:avLst>
-          </a:prstGeom>
-          <a:solidFill>
-            <a:schemeClr val="accent1">
-              <a:alpha val="85000"/>
-            </a:schemeClr>
-          </a:solidFill>
-          <a:ln>
-            <a:noFill/>
-          </a:ln>
-          <a:effectLst/>
-        </p:spPr>
-        <p:style>
-          <a:lnRef idx="1">
-            <a:schemeClr val="accent1"/>
-          </a:lnRef>
-          <a:fillRef idx="3">
-            <a:schemeClr val="accent1"/>
-          </a:fillRef>
-          <a:effectRef idx="2">
-            <a:schemeClr val="accent1"/>
-          </a:effectRef>
-          <a:fontRef idx="minor">
-            <a:schemeClr val="lt1"/>
-          </a:fontRef>
-        </p:style>
-      </p:sp>
-      <p:pic>
-        <p:nvPicPr>
-          <p:cNvPr id="7" name="Graphic 6">
-            <a:extLst>
-              <a:ext uri="{FF2B5EF4-FFF2-40B4-BE49-F238E27FC236}">
-                <a16:creationId xmlns:a16="http://schemas.microsoft.com/office/drawing/2014/main" id="{7DB088DA-8CA5-44A3-80FB-4CD5B45AF08A}"/>
-              </a:ext>
-            </a:extLst>
-          </p:cNvPr>
-          <p:cNvPicPr>
-            <a:picLocks noChangeAspect="1"/>
-          </p:cNvPicPr>
-          <p:nvPr/>
-        </p:nvPicPr>
-        <p:blipFill>
-          <a:blip r:embed="rId2">
-            <a:extLst>
-              <a:ext uri="{28A0092B-C50C-407E-A947-70E740481C1C}">
-                <a14:useLocalDpi xmlns:a14="http://schemas.microsoft.com/office/drawing/2010/main" val="0"/>
-              </a:ext>
-              <a:ext uri="{96DAC541-7B7A-43D3-8B79-37D633B846F1}">
-                <asvg:svgBlip xmlns:asvg="http://schemas.microsoft.com/office/drawing/2016/SVG/main" r:embed="rId3"/>
-              </a:ext>
-            </a:extLst>
-          </a:blip>
-          <a:stretch>
-            <a:fillRect/>
-          </a:stretch>
-        </p:blipFill>
-        <p:spPr>
-          <a:xfrm>
-            <a:off x="888604" y="1550139"/>
-            <a:ext cx="3765692" cy="3765692"/>
-          </a:xfrm>
-          <a:prstGeom prst="rect">
-            <a:avLst/>
-          </a:prstGeom>
-        </p:spPr>
-      </p:pic>
-    </p:spTree>
-    <p:extLst>
-      <p:ext uri="{BB962C8B-B14F-4D97-AF65-F5344CB8AC3E}">
-        <p14:creationId xmlns:p14="http://schemas.microsoft.com/office/powerpoint/2010/main" val="819716599"/>
       </p:ext>
     </p:extLst>
   </p:cSld>

--- a/Buzzer.pptx
+++ b/Buzzer.pptx
@@ -11,11 +11,12 @@
     <p:sldId id="257" r:id="rId5"/>
     <p:sldId id="265" r:id="rId6"/>
     <p:sldId id="258" r:id="rId7"/>
-    <p:sldId id="268" r:id="rId8"/>
-    <p:sldId id="264" r:id="rId9"/>
-    <p:sldId id="263" r:id="rId10"/>
-    <p:sldId id="260" r:id="rId11"/>
-    <p:sldId id="266" r:id="rId12"/>
+    <p:sldId id="269" r:id="rId8"/>
+    <p:sldId id="268" r:id="rId9"/>
+    <p:sldId id="264" r:id="rId10"/>
+    <p:sldId id="263" r:id="rId11"/>
+    <p:sldId id="260" r:id="rId12"/>
+    <p:sldId id="266" r:id="rId13"/>
   </p:sldIdLst>
   <p:sldSz cx="12192000" cy="6858000"/>
   <p:notesSz cx="6858000" cy="9144000"/>
@@ -12013,6 +12014,98 @@
 <file path=ppt/slides/slide10.xml><?xml version="1.0" encoding="utf-8"?>
 <p:sld xmlns:a="http://schemas.openxmlformats.org/drawingml/2006/main" xmlns:r="http://schemas.openxmlformats.org/officeDocument/2006/relationships" xmlns:p="http://schemas.openxmlformats.org/presentationml/2006/main">
   <p:cSld>
+    <p:spTree>
+      <p:nvGrpSpPr>
+        <p:cNvPr id="1" name=""/>
+        <p:cNvGrpSpPr/>
+        <p:nvPr/>
+      </p:nvGrpSpPr>
+      <p:grpSpPr>
+        <a:xfrm>
+          <a:off x="0" y="0"/>
+          <a:ext cx="0" cy="0"/>
+          <a:chOff x="0" y="0"/>
+          <a:chExt cx="0" cy="0"/>
+        </a:xfrm>
+      </p:grpSpPr>
+      <p:sp>
+        <p:nvSpPr>
+          <p:cNvPr id="2" name="Titel 1">
+            <a:extLst>
+              <a:ext uri="{FF2B5EF4-FFF2-40B4-BE49-F238E27FC236}">
+                <a16:creationId xmlns:a16="http://schemas.microsoft.com/office/drawing/2014/main" id="{69462FC5-0605-4F47-A7D6-BE0FC786991C}"/>
+              </a:ext>
+            </a:extLst>
+          </p:cNvPr>
+          <p:cNvSpPr>
+            <a:spLocks noGrp="1"/>
+          </p:cNvSpPr>
+          <p:nvPr>
+            <p:ph type="title"/>
+          </p:nvPr>
+        </p:nvSpPr>
+        <p:spPr/>
+        <p:txBody>
+          <a:bodyPr/>
+          <a:lstStyle/>
+          <a:p>
+            <a:r>
+              <a:rPr lang="de-DE" dirty="0"/>
+              <a:t>Erweiterungen</a:t>
+            </a:r>
+          </a:p>
+        </p:txBody>
+      </p:sp>
+      <p:sp>
+        <p:nvSpPr>
+          <p:cNvPr id="3" name="Inhaltsplatzhalter 2">
+            <a:extLst>
+              <a:ext uri="{FF2B5EF4-FFF2-40B4-BE49-F238E27FC236}">
+                <a16:creationId xmlns:a16="http://schemas.microsoft.com/office/drawing/2014/main" id="{8FF5617A-959B-4DAF-AC32-C0A804554E40}"/>
+              </a:ext>
+            </a:extLst>
+          </p:cNvPr>
+          <p:cNvSpPr>
+            <a:spLocks noGrp="1"/>
+          </p:cNvSpPr>
+          <p:nvPr>
+            <p:ph idx="1"/>
+          </p:nvPr>
+        </p:nvSpPr>
+        <p:spPr/>
+        <p:txBody>
+          <a:bodyPr/>
+          <a:lstStyle/>
+          <a:p>
+            <a:r>
+              <a:rPr lang="de-DE" dirty="0"/>
+              <a:t>Zufallsgenerator</a:t>
+            </a:r>
+          </a:p>
+          <a:p>
+            <a:r>
+              <a:rPr lang="de-DE" dirty="0"/>
+              <a:t>Buzzer für andere Funktionen nutzen (auslösen des Lichts auf Signal)</a:t>
+            </a:r>
+          </a:p>
+        </p:txBody>
+      </p:sp>
+    </p:spTree>
+    <p:extLst>
+      <p:ext uri="{BB962C8B-B14F-4D97-AF65-F5344CB8AC3E}">
+        <p14:creationId xmlns:p14="http://schemas.microsoft.com/office/powerpoint/2010/main" val="1120401153"/>
+      </p:ext>
+    </p:extLst>
+  </p:cSld>
+  <p:clrMapOvr>
+    <a:masterClrMapping/>
+  </p:clrMapOvr>
+</p:sld>
+</file>
+
+<file path=ppt/slides/slide11.xml><?xml version="1.0" encoding="utf-8"?>
+<p:sld xmlns:a="http://schemas.openxmlformats.org/drawingml/2006/main" xmlns:r="http://schemas.openxmlformats.org/officeDocument/2006/relationships" xmlns:p="http://schemas.openxmlformats.org/presentationml/2006/main">
+  <p:cSld>
     <p:bg>
       <p:bgPr>
         <a:solidFill>
@@ -12900,7 +12993,7 @@
 </p:sld>
 </file>
 
-<file path=ppt/slides/slide11.xml><?xml version="1.0" encoding="utf-8"?>
+<file path=ppt/slides/slide12.xml><?xml version="1.0" encoding="utf-8"?>
 <p:sld xmlns:a="http://schemas.openxmlformats.org/drawingml/2006/main" xmlns:r="http://schemas.openxmlformats.org/officeDocument/2006/relationships" xmlns:p="http://schemas.openxmlformats.org/presentationml/2006/main">
   <p:cSld>
     <p:bg>
@@ -14931,6 +15024,14 @@
 <file path=ppt/slides/slide7.xml><?xml version="1.0" encoding="utf-8"?>
 <p:sld xmlns:a="http://schemas.openxmlformats.org/drawingml/2006/main" xmlns:r="http://schemas.openxmlformats.org/officeDocument/2006/relationships" xmlns:p="http://schemas.openxmlformats.org/presentationml/2006/main">
   <p:cSld>
+    <p:bg>
+      <p:bgPr>
+        <a:solidFill>
+          <a:schemeClr val="bg1"/>
+        </a:solidFill>
+        <a:effectLst/>
+      </p:bgPr>
+    </p:bg>
     <p:spTree>
       <p:nvGrpSpPr>
         <p:cNvPr id="1" name=""/>
@@ -14945,12 +15046,44 @@
           <a:chExt cx="0" cy="0"/>
         </a:xfrm>
       </p:grpSpPr>
+      <p:pic>
+        <p:nvPicPr>
+          <p:cNvPr id="4" name="Inhaltsplatzhalter 3">
+            <a:extLst>
+              <a:ext uri="{FF2B5EF4-FFF2-40B4-BE49-F238E27FC236}">
+                <a16:creationId xmlns:a16="http://schemas.microsoft.com/office/drawing/2014/main" id="{0903D3D2-EC2E-422B-8B56-C333ACEC1890}"/>
+              </a:ext>
+            </a:extLst>
+          </p:cNvPr>
+          <p:cNvPicPr>
+            <a:picLocks noGrp="1" noChangeAspect="1"/>
+          </p:cNvPicPr>
+          <p:nvPr>
+            <p:ph idx="1"/>
+          </p:nvPr>
+        </p:nvPicPr>
+        <p:blipFill>
+          <a:blip r:embed="rId2"/>
+          <a:stretch>
+            <a:fillRect/>
+          </a:stretch>
+        </p:blipFill>
+        <p:spPr>
+          <a:xfrm>
+            <a:off x="1323740" y="715607"/>
+            <a:ext cx="8993078" cy="5674288"/>
+          </a:xfrm>
+          <a:prstGeom prst="rect">
+            <a:avLst/>
+          </a:prstGeom>
+        </p:spPr>
+      </p:pic>
       <p:sp>
         <p:nvSpPr>
           <p:cNvPr id="2" name="Titel 1">
             <a:extLst>
               <a:ext uri="{FF2B5EF4-FFF2-40B4-BE49-F238E27FC236}">
-                <a16:creationId xmlns:a16="http://schemas.microsoft.com/office/drawing/2014/main" id="{EBE08393-8DFF-46D0-800D-B5ACD64AF93D}"/>
+                <a16:creationId xmlns:a16="http://schemas.microsoft.com/office/drawing/2014/main" id="{437CDD1B-7E7E-453E-9236-E0D4E183C4A9}"/>
               </a:ext>
             </a:extLst>
           </p:cNvPr>
@@ -14961,86 +15094,29 @@
             <p:ph type="title"/>
           </p:nvPr>
         </p:nvSpPr>
-        <p:spPr/>
-        <p:txBody>
-          <a:bodyPr/>
-          <a:lstStyle/>
-          <a:p>
-            <a:r>
-              <a:rPr lang="de-DE" dirty="0"/>
-              <a:t>Implementation</a:t>
-            </a:r>
-          </a:p>
-        </p:txBody>
-      </p:sp>
-      <p:sp>
-        <p:nvSpPr>
-          <p:cNvPr id="4" name="Inhaltsplatzhalter 3">
-            <a:extLst>
-              <a:ext uri="{FF2B5EF4-FFF2-40B4-BE49-F238E27FC236}">
-                <a16:creationId xmlns:a16="http://schemas.microsoft.com/office/drawing/2014/main" id="{40A506D3-087F-4317-A2F1-F990949B5EBD}"/>
-              </a:ext>
-            </a:extLst>
-          </p:cNvPr>
-          <p:cNvSpPr>
-            <a:spLocks noGrp="1"/>
-          </p:cNvSpPr>
-          <p:nvPr>
-            <p:ph idx="1"/>
-          </p:nvPr>
-        </p:nvSpPr>
         <p:spPr>
           <a:xfrm>
-            <a:off x="677334" y="2160590"/>
-            <a:ext cx="8596668" cy="488826"/>
+            <a:off x="517536" y="547456"/>
+            <a:ext cx="8596668" cy="1320800"/>
           </a:xfrm>
         </p:spPr>
         <p:txBody>
-          <a:bodyPr/>
+          <a:bodyPr>
+            <a:normAutofit/>
+          </a:bodyPr>
           <a:lstStyle/>
           <a:p>
             <a:r>
-              <a:rPr lang="de-DE" dirty="0" err="1"/>
-              <a:t>Timer</a:t>
+              <a:rPr lang="de-DE" dirty="0"/>
+              <a:t>Programmablauf</a:t>
             </a:r>
-            <a:endParaRPr lang="de-DE" dirty="0"/>
           </a:p>
         </p:txBody>
       </p:sp>
-      <p:pic>
-        <p:nvPicPr>
-          <p:cNvPr id="6" name="Inhaltsplatzhalter 7">
-            <a:extLst>
-              <a:ext uri="{FF2B5EF4-FFF2-40B4-BE49-F238E27FC236}">
-                <a16:creationId xmlns:a16="http://schemas.microsoft.com/office/drawing/2014/main" id="{5D772CD7-920F-410B-9329-F54FBB510B4B}"/>
-              </a:ext>
-            </a:extLst>
-          </p:cNvPr>
-          <p:cNvPicPr>
-            <a:picLocks noChangeAspect="1"/>
-          </p:cNvPicPr>
-          <p:nvPr/>
-        </p:nvPicPr>
-        <p:blipFill>
-          <a:blip r:embed="rId2"/>
-          <a:stretch>
-            <a:fillRect/>
-          </a:stretch>
-        </p:blipFill>
-        <p:spPr>
-          <a:xfrm>
-            <a:off x="677334" y="2830750"/>
-            <a:ext cx="8984642" cy="2249284"/>
-          </a:xfrm>
-          <a:prstGeom prst="rect">
-            <a:avLst/>
-          </a:prstGeom>
-        </p:spPr>
-      </p:pic>
     </p:spTree>
     <p:extLst>
       <p:ext uri="{BB962C8B-B14F-4D97-AF65-F5344CB8AC3E}">
-        <p14:creationId xmlns:p14="http://schemas.microsoft.com/office/powerpoint/2010/main" val="3818973746"/>
+        <p14:creationId xmlns:p14="http://schemas.microsoft.com/office/powerpoint/2010/main" val="2260139816"/>
       </p:ext>
     </p:extLst>
   </p:cSld>
@@ -15113,6 +15189,128 @@
         </p:nvSpPr>
         <p:spPr>
           <a:xfrm>
+            <a:off x="677334" y="2160590"/>
+            <a:ext cx="8596668" cy="488826"/>
+          </a:xfrm>
+        </p:spPr>
+        <p:txBody>
+          <a:bodyPr/>
+          <a:lstStyle/>
+          <a:p>
+            <a:r>
+              <a:rPr lang="de-DE" dirty="0" err="1"/>
+              <a:t>Timer</a:t>
+            </a:r>
+            <a:endParaRPr lang="de-DE" dirty="0"/>
+          </a:p>
+        </p:txBody>
+      </p:sp>
+      <p:pic>
+        <p:nvPicPr>
+          <p:cNvPr id="6" name="Inhaltsplatzhalter 7">
+            <a:extLst>
+              <a:ext uri="{FF2B5EF4-FFF2-40B4-BE49-F238E27FC236}">
+                <a16:creationId xmlns:a16="http://schemas.microsoft.com/office/drawing/2014/main" id="{5D772CD7-920F-410B-9329-F54FBB510B4B}"/>
+              </a:ext>
+            </a:extLst>
+          </p:cNvPr>
+          <p:cNvPicPr>
+            <a:picLocks noChangeAspect="1"/>
+          </p:cNvPicPr>
+          <p:nvPr/>
+        </p:nvPicPr>
+        <p:blipFill>
+          <a:blip r:embed="rId2"/>
+          <a:stretch>
+            <a:fillRect/>
+          </a:stretch>
+        </p:blipFill>
+        <p:spPr>
+          <a:xfrm>
+            <a:off x="677334" y="2830750"/>
+            <a:ext cx="8984642" cy="2249284"/>
+          </a:xfrm>
+          <a:prstGeom prst="rect">
+            <a:avLst/>
+          </a:prstGeom>
+        </p:spPr>
+      </p:pic>
+    </p:spTree>
+    <p:extLst>
+      <p:ext uri="{BB962C8B-B14F-4D97-AF65-F5344CB8AC3E}">
+        <p14:creationId xmlns:p14="http://schemas.microsoft.com/office/powerpoint/2010/main" val="3818973746"/>
+      </p:ext>
+    </p:extLst>
+  </p:cSld>
+  <p:clrMapOvr>
+    <a:masterClrMapping/>
+  </p:clrMapOvr>
+</p:sld>
+</file>
+
+<file path=ppt/slides/slide9.xml><?xml version="1.0" encoding="utf-8"?>
+<p:sld xmlns:a="http://schemas.openxmlformats.org/drawingml/2006/main" xmlns:r="http://schemas.openxmlformats.org/officeDocument/2006/relationships" xmlns:p="http://schemas.openxmlformats.org/presentationml/2006/main">
+  <p:cSld>
+    <p:spTree>
+      <p:nvGrpSpPr>
+        <p:cNvPr id="1" name=""/>
+        <p:cNvGrpSpPr/>
+        <p:nvPr/>
+      </p:nvGrpSpPr>
+      <p:grpSpPr>
+        <a:xfrm>
+          <a:off x="0" y="0"/>
+          <a:ext cx="0" cy="0"/>
+          <a:chOff x="0" y="0"/>
+          <a:chExt cx="0" cy="0"/>
+        </a:xfrm>
+      </p:grpSpPr>
+      <p:sp>
+        <p:nvSpPr>
+          <p:cNvPr id="2" name="Titel 1">
+            <a:extLst>
+              <a:ext uri="{FF2B5EF4-FFF2-40B4-BE49-F238E27FC236}">
+                <a16:creationId xmlns:a16="http://schemas.microsoft.com/office/drawing/2014/main" id="{EBE08393-8DFF-46D0-800D-B5ACD64AF93D}"/>
+              </a:ext>
+            </a:extLst>
+          </p:cNvPr>
+          <p:cNvSpPr>
+            <a:spLocks noGrp="1"/>
+          </p:cNvSpPr>
+          <p:nvPr>
+            <p:ph type="title"/>
+          </p:nvPr>
+        </p:nvSpPr>
+        <p:spPr/>
+        <p:txBody>
+          <a:bodyPr/>
+          <a:lstStyle/>
+          <a:p>
+            <a:r>
+              <a:rPr lang="de-DE" dirty="0"/>
+              <a:t>Implementation</a:t>
+            </a:r>
+          </a:p>
+        </p:txBody>
+      </p:sp>
+      <p:sp>
+        <p:nvSpPr>
+          <p:cNvPr id="4" name="Inhaltsplatzhalter 3">
+            <a:extLst>
+              <a:ext uri="{FF2B5EF4-FFF2-40B4-BE49-F238E27FC236}">
+                <a16:creationId xmlns:a16="http://schemas.microsoft.com/office/drawing/2014/main" id="{40A506D3-087F-4317-A2F1-F990949B5EBD}"/>
+              </a:ext>
+            </a:extLst>
+          </p:cNvPr>
+          <p:cNvSpPr>
+            <a:spLocks noGrp="1"/>
+          </p:cNvSpPr>
+          <p:nvPr>
+            <p:ph idx="1"/>
+          </p:nvPr>
+        </p:nvSpPr>
+        <p:spPr>
+          <a:xfrm>
             <a:off x="677334" y="2160589"/>
             <a:ext cx="8596668" cy="3308055"/>
           </a:xfrm>
@@ -15199,98 +15397,6 @@
     <p:extLst>
       <p:ext uri="{BB962C8B-B14F-4D97-AF65-F5344CB8AC3E}">
         <p14:creationId xmlns:p14="http://schemas.microsoft.com/office/powerpoint/2010/main" val="2323375115"/>
-      </p:ext>
-    </p:extLst>
-  </p:cSld>
-  <p:clrMapOvr>
-    <a:masterClrMapping/>
-  </p:clrMapOvr>
-</p:sld>
-</file>
-
-<file path=ppt/slides/slide9.xml><?xml version="1.0" encoding="utf-8"?>
-<p:sld xmlns:a="http://schemas.openxmlformats.org/drawingml/2006/main" xmlns:r="http://schemas.openxmlformats.org/officeDocument/2006/relationships" xmlns:p="http://schemas.openxmlformats.org/presentationml/2006/main">
-  <p:cSld>
-    <p:spTree>
-      <p:nvGrpSpPr>
-        <p:cNvPr id="1" name=""/>
-        <p:cNvGrpSpPr/>
-        <p:nvPr/>
-      </p:nvGrpSpPr>
-      <p:grpSpPr>
-        <a:xfrm>
-          <a:off x="0" y="0"/>
-          <a:ext cx="0" cy="0"/>
-          <a:chOff x="0" y="0"/>
-          <a:chExt cx="0" cy="0"/>
-        </a:xfrm>
-      </p:grpSpPr>
-      <p:sp>
-        <p:nvSpPr>
-          <p:cNvPr id="2" name="Titel 1">
-            <a:extLst>
-              <a:ext uri="{FF2B5EF4-FFF2-40B4-BE49-F238E27FC236}">
-                <a16:creationId xmlns:a16="http://schemas.microsoft.com/office/drawing/2014/main" id="{69462FC5-0605-4F47-A7D6-BE0FC786991C}"/>
-              </a:ext>
-            </a:extLst>
-          </p:cNvPr>
-          <p:cNvSpPr>
-            <a:spLocks noGrp="1"/>
-          </p:cNvSpPr>
-          <p:nvPr>
-            <p:ph type="title"/>
-          </p:nvPr>
-        </p:nvSpPr>
-        <p:spPr/>
-        <p:txBody>
-          <a:bodyPr/>
-          <a:lstStyle/>
-          <a:p>
-            <a:r>
-              <a:rPr lang="de-DE" dirty="0"/>
-              <a:t>Erweiterungen</a:t>
-            </a:r>
-          </a:p>
-        </p:txBody>
-      </p:sp>
-      <p:sp>
-        <p:nvSpPr>
-          <p:cNvPr id="3" name="Inhaltsplatzhalter 2">
-            <a:extLst>
-              <a:ext uri="{FF2B5EF4-FFF2-40B4-BE49-F238E27FC236}">
-                <a16:creationId xmlns:a16="http://schemas.microsoft.com/office/drawing/2014/main" id="{8FF5617A-959B-4DAF-AC32-C0A804554E40}"/>
-              </a:ext>
-            </a:extLst>
-          </p:cNvPr>
-          <p:cNvSpPr>
-            <a:spLocks noGrp="1"/>
-          </p:cNvSpPr>
-          <p:nvPr>
-            <p:ph idx="1"/>
-          </p:nvPr>
-        </p:nvSpPr>
-        <p:spPr/>
-        <p:txBody>
-          <a:bodyPr/>
-          <a:lstStyle/>
-          <a:p>
-            <a:r>
-              <a:rPr lang="de-DE" dirty="0"/>
-              <a:t>Zufallsgenerator</a:t>
-            </a:r>
-          </a:p>
-          <a:p>
-            <a:r>
-              <a:rPr lang="de-DE" dirty="0"/>
-              <a:t>Buzzer für andere Funktionen nutzen (auslösen des Lichts auf Signal)</a:t>
-            </a:r>
-          </a:p>
-        </p:txBody>
-      </p:sp>
-    </p:spTree>
-    <p:extLst>
-      <p:ext uri="{BB962C8B-B14F-4D97-AF65-F5344CB8AC3E}">
-        <p14:creationId xmlns:p14="http://schemas.microsoft.com/office/powerpoint/2010/main" val="1120401153"/>
       </p:ext>
     </p:extLst>
   </p:cSld>

--- a/Buzzer.pptx
+++ b/Buzzer.pptx
@@ -15048,19 +15048,17 @@
       </p:grpSpPr>
       <p:pic>
         <p:nvPicPr>
-          <p:cNvPr id="4" name="Inhaltsplatzhalter 3">
+          <p:cNvPr id="27" name="Grafik 26">
             <a:extLst>
               <a:ext uri="{FF2B5EF4-FFF2-40B4-BE49-F238E27FC236}">
-                <a16:creationId xmlns:a16="http://schemas.microsoft.com/office/drawing/2014/main" id="{0903D3D2-EC2E-422B-8B56-C333ACEC1890}"/>
+                <a16:creationId xmlns:a16="http://schemas.microsoft.com/office/drawing/2014/main" id="{4EAD304A-B942-4FCB-88FB-393AE140BE35}"/>
               </a:ext>
             </a:extLst>
           </p:cNvPr>
           <p:cNvPicPr>
-            <a:picLocks noGrp="1" noChangeAspect="1"/>
+            <a:picLocks noChangeAspect="1"/>
           </p:cNvPicPr>
-          <p:nvPr>
-            <p:ph idx="1"/>
-          </p:nvPr>
+          <p:nvPr/>
         </p:nvPicPr>
         <p:blipFill>
           <a:blip r:embed="rId2"/>
@@ -15070,8 +15068,8 @@
         </p:blipFill>
         <p:spPr>
           <a:xfrm>
-            <a:off x="1323740" y="715607"/>
-            <a:ext cx="8993078" cy="5674288"/>
+            <a:off x="2183908" y="547456"/>
+            <a:ext cx="8078035" cy="5872825"/>
           </a:xfrm>
           <a:prstGeom prst="rect">
             <a:avLst/>
@@ -15113,6 +15111,129 @@
           </a:p>
         </p:txBody>
       </p:sp>
+      <p:cxnSp>
+        <p:nvCxnSpPr>
+          <p:cNvPr id="17" name="Gerade Verbindung mit Pfeil 16">
+            <a:extLst>
+              <a:ext uri="{FF2B5EF4-FFF2-40B4-BE49-F238E27FC236}">
+                <a16:creationId xmlns:a16="http://schemas.microsoft.com/office/drawing/2014/main" id="{6B64B635-70AE-404C-81A0-01DDEC8CC990}"/>
+              </a:ext>
+            </a:extLst>
+          </p:cNvPr>
+          <p:cNvCxnSpPr>
+            <a:cxnSpLocks/>
+          </p:cNvCxnSpPr>
+          <p:nvPr/>
+        </p:nvCxnSpPr>
+        <p:spPr>
+          <a:xfrm flipH="1">
+            <a:off x="3435659" y="3241807"/>
+            <a:ext cx="1380211" cy="1916119"/>
+          </a:xfrm>
+          <a:prstGeom prst="straightConnector1">
+            <a:avLst/>
+          </a:prstGeom>
+          <a:ln>
+            <a:tailEnd type="triangle"/>
+          </a:ln>
+        </p:spPr>
+        <p:style>
+          <a:lnRef idx="1">
+            <a:schemeClr val="dk1"/>
+          </a:lnRef>
+          <a:fillRef idx="0">
+            <a:schemeClr val="dk1"/>
+          </a:fillRef>
+          <a:effectRef idx="0">
+            <a:schemeClr val="dk1"/>
+          </a:effectRef>
+          <a:fontRef idx="minor">
+            <a:schemeClr val="tx1"/>
+          </a:fontRef>
+        </p:style>
+      </p:cxnSp>
+      <p:cxnSp>
+        <p:nvCxnSpPr>
+          <p:cNvPr id="22" name="Gerade Verbindung mit Pfeil 21">
+            <a:extLst>
+              <a:ext uri="{FF2B5EF4-FFF2-40B4-BE49-F238E27FC236}">
+                <a16:creationId xmlns:a16="http://schemas.microsoft.com/office/drawing/2014/main" id="{62A4B74F-9AF7-47AA-A4DB-A5AC44829730}"/>
+              </a:ext>
+            </a:extLst>
+          </p:cNvPr>
+          <p:cNvCxnSpPr>
+            <a:cxnSpLocks/>
+          </p:cNvCxnSpPr>
+          <p:nvPr/>
+        </p:nvCxnSpPr>
+        <p:spPr>
+          <a:xfrm flipH="1">
+            <a:off x="3453653" y="4758678"/>
+            <a:ext cx="3444297" cy="462133"/>
+          </a:xfrm>
+          <a:prstGeom prst="straightConnector1">
+            <a:avLst/>
+          </a:prstGeom>
+          <a:ln>
+            <a:tailEnd type="triangle"/>
+          </a:ln>
+        </p:spPr>
+        <p:style>
+          <a:lnRef idx="1">
+            <a:schemeClr val="dk1"/>
+          </a:lnRef>
+          <a:fillRef idx="0">
+            <a:schemeClr val="dk1"/>
+          </a:fillRef>
+          <a:effectRef idx="0">
+            <a:schemeClr val="dk1"/>
+          </a:effectRef>
+          <a:fontRef idx="minor">
+            <a:schemeClr val="tx1"/>
+          </a:fontRef>
+        </p:style>
+      </p:cxnSp>
+      <p:cxnSp>
+        <p:nvCxnSpPr>
+          <p:cNvPr id="24" name="Gerade Verbindung mit Pfeil 23">
+            <a:extLst>
+              <a:ext uri="{FF2B5EF4-FFF2-40B4-BE49-F238E27FC236}">
+                <a16:creationId xmlns:a16="http://schemas.microsoft.com/office/drawing/2014/main" id="{F6618667-2D87-4D48-9BFC-56CE98C8EDDE}"/>
+              </a:ext>
+            </a:extLst>
+          </p:cNvPr>
+          <p:cNvCxnSpPr>
+            <a:cxnSpLocks/>
+          </p:cNvCxnSpPr>
+          <p:nvPr/>
+        </p:nvCxnSpPr>
+        <p:spPr>
+          <a:xfrm flipH="1">
+            <a:off x="3430954" y="4758678"/>
+            <a:ext cx="5683250" cy="689145"/>
+          </a:xfrm>
+          <a:prstGeom prst="straightConnector1">
+            <a:avLst/>
+          </a:prstGeom>
+          <a:ln>
+            <a:tailEnd type="triangle"/>
+          </a:ln>
+        </p:spPr>
+        <p:style>
+          <a:lnRef idx="1">
+            <a:schemeClr val="dk1"/>
+          </a:lnRef>
+          <a:fillRef idx="0">
+            <a:schemeClr val="dk1"/>
+          </a:fillRef>
+          <a:effectRef idx="0">
+            <a:schemeClr val="dk1"/>
+          </a:effectRef>
+          <a:fontRef idx="minor">
+            <a:schemeClr val="tx1"/>
+          </a:fontRef>
+        </p:style>
+      </p:cxnSp>
     </p:spTree>
     <p:extLst>
       <p:ext uri="{BB962C8B-B14F-4D97-AF65-F5344CB8AC3E}">

--- a/Buzzer.pptx
+++ b/Buzzer.pptx
@@ -12088,6 +12088,12 @@
               <a:t>Buzzer für andere Funktionen nutzen (auslösen des Lichts auf Signal)</a:t>
             </a:r>
           </a:p>
+          <a:p>
+            <a:r>
+              <a:rPr lang="de-DE" dirty="0"/>
+              <a:t>Noch mehr Spieler!!!</a:t>
+            </a:r>
+          </a:p>
         </p:txBody>
       </p:sp>
     </p:spTree>
